--- a/health/userDocs/UniboFhirFigs.pptx
+++ b/health/userDocs/UniboFhirFigs.pptx
@@ -11,17 +11,18 @@
     <p:sldId id="293" r:id="rId5"/>
     <p:sldId id="290" r:id="rId6"/>
     <p:sldId id="304" r:id="rId7"/>
-    <p:sldId id="292" r:id="rId8"/>
-    <p:sldId id="294" r:id="rId9"/>
-    <p:sldId id="295" r:id="rId10"/>
-    <p:sldId id="296" r:id="rId11"/>
-    <p:sldId id="298" r:id="rId12"/>
-    <p:sldId id="297" r:id="rId13"/>
-    <p:sldId id="299" r:id="rId14"/>
-    <p:sldId id="300" r:id="rId15"/>
-    <p:sldId id="302" r:id="rId16"/>
-    <p:sldId id="301" r:id="rId17"/>
-    <p:sldId id="303" r:id="rId18"/>
+    <p:sldId id="305" r:id="rId8"/>
+    <p:sldId id="292" r:id="rId9"/>
+    <p:sldId id="294" r:id="rId10"/>
+    <p:sldId id="295" r:id="rId11"/>
+    <p:sldId id="296" r:id="rId12"/>
+    <p:sldId id="298" r:id="rId13"/>
+    <p:sldId id="297" r:id="rId14"/>
+    <p:sldId id="299" r:id="rId15"/>
+    <p:sldId id="300" r:id="rId16"/>
+    <p:sldId id="302" r:id="rId17"/>
+    <p:sldId id="301" r:id="rId18"/>
+    <p:sldId id="303" r:id="rId19"/>
   </p:sldIdLst>
   <p:sldSz cx="9144000" cy="6858000" type="screen4x3"/>
   <p:notesSz cx="6858000" cy="9144000"/>
@@ -122,7 +123,7 @@
   </p:defaultTextStyle>
   <p:extLst>
     <p:ext uri="{EFAFB233-063F-42B5-8137-9DF3F51BA10A}">
-      <p15:sldGuideLst xmlns="" xmlns:p15="http://schemas.microsoft.com/office/powerpoint/2012/main">
+      <p15:sldGuideLst xmlns:p15="http://schemas.microsoft.com/office/powerpoint/2012/main" xmlns="">
         <p15:guide id="1" orient="horz" pos="2160">
           <p15:clr>
             <a:srgbClr val="A4A3A4"/>
@@ -320,7 +321,7 @@
           <a:p>
             <a:fld id="{486DFF9D-000F-417D-A1D1-C441A4010B1E}" type="datetimeFigureOut">
               <a:rPr lang="en-GB" smtClean="0"/>
-              <a:t>16/09/2020</a:t>
+              <a:t>17/09/2020</a:t>
             </a:fld>
             <a:endParaRPr lang="en-GB"/>
           </a:p>
@@ -490,7 +491,7 @@
           <a:p>
             <a:fld id="{486DFF9D-000F-417D-A1D1-C441A4010B1E}" type="datetimeFigureOut">
               <a:rPr lang="en-GB" smtClean="0"/>
-              <a:t>16/09/2020</a:t>
+              <a:t>17/09/2020</a:t>
             </a:fld>
             <a:endParaRPr lang="en-GB"/>
           </a:p>
@@ -670,7 +671,7 @@
           <a:p>
             <a:fld id="{486DFF9D-000F-417D-A1D1-C441A4010B1E}" type="datetimeFigureOut">
               <a:rPr lang="en-GB" smtClean="0"/>
-              <a:t>16/09/2020</a:t>
+              <a:t>17/09/2020</a:t>
             </a:fld>
             <a:endParaRPr lang="en-GB"/>
           </a:p>
@@ -840,7 +841,7 @@
           <a:p>
             <a:fld id="{486DFF9D-000F-417D-A1D1-C441A4010B1E}" type="datetimeFigureOut">
               <a:rPr lang="en-GB" smtClean="0"/>
-              <a:t>16/09/2020</a:t>
+              <a:t>17/09/2020</a:t>
             </a:fld>
             <a:endParaRPr lang="en-GB"/>
           </a:p>
@@ -1086,7 +1087,7 @@
           <a:p>
             <a:fld id="{486DFF9D-000F-417D-A1D1-C441A4010B1E}" type="datetimeFigureOut">
               <a:rPr lang="en-GB" smtClean="0"/>
-              <a:t>16/09/2020</a:t>
+              <a:t>17/09/2020</a:t>
             </a:fld>
             <a:endParaRPr lang="en-GB"/>
           </a:p>
@@ -1374,7 +1375,7 @@
           <a:p>
             <a:fld id="{486DFF9D-000F-417D-A1D1-C441A4010B1E}" type="datetimeFigureOut">
               <a:rPr lang="en-GB" smtClean="0"/>
-              <a:t>16/09/2020</a:t>
+              <a:t>17/09/2020</a:t>
             </a:fld>
             <a:endParaRPr lang="en-GB"/>
           </a:p>
@@ -1796,7 +1797,7 @@
           <a:p>
             <a:fld id="{486DFF9D-000F-417D-A1D1-C441A4010B1E}" type="datetimeFigureOut">
               <a:rPr lang="en-GB" smtClean="0"/>
-              <a:t>16/09/2020</a:t>
+              <a:t>17/09/2020</a:t>
             </a:fld>
             <a:endParaRPr lang="en-GB"/>
           </a:p>
@@ -1914,7 +1915,7 @@
           <a:p>
             <a:fld id="{486DFF9D-000F-417D-A1D1-C441A4010B1E}" type="datetimeFigureOut">
               <a:rPr lang="en-GB" smtClean="0"/>
-              <a:t>16/09/2020</a:t>
+              <a:t>17/09/2020</a:t>
             </a:fld>
             <a:endParaRPr lang="en-GB"/>
           </a:p>
@@ -2009,7 +2010,7 @@
           <a:p>
             <a:fld id="{486DFF9D-000F-417D-A1D1-C441A4010B1E}" type="datetimeFigureOut">
               <a:rPr lang="en-GB" smtClean="0"/>
-              <a:t>16/09/2020</a:t>
+              <a:t>17/09/2020</a:t>
             </a:fld>
             <a:endParaRPr lang="en-GB"/>
           </a:p>
@@ -2286,7 +2287,7 @@
           <a:p>
             <a:fld id="{486DFF9D-000F-417D-A1D1-C441A4010B1E}" type="datetimeFigureOut">
               <a:rPr lang="en-GB" smtClean="0"/>
-              <a:t>16/09/2020</a:t>
+              <a:t>17/09/2020</a:t>
             </a:fld>
             <a:endParaRPr lang="en-GB"/>
           </a:p>
@@ -2539,7 +2540,7 @@
           <a:p>
             <a:fld id="{486DFF9D-000F-417D-A1D1-C441A4010B1E}" type="datetimeFigureOut">
               <a:rPr lang="en-GB" smtClean="0"/>
-              <a:t>16/09/2020</a:t>
+              <a:t>17/09/2020</a:t>
             </a:fld>
             <a:endParaRPr lang="en-GB"/>
           </a:p>
@@ -2752,7 +2753,7 @@
           <a:p>
             <a:fld id="{486DFF9D-000F-417D-A1D1-C441A4010B1E}" type="datetimeFigureOut">
               <a:rPr lang="en-GB" smtClean="0"/>
-              <a:t>16/09/2020</a:t>
+              <a:t>17/09/2020</a:t>
             </a:fld>
             <a:endParaRPr lang="en-GB"/>
           </a:p>
@@ -3618,9 +3619,9 @@
       </p:grpSpPr>
       <p:pic>
         <p:nvPicPr>
-          <p:cNvPr id="2" name="Immagine 1"/>
+          <p:cNvPr id="5122" name="Picture 2" descr="Image showing the diagnostic resources"/>
           <p:cNvPicPr>
-            <a:picLocks noChangeAspect="1"/>
+            <a:picLocks noChangeAspect="1" noChangeArrowheads="1"/>
           </p:cNvPicPr>
           <p:nvPr/>
         </p:nvPicPr>
@@ -3632,24 +3633,35 @@
               </a:ext>
             </a:extLst>
           </a:blip>
+          <a:srcRect/>
           <a:stretch>
             <a:fillRect/>
           </a:stretch>
         </p:blipFill>
-        <p:spPr>
-          <a:xfrm>
-            <a:off x="1681523" y="1433762"/>
-            <a:ext cx="5780953" cy="3990476"/>
+        <p:spPr bwMode="auto">
+          <a:xfrm>
+            <a:off x="1259632" y="908720"/>
+            <a:ext cx="6858000" cy="5143501"/>
           </a:xfrm>
           <a:prstGeom prst="rect">
             <a:avLst/>
           </a:prstGeom>
+          <a:noFill/>
+          <a:extLst>
+            <a:ext uri="{909E8E84-426E-40DD-AFC4-6F175D3DCCD1}">
+              <a14:hiddenFill xmlns:a14="http://schemas.microsoft.com/office/drawing/2010/main">
+                <a:solidFill>
+                  <a:srgbClr val="FFFFFF"/>
+                </a:solidFill>
+              </a14:hiddenFill>
+            </a:ext>
+          </a:extLst>
         </p:spPr>
       </p:pic>
     </p:spTree>
     <p:extLst>
       <p:ext uri="{BB962C8B-B14F-4D97-AF65-F5344CB8AC3E}">
-        <p14:creationId xmlns:p14="http://schemas.microsoft.com/office/powerpoint/2010/main" val="1983349474"/>
+        <p14:creationId xmlns:p14="http://schemas.microsoft.com/office/powerpoint/2010/main" val="4037344796"/>
       </p:ext>
     </p:extLst>
   </p:cSld>
@@ -3676,52 +3688,40 @@
           <a:chExt cx="0" cy="0"/>
         </a:xfrm>
       </p:grpSpPr>
-      <p:sp>
-        <p:nvSpPr>
-          <p:cNvPr id="2" name="Titolo 1"/>
-          <p:cNvSpPr>
-            <a:spLocks noGrp="1"/>
-          </p:cNvSpPr>
-          <p:nvPr>
-            <p:ph type="title"/>
-          </p:nvPr>
-        </p:nvSpPr>
-        <p:spPr/>
-        <p:txBody>
-          <a:bodyPr/>
-          <a:lstStyle/>
-          <a:p>
-            <a:r>
-              <a:rPr lang="it-IT" dirty="0" smtClean="0"/>
-              <a:t>CLINICAL</a:t>
-            </a:r>
-            <a:endParaRPr lang="en-GB" dirty="0"/>
-          </a:p>
-        </p:txBody>
-      </p:sp>
-      <p:sp>
-        <p:nvSpPr>
-          <p:cNvPr id="3" name="Segnaposto testo 2"/>
-          <p:cNvSpPr>
-            <a:spLocks noGrp="1"/>
-          </p:cNvSpPr>
-          <p:nvPr>
-            <p:ph type="body" idx="1"/>
-          </p:nvPr>
-        </p:nvSpPr>
-        <p:spPr/>
-        <p:txBody>
-          <a:bodyPr/>
-          <a:lstStyle/>
-          <a:p>
-            <a:endParaRPr lang="en-GB"/>
-          </a:p>
-        </p:txBody>
-      </p:sp>
+      <p:pic>
+        <p:nvPicPr>
+          <p:cNvPr id="2" name="Immagine 1"/>
+          <p:cNvPicPr>
+            <a:picLocks noChangeAspect="1"/>
+          </p:cNvPicPr>
+          <p:nvPr/>
+        </p:nvPicPr>
+        <p:blipFill>
+          <a:blip r:embed="rId2">
+            <a:extLst>
+              <a:ext uri="{28A0092B-C50C-407E-A947-70E740481C1C}">
+                <a14:useLocalDpi xmlns:a14="http://schemas.microsoft.com/office/drawing/2010/main" val="0"/>
+              </a:ext>
+            </a:extLst>
+          </a:blip>
+          <a:stretch>
+            <a:fillRect/>
+          </a:stretch>
+        </p:blipFill>
+        <p:spPr>
+          <a:xfrm>
+            <a:off x="1681523" y="1433762"/>
+            <a:ext cx="5780953" cy="3990476"/>
+          </a:xfrm>
+          <a:prstGeom prst="rect">
+            <a:avLst/>
+          </a:prstGeom>
+        </p:spPr>
+      </p:pic>
     </p:spTree>
     <p:extLst>
       <p:ext uri="{BB962C8B-B14F-4D97-AF65-F5344CB8AC3E}">
-        <p14:creationId xmlns:p14="http://schemas.microsoft.com/office/powerpoint/2010/main" val="1717983638"/>
+        <p14:creationId xmlns:p14="http://schemas.microsoft.com/office/powerpoint/2010/main" val="1983349474"/>
       </p:ext>
     </p:extLst>
   </p:cSld>
@@ -3748,40 +3748,52 @@
           <a:chExt cx="0" cy="0"/>
         </a:xfrm>
       </p:grpSpPr>
-      <p:pic>
-        <p:nvPicPr>
-          <p:cNvPr id="2" name="Immagine 1"/>
-          <p:cNvPicPr>
-            <a:picLocks noChangeAspect="1"/>
-          </p:cNvPicPr>
-          <p:nvPr/>
-        </p:nvPicPr>
-        <p:blipFill>
-          <a:blip r:embed="rId2">
-            <a:extLst>
-              <a:ext uri="{28A0092B-C50C-407E-A947-70E740481C1C}">
-                <a14:useLocalDpi xmlns:a14="http://schemas.microsoft.com/office/drawing/2010/main" val="0"/>
-              </a:ext>
-            </a:extLst>
-          </a:blip>
-          <a:stretch>
-            <a:fillRect/>
-          </a:stretch>
-        </p:blipFill>
-        <p:spPr>
-          <a:xfrm>
-            <a:off x="1191047" y="1133761"/>
-            <a:ext cx="6761905" cy="4590477"/>
-          </a:xfrm>
-          <a:prstGeom prst="rect">
-            <a:avLst/>
-          </a:prstGeom>
-        </p:spPr>
-      </p:pic>
+      <p:sp>
+        <p:nvSpPr>
+          <p:cNvPr id="2" name="Titolo 1"/>
+          <p:cNvSpPr>
+            <a:spLocks noGrp="1"/>
+          </p:cNvSpPr>
+          <p:nvPr>
+            <p:ph type="title"/>
+          </p:nvPr>
+        </p:nvSpPr>
+        <p:spPr/>
+        <p:txBody>
+          <a:bodyPr/>
+          <a:lstStyle/>
+          <a:p>
+            <a:r>
+              <a:rPr lang="it-IT" dirty="0" smtClean="0"/>
+              <a:t>CLINICAL</a:t>
+            </a:r>
+            <a:endParaRPr lang="en-GB" dirty="0"/>
+          </a:p>
+        </p:txBody>
+      </p:sp>
+      <p:sp>
+        <p:nvSpPr>
+          <p:cNvPr id="3" name="Segnaposto testo 2"/>
+          <p:cNvSpPr>
+            <a:spLocks noGrp="1"/>
+          </p:cNvSpPr>
+          <p:nvPr>
+            <p:ph type="body" idx="1"/>
+          </p:nvPr>
+        </p:nvSpPr>
+        <p:spPr/>
+        <p:txBody>
+          <a:bodyPr/>
+          <a:lstStyle/>
+          <a:p>
+            <a:endParaRPr lang="en-GB"/>
+          </a:p>
+        </p:txBody>
+      </p:sp>
     </p:spTree>
     <p:extLst>
       <p:ext uri="{BB962C8B-B14F-4D97-AF65-F5344CB8AC3E}">
-        <p14:creationId xmlns:p14="http://schemas.microsoft.com/office/powerpoint/2010/main" val="2599331138"/>
+        <p14:creationId xmlns:p14="http://schemas.microsoft.com/office/powerpoint/2010/main" val="1717983638"/>
       </p:ext>
     </p:extLst>
   </p:cSld>
@@ -3808,52 +3820,40 @@
           <a:chExt cx="0" cy="0"/>
         </a:xfrm>
       </p:grpSpPr>
-      <p:sp>
-        <p:nvSpPr>
-          <p:cNvPr id="2" name="Titolo 1"/>
-          <p:cNvSpPr>
-            <a:spLocks noGrp="1"/>
-          </p:cNvSpPr>
-          <p:nvPr>
-            <p:ph type="title"/>
-          </p:nvPr>
-        </p:nvSpPr>
-        <p:spPr/>
-        <p:txBody>
-          <a:bodyPr/>
-          <a:lstStyle/>
-          <a:p>
-            <a:r>
-              <a:rPr lang="it-IT" dirty="0" smtClean="0"/>
-              <a:t>ORGANIZATION</a:t>
-            </a:r>
-            <a:endParaRPr lang="en-GB" dirty="0"/>
-          </a:p>
-        </p:txBody>
-      </p:sp>
-      <p:sp>
-        <p:nvSpPr>
-          <p:cNvPr id="3" name="Segnaposto testo 2"/>
-          <p:cNvSpPr>
-            <a:spLocks noGrp="1"/>
-          </p:cNvSpPr>
-          <p:nvPr>
-            <p:ph type="body" idx="1"/>
-          </p:nvPr>
-        </p:nvSpPr>
-        <p:spPr/>
-        <p:txBody>
-          <a:bodyPr/>
-          <a:lstStyle/>
-          <a:p>
-            <a:endParaRPr lang="en-GB"/>
-          </a:p>
-        </p:txBody>
-      </p:sp>
+      <p:pic>
+        <p:nvPicPr>
+          <p:cNvPr id="2" name="Immagine 1"/>
+          <p:cNvPicPr>
+            <a:picLocks noChangeAspect="1"/>
+          </p:cNvPicPr>
+          <p:nvPr/>
+        </p:nvPicPr>
+        <p:blipFill>
+          <a:blip r:embed="rId2">
+            <a:extLst>
+              <a:ext uri="{28A0092B-C50C-407E-A947-70E740481C1C}">
+                <a14:useLocalDpi xmlns:a14="http://schemas.microsoft.com/office/drawing/2010/main" val="0"/>
+              </a:ext>
+            </a:extLst>
+          </a:blip>
+          <a:stretch>
+            <a:fillRect/>
+          </a:stretch>
+        </p:blipFill>
+        <p:spPr>
+          <a:xfrm>
+            <a:off x="1191047" y="1133761"/>
+            <a:ext cx="6761905" cy="4590477"/>
+          </a:xfrm>
+          <a:prstGeom prst="rect">
+            <a:avLst/>
+          </a:prstGeom>
+        </p:spPr>
+      </p:pic>
     </p:spTree>
     <p:extLst>
       <p:ext uri="{BB962C8B-B14F-4D97-AF65-F5344CB8AC3E}">
-        <p14:creationId xmlns:p14="http://schemas.microsoft.com/office/powerpoint/2010/main" val="1811937144"/>
+        <p14:creationId xmlns:p14="http://schemas.microsoft.com/office/powerpoint/2010/main" val="2599331138"/>
       </p:ext>
     </p:extLst>
   </p:cSld>
@@ -3880,40 +3880,52 @@
           <a:chExt cx="0" cy="0"/>
         </a:xfrm>
       </p:grpSpPr>
-      <p:pic>
-        <p:nvPicPr>
-          <p:cNvPr id="4" name="Immagine 3"/>
-          <p:cNvPicPr>
-            <a:picLocks noChangeAspect="1"/>
-          </p:cNvPicPr>
-          <p:nvPr/>
-        </p:nvPicPr>
-        <p:blipFill>
-          <a:blip r:embed="rId2">
-            <a:extLst>
-              <a:ext uri="{28A0092B-C50C-407E-A947-70E740481C1C}">
-                <a14:useLocalDpi xmlns:a14="http://schemas.microsoft.com/office/drawing/2010/main" val="0"/>
-              </a:ext>
-            </a:extLst>
-          </a:blip>
-          <a:stretch>
-            <a:fillRect/>
-          </a:stretch>
-        </p:blipFill>
-        <p:spPr>
-          <a:xfrm>
-            <a:off x="2086285" y="2671857"/>
-            <a:ext cx="4971429" cy="1514286"/>
-          </a:xfrm>
-          <a:prstGeom prst="rect">
-            <a:avLst/>
-          </a:prstGeom>
-        </p:spPr>
-      </p:pic>
+      <p:sp>
+        <p:nvSpPr>
+          <p:cNvPr id="2" name="Titolo 1"/>
+          <p:cNvSpPr>
+            <a:spLocks noGrp="1"/>
+          </p:cNvSpPr>
+          <p:nvPr>
+            <p:ph type="title"/>
+          </p:nvPr>
+        </p:nvSpPr>
+        <p:spPr/>
+        <p:txBody>
+          <a:bodyPr/>
+          <a:lstStyle/>
+          <a:p>
+            <a:r>
+              <a:rPr lang="it-IT" dirty="0" smtClean="0"/>
+              <a:t>ORGANIZATION</a:t>
+            </a:r>
+            <a:endParaRPr lang="en-GB" dirty="0"/>
+          </a:p>
+        </p:txBody>
+      </p:sp>
+      <p:sp>
+        <p:nvSpPr>
+          <p:cNvPr id="3" name="Segnaposto testo 2"/>
+          <p:cNvSpPr>
+            <a:spLocks noGrp="1"/>
+          </p:cNvSpPr>
+          <p:nvPr>
+            <p:ph type="body" idx="1"/>
+          </p:nvPr>
+        </p:nvSpPr>
+        <p:spPr/>
+        <p:txBody>
+          <a:bodyPr/>
+          <a:lstStyle/>
+          <a:p>
+            <a:endParaRPr lang="en-GB"/>
+          </a:p>
+        </p:txBody>
+      </p:sp>
     </p:spTree>
     <p:extLst>
       <p:ext uri="{BB962C8B-B14F-4D97-AF65-F5344CB8AC3E}">
-        <p14:creationId xmlns:p14="http://schemas.microsoft.com/office/powerpoint/2010/main" val="1729189346"/>
+        <p14:creationId xmlns:p14="http://schemas.microsoft.com/office/powerpoint/2010/main" val="1811937144"/>
       </p:ext>
     </p:extLst>
   </p:cSld>
@@ -3940,52 +3952,40 @@
           <a:chExt cx="0" cy="0"/>
         </a:xfrm>
       </p:grpSpPr>
-      <p:sp>
-        <p:nvSpPr>
-          <p:cNvPr id="2" name="Titolo 1"/>
-          <p:cNvSpPr>
-            <a:spLocks noGrp="1"/>
-          </p:cNvSpPr>
-          <p:nvPr>
-            <p:ph type="title"/>
-          </p:nvPr>
-        </p:nvSpPr>
-        <p:spPr/>
-        <p:txBody>
-          <a:bodyPr/>
-          <a:lstStyle/>
-          <a:p>
-            <a:r>
-              <a:rPr lang="it-IT" dirty="0" smtClean="0"/>
-              <a:t>MEDICATIONS</a:t>
-            </a:r>
-            <a:endParaRPr lang="en-GB" dirty="0"/>
-          </a:p>
-        </p:txBody>
-      </p:sp>
-      <p:sp>
-        <p:nvSpPr>
-          <p:cNvPr id="3" name="Segnaposto testo 2"/>
-          <p:cNvSpPr>
-            <a:spLocks noGrp="1"/>
-          </p:cNvSpPr>
-          <p:nvPr>
-            <p:ph type="body" idx="1"/>
-          </p:nvPr>
-        </p:nvSpPr>
-        <p:spPr/>
-        <p:txBody>
-          <a:bodyPr/>
-          <a:lstStyle/>
-          <a:p>
-            <a:endParaRPr lang="en-GB"/>
-          </a:p>
-        </p:txBody>
-      </p:sp>
+      <p:pic>
+        <p:nvPicPr>
+          <p:cNvPr id="4" name="Immagine 3"/>
+          <p:cNvPicPr>
+            <a:picLocks noChangeAspect="1"/>
+          </p:cNvPicPr>
+          <p:nvPr/>
+        </p:nvPicPr>
+        <p:blipFill>
+          <a:blip r:embed="rId2">
+            <a:extLst>
+              <a:ext uri="{28A0092B-C50C-407E-A947-70E740481C1C}">
+                <a14:useLocalDpi xmlns:a14="http://schemas.microsoft.com/office/drawing/2010/main" val="0"/>
+              </a:ext>
+            </a:extLst>
+          </a:blip>
+          <a:stretch>
+            <a:fillRect/>
+          </a:stretch>
+        </p:blipFill>
+        <p:spPr>
+          <a:xfrm>
+            <a:off x="2086285" y="2671857"/>
+            <a:ext cx="4971429" cy="1514286"/>
+          </a:xfrm>
+          <a:prstGeom prst="rect">
+            <a:avLst/>
+          </a:prstGeom>
+        </p:spPr>
+      </p:pic>
     </p:spTree>
     <p:extLst>
       <p:ext uri="{BB962C8B-B14F-4D97-AF65-F5344CB8AC3E}">
-        <p14:creationId xmlns:p14="http://schemas.microsoft.com/office/powerpoint/2010/main" val="3051033145"/>
+        <p14:creationId xmlns:p14="http://schemas.microsoft.com/office/powerpoint/2010/main" val="1729189346"/>
       </p:ext>
     </p:extLst>
   </p:cSld>
@@ -4012,6 +4012,78 @@
           <a:chExt cx="0" cy="0"/>
         </a:xfrm>
       </p:grpSpPr>
+      <p:sp>
+        <p:nvSpPr>
+          <p:cNvPr id="2" name="Titolo 1"/>
+          <p:cNvSpPr>
+            <a:spLocks noGrp="1"/>
+          </p:cNvSpPr>
+          <p:nvPr>
+            <p:ph type="title"/>
+          </p:nvPr>
+        </p:nvSpPr>
+        <p:spPr/>
+        <p:txBody>
+          <a:bodyPr/>
+          <a:lstStyle/>
+          <a:p>
+            <a:r>
+              <a:rPr lang="it-IT" dirty="0" smtClean="0"/>
+              <a:t>MEDICATIONS</a:t>
+            </a:r>
+            <a:endParaRPr lang="en-GB" dirty="0"/>
+          </a:p>
+        </p:txBody>
+      </p:sp>
+      <p:sp>
+        <p:nvSpPr>
+          <p:cNvPr id="3" name="Segnaposto testo 2"/>
+          <p:cNvSpPr>
+            <a:spLocks noGrp="1"/>
+          </p:cNvSpPr>
+          <p:nvPr>
+            <p:ph type="body" idx="1"/>
+          </p:nvPr>
+        </p:nvSpPr>
+        <p:spPr/>
+        <p:txBody>
+          <a:bodyPr/>
+          <a:lstStyle/>
+          <a:p>
+            <a:endParaRPr lang="en-GB"/>
+          </a:p>
+        </p:txBody>
+      </p:sp>
+    </p:spTree>
+    <p:extLst>
+      <p:ext uri="{BB962C8B-B14F-4D97-AF65-F5344CB8AC3E}">
+        <p14:creationId xmlns:p14="http://schemas.microsoft.com/office/powerpoint/2010/main" val="3051033145"/>
+      </p:ext>
+    </p:extLst>
+  </p:cSld>
+  <p:clrMapOvr>
+    <a:masterClrMapping/>
+  </p:clrMapOvr>
+</p:sld>
+</file>
+
+<file path=ppt/slides/slide17.xml><?xml version="1.0" encoding="utf-8"?>
+<p:sld xmlns:a="http://schemas.openxmlformats.org/drawingml/2006/main" xmlns:r="http://schemas.openxmlformats.org/officeDocument/2006/relationships" xmlns:p="http://schemas.openxmlformats.org/presentationml/2006/main">
+  <p:cSld>
+    <p:spTree>
+      <p:nvGrpSpPr>
+        <p:cNvPr id="1" name=""/>
+        <p:cNvGrpSpPr/>
+        <p:nvPr/>
+      </p:nvGrpSpPr>
+      <p:grpSpPr>
+        <a:xfrm>
+          <a:off x="0" y="0"/>
+          <a:ext cx="0" cy="0"/>
+          <a:chOff x="0" y="0"/>
+          <a:chExt cx="0" cy="0"/>
+        </a:xfrm>
+      </p:grpSpPr>
       <p:pic>
         <p:nvPicPr>
           <p:cNvPr id="3" name="Immagine 2"/>
@@ -4055,7 +4127,7 @@
 </p:sld>
 </file>
 
-<file path=ppt/slides/slide17.xml><?xml version="1.0" encoding="utf-8"?>
+<file path=ppt/slides/slide18.xml><?xml version="1.0" encoding="utf-8"?>
 <p:sld xmlns:a="http://schemas.openxmlformats.org/drawingml/2006/main" xmlns:r="http://schemas.openxmlformats.org/officeDocument/2006/relationships" xmlns:p="http://schemas.openxmlformats.org/presentationml/2006/main">
   <p:cSld>
     <p:spTree>
@@ -4494,7 +4566,7 @@
         </p:blipFill>
         <p:spPr bwMode="auto">
           <a:xfrm>
-            <a:off x="713194" y="2561771"/>
+            <a:off x="733331" y="3933056"/>
             <a:ext cx="4886325" cy="2771776"/>
           </a:xfrm>
           <a:prstGeom prst="rect">
@@ -4520,7 +4592,7 @@
         </p:nvSpPr>
         <p:spPr>
           <a:xfrm>
-            <a:off x="287912" y="530944"/>
+            <a:off x="506209" y="2204019"/>
             <a:ext cx="1224136" cy="576064"/>
           </a:xfrm>
           <a:prstGeom prst="roundRect">
@@ -4585,7 +4657,7 @@
         </p:nvSpPr>
         <p:spPr>
           <a:xfrm>
-            <a:off x="1734061" y="1427257"/>
+            <a:off x="1952358" y="3100332"/>
             <a:ext cx="1224136" cy="576064"/>
           </a:xfrm>
           <a:prstGeom prst="roundRect">
@@ -4653,7 +4725,7 @@
         </p:nvCxnSpPr>
         <p:spPr>
           <a:xfrm rot="16200000" flipH="1">
-            <a:off x="1012880" y="994107"/>
+            <a:off x="1231177" y="2667182"/>
             <a:ext cx="608281" cy="834081"/>
           </a:xfrm>
           <a:prstGeom prst="bentConnector2">
@@ -4686,7 +4758,7 @@
         </p:nvSpPr>
         <p:spPr>
           <a:xfrm>
-            <a:off x="3610287" y="1419476"/>
+            <a:off x="3848977" y="3108058"/>
             <a:ext cx="1224136" cy="576064"/>
           </a:xfrm>
           <a:prstGeom prst="roundRect">
@@ -4753,9 +4825,9 @@
           <p:nvPr/>
         </p:nvCxnSpPr>
         <p:spPr>
-          <a:xfrm flipV="1">
-            <a:off x="2958197" y="1707508"/>
-            <a:ext cx="652090" cy="7781"/>
+          <a:xfrm>
+            <a:off x="3176494" y="3388364"/>
+            <a:ext cx="672483" cy="7726"/>
           </a:xfrm>
           <a:prstGeom prst="bentConnector3">
             <a:avLst/>
@@ -4790,8 +4862,8 @@
         </p:nvCxnSpPr>
         <p:spPr>
           <a:xfrm>
-            <a:off x="4834423" y="1707508"/>
-            <a:ext cx="709685" cy="12700"/>
+            <a:off x="5073113" y="3396090"/>
+            <a:ext cx="1862509" cy="12700"/>
           </a:xfrm>
           <a:prstGeom prst="bentConnector3">
             <a:avLst>
@@ -4825,7 +4897,7 @@
         </p:nvSpPr>
         <p:spPr>
           <a:xfrm>
-            <a:off x="510288" y="828283"/>
+            <a:off x="728585" y="2501358"/>
             <a:ext cx="779381" cy="276999"/>
           </a:xfrm>
           <a:prstGeom prst="rect">
@@ -4856,7 +4928,6 @@
               <a:rPr lang="en-GB" dirty="0"/>
               <a:t>1471023</a:t>
             </a:r>
-            <a:endParaRPr lang="en-GB" dirty="0"/>
           </a:p>
         </p:txBody>
       </p:sp>
@@ -4868,7 +4939,7 @@
         </p:nvSpPr>
         <p:spPr>
           <a:xfrm>
-            <a:off x="3839014" y="1748098"/>
+            <a:off x="4071355" y="3466404"/>
             <a:ext cx="779381" cy="276999"/>
           </a:xfrm>
           <a:prstGeom prst="rect">
@@ -4910,7 +4981,7 @@
         </p:nvSpPr>
         <p:spPr>
           <a:xfrm>
-            <a:off x="1956438" y="1723015"/>
+            <a:off x="2174735" y="3396090"/>
             <a:ext cx="779381" cy="276999"/>
           </a:xfrm>
           <a:prstGeom prst="rect">
@@ -4952,7 +5023,7 @@
         </p:nvSpPr>
         <p:spPr>
           <a:xfrm>
-            <a:off x="5544108" y="1419476"/>
+            <a:off x="6935622" y="3108058"/>
             <a:ext cx="1656184" cy="576064"/>
           </a:xfrm>
           <a:prstGeom prst="roundRect">
@@ -5038,7 +5109,7 @@
         </p:nvSpPr>
         <p:spPr>
           <a:xfrm>
-            <a:off x="6084168" y="838877"/>
+            <a:off x="6302465" y="2511952"/>
             <a:ext cx="1003801" cy="369332"/>
           </a:xfrm>
           <a:prstGeom prst="rect">
@@ -5056,7 +5127,6 @@
               <a:rPr lang="en-GB" dirty="0"/>
               <a:t>1471024</a:t>
             </a:r>
-            <a:endParaRPr lang="en-GB" dirty="0"/>
           </a:p>
         </p:txBody>
       </p:sp>
@@ -5068,7 +5138,7 @@
         </p:nvSpPr>
         <p:spPr>
           <a:xfrm>
-            <a:off x="3726803" y="818976"/>
+            <a:off x="3945100" y="2639857"/>
             <a:ext cx="1003801" cy="369332"/>
           </a:xfrm>
           <a:prstGeom prst="rect">
@@ -5086,7 +5156,6 @@
               <a:rPr lang="en-GB" dirty="0"/>
               <a:t>1471025</a:t>
             </a:r>
-            <a:endParaRPr lang="en-GB" dirty="0"/>
           </a:p>
         </p:txBody>
       </p:sp>
@@ -5098,7 +5167,7 @@
         </p:nvSpPr>
         <p:spPr>
           <a:xfrm>
-            <a:off x="1844228" y="922340"/>
+            <a:off x="2062525" y="2595415"/>
             <a:ext cx="1003801" cy="369332"/>
           </a:xfrm>
           <a:prstGeom prst="rect">
@@ -5116,7 +5185,6 @@
               <a:rPr lang="en-GB" dirty="0"/>
               <a:t>1471026</a:t>
             </a:r>
-            <a:endParaRPr lang="en-GB" dirty="0"/>
           </a:p>
         </p:txBody>
       </p:sp>
@@ -5128,7 +5196,7 @@
         </p:nvSpPr>
         <p:spPr>
           <a:xfrm>
-            <a:off x="287912" y="75373"/>
+            <a:off x="506209" y="1748448"/>
             <a:ext cx="1003801" cy="369332"/>
           </a:xfrm>
           <a:prstGeom prst="rect">
@@ -5146,7 +5214,930 @@
               <a:rPr lang="en-GB" dirty="0"/>
               <a:t>1471027</a:t>
             </a:r>
-            <a:endParaRPr lang="en-GB" dirty="0"/>
+          </a:p>
+        </p:txBody>
+      </p:sp>
+      <p:sp>
+        <p:nvSpPr>
+          <p:cNvPr id="17" name="Rettangolo arrotondato 16"/>
+          <p:cNvSpPr/>
+          <p:nvPr/>
+        </p:nvSpPr>
+        <p:spPr>
+          <a:xfrm>
+            <a:off x="1764444" y="754853"/>
+            <a:ext cx="1224136" cy="576064"/>
+          </a:xfrm>
+          <a:prstGeom prst="roundRect">
+            <a:avLst/>
+          </a:prstGeom>
+          <a:solidFill>
+            <a:schemeClr val="accent5">
+              <a:lumMod val="20000"/>
+              <a:lumOff val="80000"/>
+            </a:schemeClr>
+          </a:solidFill>
+          <a:effectLst>
+            <a:outerShdw blurRad="50800" dist="38100" dir="2700000" algn="tl" rotWithShape="0">
+              <a:prstClr val="black">
+                <a:alpha val="40000"/>
+              </a:prstClr>
+            </a:outerShdw>
+          </a:effectLst>
+        </p:spPr>
+        <p:style>
+          <a:lnRef idx="2">
+            <a:schemeClr val="accent1">
+              <a:shade val="50000"/>
+            </a:schemeClr>
+          </a:lnRef>
+          <a:fillRef idx="1">
+            <a:schemeClr val="accent1"/>
+          </a:fillRef>
+          <a:effectRef idx="0">
+            <a:schemeClr val="accent1"/>
+          </a:effectRef>
+          <a:fontRef idx="minor">
+            <a:schemeClr val="lt1"/>
+          </a:fontRef>
+        </p:style>
+        <p:txBody>
+          <a:bodyPr rtlCol="0" anchor="ctr"/>
+          <a:lstStyle/>
+          <a:p>
+            <a:pPr algn="ctr"/>
+            <a:r>
+              <a:rPr lang="it-IT" sz="1400" b="1" dirty="0" err="1" smtClean="0">
+                <a:solidFill>
+                  <a:schemeClr val="tx1"/>
+                </a:solidFill>
+              </a:rPr>
+              <a:t>Observation</a:t>
+            </a:r>
+            <a:endParaRPr lang="en-GB" sz="1400" b="1" dirty="0">
+              <a:solidFill>
+                <a:schemeClr val="tx1"/>
+              </a:solidFill>
+            </a:endParaRPr>
+          </a:p>
+        </p:txBody>
+      </p:sp>
+      <p:sp>
+        <p:nvSpPr>
+          <p:cNvPr id="18" name="Rettangolo arrotondato 17"/>
+          <p:cNvSpPr/>
+          <p:nvPr/>
+        </p:nvSpPr>
+        <p:spPr>
+          <a:xfrm>
+            <a:off x="4071355" y="742153"/>
+            <a:ext cx="1224136" cy="576064"/>
+          </a:xfrm>
+          <a:prstGeom prst="roundRect">
+            <a:avLst/>
+          </a:prstGeom>
+          <a:solidFill>
+            <a:schemeClr val="accent5">
+              <a:lumMod val="20000"/>
+              <a:lumOff val="80000"/>
+            </a:schemeClr>
+          </a:solidFill>
+          <a:effectLst>
+            <a:outerShdw blurRad="50800" dist="38100" dir="2700000" algn="tl" rotWithShape="0">
+              <a:prstClr val="black">
+                <a:alpha val="40000"/>
+              </a:prstClr>
+            </a:outerShdw>
+          </a:effectLst>
+        </p:spPr>
+        <p:style>
+          <a:lnRef idx="2">
+            <a:schemeClr val="accent1">
+              <a:shade val="50000"/>
+            </a:schemeClr>
+          </a:lnRef>
+          <a:fillRef idx="1">
+            <a:schemeClr val="accent1"/>
+          </a:fillRef>
+          <a:effectRef idx="0">
+            <a:schemeClr val="accent1"/>
+          </a:effectRef>
+          <a:fontRef idx="minor">
+            <a:schemeClr val="lt1"/>
+          </a:fontRef>
+        </p:style>
+        <p:txBody>
+          <a:bodyPr rtlCol="0" anchor="ctr"/>
+          <a:lstStyle/>
+          <a:p>
+            <a:pPr algn="ctr"/>
+            <a:r>
+              <a:rPr lang="it-IT" sz="1400" b="1" dirty="0" err="1" smtClean="0">
+                <a:solidFill>
+                  <a:schemeClr val="tx1"/>
+                </a:solidFill>
+              </a:rPr>
+              <a:t>Encounter</a:t>
+            </a:r>
+            <a:endParaRPr lang="en-GB" sz="1400" b="1" dirty="0">
+              <a:solidFill>
+                <a:schemeClr val="tx1"/>
+              </a:solidFill>
+            </a:endParaRPr>
+          </a:p>
+        </p:txBody>
+      </p:sp>
+      <p:cxnSp>
+        <p:nvCxnSpPr>
+          <p:cNvPr id="9" name="Connettore 4 8"/>
+          <p:cNvCxnSpPr>
+            <a:stCxn id="17" idx="1"/>
+            <a:endCxn id="2" idx="0"/>
+          </p:cNvCxnSpPr>
+          <p:nvPr/>
+        </p:nvCxnSpPr>
+        <p:spPr>
+          <a:xfrm rot="10800000" flipV="1">
+            <a:off x="1118278" y="1042885"/>
+            <a:ext cx="646167" cy="1161134"/>
+          </a:xfrm>
+          <a:prstGeom prst="bentConnector2">
+            <a:avLst/>
+          </a:prstGeom>
+          <a:ln>
+            <a:tailEnd type="arrow"/>
+          </a:ln>
+        </p:spPr>
+        <p:style>
+          <a:lnRef idx="1">
+            <a:schemeClr val="accent1"/>
+          </a:lnRef>
+          <a:fillRef idx="0">
+            <a:schemeClr val="accent1"/>
+          </a:fillRef>
+          <a:effectRef idx="0">
+            <a:schemeClr val="accent1"/>
+          </a:effectRef>
+          <a:fontRef idx="minor">
+            <a:schemeClr val="tx1"/>
+          </a:fontRef>
+        </p:style>
+      </p:cxnSp>
+      <p:cxnSp>
+        <p:nvCxnSpPr>
+          <p:cNvPr id="11" name="Connettore 4 10"/>
+          <p:cNvCxnSpPr>
+            <a:stCxn id="17" idx="3"/>
+            <a:endCxn id="18" idx="1"/>
+          </p:cNvCxnSpPr>
+          <p:nvPr/>
+        </p:nvCxnSpPr>
+        <p:spPr>
+          <a:xfrm flipV="1">
+            <a:off x="2988580" y="1030185"/>
+            <a:ext cx="1082775" cy="12700"/>
+          </a:xfrm>
+          <a:prstGeom prst="bentConnector3">
+            <a:avLst/>
+          </a:prstGeom>
+          <a:ln>
+            <a:tailEnd type="arrow"/>
+          </a:ln>
+        </p:spPr>
+        <p:style>
+          <a:lnRef idx="1">
+            <a:schemeClr val="accent1"/>
+          </a:lnRef>
+          <a:fillRef idx="0">
+            <a:schemeClr val="accent1"/>
+          </a:fillRef>
+          <a:effectRef idx="0">
+            <a:schemeClr val="accent1"/>
+          </a:effectRef>
+          <a:fontRef idx="minor">
+            <a:schemeClr val="tx1"/>
+          </a:fontRef>
+        </p:style>
+      </p:cxnSp>
+      <p:cxnSp>
+        <p:nvCxnSpPr>
+          <p:cNvPr id="19" name="Connettore 4 18"/>
+          <p:cNvCxnSpPr>
+            <a:stCxn id="18" idx="2"/>
+            <a:endCxn id="2" idx="0"/>
+          </p:cNvCxnSpPr>
+          <p:nvPr/>
+        </p:nvCxnSpPr>
+        <p:spPr>
+          <a:xfrm rot="5400000">
+            <a:off x="2457949" y="-21455"/>
+            <a:ext cx="885802" cy="3565146"/>
+          </a:xfrm>
+          <a:prstGeom prst="bentConnector3">
+            <a:avLst>
+              <a:gd name="adj1" fmla="val 50000"/>
+            </a:avLst>
+          </a:prstGeom>
+          <a:ln>
+            <a:tailEnd type="arrow"/>
+          </a:ln>
+        </p:spPr>
+        <p:style>
+          <a:lnRef idx="1">
+            <a:schemeClr val="accent1"/>
+          </a:lnRef>
+          <a:fillRef idx="0">
+            <a:schemeClr val="accent1"/>
+          </a:fillRef>
+          <a:effectRef idx="0">
+            <a:schemeClr val="accent1"/>
+          </a:effectRef>
+          <a:fontRef idx="minor">
+            <a:schemeClr val="tx1"/>
+          </a:fontRef>
+        </p:style>
+      </p:cxnSp>
+      <p:sp>
+        <p:nvSpPr>
+          <p:cNvPr id="28" name="Rettangolo arrotondato 27"/>
+          <p:cNvSpPr/>
+          <p:nvPr/>
+        </p:nvSpPr>
+        <p:spPr>
+          <a:xfrm>
+            <a:off x="6383429" y="735249"/>
+            <a:ext cx="1224136" cy="576064"/>
+          </a:xfrm>
+          <a:prstGeom prst="roundRect">
+            <a:avLst/>
+          </a:prstGeom>
+          <a:solidFill>
+            <a:schemeClr val="accent5">
+              <a:lumMod val="20000"/>
+              <a:lumOff val="80000"/>
+            </a:schemeClr>
+          </a:solidFill>
+          <a:effectLst>
+            <a:outerShdw blurRad="50800" dist="38100" dir="2700000" algn="tl" rotWithShape="0">
+              <a:prstClr val="black">
+                <a:alpha val="40000"/>
+              </a:prstClr>
+            </a:outerShdw>
+          </a:effectLst>
+        </p:spPr>
+        <p:style>
+          <a:lnRef idx="2">
+            <a:schemeClr val="accent1">
+              <a:shade val="50000"/>
+            </a:schemeClr>
+          </a:lnRef>
+          <a:fillRef idx="1">
+            <a:schemeClr val="accent1"/>
+          </a:fillRef>
+          <a:effectRef idx="0">
+            <a:schemeClr val="accent1"/>
+          </a:effectRef>
+          <a:fontRef idx="minor">
+            <a:schemeClr val="lt1"/>
+          </a:fontRef>
+        </p:style>
+        <p:txBody>
+          <a:bodyPr rtlCol="0" anchor="ctr"/>
+          <a:lstStyle/>
+          <a:p>
+            <a:pPr algn="ctr"/>
+            <a:r>
+              <a:rPr lang="it-IT" sz="1400" b="1" dirty="0" err="1" smtClean="0">
+                <a:solidFill>
+                  <a:schemeClr val="tx1"/>
+                </a:solidFill>
+              </a:rPr>
+              <a:t>CarePlan</a:t>
+            </a:r>
+            <a:endParaRPr lang="en-GB" sz="1400" b="1" dirty="0">
+              <a:solidFill>
+                <a:schemeClr val="tx1"/>
+              </a:solidFill>
+            </a:endParaRPr>
+          </a:p>
+        </p:txBody>
+      </p:sp>
+      <p:cxnSp>
+        <p:nvCxnSpPr>
+          <p:cNvPr id="25" name="Connettore 4 24"/>
+          <p:cNvCxnSpPr>
+            <a:stCxn id="28" idx="1"/>
+            <a:endCxn id="18" idx="3"/>
+          </p:cNvCxnSpPr>
+          <p:nvPr/>
+        </p:nvCxnSpPr>
+        <p:spPr>
+          <a:xfrm rot="10800000" flipV="1">
+            <a:off x="5295491" y="1023281"/>
+            <a:ext cx="1087938" cy="6904"/>
+          </a:xfrm>
+          <a:prstGeom prst="bentConnector3">
+            <a:avLst/>
+          </a:prstGeom>
+          <a:ln>
+            <a:tailEnd type="arrow"/>
+          </a:ln>
+        </p:spPr>
+        <p:style>
+          <a:lnRef idx="1">
+            <a:schemeClr val="accent1"/>
+          </a:lnRef>
+          <a:fillRef idx="0">
+            <a:schemeClr val="accent1"/>
+          </a:fillRef>
+          <a:effectRef idx="0">
+            <a:schemeClr val="accent1"/>
+          </a:effectRef>
+          <a:fontRef idx="minor">
+            <a:schemeClr val="tx1"/>
+          </a:fontRef>
+        </p:style>
+      </p:cxnSp>
+      <p:sp>
+        <p:nvSpPr>
+          <p:cNvPr id="34" name="Rettangolo arrotondato 33"/>
+          <p:cNvSpPr/>
+          <p:nvPr/>
+        </p:nvSpPr>
+        <p:spPr>
+          <a:xfrm>
+            <a:off x="4846993" y="1748448"/>
+            <a:ext cx="1224136" cy="576064"/>
+          </a:xfrm>
+          <a:prstGeom prst="roundRect">
+            <a:avLst/>
+          </a:prstGeom>
+          <a:solidFill>
+            <a:schemeClr val="accent5">
+              <a:lumMod val="20000"/>
+              <a:lumOff val="80000"/>
+            </a:schemeClr>
+          </a:solidFill>
+          <a:effectLst>
+            <a:outerShdw blurRad="50800" dist="38100" dir="2700000" algn="tl" rotWithShape="0">
+              <a:prstClr val="black">
+                <a:alpha val="40000"/>
+              </a:prstClr>
+            </a:outerShdw>
+          </a:effectLst>
+        </p:spPr>
+        <p:style>
+          <a:lnRef idx="2">
+            <a:schemeClr val="accent1">
+              <a:shade val="50000"/>
+            </a:schemeClr>
+          </a:lnRef>
+          <a:fillRef idx="1">
+            <a:schemeClr val="accent1"/>
+          </a:fillRef>
+          <a:effectRef idx="0">
+            <a:schemeClr val="accent1"/>
+          </a:effectRef>
+          <a:fontRef idx="minor">
+            <a:schemeClr val="lt1"/>
+          </a:fontRef>
+        </p:style>
+        <p:txBody>
+          <a:bodyPr rtlCol="0" anchor="ctr"/>
+          <a:lstStyle/>
+          <a:p>
+            <a:pPr algn="ctr"/>
+            <a:r>
+              <a:rPr lang="en-GB" sz="1400" b="1" dirty="0">
+                <a:solidFill>
+                  <a:schemeClr val="tx1"/>
+                </a:solidFill>
+              </a:rPr>
+              <a:t>Practitioner</a:t>
+            </a:r>
+            <a:endParaRPr lang="en-GB" sz="1400" b="1" dirty="0">
+              <a:solidFill>
+                <a:schemeClr val="tx1"/>
+              </a:solidFill>
+            </a:endParaRPr>
+          </a:p>
+        </p:txBody>
+      </p:sp>
+      <p:cxnSp>
+        <p:nvCxnSpPr>
+          <p:cNvPr id="31" name="Connettore 4 30"/>
+          <p:cNvCxnSpPr>
+            <a:stCxn id="28" idx="2"/>
+            <a:endCxn id="34" idx="0"/>
+          </p:cNvCxnSpPr>
+          <p:nvPr/>
+        </p:nvCxnSpPr>
+        <p:spPr>
+          <a:xfrm rot="5400000">
+            <a:off x="6008712" y="761662"/>
+            <a:ext cx="437135" cy="1536436"/>
+          </a:xfrm>
+          <a:prstGeom prst="bentConnector3">
+            <a:avLst/>
+          </a:prstGeom>
+          <a:ln>
+            <a:tailEnd type="arrow"/>
+          </a:ln>
+        </p:spPr>
+        <p:style>
+          <a:lnRef idx="1">
+            <a:schemeClr val="accent1"/>
+          </a:lnRef>
+          <a:fillRef idx="0">
+            <a:schemeClr val="accent1"/>
+          </a:fillRef>
+          <a:effectRef idx="0">
+            <a:schemeClr val="accent1"/>
+          </a:effectRef>
+          <a:fontRef idx="minor">
+            <a:schemeClr val="tx1"/>
+          </a:fontRef>
+        </p:style>
+      </p:cxnSp>
+      <p:sp>
+        <p:nvSpPr>
+          <p:cNvPr id="37" name="Rettangolo arrotondato 36"/>
+          <p:cNvSpPr/>
+          <p:nvPr/>
+        </p:nvSpPr>
+        <p:spPr>
+          <a:xfrm>
+            <a:off x="6476960" y="1748448"/>
+            <a:ext cx="1224136" cy="576064"/>
+          </a:xfrm>
+          <a:prstGeom prst="roundRect">
+            <a:avLst/>
+          </a:prstGeom>
+          <a:solidFill>
+            <a:schemeClr val="accent5">
+              <a:lumMod val="20000"/>
+              <a:lumOff val="80000"/>
+            </a:schemeClr>
+          </a:solidFill>
+          <a:effectLst>
+            <a:outerShdw blurRad="50800" dist="38100" dir="2700000" algn="tl" rotWithShape="0">
+              <a:prstClr val="black">
+                <a:alpha val="40000"/>
+              </a:prstClr>
+            </a:outerShdw>
+          </a:effectLst>
+        </p:spPr>
+        <p:style>
+          <a:lnRef idx="2">
+            <a:schemeClr val="accent1">
+              <a:shade val="50000"/>
+            </a:schemeClr>
+          </a:lnRef>
+          <a:fillRef idx="1">
+            <a:schemeClr val="accent1"/>
+          </a:fillRef>
+          <a:effectRef idx="0">
+            <a:schemeClr val="accent1"/>
+          </a:effectRef>
+          <a:fontRef idx="minor">
+            <a:schemeClr val="lt1"/>
+          </a:fontRef>
+        </p:style>
+        <p:txBody>
+          <a:bodyPr rtlCol="0" anchor="ctr"/>
+          <a:lstStyle/>
+          <a:p>
+            <a:pPr algn="ctr"/>
+            <a:r>
+              <a:rPr lang="en-GB" sz="1400" b="1" dirty="0" err="1" smtClean="0">
+                <a:solidFill>
+                  <a:schemeClr val="tx1"/>
+                </a:solidFill>
+              </a:rPr>
+              <a:t>CareTeam</a:t>
+            </a:r>
+            <a:endParaRPr lang="en-GB" sz="1400" b="1" dirty="0">
+              <a:solidFill>
+                <a:schemeClr val="tx1"/>
+              </a:solidFill>
+            </a:endParaRPr>
+          </a:p>
+        </p:txBody>
+      </p:sp>
+      <p:cxnSp>
+        <p:nvCxnSpPr>
+          <p:cNvPr id="33" name="Connettore 4 32"/>
+          <p:cNvCxnSpPr>
+            <a:stCxn id="28" idx="2"/>
+            <a:endCxn id="37" idx="0"/>
+          </p:cNvCxnSpPr>
+          <p:nvPr/>
+        </p:nvCxnSpPr>
+        <p:spPr>
+          <a:xfrm rot="16200000" flipH="1">
+            <a:off x="6823695" y="1483114"/>
+            <a:ext cx="437135" cy="93531"/>
+          </a:xfrm>
+          <a:prstGeom prst="bentConnector3">
+            <a:avLst/>
+          </a:prstGeom>
+          <a:ln>
+            <a:tailEnd type="arrow"/>
+          </a:ln>
+        </p:spPr>
+        <p:style>
+          <a:lnRef idx="1">
+            <a:schemeClr val="accent1"/>
+          </a:lnRef>
+          <a:fillRef idx="0">
+            <a:schemeClr val="accent1"/>
+          </a:fillRef>
+          <a:effectRef idx="0">
+            <a:schemeClr val="accent1"/>
+          </a:effectRef>
+          <a:fontRef idx="minor">
+            <a:schemeClr val="tx1"/>
+          </a:fontRef>
+        </p:style>
+      </p:cxnSp>
+      <p:sp>
+        <p:nvSpPr>
+          <p:cNvPr id="42" name="Rettangolo arrotondato 41"/>
+          <p:cNvSpPr/>
+          <p:nvPr/>
+        </p:nvSpPr>
+        <p:spPr>
+          <a:xfrm>
+            <a:off x="7919864" y="1748447"/>
+            <a:ext cx="1224136" cy="576064"/>
+          </a:xfrm>
+          <a:prstGeom prst="roundRect">
+            <a:avLst/>
+          </a:prstGeom>
+          <a:solidFill>
+            <a:schemeClr val="accent5">
+              <a:lumMod val="20000"/>
+              <a:lumOff val="80000"/>
+            </a:schemeClr>
+          </a:solidFill>
+          <a:effectLst>
+            <a:outerShdw blurRad="50800" dist="38100" dir="2700000" algn="tl" rotWithShape="0">
+              <a:prstClr val="black">
+                <a:alpha val="40000"/>
+              </a:prstClr>
+            </a:outerShdw>
+          </a:effectLst>
+        </p:spPr>
+        <p:style>
+          <a:lnRef idx="2">
+            <a:schemeClr val="accent1">
+              <a:shade val="50000"/>
+            </a:schemeClr>
+          </a:lnRef>
+          <a:fillRef idx="1">
+            <a:schemeClr val="accent1"/>
+          </a:fillRef>
+          <a:effectRef idx="0">
+            <a:schemeClr val="accent1"/>
+          </a:effectRef>
+          <a:fontRef idx="minor">
+            <a:schemeClr val="lt1"/>
+          </a:fontRef>
+        </p:style>
+        <p:txBody>
+          <a:bodyPr rtlCol="0" anchor="ctr"/>
+          <a:lstStyle/>
+          <a:p>
+            <a:pPr algn="ctr"/>
+            <a:r>
+              <a:rPr lang="en-GB" sz="1400" b="1" dirty="0" smtClean="0">
+                <a:solidFill>
+                  <a:schemeClr val="tx1"/>
+                </a:solidFill>
+              </a:rPr>
+              <a:t>Goal</a:t>
+            </a:r>
+            <a:endParaRPr lang="en-GB" sz="1400" b="1" dirty="0">
+              <a:solidFill>
+                <a:schemeClr val="tx1"/>
+              </a:solidFill>
+            </a:endParaRPr>
+          </a:p>
+        </p:txBody>
+      </p:sp>
+      <p:cxnSp>
+        <p:nvCxnSpPr>
+          <p:cNvPr id="44" name="Connettore 4 43"/>
+          <p:cNvCxnSpPr>
+            <a:stCxn id="28" idx="2"/>
+            <a:endCxn id="42" idx="0"/>
+          </p:cNvCxnSpPr>
+          <p:nvPr/>
+        </p:nvCxnSpPr>
+        <p:spPr>
+          <a:xfrm rot="16200000" flipH="1">
+            <a:off x="7545147" y="761662"/>
+            <a:ext cx="437134" cy="1536435"/>
+          </a:xfrm>
+          <a:prstGeom prst="bentConnector3">
+            <a:avLst/>
+          </a:prstGeom>
+          <a:ln>
+            <a:tailEnd type="arrow"/>
+          </a:ln>
+        </p:spPr>
+        <p:style>
+          <a:lnRef idx="1">
+            <a:schemeClr val="accent1"/>
+          </a:lnRef>
+          <a:fillRef idx="0">
+            <a:schemeClr val="accent1"/>
+          </a:fillRef>
+          <a:effectRef idx="0">
+            <a:schemeClr val="accent1"/>
+          </a:effectRef>
+          <a:fontRef idx="minor">
+            <a:schemeClr val="tx1"/>
+          </a:fontRef>
+        </p:style>
+      </p:cxnSp>
+      <p:cxnSp>
+        <p:nvCxnSpPr>
+          <p:cNvPr id="46" name="Connettore 4 45"/>
+          <p:cNvCxnSpPr>
+            <a:stCxn id="28" idx="0"/>
+            <a:endCxn id="17" idx="0"/>
+          </p:cNvCxnSpPr>
+          <p:nvPr/>
+        </p:nvCxnSpPr>
+        <p:spPr>
+          <a:xfrm rot="16200000" flipH="1" flipV="1">
+            <a:off x="4676203" y="-1564442"/>
+            <a:ext cx="19604" cy="4618985"/>
+          </a:xfrm>
+          <a:prstGeom prst="bentConnector3">
+            <a:avLst>
+              <a:gd name="adj1" fmla="val -1166089"/>
+            </a:avLst>
+          </a:prstGeom>
+          <a:ln>
+            <a:tailEnd type="arrow"/>
+          </a:ln>
+        </p:spPr>
+        <p:style>
+          <a:lnRef idx="1">
+            <a:schemeClr val="accent1"/>
+          </a:lnRef>
+          <a:fillRef idx="0">
+            <a:schemeClr val="accent1"/>
+          </a:fillRef>
+          <a:effectRef idx="0">
+            <a:schemeClr val="accent1"/>
+          </a:effectRef>
+          <a:fontRef idx="minor">
+            <a:schemeClr val="tx1"/>
+          </a:fontRef>
+        </p:style>
+      </p:cxnSp>
+      <p:cxnSp>
+        <p:nvCxnSpPr>
+          <p:cNvPr id="48" name="Connettore 4 47"/>
+          <p:cNvCxnSpPr>
+            <a:stCxn id="28" idx="0"/>
+            <a:endCxn id="2" idx="0"/>
+          </p:cNvCxnSpPr>
+          <p:nvPr/>
+        </p:nvCxnSpPr>
+        <p:spPr>
+          <a:xfrm rot="16200000" flipH="1" flipV="1">
+            <a:off x="3322502" y="-1468976"/>
+            <a:ext cx="1468770" cy="5877220"/>
+          </a:xfrm>
+          <a:prstGeom prst="bentConnector3">
+            <a:avLst>
+              <a:gd name="adj1" fmla="val -34340"/>
+            </a:avLst>
+          </a:prstGeom>
+          <a:ln>
+            <a:tailEnd type="arrow"/>
+          </a:ln>
+        </p:spPr>
+        <p:style>
+          <a:lnRef idx="1">
+            <a:schemeClr val="accent1"/>
+          </a:lnRef>
+          <a:fillRef idx="0">
+            <a:schemeClr val="accent1"/>
+          </a:fillRef>
+          <a:effectRef idx="0">
+            <a:schemeClr val="accent1"/>
+          </a:effectRef>
+          <a:fontRef idx="minor">
+            <a:schemeClr val="tx1"/>
+          </a:fontRef>
+        </p:style>
+      </p:cxnSp>
+      <p:sp>
+        <p:nvSpPr>
+          <p:cNvPr id="50" name="CasellaDiTesto 49"/>
+          <p:cNvSpPr txBox="1"/>
+          <p:nvPr/>
+        </p:nvSpPr>
+        <p:spPr>
+          <a:xfrm>
+            <a:off x="3558150" y="0"/>
+            <a:ext cx="1244251" cy="261610"/>
+          </a:xfrm>
+          <a:prstGeom prst="rect">
+            <a:avLst/>
+          </a:prstGeom>
+          <a:noFill/>
+        </p:spPr>
+        <p:txBody>
+          <a:bodyPr wrap="none" rtlCol="0">
+            <a:spAutoFit/>
+          </a:bodyPr>
+          <a:lstStyle/>
+          <a:p>
+            <a:r>
+              <a:rPr lang="it-IT" sz="1100" dirty="0" err="1" smtClean="0">
+                <a:latin typeface="+mj-lt"/>
+              </a:rPr>
+              <a:t>activity</a:t>
+            </a:r>
+            <a:r>
+              <a:rPr lang="it-IT" sz="1100" dirty="0" smtClean="0">
+                <a:latin typeface="+mj-lt"/>
+              </a:rPr>
+              <a:t>/performer</a:t>
+            </a:r>
+            <a:endParaRPr lang="en-GB" sz="1100" dirty="0">
+              <a:latin typeface="+mj-lt"/>
+            </a:endParaRPr>
+          </a:p>
+        </p:txBody>
+      </p:sp>
+      <p:sp>
+        <p:nvSpPr>
+          <p:cNvPr id="51" name="CasellaDiTesto 50"/>
+          <p:cNvSpPr txBox="1"/>
+          <p:nvPr/>
+        </p:nvSpPr>
+        <p:spPr>
+          <a:xfrm>
+            <a:off x="5459061" y="1311313"/>
+            <a:ext cx="569387" cy="261610"/>
+          </a:xfrm>
+          <a:prstGeom prst="rect">
+            <a:avLst/>
+          </a:prstGeom>
+          <a:noFill/>
+        </p:spPr>
+        <p:txBody>
+          <a:bodyPr wrap="none" rtlCol="0">
+            <a:spAutoFit/>
+          </a:bodyPr>
+          <a:lstStyle/>
+          <a:p>
+            <a:r>
+              <a:rPr lang="it-IT" sz="1100" dirty="0" err="1" smtClean="0">
+                <a:latin typeface="+mj-lt"/>
+              </a:rPr>
+              <a:t>author</a:t>
+            </a:r>
+            <a:endParaRPr lang="en-GB" sz="1100" dirty="0">
+              <a:latin typeface="+mj-lt"/>
+            </a:endParaRPr>
+          </a:p>
+        </p:txBody>
+      </p:sp>
+      <p:sp>
+        <p:nvSpPr>
+          <p:cNvPr id="52" name="CasellaDiTesto 51"/>
+          <p:cNvSpPr txBox="1"/>
+          <p:nvPr/>
+        </p:nvSpPr>
+        <p:spPr>
+          <a:xfrm>
+            <a:off x="4155714" y="274247"/>
+            <a:ext cx="1279517" cy="261610"/>
+          </a:xfrm>
+          <a:prstGeom prst="rect">
+            <a:avLst/>
+          </a:prstGeom>
+          <a:noFill/>
+        </p:spPr>
+        <p:txBody>
+          <a:bodyPr wrap="none" rtlCol="0">
+            <a:spAutoFit/>
+          </a:bodyPr>
+          <a:lstStyle/>
+          <a:p>
+            <a:r>
+              <a:rPr lang="en-GB" sz="1100" dirty="0" err="1"/>
+              <a:t>outcomeReference</a:t>
+            </a:r>
+            <a:endParaRPr lang="en-GB" sz="1100" dirty="0">
+              <a:latin typeface="+mj-lt"/>
+            </a:endParaRPr>
+          </a:p>
+        </p:txBody>
+      </p:sp>
+      <p:sp>
+        <p:nvSpPr>
+          <p:cNvPr id="61" name="CasellaDiTesto 60"/>
+          <p:cNvSpPr txBox="1"/>
+          <p:nvPr/>
+        </p:nvSpPr>
+        <p:spPr>
+          <a:xfrm>
+            <a:off x="2690261" y="1512145"/>
+            <a:ext cx="596638" cy="261610"/>
+          </a:xfrm>
+          <a:prstGeom prst="rect">
+            <a:avLst/>
+          </a:prstGeom>
+          <a:noFill/>
+        </p:spPr>
+        <p:txBody>
+          <a:bodyPr wrap="none" rtlCol="0">
+            <a:spAutoFit/>
+          </a:bodyPr>
+          <a:lstStyle/>
+          <a:p>
+            <a:r>
+              <a:rPr lang="it-IT" sz="1100" dirty="0" err="1" smtClean="0">
+                <a:latin typeface="+mj-lt"/>
+              </a:rPr>
+              <a:t>subject</a:t>
+            </a:r>
+            <a:endParaRPr lang="en-GB" sz="1100" dirty="0">
+              <a:latin typeface="+mj-lt"/>
+            </a:endParaRPr>
+          </a:p>
+        </p:txBody>
+      </p:sp>
+      <p:sp>
+        <p:nvSpPr>
+          <p:cNvPr id="62" name="CasellaDiTesto 61"/>
+          <p:cNvSpPr txBox="1"/>
+          <p:nvPr/>
+        </p:nvSpPr>
+        <p:spPr>
+          <a:xfrm>
+            <a:off x="359828" y="3393283"/>
+            <a:ext cx="1473480" cy="261610"/>
+          </a:xfrm>
+          <a:prstGeom prst="rect">
+            <a:avLst/>
+          </a:prstGeom>
+          <a:noFill/>
+        </p:spPr>
+        <p:txBody>
+          <a:bodyPr wrap="none" rtlCol="0">
+            <a:spAutoFit/>
+          </a:bodyPr>
+          <a:lstStyle/>
+          <a:p>
+            <a:r>
+              <a:rPr lang="en-GB" sz="1100" dirty="0" err="1"/>
+              <a:t>managingOrganization</a:t>
+            </a:r>
+            <a:endParaRPr lang="en-GB" sz="1100" dirty="0">
+              <a:latin typeface="+mj-lt"/>
+            </a:endParaRPr>
+          </a:p>
+        </p:txBody>
+      </p:sp>
+      <p:sp>
+        <p:nvSpPr>
+          <p:cNvPr id="63" name="CasellaDiTesto 62"/>
+          <p:cNvSpPr txBox="1"/>
+          <p:nvPr/>
+        </p:nvSpPr>
+        <p:spPr>
+          <a:xfrm>
+            <a:off x="5224077" y="3345832"/>
+            <a:ext cx="1473480" cy="261610"/>
+          </a:xfrm>
+          <a:prstGeom prst="rect">
+            <a:avLst/>
+          </a:prstGeom>
+          <a:noFill/>
+        </p:spPr>
+        <p:txBody>
+          <a:bodyPr wrap="none" rtlCol="0">
+            <a:spAutoFit/>
+          </a:bodyPr>
+          <a:lstStyle/>
+          <a:p>
+            <a:r>
+              <a:rPr lang="en-GB" sz="1100" dirty="0" err="1"/>
+              <a:t>managingOrganization</a:t>
+            </a:r>
+            <a:endParaRPr lang="en-GB" sz="1100" dirty="0">
+              <a:latin typeface="+mj-lt"/>
+            </a:endParaRPr>
           </a:p>
         </p:txBody>
       </p:sp>
@@ -5180,51 +6171,1596 @@
           <a:chExt cx="0" cy="0"/>
         </a:xfrm>
       </p:grpSpPr>
-      <p:pic>
-        <p:nvPicPr>
-          <p:cNvPr id="4098" name="Picture 2" descr="Image showing the scheduling interactions"/>
-          <p:cNvPicPr>
-            <a:picLocks noChangeAspect="1" noChangeArrowheads="1"/>
-          </p:cNvPicPr>
-          <p:nvPr/>
-        </p:nvPicPr>
-        <p:blipFill>
-          <a:blip r:embed="rId2">
-            <a:extLst>
-              <a:ext uri="{28A0092B-C50C-407E-A947-70E740481C1C}">
-                <a14:useLocalDpi xmlns:a14="http://schemas.microsoft.com/office/drawing/2010/main" val="0"/>
-              </a:ext>
-            </a:extLst>
-          </a:blip>
-          <a:srcRect/>
-          <a:stretch>
-            <a:fillRect/>
-          </a:stretch>
-        </p:blipFill>
-        <p:spPr bwMode="auto">
-          <a:xfrm>
-            <a:off x="611560" y="908720"/>
-            <a:ext cx="7105650" cy="4038601"/>
+      <p:sp>
+        <p:nvSpPr>
+          <p:cNvPr id="2" name="Rettangolo arrotondato 1"/>
+          <p:cNvSpPr/>
+          <p:nvPr/>
+        </p:nvSpPr>
+        <p:spPr>
+          <a:xfrm>
+            <a:off x="568690" y="4317804"/>
+            <a:ext cx="1224136" cy="576064"/>
+          </a:xfrm>
+          <a:prstGeom prst="roundRect">
+            <a:avLst/>
+          </a:prstGeom>
+          <a:solidFill>
+            <a:schemeClr val="accent5">
+              <a:lumMod val="20000"/>
+              <a:lumOff val="80000"/>
+            </a:schemeClr>
+          </a:solidFill>
+          <a:effectLst>
+            <a:outerShdw blurRad="50800" dist="38100" dir="2700000" algn="tl" rotWithShape="0">
+              <a:prstClr val="black">
+                <a:alpha val="40000"/>
+              </a:prstClr>
+            </a:outerShdw>
+          </a:effectLst>
+        </p:spPr>
+        <p:style>
+          <a:lnRef idx="2">
+            <a:schemeClr val="accent1">
+              <a:shade val="50000"/>
+            </a:schemeClr>
+          </a:lnRef>
+          <a:fillRef idx="1">
+            <a:schemeClr val="accent1"/>
+          </a:fillRef>
+          <a:effectRef idx="0">
+            <a:schemeClr val="accent1"/>
+          </a:effectRef>
+          <a:fontRef idx="minor">
+            <a:schemeClr val="lt1"/>
+          </a:fontRef>
+        </p:style>
+        <p:txBody>
+          <a:bodyPr rtlCol="0" anchor="ctr"/>
+          <a:lstStyle/>
+          <a:p>
+            <a:pPr algn="ctr"/>
+            <a:r>
+              <a:rPr lang="it-IT" sz="1400" b="1" dirty="0" err="1" smtClean="0">
+                <a:solidFill>
+                  <a:schemeClr val="tx1"/>
+                </a:solidFill>
+              </a:rPr>
+              <a:t>Patient</a:t>
+            </a:r>
+            <a:endParaRPr lang="en-GB" sz="1400" b="1" dirty="0">
+              <a:solidFill>
+                <a:schemeClr val="tx1"/>
+              </a:solidFill>
+            </a:endParaRPr>
+          </a:p>
+        </p:txBody>
+      </p:sp>
+      <p:sp>
+        <p:nvSpPr>
+          <p:cNvPr id="5" name="Rettangolo arrotondato 4"/>
+          <p:cNvSpPr/>
+          <p:nvPr/>
+        </p:nvSpPr>
+        <p:spPr>
+          <a:xfrm>
+            <a:off x="3359808" y="4314957"/>
+            <a:ext cx="1224136" cy="576064"/>
+          </a:xfrm>
+          <a:prstGeom prst="roundRect">
+            <a:avLst/>
+          </a:prstGeom>
+          <a:solidFill>
+            <a:schemeClr val="accent5">
+              <a:lumMod val="20000"/>
+              <a:lumOff val="80000"/>
+            </a:schemeClr>
+          </a:solidFill>
+          <a:effectLst>
+            <a:outerShdw blurRad="50800" dist="38100" dir="2700000" algn="tl" rotWithShape="0">
+              <a:prstClr val="black">
+                <a:alpha val="40000"/>
+              </a:prstClr>
+            </a:outerShdw>
+          </a:effectLst>
+        </p:spPr>
+        <p:style>
+          <a:lnRef idx="2">
+            <a:schemeClr val="accent1">
+              <a:shade val="50000"/>
+            </a:schemeClr>
+          </a:lnRef>
+          <a:fillRef idx="1">
+            <a:schemeClr val="accent1"/>
+          </a:fillRef>
+          <a:effectRef idx="0">
+            <a:schemeClr val="accent1"/>
+          </a:effectRef>
+          <a:fontRef idx="minor">
+            <a:schemeClr val="lt1"/>
+          </a:fontRef>
+        </p:style>
+        <p:txBody>
+          <a:bodyPr rtlCol="0" anchor="ctr"/>
+          <a:lstStyle/>
+          <a:p>
+            <a:pPr algn="ctr"/>
+            <a:r>
+              <a:rPr lang="it-IT" sz="1400" b="1" dirty="0">
+                <a:solidFill>
+                  <a:schemeClr val="tx1"/>
+                </a:solidFill>
+              </a:rPr>
+              <a:t>Organization</a:t>
+            </a:r>
+            <a:endParaRPr lang="en-GB" sz="1400" b="1" dirty="0">
+              <a:solidFill>
+                <a:schemeClr val="tx1"/>
+              </a:solidFill>
+            </a:endParaRPr>
+          </a:p>
+        </p:txBody>
+      </p:sp>
+      <p:cxnSp>
+        <p:nvCxnSpPr>
+          <p:cNvPr id="6" name="Connettore 4 5"/>
+          <p:cNvCxnSpPr>
+            <a:stCxn id="2" idx="3"/>
+            <a:endCxn id="5" idx="1"/>
+          </p:cNvCxnSpPr>
+          <p:nvPr/>
+        </p:nvCxnSpPr>
+        <p:spPr>
+          <a:xfrm flipV="1">
+            <a:off x="1792826" y="4602989"/>
+            <a:ext cx="1566982" cy="2847"/>
+          </a:xfrm>
+          <a:prstGeom prst="bentConnector3">
+            <a:avLst>
+              <a:gd name="adj1" fmla="val 50000"/>
+            </a:avLst>
+          </a:prstGeom>
+          <a:ln>
+            <a:tailEnd type="arrow"/>
+          </a:ln>
+        </p:spPr>
+        <p:style>
+          <a:lnRef idx="1">
+            <a:schemeClr val="accent1"/>
+          </a:lnRef>
+          <a:fillRef idx="0">
+            <a:schemeClr val="accent1"/>
+          </a:fillRef>
+          <a:effectRef idx="0">
+            <a:schemeClr val="accent1"/>
+          </a:effectRef>
+          <a:fontRef idx="minor">
+            <a:schemeClr val="tx1"/>
+          </a:fontRef>
+        </p:style>
+      </p:cxnSp>
+      <p:sp>
+        <p:nvSpPr>
+          <p:cNvPr id="7" name="Rettangolo arrotondato 6"/>
+          <p:cNvSpPr/>
+          <p:nvPr/>
+        </p:nvSpPr>
+        <p:spPr>
+          <a:xfrm>
+            <a:off x="5295770" y="4307347"/>
+            <a:ext cx="1224136" cy="576064"/>
+          </a:xfrm>
+          <a:prstGeom prst="roundRect">
+            <a:avLst/>
+          </a:prstGeom>
+          <a:solidFill>
+            <a:schemeClr val="accent5">
+              <a:lumMod val="20000"/>
+              <a:lumOff val="80000"/>
+            </a:schemeClr>
+          </a:solidFill>
+          <a:effectLst>
+            <a:outerShdw blurRad="50800" dist="38100" dir="2700000" algn="tl" rotWithShape="0">
+              <a:prstClr val="black">
+                <a:alpha val="40000"/>
+              </a:prstClr>
+            </a:outerShdw>
+          </a:effectLst>
+        </p:spPr>
+        <p:style>
+          <a:lnRef idx="2">
+            <a:schemeClr val="accent1">
+              <a:shade val="50000"/>
+            </a:schemeClr>
+          </a:lnRef>
+          <a:fillRef idx="1">
+            <a:schemeClr val="accent1"/>
+          </a:fillRef>
+          <a:effectRef idx="0">
+            <a:schemeClr val="accent1"/>
+          </a:effectRef>
+          <a:fontRef idx="minor">
+            <a:schemeClr val="lt1"/>
+          </a:fontRef>
+        </p:style>
+        <p:txBody>
+          <a:bodyPr rtlCol="0" anchor="ctr"/>
+          <a:lstStyle/>
+          <a:p>
+            <a:pPr algn="ctr"/>
+            <a:r>
+              <a:rPr lang="it-IT" sz="1400" b="1" dirty="0" err="1">
+                <a:solidFill>
+                  <a:schemeClr val="tx1"/>
+                </a:solidFill>
+              </a:rPr>
+              <a:t>Endpoint</a:t>
+            </a:r>
+            <a:endParaRPr lang="en-GB" sz="1400" b="1" dirty="0">
+              <a:solidFill>
+                <a:schemeClr val="tx1"/>
+              </a:solidFill>
+            </a:endParaRPr>
+          </a:p>
+        </p:txBody>
+      </p:sp>
+      <p:cxnSp>
+        <p:nvCxnSpPr>
+          <p:cNvPr id="8" name="Connettore 4 7"/>
+          <p:cNvCxnSpPr>
+            <a:stCxn id="5" idx="3"/>
+            <a:endCxn id="7" idx="1"/>
+          </p:cNvCxnSpPr>
+          <p:nvPr/>
+        </p:nvCxnSpPr>
+        <p:spPr>
+          <a:xfrm flipV="1">
+            <a:off x="4583944" y="4595379"/>
+            <a:ext cx="711826" cy="7610"/>
+          </a:xfrm>
+          <a:prstGeom prst="bentConnector3">
+            <a:avLst/>
+          </a:prstGeom>
+          <a:ln>
+            <a:tailEnd type="arrow"/>
+          </a:ln>
+        </p:spPr>
+        <p:style>
+          <a:lnRef idx="1">
+            <a:schemeClr val="accent1"/>
+          </a:lnRef>
+          <a:fillRef idx="0">
+            <a:schemeClr val="accent1"/>
+          </a:fillRef>
+          <a:effectRef idx="0">
+            <a:schemeClr val="accent1"/>
+          </a:effectRef>
+          <a:fontRef idx="minor">
+            <a:schemeClr val="tx1"/>
+          </a:fontRef>
+        </p:style>
+      </p:cxnSp>
+      <p:cxnSp>
+        <p:nvCxnSpPr>
+          <p:cNvPr id="12" name="Connettore 4 11"/>
+          <p:cNvCxnSpPr>
+            <a:stCxn id="7" idx="3"/>
+            <a:endCxn id="23" idx="1"/>
+          </p:cNvCxnSpPr>
+          <p:nvPr/>
+        </p:nvCxnSpPr>
+        <p:spPr>
+          <a:xfrm>
+            <a:off x="6519906" y="4595379"/>
+            <a:ext cx="781424" cy="708466"/>
+          </a:xfrm>
+          <a:prstGeom prst="bentConnector3">
+            <a:avLst>
+              <a:gd name="adj1" fmla="val 50000"/>
+            </a:avLst>
+          </a:prstGeom>
+          <a:ln>
+            <a:tailEnd type="arrow"/>
+          </a:ln>
+        </p:spPr>
+        <p:style>
+          <a:lnRef idx="1">
+            <a:schemeClr val="accent1"/>
+          </a:lnRef>
+          <a:fillRef idx="0">
+            <a:schemeClr val="accent1"/>
+          </a:fillRef>
+          <a:effectRef idx="0">
+            <a:schemeClr val="accent1"/>
+          </a:effectRef>
+          <a:fontRef idx="minor">
+            <a:schemeClr val="tx1"/>
+          </a:fontRef>
+        </p:style>
+      </p:cxnSp>
+      <p:sp>
+        <p:nvSpPr>
+          <p:cNvPr id="15" name="CasellaDiTesto 14"/>
+          <p:cNvSpPr txBox="1"/>
+          <p:nvPr/>
+        </p:nvSpPr>
+        <p:spPr>
+          <a:xfrm>
+            <a:off x="781635" y="4672613"/>
+            <a:ext cx="779381" cy="276999"/>
           </a:xfrm>
           <a:prstGeom prst="rect">
             <a:avLst/>
           </a:prstGeom>
           <a:noFill/>
-          <a:extLst>
-            <a:ext uri="{909E8E84-426E-40DD-AFC4-6F175D3DCCD1}">
-              <a14:hiddenFill xmlns:a14="http://schemas.microsoft.com/office/drawing/2010/main">
+        </p:spPr>
+        <p:txBody>
+          <a:bodyPr wrap="none" rtlCol="0">
+            <a:spAutoFit/>
+          </a:bodyPr>
+          <a:lstStyle>
+            <a:defPPr>
+              <a:defRPr lang="en-US"/>
+            </a:defPPr>
+            <a:lvl1pPr>
+              <a:defRPr sz="1200">
                 <a:solidFill>
-                  <a:srgbClr val="FFFFFF"/>
+                  <a:srgbClr val="C00000"/>
                 </a:solidFill>
-              </a14:hiddenFill>
-            </a:ext>
-          </a:extLst>
-        </p:spPr>
-      </p:pic>
+                <a:latin typeface="Arial" panose="020B0604020202020204" pitchFamily="34" charset="0"/>
+                <a:cs typeface="Arial" panose="020B0604020202020204" pitchFamily="34" charset="0"/>
+              </a:defRPr>
+            </a:lvl1pPr>
+          </a:lstStyle>
+          <a:p>
+            <a:r>
+              <a:rPr lang="en-GB" dirty="0"/>
+              <a:t>1471023</a:t>
+            </a:r>
+          </a:p>
+        </p:txBody>
+      </p:sp>
+      <p:sp>
+        <p:nvSpPr>
+          <p:cNvPr id="16" name="CasellaDiTesto 15"/>
+          <p:cNvSpPr txBox="1"/>
+          <p:nvPr/>
+        </p:nvSpPr>
+        <p:spPr>
+          <a:xfrm>
+            <a:off x="5518148" y="4665693"/>
+            <a:ext cx="779381" cy="276999"/>
+          </a:xfrm>
+          <a:prstGeom prst="rect">
+            <a:avLst/>
+          </a:prstGeom>
+          <a:noFill/>
+        </p:spPr>
+        <p:txBody>
+          <a:bodyPr wrap="none" rtlCol="0">
+            <a:spAutoFit/>
+          </a:bodyPr>
+          <a:lstStyle>
+            <a:defPPr>
+              <a:defRPr lang="en-US"/>
+            </a:defPPr>
+            <a:lvl1pPr>
+              <a:defRPr sz="1200">
+                <a:solidFill>
+                  <a:srgbClr val="C00000"/>
+                </a:solidFill>
+                <a:latin typeface="Arial" panose="020B0604020202020204" pitchFamily="34" charset="0"/>
+                <a:cs typeface="Arial" panose="020B0604020202020204" pitchFamily="34" charset="0"/>
+              </a:defRPr>
+            </a:lvl1pPr>
+          </a:lstStyle>
+          <a:p>
+            <a:r>
+              <a:rPr lang="en-GB" dirty="0"/>
+              <a:t>1470818</a:t>
+            </a:r>
+          </a:p>
+        </p:txBody>
+      </p:sp>
+      <p:sp>
+        <p:nvSpPr>
+          <p:cNvPr id="21" name="CasellaDiTesto 20"/>
+          <p:cNvSpPr txBox="1"/>
+          <p:nvPr/>
+        </p:nvSpPr>
+        <p:spPr>
+          <a:xfrm>
+            <a:off x="3582185" y="4610715"/>
+            <a:ext cx="779381" cy="276999"/>
+          </a:xfrm>
+          <a:prstGeom prst="rect">
+            <a:avLst/>
+          </a:prstGeom>
+          <a:noFill/>
+        </p:spPr>
+        <p:txBody>
+          <a:bodyPr wrap="none" rtlCol="0">
+            <a:spAutoFit/>
+          </a:bodyPr>
+          <a:lstStyle>
+            <a:defPPr>
+              <a:defRPr lang="en-US"/>
+            </a:defPPr>
+            <a:lvl1pPr>
+              <a:defRPr sz="1200">
+                <a:solidFill>
+                  <a:srgbClr val="C00000"/>
+                </a:solidFill>
+                <a:latin typeface="Arial" panose="020B0604020202020204" pitchFamily="34" charset="0"/>
+                <a:cs typeface="Arial" panose="020B0604020202020204" pitchFamily="34" charset="0"/>
+              </a:defRPr>
+            </a:lvl1pPr>
+          </a:lstStyle>
+          <a:p>
+            <a:r>
+              <a:rPr lang="en-GB" dirty="0"/>
+              <a:t>1471022</a:t>
+            </a:r>
+          </a:p>
+        </p:txBody>
+      </p:sp>
+      <p:sp>
+        <p:nvSpPr>
+          <p:cNvPr id="23" name="Rettangolo arrotondato 22"/>
+          <p:cNvSpPr/>
+          <p:nvPr/>
+        </p:nvSpPr>
+        <p:spPr>
+          <a:xfrm>
+            <a:off x="7301330" y="5015813"/>
+            <a:ext cx="1656184" cy="576064"/>
+          </a:xfrm>
+          <a:prstGeom prst="roundRect">
+            <a:avLst/>
+          </a:prstGeom>
+          <a:solidFill>
+            <a:schemeClr val="accent5">
+              <a:lumMod val="20000"/>
+              <a:lumOff val="80000"/>
+            </a:schemeClr>
+          </a:solidFill>
+          <a:effectLst>
+            <a:outerShdw blurRad="50800" dist="38100" dir="2700000" algn="tl" rotWithShape="0">
+              <a:prstClr val="black">
+                <a:alpha val="40000"/>
+              </a:prstClr>
+            </a:outerShdw>
+          </a:effectLst>
+        </p:spPr>
+        <p:style>
+          <a:lnRef idx="2">
+            <a:schemeClr val="accent1">
+              <a:shade val="50000"/>
+            </a:schemeClr>
+          </a:lnRef>
+          <a:fillRef idx="1">
+            <a:schemeClr val="accent1"/>
+          </a:fillRef>
+          <a:effectRef idx="0">
+            <a:schemeClr val="accent1"/>
+          </a:effectRef>
+          <a:fontRef idx="minor">
+            <a:schemeClr val="lt1"/>
+          </a:fontRef>
+        </p:style>
+        <p:txBody>
+          <a:bodyPr rtlCol="0" anchor="ctr"/>
+          <a:lstStyle/>
+          <a:p>
+            <a:pPr algn="ctr"/>
+            <a:r>
+              <a:rPr lang="it-IT" sz="1400" b="1" dirty="0" smtClean="0">
+                <a:solidFill>
+                  <a:schemeClr val="tx1"/>
+                </a:solidFill>
+              </a:rPr>
+              <a:t>Organization</a:t>
+            </a:r>
+          </a:p>
+          <a:p>
+            <a:pPr algn="ctr"/>
+            <a:r>
+              <a:rPr lang="it-IT" sz="1400" b="1" dirty="0" smtClean="0">
+                <a:solidFill>
+                  <a:schemeClr val="tx1"/>
+                </a:solidFill>
+              </a:rPr>
+              <a:t>(hl7) </a:t>
+            </a:r>
+            <a:r>
+              <a:rPr lang="en-GB" sz="1400" dirty="0">
+                <a:solidFill>
+                  <a:srgbClr val="C00000"/>
+                </a:solidFill>
+                <a:latin typeface="Arial" panose="020B0604020202020204" pitchFamily="34" charset="0"/>
+                <a:cs typeface="Arial" panose="020B0604020202020204" pitchFamily="34" charset="0"/>
+              </a:rPr>
+              <a:t>1470790</a:t>
+            </a:r>
+            <a:endParaRPr lang="en-GB" sz="1400" b="1" dirty="0">
+              <a:solidFill>
+                <a:schemeClr val="tx1"/>
+              </a:solidFill>
+            </a:endParaRPr>
+          </a:p>
+        </p:txBody>
+      </p:sp>
+      <p:sp>
+        <p:nvSpPr>
+          <p:cNvPr id="17" name="Rettangolo arrotondato 16"/>
+          <p:cNvSpPr/>
+          <p:nvPr/>
+        </p:nvSpPr>
+        <p:spPr>
+          <a:xfrm>
+            <a:off x="1705487" y="2961673"/>
+            <a:ext cx="1224136" cy="576064"/>
+          </a:xfrm>
+          <a:prstGeom prst="roundRect">
+            <a:avLst/>
+          </a:prstGeom>
+          <a:solidFill>
+            <a:schemeClr val="accent5">
+              <a:lumMod val="20000"/>
+              <a:lumOff val="80000"/>
+            </a:schemeClr>
+          </a:solidFill>
+          <a:effectLst>
+            <a:outerShdw blurRad="50800" dist="38100" dir="2700000" algn="tl" rotWithShape="0">
+              <a:prstClr val="black">
+                <a:alpha val="40000"/>
+              </a:prstClr>
+            </a:outerShdw>
+          </a:effectLst>
+        </p:spPr>
+        <p:style>
+          <a:lnRef idx="2">
+            <a:schemeClr val="accent1">
+              <a:shade val="50000"/>
+            </a:schemeClr>
+          </a:lnRef>
+          <a:fillRef idx="1">
+            <a:schemeClr val="accent1"/>
+          </a:fillRef>
+          <a:effectRef idx="0">
+            <a:schemeClr val="accent1"/>
+          </a:effectRef>
+          <a:fontRef idx="minor">
+            <a:schemeClr val="lt1"/>
+          </a:fontRef>
+        </p:style>
+        <p:txBody>
+          <a:bodyPr rtlCol="0" anchor="ctr"/>
+          <a:lstStyle/>
+          <a:p>
+            <a:pPr algn="ctr"/>
+            <a:r>
+              <a:rPr lang="it-IT" sz="1400" b="1" dirty="0" err="1" smtClean="0">
+                <a:solidFill>
+                  <a:schemeClr val="tx1"/>
+                </a:solidFill>
+              </a:rPr>
+              <a:t>Observation</a:t>
+            </a:r>
+            <a:endParaRPr lang="en-GB" sz="1400" b="1" dirty="0">
+              <a:solidFill>
+                <a:schemeClr val="tx1"/>
+              </a:solidFill>
+            </a:endParaRPr>
+          </a:p>
+        </p:txBody>
+      </p:sp>
+      <p:sp>
+        <p:nvSpPr>
+          <p:cNvPr id="18" name="Rettangolo arrotondato 17"/>
+          <p:cNvSpPr/>
+          <p:nvPr/>
+        </p:nvSpPr>
+        <p:spPr>
+          <a:xfrm>
+            <a:off x="3414863" y="2961672"/>
+            <a:ext cx="1224136" cy="576064"/>
+          </a:xfrm>
+          <a:prstGeom prst="roundRect">
+            <a:avLst/>
+          </a:prstGeom>
+          <a:solidFill>
+            <a:schemeClr val="accent5">
+              <a:lumMod val="20000"/>
+              <a:lumOff val="80000"/>
+            </a:schemeClr>
+          </a:solidFill>
+          <a:effectLst>
+            <a:outerShdw blurRad="50800" dist="38100" dir="2700000" algn="tl" rotWithShape="0">
+              <a:prstClr val="black">
+                <a:alpha val="40000"/>
+              </a:prstClr>
+            </a:outerShdw>
+          </a:effectLst>
+        </p:spPr>
+        <p:style>
+          <a:lnRef idx="2">
+            <a:schemeClr val="accent1">
+              <a:shade val="50000"/>
+            </a:schemeClr>
+          </a:lnRef>
+          <a:fillRef idx="1">
+            <a:schemeClr val="accent1"/>
+          </a:fillRef>
+          <a:effectRef idx="0">
+            <a:schemeClr val="accent1"/>
+          </a:effectRef>
+          <a:fontRef idx="minor">
+            <a:schemeClr val="lt1"/>
+          </a:fontRef>
+        </p:style>
+        <p:txBody>
+          <a:bodyPr rtlCol="0" anchor="ctr"/>
+          <a:lstStyle/>
+          <a:p>
+            <a:pPr algn="ctr"/>
+            <a:r>
+              <a:rPr lang="it-IT" sz="1400" b="1" dirty="0" err="1" smtClean="0">
+                <a:solidFill>
+                  <a:schemeClr val="tx1"/>
+                </a:solidFill>
+              </a:rPr>
+              <a:t>Encounter</a:t>
+            </a:r>
+            <a:endParaRPr lang="en-GB" sz="1400" b="1" dirty="0">
+              <a:solidFill>
+                <a:schemeClr val="tx1"/>
+              </a:solidFill>
+            </a:endParaRPr>
+          </a:p>
+        </p:txBody>
+      </p:sp>
+      <p:cxnSp>
+        <p:nvCxnSpPr>
+          <p:cNvPr id="9" name="Connettore 4 8"/>
+          <p:cNvCxnSpPr>
+            <a:stCxn id="17" idx="1"/>
+            <a:endCxn id="2" idx="0"/>
+          </p:cNvCxnSpPr>
+          <p:nvPr/>
+        </p:nvCxnSpPr>
+        <p:spPr>
+          <a:xfrm rot="10800000" flipV="1">
+            <a:off x="1180759" y="3249704"/>
+            <a:ext cx="524729" cy="1068099"/>
+          </a:xfrm>
+          <a:prstGeom prst="bentConnector2">
+            <a:avLst/>
+          </a:prstGeom>
+          <a:ln>
+            <a:tailEnd type="arrow"/>
+          </a:ln>
+        </p:spPr>
+        <p:style>
+          <a:lnRef idx="1">
+            <a:schemeClr val="accent1"/>
+          </a:lnRef>
+          <a:fillRef idx="0">
+            <a:schemeClr val="accent1"/>
+          </a:fillRef>
+          <a:effectRef idx="0">
+            <a:schemeClr val="accent1"/>
+          </a:effectRef>
+          <a:fontRef idx="minor">
+            <a:schemeClr val="tx1"/>
+          </a:fontRef>
+        </p:style>
+      </p:cxnSp>
+      <p:cxnSp>
+        <p:nvCxnSpPr>
+          <p:cNvPr id="11" name="Connettore 4 10"/>
+          <p:cNvCxnSpPr>
+            <a:stCxn id="17" idx="3"/>
+            <a:endCxn id="18" idx="1"/>
+          </p:cNvCxnSpPr>
+          <p:nvPr/>
+        </p:nvCxnSpPr>
+        <p:spPr>
+          <a:xfrm flipV="1">
+            <a:off x="2929623" y="3249704"/>
+            <a:ext cx="485240" cy="1"/>
+          </a:xfrm>
+          <a:prstGeom prst="bentConnector3">
+            <a:avLst/>
+          </a:prstGeom>
+          <a:ln>
+            <a:tailEnd type="arrow"/>
+          </a:ln>
+        </p:spPr>
+        <p:style>
+          <a:lnRef idx="1">
+            <a:schemeClr val="accent1"/>
+          </a:lnRef>
+          <a:fillRef idx="0">
+            <a:schemeClr val="accent1"/>
+          </a:fillRef>
+          <a:effectRef idx="0">
+            <a:schemeClr val="accent1"/>
+          </a:effectRef>
+          <a:fontRef idx="minor">
+            <a:schemeClr val="tx1"/>
+          </a:fontRef>
+        </p:style>
+      </p:cxnSp>
+      <p:cxnSp>
+        <p:nvCxnSpPr>
+          <p:cNvPr id="19" name="Connettore 4 18"/>
+          <p:cNvCxnSpPr>
+            <a:stCxn id="18" idx="2"/>
+            <a:endCxn id="2" idx="0"/>
+          </p:cNvCxnSpPr>
+          <p:nvPr/>
+        </p:nvCxnSpPr>
+        <p:spPr>
+          <a:xfrm rot="5400000">
+            <a:off x="2213811" y="2504684"/>
+            <a:ext cx="780068" cy="2846173"/>
+          </a:xfrm>
+          <a:prstGeom prst="bentConnector3">
+            <a:avLst>
+              <a:gd name="adj1" fmla="val 50000"/>
+            </a:avLst>
+          </a:prstGeom>
+          <a:ln>
+            <a:tailEnd type="arrow"/>
+          </a:ln>
+        </p:spPr>
+        <p:style>
+          <a:lnRef idx="1">
+            <a:schemeClr val="accent1"/>
+          </a:lnRef>
+          <a:fillRef idx="0">
+            <a:schemeClr val="accent1"/>
+          </a:fillRef>
+          <a:effectRef idx="0">
+            <a:schemeClr val="accent1"/>
+          </a:effectRef>
+          <a:fontRef idx="minor">
+            <a:schemeClr val="tx1"/>
+          </a:fontRef>
+        </p:style>
+      </p:cxnSp>
+      <p:sp>
+        <p:nvSpPr>
+          <p:cNvPr id="28" name="Rettangolo arrotondato 27"/>
+          <p:cNvSpPr/>
+          <p:nvPr/>
+        </p:nvSpPr>
+        <p:spPr>
+          <a:xfrm>
+            <a:off x="6378493" y="2077973"/>
+            <a:ext cx="1224136" cy="576064"/>
+          </a:xfrm>
+          <a:prstGeom prst="roundRect">
+            <a:avLst/>
+          </a:prstGeom>
+          <a:solidFill>
+            <a:schemeClr val="accent5">
+              <a:lumMod val="20000"/>
+              <a:lumOff val="80000"/>
+            </a:schemeClr>
+          </a:solidFill>
+          <a:effectLst>
+            <a:outerShdw blurRad="50800" dist="38100" dir="2700000" algn="tl" rotWithShape="0">
+              <a:prstClr val="black">
+                <a:alpha val="40000"/>
+              </a:prstClr>
+            </a:outerShdw>
+          </a:effectLst>
+        </p:spPr>
+        <p:style>
+          <a:lnRef idx="2">
+            <a:schemeClr val="accent1">
+              <a:shade val="50000"/>
+            </a:schemeClr>
+          </a:lnRef>
+          <a:fillRef idx="1">
+            <a:schemeClr val="accent1"/>
+          </a:fillRef>
+          <a:effectRef idx="0">
+            <a:schemeClr val="accent1"/>
+          </a:effectRef>
+          <a:fontRef idx="minor">
+            <a:schemeClr val="lt1"/>
+          </a:fontRef>
+        </p:style>
+        <p:txBody>
+          <a:bodyPr rtlCol="0" anchor="ctr"/>
+          <a:lstStyle/>
+          <a:p>
+            <a:pPr algn="ctr"/>
+            <a:r>
+              <a:rPr lang="it-IT" sz="1400" b="1" dirty="0" err="1" smtClean="0">
+                <a:solidFill>
+                  <a:schemeClr val="tx1"/>
+                </a:solidFill>
+              </a:rPr>
+              <a:t>CarePlan</a:t>
+            </a:r>
+            <a:endParaRPr lang="en-GB" sz="1400" b="1" dirty="0">
+              <a:solidFill>
+                <a:schemeClr val="tx1"/>
+              </a:solidFill>
+            </a:endParaRPr>
+          </a:p>
+        </p:txBody>
+      </p:sp>
+      <p:cxnSp>
+        <p:nvCxnSpPr>
+          <p:cNvPr id="25" name="Connettore 4 24"/>
+          <p:cNvCxnSpPr>
+            <a:stCxn id="28" idx="1"/>
+            <a:endCxn id="18" idx="0"/>
+          </p:cNvCxnSpPr>
+          <p:nvPr/>
+        </p:nvCxnSpPr>
+        <p:spPr>
+          <a:xfrm rot="10800000" flipV="1">
+            <a:off x="4026931" y="2366004"/>
+            <a:ext cx="2351562" cy="595667"/>
+          </a:xfrm>
+          <a:prstGeom prst="bentConnector2">
+            <a:avLst/>
+          </a:prstGeom>
+          <a:ln>
+            <a:tailEnd type="arrow"/>
+          </a:ln>
+        </p:spPr>
+        <p:style>
+          <a:lnRef idx="1">
+            <a:schemeClr val="accent1"/>
+          </a:lnRef>
+          <a:fillRef idx="0">
+            <a:schemeClr val="accent1"/>
+          </a:fillRef>
+          <a:effectRef idx="0">
+            <a:schemeClr val="accent1"/>
+          </a:effectRef>
+          <a:fontRef idx="minor">
+            <a:schemeClr val="tx1"/>
+          </a:fontRef>
+        </p:style>
+      </p:cxnSp>
+      <p:sp>
+        <p:nvSpPr>
+          <p:cNvPr id="34" name="Rettangolo arrotondato 33"/>
+          <p:cNvSpPr/>
+          <p:nvPr/>
+        </p:nvSpPr>
+        <p:spPr>
+          <a:xfrm>
+            <a:off x="5126750" y="3086293"/>
+            <a:ext cx="1224136" cy="576064"/>
+          </a:xfrm>
+          <a:prstGeom prst="roundRect">
+            <a:avLst/>
+          </a:prstGeom>
+          <a:solidFill>
+            <a:schemeClr val="accent5">
+              <a:lumMod val="20000"/>
+              <a:lumOff val="80000"/>
+            </a:schemeClr>
+          </a:solidFill>
+          <a:effectLst>
+            <a:outerShdw blurRad="50800" dist="38100" dir="2700000" algn="tl" rotWithShape="0">
+              <a:prstClr val="black">
+                <a:alpha val="40000"/>
+              </a:prstClr>
+            </a:outerShdw>
+          </a:effectLst>
+        </p:spPr>
+        <p:style>
+          <a:lnRef idx="2">
+            <a:schemeClr val="accent1">
+              <a:shade val="50000"/>
+            </a:schemeClr>
+          </a:lnRef>
+          <a:fillRef idx="1">
+            <a:schemeClr val="accent1"/>
+          </a:fillRef>
+          <a:effectRef idx="0">
+            <a:schemeClr val="accent1"/>
+          </a:effectRef>
+          <a:fontRef idx="minor">
+            <a:schemeClr val="lt1"/>
+          </a:fontRef>
+        </p:style>
+        <p:txBody>
+          <a:bodyPr rtlCol="0" anchor="ctr"/>
+          <a:lstStyle/>
+          <a:p>
+            <a:pPr algn="ctr"/>
+            <a:r>
+              <a:rPr lang="en-GB" sz="1400" b="1" dirty="0">
+                <a:solidFill>
+                  <a:schemeClr val="tx1"/>
+                </a:solidFill>
+              </a:rPr>
+              <a:t>Practitioner</a:t>
+            </a:r>
+            <a:endParaRPr lang="en-GB" sz="1400" b="1" dirty="0">
+              <a:solidFill>
+                <a:schemeClr val="tx1"/>
+              </a:solidFill>
+            </a:endParaRPr>
+          </a:p>
+        </p:txBody>
+      </p:sp>
+      <p:cxnSp>
+        <p:nvCxnSpPr>
+          <p:cNvPr id="31" name="Connettore 4 30"/>
+          <p:cNvCxnSpPr>
+            <a:stCxn id="28" idx="2"/>
+            <a:endCxn id="34" idx="0"/>
+          </p:cNvCxnSpPr>
+          <p:nvPr/>
+        </p:nvCxnSpPr>
+        <p:spPr>
+          <a:xfrm rot="5400000">
+            <a:off x="6148562" y="2244294"/>
+            <a:ext cx="432256" cy="1251743"/>
+          </a:xfrm>
+          <a:prstGeom prst="bentConnector3">
+            <a:avLst/>
+          </a:prstGeom>
+          <a:ln>
+            <a:tailEnd type="arrow"/>
+          </a:ln>
+        </p:spPr>
+        <p:style>
+          <a:lnRef idx="1">
+            <a:schemeClr val="accent1"/>
+          </a:lnRef>
+          <a:fillRef idx="0">
+            <a:schemeClr val="accent1"/>
+          </a:fillRef>
+          <a:effectRef idx="0">
+            <a:schemeClr val="accent1"/>
+          </a:effectRef>
+          <a:fontRef idx="minor">
+            <a:schemeClr val="tx1"/>
+          </a:fontRef>
+        </p:style>
+      </p:cxnSp>
+      <p:sp>
+        <p:nvSpPr>
+          <p:cNvPr id="37" name="Rettangolo arrotondato 36"/>
+          <p:cNvSpPr/>
+          <p:nvPr/>
+        </p:nvSpPr>
+        <p:spPr>
+          <a:xfrm>
+            <a:off x="6472024" y="3086293"/>
+            <a:ext cx="1224136" cy="576064"/>
+          </a:xfrm>
+          <a:prstGeom prst="roundRect">
+            <a:avLst/>
+          </a:prstGeom>
+          <a:solidFill>
+            <a:schemeClr val="accent5">
+              <a:lumMod val="20000"/>
+              <a:lumOff val="80000"/>
+            </a:schemeClr>
+          </a:solidFill>
+          <a:effectLst>
+            <a:outerShdw blurRad="50800" dist="38100" dir="2700000" algn="tl" rotWithShape="0">
+              <a:prstClr val="black">
+                <a:alpha val="40000"/>
+              </a:prstClr>
+            </a:outerShdw>
+          </a:effectLst>
+        </p:spPr>
+        <p:style>
+          <a:lnRef idx="2">
+            <a:schemeClr val="accent1">
+              <a:shade val="50000"/>
+            </a:schemeClr>
+          </a:lnRef>
+          <a:fillRef idx="1">
+            <a:schemeClr val="accent1"/>
+          </a:fillRef>
+          <a:effectRef idx="0">
+            <a:schemeClr val="accent1"/>
+          </a:effectRef>
+          <a:fontRef idx="minor">
+            <a:schemeClr val="lt1"/>
+          </a:fontRef>
+        </p:style>
+        <p:txBody>
+          <a:bodyPr rtlCol="0" anchor="ctr"/>
+          <a:lstStyle/>
+          <a:p>
+            <a:pPr algn="ctr"/>
+            <a:r>
+              <a:rPr lang="en-GB" sz="1400" b="1" dirty="0" err="1" smtClean="0">
+                <a:solidFill>
+                  <a:schemeClr val="tx1"/>
+                </a:solidFill>
+              </a:rPr>
+              <a:t>CareTeam</a:t>
+            </a:r>
+            <a:endParaRPr lang="en-GB" sz="1400" b="1" dirty="0">
+              <a:solidFill>
+                <a:schemeClr val="tx1"/>
+              </a:solidFill>
+            </a:endParaRPr>
+          </a:p>
+        </p:txBody>
+      </p:sp>
+      <p:cxnSp>
+        <p:nvCxnSpPr>
+          <p:cNvPr id="33" name="Connettore 4 32"/>
+          <p:cNvCxnSpPr>
+            <a:stCxn id="28" idx="2"/>
+            <a:endCxn id="37" idx="0"/>
+          </p:cNvCxnSpPr>
+          <p:nvPr/>
+        </p:nvCxnSpPr>
+        <p:spPr>
+          <a:xfrm rot="16200000" flipH="1">
+            <a:off x="6821198" y="2823399"/>
+            <a:ext cx="432256" cy="93531"/>
+          </a:xfrm>
+          <a:prstGeom prst="bentConnector3">
+            <a:avLst/>
+          </a:prstGeom>
+          <a:ln>
+            <a:tailEnd type="arrow"/>
+          </a:ln>
+        </p:spPr>
+        <p:style>
+          <a:lnRef idx="1">
+            <a:schemeClr val="accent1"/>
+          </a:lnRef>
+          <a:fillRef idx="0">
+            <a:schemeClr val="accent1"/>
+          </a:fillRef>
+          <a:effectRef idx="0">
+            <a:schemeClr val="accent1"/>
+          </a:effectRef>
+          <a:fontRef idx="minor">
+            <a:schemeClr val="tx1"/>
+          </a:fontRef>
+        </p:style>
+      </p:cxnSp>
+      <p:sp>
+        <p:nvSpPr>
+          <p:cNvPr id="42" name="Rettangolo arrotondato 41"/>
+          <p:cNvSpPr/>
+          <p:nvPr/>
+        </p:nvSpPr>
+        <p:spPr>
+          <a:xfrm>
+            <a:off x="7808455" y="3086291"/>
+            <a:ext cx="1224136" cy="576064"/>
+          </a:xfrm>
+          <a:prstGeom prst="roundRect">
+            <a:avLst/>
+          </a:prstGeom>
+          <a:solidFill>
+            <a:schemeClr val="accent5">
+              <a:lumMod val="20000"/>
+              <a:lumOff val="80000"/>
+            </a:schemeClr>
+          </a:solidFill>
+          <a:effectLst>
+            <a:outerShdw blurRad="50800" dist="38100" dir="2700000" algn="tl" rotWithShape="0">
+              <a:prstClr val="black">
+                <a:alpha val="40000"/>
+              </a:prstClr>
+            </a:outerShdw>
+          </a:effectLst>
+        </p:spPr>
+        <p:style>
+          <a:lnRef idx="2">
+            <a:schemeClr val="accent1">
+              <a:shade val="50000"/>
+            </a:schemeClr>
+          </a:lnRef>
+          <a:fillRef idx="1">
+            <a:schemeClr val="accent1"/>
+          </a:fillRef>
+          <a:effectRef idx="0">
+            <a:schemeClr val="accent1"/>
+          </a:effectRef>
+          <a:fontRef idx="minor">
+            <a:schemeClr val="lt1"/>
+          </a:fontRef>
+        </p:style>
+        <p:txBody>
+          <a:bodyPr rtlCol="0" anchor="ctr"/>
+          <a:lstStyle/>
+          <a:p>
+            <a:pPr algn="ctr"/>
+            <a:r>
+              <a:rPr lang="en-GB" sz="1400" b="1" dirty="0" smtClean="0">
+                <a:solidFill>
+                  <a:schemeClr val="tx1"/>
+                </a:solidFill>
+              </a:rPr>
+              <a:t>Goal</a:t>
+            </a:r>
+            <a:endParaRPr lang="en-GB" sz="1400" b="1" dirty="0">
+              <a:solidFill>
+                <a:schemeClr val="tx1"/>
+              </a:solidFill>
+            </a:endParaRPr>
+          </a:p>
+        </p:txBody>
+      </p:sp>
+      <p:cxnSp>
+        <p:nvCxnSpPr>
+          <p:cNvPr id="44" name="Connettore 4 43"/>
+          <p:cNvCxnSpPr>
+            <a:stCxn id="28" idx="2"/>
+            <a:endCxn id="42" idx="0"/>
+          </p:cNvCxnSpPr>
+          <p:nvPr/>
+        </p:nvCxnSpPr>
+        <p:spPr>
+          <a:xfrm rot="16200000" flipH="1">
+            <a:off x="7489415" y="2155183"/>
+            <a:ext cx="432254" cy="1429962"/>
+          </a:xfrm>
+          <a:prstGeom prst="bentConnector3">
+            <a:avLst/>
+          </a:prstGeom>
+          <a:ln>
+            <a:tailEnd type="arrow"/>
+          </a:ln>
+        </p:spPr>
+        <p:style>
+          <a:lnRef idx="1">
+            <a:schemeClr val="accent1"/>
+          </a:lnRef>
+          <a:fillRef idx="0">
+            <a:schemeClr val="accent1"/>
+          </a:fillRef>
+          <a:effectRef idx="0">
+            <a:schemeClr val="accent1"/>
+          </a:effectRef>
+          <a:fontRef idx="minor">
+            <a:schemeClr val="tx1"/>
+          </a:fontRef>
+        </p:style>
+      </p:cxnSp>
+      <p:cxnSp>
+        <p:nvCxnSpPr>
+          <p:cNvPr id="46" name="Connettore 4 45"/>
+          <p:cNvCxnSpPr>
+            <a:stCxn id="28" idx="0"/>
+            <a:endCxn id="17" idx="0"/>
+          </p:cNvCxnSpPr>
+          <p:nvPr/>
+        </p:nvCxnSpPr>
+        <p:spPr>
+          <a:xfrm rot="16200000" flipH="1" flipV="1">
+            <a:off x="4212208" y="183320"/>
+            <a:ext cx="883700" cy="4673006"/>
+          </a:xfrm>
+          <a:prstGeom prst="bentConnector3">
+            <a:avLst>
+              <a:gd name="adj1" fmla="val -25869"/>
+            </a:avLst>
+          </a:prstGeom>
+          <a:ln>
+            <a:tailEnd type="arrow"/>
+          </a:ln>
+        </p:spPr>
+        <p:style>
+          <a:lnRef idx="1">
+            <a:schemeClr val="accent1"/>
+          </a:lnRef>
+          <a:fillRef idx="0">
+            <a:schemeClr val="accent1"/>
+          </a:fillRef>
+          <a:effectRef idx="0">
+            <a:schemeClr val="accent1"/>
+          </a:effectRef>
+          <a:fontRef idx="minor">
+            <a:schemeClr val="tx1"/>
+          </a:fontRef>
+        </p:style>
+      </p:cxnSp>
+      <p:cxnSp>
+        <p:nvCxnSpPr>
+          <p:cNvPr id="48" name="Connettore 4 47"/>
+          <p:cNvCxnSpPr>
+            <a:stCxn id="28" idx="0"/>
+            <a:endCxn id="2" idx="0"/>
+          </p:cNvCxnSpPr>
+          <p:nvPr/>
+        </p:nvCxnSpPr>
+        <p:spPr>
+          <a:xfrm rot="16200000" flipH="1" flipV="1">
+            <a:off x="2965744" y="292986"/>
+            <a:ext cx="2239831" cy="5809803"/>
+          </a:xfrm>
+          <a:prstGeom prst="bentConnector3">
+            <a:avLst>
+              <a:gd name="adj1" fmla="val -22518"/>
+            </a:avLst>
+          </a:prstGeom>
+          <a:ln>
+            <a:tailEnd type="arrow"/>
+          </a:ln>
+        </p:spPr>
+        <p:style>
+          <a:lnRef idx="1">
+            <a:schemeClr val="accent1"/>
+          </a:lnRef>
+          <a:fillRef idx="0">
+            <a:schemeClr val="accent1"/>
+          </a:fillRef>
+          <a:effectRef idx="0">
+            <a:schemeClr val="accent1"/>
+          </a:effectRef>
+          <a:fontRef idx="minor">
+            <a:schemeClr val="tx1"/>
+          </a:fontRef>
+        </p:style>
+      </p:cxnSp>
+      <p:sp>
+        <p:nvSpPr>
+          <p:cNvPr id="50" name="CasellaDiTesto 49"/>
+          <p:cNvSpPr txBox="1"/>
+          <p:nvPr/>
+        </p:nvSpPr>
+        <p:spPr>
+          <a:xfrm>
+            <a:off x="3553214" y="1342724"/>
+            <a:ext cx="1244251" cy="261610"/>
+          </a:xfrm>
+          <a:prstGeom prst="rect">
+            <a:avLst/>
+          </a:prstGeom>
+          <a:noFill/>
+        </p:spPr>
+        <p:txBody>
+          <a:bodyPr wrap="none" rtlCol="0">
+            <a:spAutoFit/>
+          </a:bodyPr>
+          <a:lstStyle/>
+          <a:p>
+            <a:r>
+              <a:rPr lang="it-IT" sz="1100" dirty="0" err="1" smtClean="0">
+                <a:latin typeface="+mj-lt"/>
+              </a:rPr>
+              <a:t>activity</a:t>
+            </a:r>
+            <a:r>
+              <a:rPr lang="it-IT" sz="1100" dirty="0" smtClean="0">
+                <a:latin typeface="+mj-lt"/>
+              </a:rPr>
+              <a:t>/performer</a:t>
+            </a:r>
+            <a:endParaRPr lang="en-GB" sz="1100" dirty="0">
+              <a:latin typeface="+mj-lt"/>
+            </a:endParaRPr>
+          </a:p>
+        </p:txBody>
+      </p:sp>
+      <p:sp>
+        <p:nvSpPr>
+          <p:cNvPr id="51" name="CasellaDiTesto 50"/>
+          <p:cNvSpPr txBox="1"/>
+          <p:nvPr/>
+        </p:nvSpPr>
+        <p:spPr>
+          <a:xfrm>
+            <a:off x="5623144" y="2654036"/>
+            <a:ext cx="569387" cy="261610"/>
+          </a:xfrm>
+          <a:prstGeom prst="rect">
+            <a:avLst/>
+          </a:prstGeom>
+          <a:noFill/>
+        </p:spPr>
+        <p:txBody>
+          <a:bodyPr wrap="none" rtlCol="0">
+            <a:spAutoFit/>
+          </a:bodyPr>
+          <a:lstStyle/>
+          <a:p>
+            <a:r>
+              <a:rPr lang="it-IT" sz="1100" dirty="0" err="1" smtClean="0">
+                <a:latin typeface="+mj-lt"/>
+              </a:rPr>
+              <a:t>author</a:t>
+            </a:r>
+            <a:endParaRPr lang="en-GB" sz="1100" dirty="0">
+              <a:latin typeface="+mj-lt"/>
+            </a:endParaRPr>
+          </a:p>
+        </p:txBody>
+      </p:sp>
+      <p:sp>
+        <p:nvSpPr>
+          <p:cNvPr id="52" name="CasellaDiTesto 51"/>
+          <p:cNvSpPr txBox="1"/>
+          <p:nvPr/>
+        </p:nvSpPr>
+        <p:spPr>
+          <a:xfrm>
+            <a:off x="4150778" y="1616971"/>
+            <a:ext cx="1279517" cy="261610"/>
+          </a:xfrm>
+          <a:prstGeom prst="rect">
+            <a:avLst/>
+          </a:prstGeom>
+          <a:noFill/>
+        </p:spPr>
+        <p:txBody>
+          <a:bodyPr wrap="none" rtlCol="0">
+            <a:spAutoFit/>
+          </a:bodyPr>
+          <a:lstStyle/>
+          <a:p>
+            <a:r>
+              <a:rPr lang="en-GB" sz="1100" dirty="0" err="1"/>
+              <a:t>outcomeReference</a:t>
+            </a:r>
+            <a:endParaRPr lang="en-GB" sz="1100" dirty="0">
+              <a:latin typeface="+mj-lt"/>
+            </a:endParaRPr>
+          </a:p>
+        </p:txBody>
+      </p:sp>
+      <p:sp>
+        <p:nvSpPr>
+          <p:cNvPr id="61" name="CasellaDiTesto 60"/>
+          <p:cNvSpPr txBox="1"/>
+          <p:nvPr/>
+        </p:nvSpPr>
+        <p:spPr>
+          <a:xfrm>
+            <a:off x="1144804" y="2961673"/>
+            <a:ext cx="596638" cy="261610"/>
+          </a:xfrm>
+          <a:prstGeom prst="rect">
+            <a:avLst/>
+          </a:prstGeom>
+          <a:noFill/>
+        </p:spPr>
+        <p:txBody>
+          <a:bodyPr wrap="none" rtlCol="0">
+            <a:spAutoFit/>
+          </a:bodyPr>
+          <a:lstStyle/>
+          <a:p>
+            <a:r>
+              <a:rPr lang="it-IT" sz="1100" dirty="0" err="1" smtClean="0">
+                <a:latin typeface="+mj-lt"/>
+              </a:rPr>
+              <a:t>subject</a:t>
+            </a:r>
+            <a:endParaRPr lang="en-GB" sz="1100" dirty="0">
+              <a:latin typeface="+mj-lt"/>
+            </a:endParaRPr>
+          </a:p>
+        </p:txBody>
+      </p:sp>
+      <p:sp>
+        <p:nvSpPr>
+          <p:cNvPr id="62" name="CasellaDiTesto 61"/>
+          <p:cNvSpPr txBox="1"/>
+          <p:nvPr/>
+        </p:nvSpPr>
+        <p:spPr>
+          <a:xfrm>
+            <a:off x="1791693" y="4665693"/>
+            <a:ext cx="1473480" cy="261610"/>
+          </a:xfrm>
+          <a:prstGeom prst="rect">
+            <a:avLst/>
+          </a:prstGeom>
+          <a:noFill/>
+        </p:spPr>
+        <p:txBody>
+          <a:bodyPr wrap="none" rtlCol="0">
+            <a:spAutoFit/>
+          </a:bodyPr>
+          <a:lstStyle/>
+          <a:p>
+            <a:r>
+              <a:rPr lang="en-GB" sz="1100" dirty="0" err="1"/>
+              <a:t>managingOrganization</a:t>
+            </a:r>
+            <a:endParaRPr lang="en-GB" sz="1100" dirty="0">
+              <a:latin typeface="+mj-lt"/>
+            </a:endParaRPr>
+          </a:p>
+        </p:txBody>
+      </p:sp>
+      <p:sp>
+        <p:nvSpPr>
+          <p:cNvPr id="63" name="CasellaDiTesto 62"/>
+          <p:cNvSpPr txBox="1"/>
+          <p:nvPr/>
+        </p:nvSpPr>
+        <p:spPr>
+          <a:xfrm>
+            <a:off x="6655942" y="4670460"/>
+            <a:ext cx="1473480" cy="261610"/>
+          </a:xfrm>
+          <a:prstGeom prst="rect">
+            <a:avLst/>
+          </a:prstGeom>
+          <a:noFill/>
+        </p:spPr>
+        <p:txBody>
+          <a:bodyPr wrap="none" rtlCol="0">
+            <a:spAutoFit/>
+          </a:bodyPr>
+          <a:lstStyle/>
+          <a:p>
+            <a:r>
+              <a:rPr lang="en-GB" sz="1100" dirty="0" err="1"/>
+              <a:t>managingOrganization</a:t>
+            </a:r>
+            <a:endParaRPr lang="en-GB" sz="1100" dirty="0">
+              <a:latin typeface="+mj-lt"/>
+            </a:endParaRPr>
+          </a:p>
+        </p:txBody>
+      </p:sp>
+      <p:sp>
+        <p:nvSpPr>
+          <p:cNvPr id="95" name="CasellaDiTesto 94"/>
+          <p:cNvSpPr txBox="1"/>
+          <p:nvPr/>
+        </p:nvSpPr>
+        <p:spPr>
+          <a:xfrm>
+            <a:off x="2317555" y="3666160"/>
+            <a:ext cx="596638" cy="261610"/>
+          </a:xfrm>
+          <a:prstGeom prst="rect">
+            <a:avLst/>
+          </a:prstGeom>
+          <a:noFill/>
+        </p:spPr>
+        <p:txBody>
+          <a:bodyPr wrap="none" rtlCol="0">
+            <a:spAutoFit/>
+          </a:bodyPr>
+          <a:lstStyle/>
+          <a:p>
+            <a:r>
+              <a:rPr lang="it-IT" sz="1100" dirty="0" err="1" smtClean="0">
+                <a:latin typeface="+mj-lt"/>
+              </a:rPr>
+              <a:t>subject</a:t>
+            </a:r>
+            <a:endParaRPr lang="en-GB" sz="1100" dirty="0">
+              <a:latin typeface="+mj-lt"/>
+            </a:endParaRPr>
+          </a:p>
+        </p:txBody>
+      </p:sp>
+      <p:sp>
+        <p:nvSpPr>
+          <p:cNvPr id="96" name="Rettangolo 95"/>
+          <p:cNvSpPr/>
+          <p:nvPr/>
+        </p:nvSpPr>
+        <p:spPr>
+          <a:xfrm>
+            <a:off x="3695968" y="3280588"/>
+            <a:ext cx="779381" cy="276999"/>
+          </a:xfrm>
+          <a:prstGeom prst="rect">
+            <a:avLst/>
+          </a:prstGeom>
+        </p:spPr>
+        <p:txBody>
+          <a:bodyPr wrap="none">
+            <a:spAutoFit/>
+          </a:bodyPr>
+          <a:lstStyle/>
+          <a:p>
+            <a:r>
+              <a:rPr lang="en-GB" sz="1200" dirty="0">
+                <a:solidFill>
+                  <a:srgbClr val="C00000"/>
+                </a:solidFill>
+                <a:latin typeface="Arial" panose="020B0604020202020204" pitchFamily="34" charset="0"/>
+                <a:cs typeface="Arial" panose="020B0604020202020204" pitchFamily="34" charset="0"/>
+              </a:rPr>
+              <a:t>1471284</a:t>
+            </a:r>
+          </a:p>
+        </p:txBody>
+      </p:sp>
+      <p:sp>
+        <p:nvSpPr>
+          <p:cNvPr id="97" name="CasellaDiTesto 96"/>
+          <p:cNvSpPr txBox="1"/>
+          <p:nvPr/>
+        </p:nvSpPr>
+        <p:spPr>
+          <a:xfrm>
+            <a:off x="1950706" y="3280588"/>
+            <a:ext cx="779381" cy="276999"/>
+          </a:xfrm>
+          <a:prstGeom prst="rect">
+            <a:avLst/>
+          </a:prstGeom>
+          <a:noFill/>
+        </p:spPr>
+        <p:txBody>
+          <a:bodyPr wrap="none" rtlCol="0">
+            <a:spAutoFit/>
+          </a:bodyPr>
+          <a:lstStyle/>
+          <a:p>
+            <a:r>
+              <a:rPr lang="en-GB" sz="1200" dirty="0">
+                <a:solidFill>
+                  <a:srgbClr val="C00000"/>
+                </a:solidFill>
+                <a:latin typeface="Arial" panose="020B0604020202020204" pitchFamily="34" charset="0"/>
+                <a:cs typeface="Arial" panose="020B0604020202020204" pitchFamily="34" charset="0"/>
+              </a:rPr>
+              <a:t>1471328</a:t>
+            </a:r>
+          </a:p>
+        </p:txBody>
+      </p:sp>
+      <p:sp>
+        <p:nvSpPr>
+          <p:cNvPr id="98" name="? 97">
+            <a:hlinkClick r:id="" action="ppaction://noaction" highlightClick="1"/>
+          </p:cNvPr>
+          <p:cNvSpPr/>
+          <p:nvPr/>
+        </p:nvSpPr>
+        <p:spPr>
+          <a:xfrm>
+            <a:off x="3553214" y="2641472"/>
+            <a:ext cx="268656" cy="274174"/>
+          </a:xfrm>
+          <a:prstGeom prst="actionButtonHelp">
+            <a:avLst/>
+          </a:prstGeom>
+        </p:spPr>
+        <p:style>
+          <a:lnRef idx="1">
+            <a:schemeClr val="accent6"/>
+          </a:lnRef>
+          <a:fillRef idx="2">
+            <a:schemeClr val="accent6"/>
+          </a:fillRef>
+          <a:effectRef idx="1">
+            <a:schemeClr val="accent6"/>
+          </a:effectRef>
+          <a:fontRef idx="minor">
+            <a:schemeClr val="dk1"/>
+          </a:fontRef>
+        </p:style>
+        <p:txBody>
+          <a:bodyPr rtlCol="0" anchor="ctr"/>
+          <a:lstStyle/>
+          <a:p>
+            <a:pPr algn="ctr"/>
+            <a:endParaRPr lang="en-GB"/>
+          </a:p>
+        </p:txBody>
+      </p:sp>
     </p:spTree>
     <p:extLst>
       <p:ext uri="{BB962C8B-B14F-4D97-AF65-F5344CB8AC3E}">
-        <p14:creationId xmlns:p14="http://schemas.microsoft.com/office/powerpoint/2010/main" val="3916634767"/>
+        <p14:creationId xmlns:p14="http://schemas.microsoft.com/office/powerpoint/2010/main" val="839436079"/>
       </p:ext>
     </p:extLst>
   </p:cSld>
@@ -5251,52 +7787,51 @@
           <a:chExt cx="0" cy="0"/>
         </a:xfrm>
       </p:grpSpPr>
-      <p:sp>
-        <p:nvSpPr>
-          <p:cNvPr id="2" name="Titolo 1"/>
-          <p:cNvSpPr>
-            <a:spLocks noGrp="1"/>
-          </p:cNvSpPr>
-          <p:nvPr>
-            <p:ph type="title"/>
-          </p:nvPr>
-        </p:nvSpPr>
-        <p:spPr/>
-        <p:txBody>
-          <a:bodyPr/>
-          <a:lstStyle/>
-          <a:p>
-            <a:r>
-              <a:rPr lang="it-IT" dirty="0" smtClean="0"/>
-              <a:t>DIAGNOSIS</a:t>
-            </a:r>
-            <a:endParaRPr lang="en-GB" dirty="0"/>
-          </a:p>
-        </p:txBody>
-      </p:sp>
-      <p:sp>
-        <p:nvSpPr>
-          <p:cNvPr id="3" name="Segnaposto testo 2"/>
-          <p:cNvSpPr>
-            <a:spLocks noGrp="1"/>
-          </p:cNvSpPr>
-          <p:nvPr>
-            <p:ph type="body" idx="1"/>
-          </p:nvPr>
-        </p:nvSpPr>
-        <p:spPr/>
-        <p:txBody>
-          <a:bodyPr/>
-          <a:lstStyle/>
-          <a:p>
-            <a:endParaRPr lang="en-GB"/>
-          </a:p>
-        </p:txBody>
-      </p:sp>
+      <p:pic>
+        <p:nvPicPr>
+          <p:cNvPr id="4098" name="Picture 2" descr="Image showing the scheduling interactions"/>
+          <p:cNvPicPr>
+            <a:picLocks noChangeAspect="1" noChangeArrowheads="1"/>
+          </p:cNvPicPr>
+          <p:nvPr/>
+        </p:nvPicPr>
+        <p:blipFill>
+          <a:blip r:embed="rId2">
+            <a:extLst>
+              <a:ext uri="{28A0092B-C50C-407E-A947-70E740481C1C}">
+                <a14:useLocalDpi xmlns:a14="http://schemas.microsoft.com/office/drawing/2010/main" val="0"/>
+              </a:ext>
+            </a:extLst>
+          </a:blip>
+          <a:srcRect/>
+          <a:stretch>
+            <a:fillRect/>
+          </a:stretch>
+        </p:blipFill>
+        <p:spPr bwMode="auto">
+          <a:xfrm>
+            <a:off x="611560" y="908720"/>
+            <a:ext cx="7105650" cy="4038601"/>
+          </a:xfrm>
+          <a:prstGeom prst="rect">
+            <a:avLst/>
+          </a:prstGeom>
+          <a:noFill/>
+          <a:extLst>
+            <a:ext uri="{909E8E84-426E-40DD-AFC4-6F175D3DCCD1}">
+              <a14:hiddenFill xmlns:a14="http://schemas.microsoft.com/office/drawing/2010/main">
+                <a:solidFill>
+                  <a:srgbClr val="FFFFFF"/>
+                </a:solidFill>
+              </a14:hiddenFill>
+            </a:ext>
+          </a:extLst>
+        </p:spPr>
+      </p:pic>
     </p:spTree>
     <p:extLst>
       <p:ext uri="{BB962C8B-B14F-4D97-AF65-F5344CB8AC3E}">
-        <p14:creationId xmlns:p14="http://schemas.microsoft.com/office/powerpoint/2010/main" val="3219489898"/>
+        <p14:creationId xmlns:p14="http://schemas.microsoft.com/office/powerpoint/2010/main" val="3916634767"/>
       </p:ext>
     </p:extLst>
   </p:cSld>
@@ -5323,51 +7858,52 @@
           <a:chExt cx="0" cy="0"/>
         </a:xfrm>
       </p:grpSpPr>
-      <p:pic>
-        <p:nvPicPr>
-          <p:cNvPr id="5122" name="Picture 2" descr="Image showing the diagnostic resources"/>
-          <p:cNvPicPr>
-            <a:picLocks noChangeAspect="1" noChangeArrowheads="1"/>
-          </p:cNvPicPr>
-          <p:nvPr/>
-        </p:nvPicPr>
-        <p:blipFill>
-          <a:blip r:embed="rId2">
-            <a:extLst>
-              <a:ext uri="{28A0092B-C50C-407E-A947-70E740481C1C}">
-                <a14:useLocalDpi xmlns:a14="http://schemas.microsoft.com/office/drawing/2010/main" val="0"/>
-              </a:ext>
-            </a:extLst>
-          </a:blip>
-          <a:srcRect/>
-          <a:stretch>
-            <a:fillRect/>
-          </a:stretch>
-        </p:blipFill>
-        <p:spPr bwMode="auto">
-          <a:xfrm>
-            <a:off x="1259632" y="908720"/>
-            <a:ext cx="6858000" cy="5143501"/>
-          </a:xfrm>
-          <a:prstGeom prst="rect">
-            <a:avLst/>
-          </a:prstGeom>
-          <a:noFill/>
-          <a:extLst>
-            <a:ext uri="{909E8E84-426E-40DD-AFC4-6F175D3DCCD1}">
-              <a14:hiddenFill xmlns:a14="http://schemas.microsoft.com/office/drawing/2010/main">
-                <a:solidFill>
-                  <a:srgbClr val="FFFFFF"/>
-                </a:solidFill>
-              </a14:hiddenFill>
-            </a:ext>
-          </a:extLst>
-        </p:spPr>
-      </p:pic>
+      <p:sp>
+        <p:nvSpPr>
+          <p:cNvPr id="2" name="Titolo 1"/>
+          <p:cNvSpPr>
+            <a:spLocks noGrp="1"/>
+          </p:cNvSpPr>
+          <p:nvPr>
+            <p:ph type="title"/>
+          </p:nvPr>
+        </p:nvSpPr>
+        <p:spPr/>
+        <p:txBody>
+          <a:bodyPr/>
+          <a:lstStyle/>
+          <a:p>
+            <a:r>
+              <a:rPr lang="it-IT" dirty="0" smtClean="0"/>
+              <a:t>DIAGNOSIS</a:t>
+            </a:r>
+            <a:endParaRPr lang="en-GB" dirty="0"/>
+          </a:p>
+        </p:txBody>
+      </p:sp>
+      <p:sp>
+        <p:nvSpPr>
+          <p:cNvPr id="3" name="Segnaposto testo 2"/>
+          <p:cNvSpPr>
+            <a:spLocks noGrp="1"/>
+          </p:cNvSpPr>
+          <p:nvPr>
+            <p:ph type="body" idx="1"/>
+          </p:nvPr>
+        </p:nvSpPr>
+        <p:spPr/>
+        <p:txBody>
+          <a:bodyPr/>
+          <a:lstStyle/>
+          <a:p>
+            <a:endParaRPr lang="en-GB"/>
+          </a:p>
+        </p:txBody>
+      </p:sp>
     </p:spTree>
     <p:extLst>
       <p:ext uri="{BB962C8B-B14F-4D97-AF65-F5344CB8AC3E}">
-        <p14:creationId xmlns:p14="http://schemas.microsoft.com/office/powerpoint/2010/main" val="4037344796"/>
+        <p14:creationId xmlns:p14="http://schemas.microsoft.com/office/powerpoint/2010/main" val="3219489898"/>
       </p:ext>
     </p:extLst>
   </p:cSld>

--- a/health/userDocs/UniboFhirFigs.pptx
+++ b/health/userDocs/UniboFhirFigs.pptx
@@ -123,7 +123,7 @@
   </p:defaultTextStyle>
   <p:extLst>
     <p:ext uri="{EFAFB233-063F-42B5-8137-9DF3F51BA10A}">
-      <p15:sldGuideLst xmlns:p15="http://schemas.microsoft.com/office/powerpoint/2012/main" xmlns="">
+      <p15:sldGuideLst xmlns="" xmlns:p15="http://schemas.microsoft.com/office/powerpoint/2012/main">
         <p15:guide id="1" orient="horz" pos="2160">
           <p15:clr>
             <a:srgbClr val="A4A3A4"/>
@@ -321,7 +321,7 @@
           <a:p>
             <a:fld id="{486DFF9D-000F-417D-A1D1-C441A4010B1E}" type="datetimeFigureOut">
               <a:rPr lang="en-GB" smtClean="0"/>
-              <a:t>17/09/2020</a:t>
+              <a:t>20/09/2020</a:t>
             </a:fld>
             <a:endParaRPr lang="en-GB"/>
           </a:p>
@@ -491,7 +491,7 @@
           <a:p>
             <a:fld id="{486DFF9D-000F-417D-A1D1-C441A4010B1E}" type="datetimeFigureOut">
               <a:rPr lang="en-GB" smtClean="0"/>
-              <a:t>17/09/2020</a:t>
+              <a:t>20/09/2020</a:t>
             </a:fld>
             <a:endParaRPr lang="en-GB"/>
           </a:p>
@@ -671,7 +671,7 @@
           <a:p>
             <a:fld id="{486DFF9D-000F-417D-A1D1-C441A4010B1E}" type="datetimeFigureOut">
               <a:rPr lang="en-GB" smtClean="0"/>
-              <a:t>17/09/2020</a:t>
+              <a:t>20/09/2020</a:t>
             </a:fld>
             <a:endParaRPr lang="en-GB"/>
           </a:p>
@@ -841,7 +841,7 @@
           <a:p>
             <a:fld id="{486DFF9D-000F-417D-A1D1-C441A4010B1E}" type="datetimeFigureOut">
               <a:rPr lang="en-GB" smtClean="0"/>
-              <a:t>17/09/2020</a:t>
+              <a:t>20/09/2020</a:t>
             </a:fld>
             <a:endParaRPr lang="en-GB"/>
           </a:p>
@@ -1087,7 +1087,7 @@
           <a:p>
             <a:fld id="{486DFF9D-000F-417D-A1D1-C441A4010B1E}" type="datetimeFigureOut">
               <a:rPr lang="en-GB" smtClean="0"/>
-              <a:t>17/09/2020</a:t>
+              <a:t>20/09/2020</a:t>
             </a:fld>
             <a:endParaRPr lang="en-GB"/>
           </a:p>
@@ -1375,7 +1375,7 @@
           <a:p>
             <a:fld id="{486DFF9D-000F-417D-A1D1-C441A4010B1E}" type="datetimeFigureOut">
               <a:rPr lang="en-GB" smtClean="0"/>
-              <a:t>17/09/2020</a:t>
+              <a:t>20/09/2020</a:t>
             </a:fld>
             <a:endParaRPr lang="en-GB"/>
           </a:p>
@@ -1797,7 +1797,7 @@
           <a:p>
             <a:fld id="{486DFF9D-000F-417D-A1D1-C441A4010B1E}" type="datetimeFigureOut">
               <a:rPr lang="en-GB" smtClean="0"/>
-              <a:t>17/09/2020</a:t>
+              <a:t>20/09/2020</a:t>
             </a:fld>
             <a:endParaRPr lang="en-GB"/>
           </a:p>
@@ -1915,7 +1915,7 @@
           <a:p>
             <a:fld id="{486DFF9D-000F-417D-A1D1-C441A4010B1E}" type="datetimeFigureOut">
               <a:rPr lang="en-GB" smtClean="0"/>
-              <a:t>17/09/2020</a:t>
+              <a:t>20/09/2020</a:t>
             </a:fld>
             <a:endParaRPr lang="en-GB"/>
           </a:p>
@@ -2010,7 +2010,7 @@
           <a:p>
             <a:fld id="{486DFF9D-000F-417D-A1D1-C441A4010B1E}" type="datetimeFigureOut">
               <a:rPr lang="en-GB" smtClean="0"/>
-              <a:t>17/09/2020</a:t>
+              <a:t>20/09/2020</a:t>
             </a:fld>
             <a:endParaRPr lang="en-GB"/>
           </a:p>
@@ -2287,7 +2287,7 @@
           <a:p>
             <a:fld id="{486DFF9D-000F-417D-A1D1-C441A4010B1E}" type="datetimeFigureOut">
               <a:rPr lang="en-GB" smtClean="0"/>
-              <a:t>17/09/2020</a:t>
+              <a:t>20/09/2020</a:t>
             </a:fld>
             <a:endParaRPr lang="en-GB"/>
           </a:p>
@@ -2540,7 +2540,7 @@
           <a:p>
             <a:fld id="{486DFF9D-000F-417D-A1D1-C441A4010B1E}" type="datetimeFigureOut">
               <a:rPr lang="en-GB" smtClean="0"/>
-              <a:t>17/09/2020</a:t>
+              <a:t>20/09/2020</a:t>
             </a:fld>
             <a:endParaRPr lang="en-GB"/>
           </a:p>
@@ -2753,7 +2753,7 @@
           <a:p>
             <a:fld id="{486DFF9D-000F-417D-A1D1-C441A4010B1E}" type="datetimeFigureOut">
               <a:rPr lang="en-GB" smtClean="0"/>
-              <a:t>17/09/2020</a:t>
+              <a:t>20/09/2020</a:t>
             </a:fld>
             <a:endParaRPr lang="en-GB"/>
           </a:p>
@@ -4144,6 +4144,60 @@
           <a:chExt cx="0" cy="0"/>
         </a:xfrm>
       </p:grpSpPr>
+      <p:pic>
+        <p:nvPicPr>
+          <p:cNvPr id="1026" name="Picture 2"/>
+          <p:cNvPicPr>
+            <a:picLocks noChangeAspect="1" noChangeArrowheads="1"/>
+          </p:cNvPicPr>
+          <p:nvPr/>
+        </p:nvPicPr>
+        <p:blipFill>
+          <a:blip r:embed="rId2">
+            <a:extLst>
+              <a:ext uri="{28A0092B-C50C-407E-A947-70E740481C1C}">
+                <a14:useLocalDpi xmlns:a14="http://schemas.microsoft.com/office/drawing/2010/main" val="0"/>
+              </a:ext>
+            </a:extLst>
+          </a:blip>
+          <a:srcRect/>
+          <a:stretch>
+            <a:fillRect/>
+          </a:stretch>
+        </p:blipFill>
+        <p:spPr bwMode="auto">
+          <a:xfrm>
+            <a:off x="0" y="0"/>
+            <a:ext cx="13011150" cy="7029450"/>
+          </a:xfrm>
+          <a:prstGeom prst="rect">
+            <a:avLst/>
+          </a:prstGeom>
+          <a:noFill/>
+          <a:ln>
+            <a:noFill/>
+          </a:ln>
+          <a:extLst>
+            <a:ext uri="{909E8E84-426E-40DD-AFC4-6F175D3DCCD1}">
+              <a14:hiddenFill xmlns:a14="http://schemas.microsoft.com/office/drawing/2010/main">
+                <a:solidFill>
+                  <a:schemeClr val="accent1"/>
+                </a:solidFill>
+              </a14:hiddenFill>
+            </a:ext>
+            <a:ext uri="{91240B29-F687-4F45-9708-019B960494DF}">
+              <a14:hiddenLine xmlns:a14="http://schemas.microsoft.com/office/drawing/2010/main" w="9525">
+                <a:solidFill>
+                  <a:schemeClr val="tx1"/>
+                </a:solidFill>
+                <a:miter lim="800000"/>
+                <a:headEnd/>
+                <a:tailEnd/>
+              </a14:hiddenLine>
+            </a:ext>
+          </a:extLst>
+        </p:spPr>
+      </p:pic>
     </p:spTree>
     <p:extLst>
       <p:ext uri="{BB962C8B-B14F-4D97-AF65-F5344CB8AC3E}">
@@ -5615,11 +5669,6 @@
               </a:rPr>
               <a:t>Practitioner</a:t>
             </a:r>
-            <a:endParaRPr lang="en-GB" sz="1400" b="1" dirty="0">
-              <a:solidFill>
-                <a:schemeClr val="tx1"/>
-              </a:solidFill>
-            </a:endParaRPr>
           </a:p>
         </p:txBody>
       </p:sp>
@@ -7088,11 +7137,6 @@
               </a:rPr>
               <a:t>Practitioner</a:t>
             </a:r>
-            <a:endParaRPr lang="en-GB" sz="1400" b="1" dirty="0">
-              <a:solidFill>
-                <a:schemeClr val="tx1"/>
-              </a:solidFill>
-            </a:endParaRPr>
           </a:p>
         </p:txBody>
       </p:sp>

--- a/health/userDocs/UniboFhirFigs.pptx
+++ b/health/userDocs/UniboFhirFigs.pptx
@@ -25,6 +25,10 @@
     <p:sldId id="301" r:id="rId19"/>
     <p:sldId id="303" r:id="rId20"/>
     <p:sldId id="307" r:id="rId21"/>
+    <p:sldId id="308" r:id="rId22"/>
+    <p:sldId id="309" r:id="rId23"/>
+    <p:sldId id="310" r:id="rId24"/>
+    <p:sldId id="311" r:id="rId25"/>
   </p:sldIdLst>
   <p:sldSz cx="9144000" cy="6858000" type="screen4x3"/>
   <p:notesSz cx="6858000" cy="9144000"/>
@@ -125,7 +129,7 @@
   </p:defaultTextStyle>
   <p:extLst>
     <p:ext uri="{EFAFB233-063F-42B5-8137-9DF3F51BA10A}">
-      <p15:sldGuideLst xmlns:p15="http://schemas.microsoft.com/office/powerpoint/2012/main" xmlns="">
+      <p15:sldGuideLst xmlns="" xmlns:p15="http://schemas.microsoft.com/office/powerpoint/2012/main">
         <p15:guide id="1" orient="horz" pos="2160">
           <p15:clr>
             <a:srgbClr val="A4A3A4"/>
@@ -323,7 +327,7 @@
           <a:p>
             <a:fld id="{486DFF9D-000F-417D-A1D1-C441A4010B1E}" type="datetimeFigureOut">
               <a:rPr lang="en-GB" smtClean="0"/>
-              <a:t>21/09/2020</a:t>
+              <a:t>07/11/2020</a:t>
             </a:fld>
             <a:endParaRPr lang="en-GB"/>
           </a:p>
@@ -493,7 +497,7 @@
           <a:p>
             <a:fld id="{486DFF9D-000F-417D-A1D1-C441A4010B1E}" type="datetimeFigureOut">
               <a:rPr lang="en-GB" smtClean="0"/>
-              <a:t>21/09/2020</a:t>
+              <a:t>07/11/2020</a:t>
             </a:fld>
             <a:endParaRPr lang="en-GB"/>
           </a:p>
@@ -673,7 +677,7 @@
           <a:p>
             <a:fld id="{486DFF9D-000F-417D-A1D1-C441A4010B1E}" type="datetimeFigureOut">
               <a:rPr lang="en-GB" smtClean="0"/>
-              <a:t>21/09/2020</a:t>
+              <a:t>07/11/2020</a:t>
             </a:fld>
             <a:endParaRPr lang="en-GB"/>
           </a:p>
@@ -843,7 +847,7 @@
           <a:p>
             <a:fld id="{486DFF9D-000F-417D-A1D1-C441A4010B1E}" type="datetimeFigureOut">
               <a:rPr lang="en-GB" smtClean="0"/>
-              <a:t>21/09/2020</a:t>
+              <a:t>07/11/2020</a:t>
             </a:fld>
             <a:endParaRPr lang="en-GB"/>
           </a:p>
@@ -1089,7 +1093,7 @@
           <a:p>
             <a:fld id="{486DFF9D-000F-417D-A1D1-C441A4010B1E}" type="datetimeFigureOut">
               <a:rPr lang="en-GB" smtClean="0"/>
-              <a:t>21/09/2020</a:t>
+              <a:t>07/11/2020</a:t>
             </a:fld>
             <a:endParaRPr lang="en-GB"/>
           </a:p>
@@ -1377,7 +1381,7 @@
           <a:p>
             <a:fld id="{486DFF9D-000F-417D-A1D1-C441A4010B1E}" type="datetimeFigureOut">
               <a:rPr lang="en-GB" smtClean="0"/>
-              <a:t>21/09/2020</a:t>
+              <a:t>07/11/2020</a:t>
             </a:fld>
             <a:endParaRPr lang="en-GB"/>
           </a:p>
@@ -1799,7 +1803,7 @@
           <a:p>
             <a:fld id="{486DFF9D-000F-417D-A1D1-C441A4010B1E}" type="datetimeFigureOut">
               <a:rPr lang="en-GB" smtClean="0"/>
-              <a:t>21/09/2020</a:t>
+              <a:t>07/11/2020</a:t>
             </a:fld>
             <a:endParaRPr lang="en-GB"/>
           </a:p>
@@ -1917,7 +1921,7 @@
           <a:p>
             <a:fld id="{486DFF9D-000F-417D-A1D1-C441A4010B1E}" type="datetimeFigureOut">
               <a:rPr lang="en-GB" smtClean="0"/>
-              <a:t>21/09/2020</a:t>
+              <a:t>07/11/2020</a:t>
             </a:fld>
             <a:endParaRPr lang="en-GB"/>
           </a:p>
@@ -2012,7 +2016,7 @@
           <a:p>
             <a:fld id="{486DFF9D-000F-417D-A1D1-C441A4010B1E}" type="datetimeFigureOut">
               <a:rPr lang="en-GB" smtClean="0"/>
-              <a:t>21/09/2020</a:t>
+              <a:t>07/11/2020</a:t>
             </a:fld>
             <a:endParaRPr lang="en-GB"/>
           </a:p>
@@ -2289,7 +2293,7 @@
           <a:p>
             <a:fld id="{486DFF9D-000F-417D-A1D1-C441A4010B1E}" type="datetimeFigureOut">
               <a:rPr lang="en-GB" smtClean="0"/>
-              <a:t>21/09/2020</a:t>
+              <a:t>07/11/2020</a:t>
             </a:fld>
             <a:endParaRPr lang="en-GB"/>
           </a:p>
@@ -2542,7 +2546,7 @@
           <a:p>
             <a:fld id="{486DFF9D-000F-417D-A1D1-C441A4010B1E}" type="datetimeFigureOut">
               <a:rPr lang="en-GB" smtClean="0"/>
-              <a:t>21/09/2020</a:t>
+              <a:t>07/11/2020</a:t>
             </a:fld>
             <a:endParaRPr lang="en-GB"/>
           </a:p>
@@ -2755,7 +2759,7 @@
           <a:p>
             <a:fld id="{486DFF9D-000F-417D-A1D1-C441A4010B1E}" type="datetimeFigureOut">
               <a:rPr lang="en-GB" smtClean="0"/>
-              <a:t>21/09/2020</a:t>
+              <a:t>07/11/2020</a:t>
             </a:fld>
             <a:endParaRPr lang="en-GB"/>
           </a:p>
@@ -6263,6 +6267,526 @@
 </p:sld>
 </file>
 
+<file path=ppt/slides/slide21.xml><?xml version="1.0" encoding="utf-8"?>
+<p:sld xmlns:a="http://schemas.openxmlformats.org/drawingml/2006/main" xmlns:r="http://schemas.openxmlformats.org/officeDocument/2006/relationships" xmlns:p="http://schemas.openxmlformats.org/presentationml/2006/main">
+  <p:cSld>
+    <p:spTree>
+      <p:nvGrpSpPr>
+        <p:cNvPr id="1" name=""/>
+        <p:cNvGrpSpPr/>
+        <p:nvPr/>
+      </p:nvGrpSpPr>
+      <p:grpSpPr>
+        <a:xfrm>
+          <a:off x="0" y="0"/>
+          <a:ext cx="0" cy="0"/>
+          <a:chOff x="0" y="0"/>
+          <a:chExt cx="0" cy="0"/>
+        </a:xfrm>
+      </p:grpSpPr>
+      <p:pic>
+        <p:nvPicPr>
+          <p:cNvPr id="1026" name="Picture 2"/>
+          <p:cNvPicPr>
+            <a:picLocks noChangeAspect="1" noChangeArrowheads="1"/>
+          </p:cNvPicPr>
+          <p:nvPr/>
+        </p:nvPicPr>
+        <p:blipFill>
+          <a:blip r:embed="rId2">
+            <a:extLst>
+              <a:ext uri="{28A0092B-C50C-407E-A947-70E740481C1C}">
+                <a14:useLocalDpi xmlns:a14="http://schemas.microsoft.com/office/drawing/2010/main" val="0"/>
+              </a:ext>
+            </a:extLst>
+          </a:blip>
+          <a:srcRect/>
+          <a:stretch>
+            <a:fillRect/>
+          </a:stretch>
+        </p:blipFill>
+        <p:spPr bwMode="auto">
+          <a:xfrm>
+            <a:off x="280988" y="738188"/>
+            <a:ext cx="8582025" cy="5381625"/>
+          </a:xfrm>
+          <a:prstGeom prst="rect">
+            <a:avLst/>
+          </a:prstGeom>
+          <a:noFill/>
+          <a:ln>
+            <a:noFill/>
+          </a:ln>
+          <a:extLst>
+            <a:ext uri="{909E8E84-426E-40DD-AFC4-6F175D3DCCD1}">
+              <a14:hiddenFill xmlns:a14="http://schemas.microsoft.com/office/drawing/2010/main">
+                <a:solidFill>
+                  <a:schemeClr val="accent1"/>
+                </a:solidFill>
+              </a14:hiddenFill>
+            </a:ext>
+            <a:ext uri="{91240B29-F687-4F45-9708-019B960494DF}">
+              <a14:hiddenLine xmlns:a14="http://schemas.microsoft.com/office/drawing/2010/main" w="9525">
+                <a:solidFill>
+                  <a:schemeClr val="tx1"/>
+                </a:solidFill>
+                <a:miter lim="800000"/>
+                <a:headEnd/>
+                <a:tailEnd/>
+              </a14:hiddenLine>
+            </a:ext>
+          </a:extLst>
+        </p:spPr>
+      </p:pic>
+      <p:sp>
+        <p:nvSpPr>
+          <p:cNvPr id="3" name="Rettangolo arrotondato 2"/>
+          <p:cNvSpPr/>
+          <p:nvPr/>
+        </p:nvSpPr>
+        <p:spPr>
+          <a:xfrm>
+            <a:off x="683568" y="4005064"/>
+            <a:ext cx="3312368" cy="1152128"/>
+          </a:xfrm>
+          <a:prstGeom prst="roundRect">
+            <a:avLst/>
+          </a:prstGeom>
+          <a:noFill/>
+          <a:ln w="19050">
+            <a:solidFill>
+              <a:srgbClr val="00B050"/>
+            </a:solidFill>
+          </a:ln>
+        </p:spPr>
+        <p:style>
+          <a:lnRef idx="2">
+            <a:schemeClr val="accent1">
+              <a:shade val="50000"/>
+            </a:schemeClr>
+          </a:lnRef>
+          <a:fillRef idx="1">
+            <a:schemeClr val="accent1"/>
+          </a:fillRef>
+          <a:effectRef idx="0">
+            <a:schemeClr val="accent1"/>
+          </a:effectRef>
+          <a:fontRef idx="minor">
+            <a:schemeClr val="lt1"/>
+          </a:fontRef>
+        </p:style>
+        <p:txBody>
+          <a:bodyPr rtlCol="0" anchor="ctr"/>
+          <a:lstStyle/>
+          <a:p>
+            <a:pPr algn="ctr"/>
+            <a:endParaRPr lang="en-GB"/>
+          </a:p>
+        </p:txBody>
+      </p:sp>
+    </p:spTree>
+    <p:extLst>
+      <p:ext uri="{BB962C8B-B14F-4D97-AF65-F5344CB8AC3E}">
+        <p14:creationId xmlns:p14="http://schemas.microsoft.com/office/powerpoint/2010/main" val="1354522124"/>
+      </p:ext>
+    </p:extLst>
+  </p:cSld>
+  <p:clrMapOvr>
+    <a:masterClrMapping/>
+  </p:clrMapOvr>
+</p:sld>
+</file>
+
+<file path=ppt/slides/slide22.xml><?xml version="1.0" encoding="utf-8"?>
+<p:sld xmlns:a="http://schemas.openxmlformats.org/drawingml/2006/main" xmlns:r="http://schemas.openxmlformats.org/officeDocument/2006/relationships" xmlns:p="http://schemas.openxmlformats.org/presentationml/2006/main">
+  <p:cSld>
+    <p:spTree>
+      <p:nvGrpSpPr>
+        <p:cNvPr id="1" name=""/>
+        <p:cNvGrpSpPr/>
+        <p:nvPr/>
+      </p:nvGrpSpPr>
+      <p:grpSpPr>
+        <a:xfrm>
+          <a:off x="0" y="0"/>
+          <a:ext cx="0" cy="0"/>
+          <a:chOff x="0" y="0"/>
+          <a:chExt cx="0" cy="0"/>
+        </a:xfrm>
+      </p:grpSpPr>
+      <p:pic>
+        <p:nvPicPr>
+          <p:cNvPr id="2050" name="Picture 2"/>
+          <p:cNvPicPr>
+            <a:picLocks noChangeAspect="1" noChangeArrowheads="1"/>
+          </p:cNvPicPr>
+          <p:nvPr/>
+        </p:nvPicPr>
+        <p:blipFill>
+          <a:blip r:embed="rId2">
+            <a:extLst>
+              <a:ext uri="{28A0092B-C50C-407E-A947-70E740481C1C}">
+                <a14:useLocalDpi xmlns:a14="http://schemas.microsoft.com/office/drawing/2010/main" val="0"/>
+              </a:ext>
+            </a:extLst>
+          </a:blip>
+          <a:srcRect/>
+          <a:stretch>
+            <a:fillRect/>
+          </a:stretch>
+        </p:blipFill>
+        <p:spPr bwMode="auto">
+          <a:xfrm>
+            <a:off x="280988" y="123825"/>
+            <a:ext cx="8582025" cy="6610350"/>
+          </a:xfrm>
+          <a:prstGeom prst="rect">
+            <a:avLst/>
+          </a:prstGeom>
+          <a:noFill/>
+          <a:ln>
+            <a:noFill/>
+          </a:ln>
+          <a:extLst>
+            <a:ext uri="{909E8E84-426E-40DD-AFC4-6F175D3DCCD1}">
+              <a14:hiddenFill xmlns:a14="http://schemas.microsoft.com/office/drawing/2010/main">
+                <a:solidFill>
+                  <a:schemeClr val="accent1"/>
+                </a:solidFill>
+              </a14:hiddenFill>
+            </a:ext>
+            <a:ext uri="{91240B29-F687-4F45-9708-019B960494DF}">
+              <a14:hiddenLine xmlns:a14="http://schemas.microsoft.com/office/drawing/2010/main" w="9525">
+                <a:solidFill>
+                  <a:schemeClr val="tx1"/>
+                </a:solidFill>
+                <a:miter lim="800000"/>
+                <a:headEnd/>
+                <a:tailEnd/>
+              </a14:hiddenLine>
+            </a:ext>
+          </a:extLst>
+        </p:spPr>
+      </p:pic>
+      <p:sp>
+        <p:nvSpPr>
+          <p:cNvPr id="3" name="Rettangolo arrotondato 2"/>
+          <p:cNvSpPr/>
+          <p:nvPr/>
+        </p:nvSpPr>
+        <p:spPr>
+          <a:xfrm>
+            <a:off x="395536" y="3645024"/>
+            <a:ext cx="2808312" cy="1080120"/>
+          </a:xfrm>
+          <a:prstGeom prst="roundRect">
+            <a:avLst/>
+          </a:prstGeom>
+          <a:noFill/>
+          <a:ln w="19050">
+            <a:solidFill>
+              <a:srgbClr val="FF0000"/>
+            </a:solidFill>
+          </a:ln>
+        </p:spPr>
+        <p:style>
+          <a:lnRef idx="2">
+            <a:schemeClr val="accent1">
+              <a:shade val="50000"/>
+            </a:schemeClr>
+          </a:lnRef>
+          <a:fillRef idx="1">
+            <a:schemeClr val="accent1"/>
+          </a:fillRef>
+          <a:effectRef idx="0">
+            <a:schemeClr val="accent1"/>
+          </a:effectRef>
+          <a:fontRef idx="minor">
+            <a:schemeClr val="lt1"/>
+          </a:fontRef>
+        </p:style>
+        <p:txBody>
+          <a:bodyPr rtlCol="0" anchor="ctr"/>
+          <a:lstStyle/>
+          <a:p>
+            <a:pPr algn="ctr"/>
+            <a:endParaRPr lang="en-GB"/>
+          </a:p>
+        </p:txBody>
+      </p:sp>
+    </p:spTree>
+    <p:extLst>
+      <p:ext uri="{BB962C8B-B14F-4D97-AF65-F5344CB8AC3E}">
+        <p14:creationId xmlns:p14="http://schemas.microsoft.com/office/powerpoint/2010/main" val="2761005892"/>
+      </p:ext>
+    </p:extLst>
+  </p:cSld>
+  <p:clrMapOvr>
+    <a:masterClrMapping/>
+  </p:clrMapOvr>
+</p:sld>
+</file>
+
+<file path=ppt/slides/slide23.xml><?xml version="1.0" encoding="utf-8"?>
+<p:sld xmlns:a="http://schemas.openxmlformats.org/drawingml/2006/main" xmlns:r="http://schemas.openxmlformats.org/officeDocument/2006/relationships" xmlns:p="http://schemas.openxmlformats.org/presentationml/2006/main">
+  <p:cSld>
+    <p:spTree>
+      <p:nvGrpSpPr>
+        <p:cNvPr id="1" name=""/>
+        <p:cNvGrpSpPr/>
+        <p:nvPr/>
+      </p:nvGrpSpPr>
+      <p:grpSpPr>
+        <a:xfrm>
+          <a:off x="0" y="0"/>
+          <a:ext cx="0" cy="0"/>
+          <a:chOff x="0" y="0"/>
+          <a:chExt cx="0" cy="0"/>
+        </a:xfrm>
+      </p:grpSpPr>
+      <p:pic>
+        <p:nvPicPr>
+          <p:cNvPr id="3074" name="Picture 2"/>
+          <p:cNvPicPr>
+            <a:picLocks noChangeAspect="1" noChangeArrowheads="1"/>
+          </p:cNvPicPr>
+          <p:nvPr/>
+        </p:nvPicPr>
+        <p:blipFill>
+          <a:blip r:embed="rId2">
+            <a:extLst>
+              <a:ext uri="{28A0092B-C50C-407E-A947-70E740481C1C}">
+                <a14:useLocalDpi xmlns:a14="http://schemas.microsoft.com/office/drawing/2010/main" val="0"/>
+              </a:ext>
+            </a:extLst>
+          </a:blip>
+          <a:srcRect/>
+          <a:stretch>
+            <a:fillRect/>
+          </a:stretch>
+        </p:blipFill>
+        <p:spPr bwMode="auto">
+          <a:xfrm>
+            <a:off x="280988" y="123825"/>
+            <a:ext cx="8582025" cy="6610350"/>
+          </a:xfrm>
+          <a:prstGeom prst="rect">
+            <a:avLst/>
+          </a:prstGeom>
+          <a:noFill/>
+          <a:ln>
+            <a:noFill/>
+          </a:ln>
+          <a:extLst>
+            <a:ext uri="{909E8E84-426E-40DD-AFC4-6F175D3DCCD1}">
+              <a14:hiddenFill xmlns:a14="http://schemas.microsoft.com/office/drawing/2010/main">
+                <a:solidFill>
+                  <a:schemeClr val="accent1"/>
+                </a:solidFill>
+              </a14:hiddenFill>
+            </a:ext>
+            <a:ext uri="{91240B29-F687-4F45-9708-019B960494DF}">
+              <a14:hiddenLine xmlns:a14="http://schemas.microsoft.com/office/drawing/2010/main" w="9525">
+                <a:solidFill>
+                  <a:schemeClr val="tx1"/>
+                </a:solidFill>
+                <a:miter lim="800000"/>
+                <a:headEnd/>
+                <a:tailEnd/>
+              </a14:hiddenLine>
+            </a:ext>
+          </a:extLst>
+        </p:spPr>
+      </p:pic>
+      <p:sp>
+        <p:nvSpPr>
+          <p:cNvPr id="2" name="Rettangolo 1"/>
+          <p:cNvSpPr/>
+          <p:nvPr/>
+        </p:nvSpPr>
+        <p:spPr>
+          <a:xfrm>
+            <a:off x="467544" y="2636912"/>
+            <a:ext cx="7488832" cy="2088232"/>
+          </a:xfrm>
+          <a:prstGeom prst="rect">
+            <a:avLst/>
+          </a:prstGeom>
+          <a:noFill/>
+          <a:ln w="12700">
+            <a:solidFill>
+              <a:srgbClr val="00B0F0"/>
+            </a:solidFill>
+          </a:ln>
+        </p:spPr>
+        <p:style>
+          <a:lnRef idx="2">
+            <a:schemeClr val="accent1">
+              <a:shade val="50000"/>
+            </a:schemeClr>
+          </a:lnRef>
+          <a:fillRef idx="1">
+            <a:schemeClr val="accent1"/>
+          </a:fillRef>
+          <a:effectRef idx="0">
+            <a:schemeClr val="accent1"/>
+          </a:effectRef>
+          <a:fontRef idx="minor">
+            <a:schemeClr val="lt1"/>
+          </a:fontRef>
+        </p:style>
+        <p:txBody>
+          <a:bodyPr rtlCol="0" anchor="ctr"/>
+          <a:lstStyle/>
+          <a:p>
+            <a:pPr algn="ctr"/>
+            <a:endParaRPr lang="en-GB"/>
+          </a:p>
+        </p:txBody>
+      </p:sp>
+      <p:sp>
+        <p:nvSpPr>
+          <p:cNvPr id="3" name="Rettangolo arrotondato 2"/>
+          <p:cNvSpPr/>
+          <p:nvPr/>
+        </p:nvSpPr>
+        <p:spPr>
+          <a:xfrm>
+            <a:off x="611560" y="3356992"/>
+            <a:ext cx="2448272" cy="1008112"/>
+          </a:xfrm>
+          <a:prstGeom prst="roundRect">
+            <a:avLst/>
+          </a:prstGeom>
+          <a:noFill/>
+          <a:ln w="19050">
+            <a:solidFill>
+              <a:srgbClr val="00B050"/>
+            </a:solidFill>
+          </a:ln>
+        </p:spPr>
+        <p:style>
+          <a:lnRef idx="2">
+            <a:schemeClr val="accent1">
+              <a:shade val="50000"/>
+            </a:schemeClr>
+          </a:lnRef>
+          <a:fillRef idx="1">
+            <a:schemeClr val="accent1"/>
+          </a:fillRef>
+          <a:effectRef idx="0">
+            <a:schemeClr val="accent1"/>
+          </a:effectRef>
+          <a:fontRef idx="minor">
+            <a:schemeClr val="lt1"/>
+          </a:fontRef>
+        </p:style>
+        <p:txBody>
+          <a:bodyPr rtlCol="0" anchor="ctr"/>
+          <a:lstStyle/>
+          <a:p>
+            <a:pPr algn="ctr"/>
+            <a:endParaRPr lang="en-GB"/>
+          </a:p>
+        </p:txBody>
+      </p:sp>
+    </p:spTree>
+    <p:extLst>
+      <p:ext uri="{BB962C8B-B14F-4D97-AF65-F5344CB8AC3E}">
+        <p14:creationId xmlns:p14="http://schemas.microsoft.com/office/powerpoint/2010/main" val="2145332966"/>
+      </p:ext>
+    </p:extLst>
+  </p:cSld>
+  <p:clrMapOvr>
+    <a:masterClrMapping/>
+  </p:clrMapOvr>
+</p:sld>
+</file>
+
+<file path=ppt/slides/slide24.xml><?xml version="1.0" encoding="utf-8"?>
+<p:sld xmlns:a="http://schemas.openxmlformats.org/drawingml/2006/main" xmlns:r="http://schemas.openxmlformats.org/officeDocument/2006/relationships" xmlns:p="http://schemas.openxmlformats.org/presentationml/2006/main">
+  <p:cSld>
+    <p:spTree>
+      <p:nvGrpSpPr>
+        <p:cNvPr id="1" name=""/>
+        <p:cNvGrpSpPr/>
+        <p:nvPr/>
+      </p:nvGrpSpPr>
+      <p:grpSpPr>
+        <a:xfrm>
+          <a:off x="0" y="0"/>
+          <a:ext cx="0" cy="0"/>
+          <a:chOff x="0" y="0"/>
+          <a:chExt cx="0" cy="0"/>
+        </a:xfrm>
+      </p:grpSpPr>
+      <p:pic>
+        <p:nvPicPr>
+          <p:cNvPr id="4099" name="Picture 3"/>
+          <p:cNvPicPr>
+            <a:picLocks noChangeAspect="1" noChangeArrowheads="1"/>
+          </p:cNvPicPr>
+          <p:nvPr/>
+        </p:nvPicPr>
+        <p:blipFill>
+          <a:blip r:embed="rId2">
+            <a:extLst>
+              <a:ext uri="{28A0092B-C50C-407E-A947-70E740481C1C}">
+                <a14:useLocalDpi xmlns:a14="http://schemas.microsoft.com/office/drawing/2010/main" val="0"/>
+              </a:ext>
+            </a:extLst>
+          </a:blip>
+          <a:srcRect/>
+          <a:stretch>
+            <a:fillRect/>
+          </a:stretch>
+        </p:blipFill>
+        <p:spPr bwMode="auto">
+          <a:xfrm>
+            <a:off x="1281113" y="257175"/>
+            <a:ext cx="6581775" cy="6343650"/>
+          </a:xfrm>
+          <a:prstGeom prst="rect">
+            <a:avLst/>
+          </a:prstGeom>
+          <a:noFill/>
+          <a:ln>
+            <a:noFill/>
+          </a:ln>
+          <a:extLst>
+            <a:ext uri="{909E8E84-426E-40DD-AFC4-6F175D3DCCD1}">
+              <a14:hiddenFill xmlns:a14="http://schemas.microsoft.com/office/drawing/2010/main">
+                <a:solidFill>
+                  <a:schemeClr val="accent1"/>
+                </a:solidFill>
+              </a14:hiddenFill>
+            </a:ext>
+            <a:ext uri="{91240B29-F687-4F45-9708-019B960494DF}">
+              <a14:hiddenLine xmlns:a14="http://schemas.microsoft.com/office/drawing/2010/main" w="9525">
+                <a:solidFill>
+                  <a:schemeClr val="tx1"/>
+                </a:solidFill>
+                <a:miter lim="800000"/>
+                <a:headEnd/>
+                <a:tailEnd/>
+              </a14:hiddenLine>
+            </a:ext>
+          </a:extLst>
+        </p:spPr>
+      </p:pic>
+    </p:spTree>
+    <p:extLst>
+      <p:ext uri="{BB962C8B-B14F-4D97-AF65-F5344CB8AC3E}">
+        <p14:creationId xmlns:p14="http://schemas.microsoft.com/office/powerpoint/2010/main" val="3738217925"/>
+      </p:ext>
+    </p:extLst>
+  </p:cSld>
+  <p:clrMapOvr>
+    <a:masterClrMapping/>
+  </p:clrMapOvr>
+</p:sld>
+</file>
+
 <file path=ppt/slides/slide3.xml><?xml version="1.0" encoding="utf-8"?>
 <p:sld xmlns:a="http://schemas.openxmlformats.org/drawingml/2006/main" xmlns:r="http://schemas.openxmlformats.org/officeDocument/2006/relationships" xmlns:p="http://schemas.openxmlformats.org/presentationml/2006/main">
   <p:cSld>

--- a/health/userDocs/UniboFhirFigs.pptx
+++ b/health/userDocs/UniboFhirFigs.pptx
@@ -5,30 +5,35 @@
     <p:sldMasterId id="2147483648" r:id="rId1"/>
   </p:sldMasterIdLst>
   <p:sldIdLst>
-    <p:sldId id="285" r:id="rId2"/>
-    <p:sldId id="288" r:id="rId3"/>
-    <p:sldId id="306" r:id="rId4"/>
-    <p:sldId id="289" r:id="rId5"/>
-    <p:sldId id="293" r:id="rId6"/>
-    <p:sldId id="290" r:id="rId7"/>
-    <p:sldId id="304" r:id="rId8"/>
-    <p:sldId id="305" r:id="rId9"/>
-    <p:sldId id="292" r:id="rId10"/>
-    <p:sldId id="294" r:id="rId11"/>
-    <p:sldId id="295" r:id="rId12"/>
-    <p:sldId id="296" r:id="rId13"/>
-    <p:sldId id="298" r:id="rId14"/>
-    <p:sldId id="297" r:id="rId15"/>
-    <p:sldId id="299" r:id="rId16"/>
-    <p:sldId id="300" r:id="rId17"/>
-    <p:sldId id="302" r:id="rId18"/>
-    <p:sldId id="301" r:id="rId19"/>
-    <p:sldId id="303" r:id="rId20"/>
-    <p:sldId id="307" r:id="rId21"/>
-    <p:sldId id="308" r:id="rId22"/>
-    <p:sldId id="309" r:id="rId23"/>
-    <p:sldId id="310" r:id="rId24"/>
-    <p:sldId id="311" r:id="rId25"/>
+    <p:sldId id="312" r:id="rId2"/>
+    <p:sldId id="313" r:id="rId3"/>
+    <p:sldId id="314" r:id="rId4"/>
+    <p:sldId id="316" r:id="rId5"/>
+    <p:sldId id="315" r:id="rId6"/>
+    <p:sldId id="285" r:id="rId7"/>
+    <p:sldId id="288" r:id="rId8"/>
+    <p:sldId id="306" r:id="rId9"/>
+    <p:sldId id="289" r:id="rId10"/>
+    <p:sldId id="293" r:id="rId11"/>
+    <p:sldId id="290" r:id="rId12"/>
+    <p:sldId id="304" r:id="rId13"/>
+    <p:sldId id="305" r:id="rId14"/>
+    <p:sldId id="292" r:id="rId15"/>
+    <p:sldId id="294" r:id="rId16"/>
+    <p:sldId id="295" r:id="rId17"/>
+    <p:sldId id="296" r:id="rId18"/>
+    <p:sldId id="298" r:id="rId19"/>
+    <p:sldId id="297" r:id="rId20"/>
+    <p:sldId id="299" r:id="rId21"/>
+    <p:sldId id="300" r:id="rId22"/>
+    <p:sldId id="302" r:id="rId23"/>
+    <p:sldId id="301" r:id="rId24"/>
+    <p:sldId id="303" r:id="rId25"/>
+    <p:sldId id="307" r:id="rId26"/>
+    <p:sldId id="308" r:id="rId27"/>
+    <p:sldId id="309" r:id="rId28"/>
+    <p:sldId id="310" r:id="rId29"/>
+    <p:sldId id="311" r:id="rId30"/>
   </p:sldIdLst>
   <p:sldSz cx="9144000" cy="6858000" type="screen4x3"/>
   <p:notesSz cx="6858000" cy="9144000"/>
@@ -129,7 +134,7 @@
   </p:defaultTextStyle>
   <p:extLst>
     <p:ext uri="{EFAFB233-063F-42B5-8137-9DF3F51BA10A}">
-      <p15:sldGuideLst xmlns="" xmlns:p15="http://schemas.microsoft.com/office/powerpoint/2012/main">
+      <p15:sldGuideLst xmlns:p15="http://schemas.microsoft.com/office/powerpoint/2012/main" xmlns="">
         <p15:guide id="1" orient="horz" pos="2160">
           <p15:clr>
             <a:srgbClr val="A4A3A4"/>
@@ -327,7 +332,7 @@
           <a:p>
             <a:fld id="{486DFF9D-000F-417D-A1D1-C441A4010B1E}" type="datetimeFigureOut">
               <a:rPr lang="en-GB" smtClean="0"/>
-              <a:t>07/11/2020</a:t>
+              <a:t>14/11/2020</a:t>
             </a:fld>
             <a:endParaRPr lang="en-GB"/>
           </a:p>
@@ -497,7 +502,7 @@
           <a:p>
             <a:fld id="{486DFF9D-000F-417D-A1D1-C441A4010B1E}" type="datetimeFigureOut">
               <a:rPr lang="en-GB" smtClean="0"/>
-              <a:t>07/11/2020</a:t>
+              <a:t>14/11/2020</a:t>
             </a:fld>
             <a:endParaRPr lang="en-GB"/>
           </a:p>
@@ -677,7 +682,7 @@
           <a:p>
             <a:fld id="{486DFF9D-000F-417D-A1D1-C441A4010B1E}" type="datetimeFigureOut">
               <a:rPr lang="en-GB" smtClean="0"/>
-              <a:t>07/11/2020</a:t>
+              <a:t>14/11/2020</a:t>
             </a:fld>
             <a:endParaRPr lang="en-GB"/>
           </a:p>
@@ -847,7 +852,7 @@
           <a:p>
             <a:fld id="{486DFF9D-000F-417D-A1D1-C441A4010B1E}" type="datetimeFigureOut">
               <a:rPr lang="en-GB" smtClean="0"/>
-              <a:t>07/11/2020</a:t>
+              <a:t>14/11/2020</a:t>
             </a:fld>
             <a:endParaRPr lang="en-GB"/>
           </a:p>
@@ -1093,7 +1098,7 @@
           <a:p>
             <a:fld id="{486DFF9D-000F-417D-A1D1-C441A4010B1E}" type="datetimeFigureOut">
               <a:rPr lang="en-GB" smtClean="0"/>
-              <a:t>07/11/2020</a:t>
+              <a:t>14/11/2020</a:t>
             </a:fld>
             <a:endParaRPr lang="en-GB"/>
           </a:p>
@@ -1381,7 +1386,7 @@
           <a:p>
             <a:fld id="{486DFF9D-000F-417D-A1D1-C441A4010B1E}" type="datetimeFigureOut">
               <a:rPr lang="en-GB" smtClean="0"/>
-              <a:t>07/11/2020</a:t>
+              <a:t>14/11/2020</a:t>
             </a:fld>
             <a:endParaRPr lang="en-GB"/>
           </a:p>
@@ -1803,7 +1808,7 @@
           <a:p>
             <a:fld id="{486DFF9D-000F-417D-A1D1-C441A4010B1E}" type="datetimeFigureOut">
               <a:rPr lang="en-GB" smtClean="0"/>
-              <a:t>07/11/2020</a:t>
+              <a:t>14/11/2020</a:t>
             </a:fld>
             <a:endParaRPr lang="en-GB"/>
           </a:p>
@@ -1921,7 +1926,7 @@
           <a:p>
             <a:fld id="{486DFF9D-000F-417D-A1D1-C441A4010B1E}" type="datetimeFigureOut">
               <a:rPr lang="en-GB" smtClean="0"/>
-              <a:t>07/11/2020</a:t>
+              <a:t>14/11/2020</a:t>
             </a:fld>
             <a:endParaRPr lang="en-GB"/>
           </a:p>
@@ -2016,7 +2021,7 @@
           <a:p>
             <a:fld id="{486DFF9D-000F-417D-A1D1-C441A4010B1E}" type="datetimeFigureOut">
               <a:rPr lang="en-GB" smtClean="0"/>
-              <a:t>07/11/2020</a:t>
+              <a:t>14/11/2020</a:t>
             </a:fld>
             <a:endParaRPr lang="en-GB"/>
           </a:p>
@@ -2293,7 +2298,7 @@
           <a:p>
             <a:fld id="{486DFF9D-000F-417D-A1D1-C441A4010B1E}" type="datetimeFigureOut">
               <a:rPr lang="en-GB" smtClean="0"/>
-              <a:t>07/11/2020</a:t>
+              <a:t>14/11/2020</a:t>
             </a:fld>
             <a:endParaRPr lang="en-GB"/>
           </a:p>
@@ -2546,7 +2551,7 @@
           <a:p>
             <a:fld id="{486DFF9D-000F-417D-A1D1-C441A4010B1E}" type="datetimeFigureOut">
               <a:rPr lang="en-GB" smtClean="0"/>
-              <a:t>07/11/2020</a:t>
+              <a:t>14/11/2020</a:t>
             </a:fld>
             <a:endParaRPr lang="en-GB"/>
           </a:p>
@@ -2759,7 +2764,7 @@
           <a:p>
             <a:fld id="{486DFF9D-000F-417D-A1D1-C441A4010B1E}" type="datetimeFigureOut">
               <a:rPr lang="en-GB" smtClean="0"/>
-              <a:t>07/11/2020</a:t>
+              <a:t>14/11/2020</a:t>
             </a:fld>
             <a:endParaRPr lang="en-GB"/>
           </a:p>
@@ -3134,469 +3139,40 @@
           <a:chExt cx="0" cy="0"/>
         </a:xfrm>
       </p:grpSpPr>
-      <p:sp>
-        <p:nvSpPr>
-          <p:cNvPr id="4" name="Ovale 3"/>
-          <p:cNvSpPr/>
-          <p:nvPr/>
-        </p:nvSpPr>
-        <p:spPr>
-          <a:xfrm>
-            <a:off x="3419872" y="1124744"/>
-            <a:ext cx="2572409" cy="2088232"/>
-          </a:xfrm>
-          <a:prstGeom prst="ellipse">
-            <a:avLst/>
-          </a:prstGeom>
-        </p:spPr>
-        <p:style>
-          <a:lnRef idx="1">
-            <a:schemeClr val="accent6"/>
-          </a:lnRef>
-          <a:fillRef idx="2">
-            <a:schemeClr val="accent6"/>
-          </a:fillRef>
-          <a:effectRef idx="1">
-            <a:schemeClr val="accent6"/>
-          </a:effectRef>
-          <a:fontRef idx="minor">
-            <a:schemeClr val="dk1"/>
-          </a:fontRef>
-        </p:style>
-        <p:txBody>
-          <a:bodyPr rtlCol="0" anchor="ctr"/>
-          <a:lstStyle/>
-          <a:p>
-            <a:endParaRPr lang="en-GB" dirty="0"/>
-          </a:p>
-        </p:txBody>
-      </p:sp>
-      <p:sp>
-        <p:nvSpPr>
-          <p:cNvPr id="2" name="Ovale 1"/>
-          <p:cNvSpPr/>
-          <p:nvPr/>
-        </p:nvSpPr>
-        <p:spPr>
-          <a:xfrm>
-            <a:off x="3563888" y="1556792"/>
-            <a:ext cx="2448272" cy="2232248"/>
-          </a:xfrm>
-          <a:prstGeom prst="ellipse">
-            <a:avLst/>
-          </a:prstGeom>
-        </p:spPr>
-        <p:style>
-          <a:lnRef idx="1">
-            <a:schemeClr val="accent5"/>
-          </a:lnRef>
-          <a:fillRef idx="2">
-            <a:schemeClr val="accent5"/>
-          </a:fillRef>
-          <a:effectRef idx="1">
-            <a:schemeClr val="accent5"/>
-          </a:effectRef>
-          <a:fontRef idx="minor">
-            <a:schemeClr val="dk1"/>
-          </a:fontRef>
-        </p:style>
-        <p:txBody>
-          <a:bodyPr rtlCol="0" anchor="ctr"/>
-          <a:lstStyle/>
-          <a:p>
-            <a:r>
-              <a:rPr lang="it-IT" dirty="0" smtClean="0"/>
-              <a:t>FHIR</a:t>
-            </a:r>
-            <a:endParaRPr lang="en-GB" dirty="0"/>
-          </a:p>
-        </p:txBody>
-      </p:sp>
-      <p:sp>
-        <p:nvSpPr>
-          <p:cNvPr id="3" name="Ovale 2"/>
-          <p:cNvSpPr/>
-          <p:nvPr/>
-        </p:nvSpPr>
-        <p:spPr>
-          <a:xfrm>
-            <a:off x="4541966" y="2156788"/>
-            <a:ext cx="1446371" cy="1289698"/>
-          </a:xfrm>
-          <a:prstGeom prst="ellipse">
-            <a:avLst/>
-          </a:prstGeom>
-        </p:spPr>
-        <p:style>
-          <a:lnRef idx="1">
-            <a:schemeClr val="accent4"/>
-          </a:lnRef>
-          <a:fillRef idx="2">
-            <a:schemeClr val="accent4"/>
-          </a:fillRef>
-          <a:effectRef idx="1">
-            <a:schemeClr val="accent4"/>
-          </a:effectRef>
-          <a:fontRef idx="minor">
-            <a:schemeClr val="dk1"/>
-          </a:fontRef>
-        </p:style>
-        <p:txBody>
-          <a:bodyPr rtlCol="0" anchor="ctr"/>
-          <a:lstStyle/>
-          <a:p>
-            <a:pPr algn="ctr"/>
-            <a:r>
-              <a:rPr lang="it-IT" dirty="0" smtClean="0"/>
-              <a:t>HL7v23</a:t>
-            </a:r>
-            <a:endParaRPr lang="en-GB" dirty="0"/>
-          </a:p>
-        </p:txBody>
-      </p:sp>
-      <p:sp>
-        <p:nvSpPr>
-          <p:cNvPr id="5" name="CasellaDiTesto 4"/>
-          <p:cNvSpPr txBox="1"/>
-          <p:nvPr/>
-        </p:nvSpPr>
-        <p:spPr>
-          <a:xfrm>
-            <a:off x="4087797" y="1195963"/>
-            <a:ext cx="1236557" cy="369332"/>
+      <p:pic>
+        <p:nvPicPr>
+          <p:cNvPr id="3" name="Immagine 2"/>
+          <p:cNvPicPr>
+            <a:picLocks noChangeAspect="1"/>
+          </p:cNvPicPr>
+          <p:nvPr/>
+        </p:nvPicPr>
+        <p:blipFill>
+          <a:blip r:embed="rId2">
+            <a:extLst>
+              <a:ext uri="{28A0092B-C50C-407E-A947-70E740481C1C}">
+                <a14:useLocalDpi xmlns:a14="http://schemas.microsoft.com/office/drawing/2010/main" val="0"/>
+              </a:ext>
+            </a:extLst>
+          </a:blip>
+          <a:stretch>
+            <a:fillRect/>
+          </a:stretch>
+        </p:blipFill>
+        <p:spPr>
+          <a:xfrm>
+            <a:off x="681523" y="367095"/>
+            <a:ext cx="7780953" cy="6123810"/>
           </a:xfrm>
           <a:prstGeom prst="rect">
             <a:avLst/>
           </a:prstGeom>
-          <a:noFill/>
-        </p:spPr>
-        <p:txBody>
-          <a:bodyPr wrap="none" rtlCol="0">
-            <a:spAutoFit/>
-          </a:bodyPr>
-          <a:lstStyle/>
-          <a:p>
-            <a:r>
-              <a:rPr lang="it-IT" dirty="0" err="1" smtClean="0"/>
-              <a:t>ITelDomain</a:t>
-            </a:r>
-            <a:endParaRPr lang="en-GB" dirty="0"/>
-          </a:p>
-        </p:txBody>
-      </p:sp>
-      <p:sp>
-        <p:nvSpPr>
-          <p:cNvPr id="6" name="CasellaDiTesto 5"/>
-          <p:cNvSpPr txBox="1"/>
-          <p:nvPr/>
-        </p:nvSpPr>
-        <p:spPr>
-          <a:xfrm>
-            <a:off x="6723109" y="260648"/>
-            <a:ext cx="2260940" cy="369332"/>
-          </a:xfrm>
-          <a:prstGeom prst="rect">
-            <a:avLst/>
-          </a:prstGeom>
-          <a:noFill/>
-        </p:spPr>
-        <p:txBody>
-          <a:bodyPr wrap="none" rtlCol="0">
-            <a:spAutoFit/>
-          </a:bodyPr>
-          <a:lstStyle/>
-          <a:p>
-            <a:r>
-              <a:rPr lang="it-IT" dirty="0" smtClean="0"/>
-              <a:t>RER/</a:t>
-            </a:r>
-            <a:r>
-              <a:rPr lang="it-IT" dirty="0" err="1" smtClean="0"/>
-              <a:t>Italy</a:t>
-            </a:r>
-            <a:r>
-              <a:rPr lang="it-IT" dirty="0" smtClean="0"/>
-              <a:t>/CEE Domain</a:t>
-            </a:r>
-            <a:endParaRPr lang="en-GB" dirty="0"/>
-          </a:p>
-        </p:txBody>
-      </p:sp>
-      <p:sp>
-        <p:nvSpPr>
-          <p:cNvPr id="7" name="CasellaDiTesto 6"/>
-          <p:cNvSpPr txBox="1"/>
-          <p:nvPr/>
-        </p:nvSpPr>
-        <p:spPr>
-          <a:xfrm>
-            <a:off x="858421" y="3123320"/>
-            <a:ext cx="3538726" cy="646331"/>
-          </a:xfrm>
-          <a:prstGeom prst="rect">
-            <a:avLst/>
-          </a:prstGeom>
-        </p:spPr>
-        <p:style>
-          <a:lnRef idx="1">
-            <a:schemeClr val="accent2"/>
-          </a:lnRef>
-          <a:fillRef idx="2">
-            <a:schemeClr val="accent2"/>
-          </a:fillRef>
-          <a:effectRef idx="1">
-            <a:schemeClr val="accent2"/>
-          </a:effectRef>
-          <a:fontRef idx="minor">
-            <a:schemeClr val="dk1"/>
-          </a:fontRef>
-        </p:style>
-        <p:txBody>
-          <a:bodyPr wrap="none" rtlCol="0">
-            <a:spAutoFit/>
-          </a:bodyPr>
-          <a:lstStyle/>
-          <a:p>
-            <a:r>
-              <a:rPr lang="it-IT" dirty="0" smtClean="0"/>
-              <a:t>«Leggere» FHIR alla luce </a:t>
-            </a:r>
-          </a:p>
-          <a:p>
-            <a:r>
-              <a:rPr lang="it-IT" dirty="0" smtClean="0"/>
-              <a:t>dei processi / protocolli che ipotizza</a:t>
-            </a:r>
-            <a:endParaRPr lang="en-GB" dirty="0"/>
-          </a:p>
-        </p:txBody>
-      </p:sp>
-      <p:cxnSp>
-        <p:nvCxnSpPr>
-          <p:cNvPr id="9" name="Connettore 4 8"/>
-          <p:cNvCxnSpPr>
-            <a:stCxn id="7" idx="0"/>
-            <a:endCxn id="4" idx="2"/>
-          </p:cNvCxnSpPr>
-          <p:nvPr/>
-        </p:nvCxnSpPr>
-        <p:spPr>
-          <a:xfrm rot="5400000" flipH="1" flipV="1">
-            <a:off x="2546598" y="2250046"/>
-            <a:ext cx="954460" cy="792088"/>
-          </a:xfrm>
-          <a:prstGeom prst="bentConnector2">
-            <a:avLst/>
-          </a:prstGeom>
-          <a:ln>
-            <a:tailEnd type="arrow"/>
-          </a:ln>
-        </p:spPr>
-        <p:style>
-          <a:lnRef idx="1">
-            <a:schemeClr val="accent1"/>
-          </a:lnRef>
-          <a:fillRef idx="0">
-            <a:schemeClr val="accent1"/>
-          </a:fillRef>
-          <a:effectRef idx="0">
-            <a:schemeClr val="accent1"/>
-          </a:effectRef>
-          <a:fontRef idx="minor">
-            <a:schemeClr val="tx1"/>
-          </a:fontRef>
-        </p:style>
-      </p:cxnSp>
-      <p:sp>
-        <p:nvSpPr>
-          <p:cNvPr id="15" name="Ovale 14"/>
-          <p:cNvSpPr/>
-          <p:nvPr/>
-        </p:nvSpPr>
-        <p:spPr>
-          <a:xfrm>
-            <a:off x="4764201" y="4181768"/>
-            <a:ext cx="2448272" cy="2232248"/>
-          </a:xfrm>
-          <a:prstGeom prst="ellipse">
-            <a:avLst/>
-          </a:prstGeom>
-        </p:spPr>
-        <p:style>
-          <a:lnRef idx="1">
-            <a:schemeClr val="accent5"/>
-          </a:lnRef>
-          <a:fillRef idx="2">
-            <a:schemeClr val="accent5"/>
-          </a:fillRef>
-          <a:effectRef idx="1">
-            <a:schemeClr val="accent5"/>
-          </a:effectRef>
-          <a:fontRef idx="minor">
-            <a:schemeClr val="dk1"/>
-          </a:fontRef>
-        </p:style>
-        <p:txBody>
-          <a:bodyPr rtlCol="0" anchor="ctr"/>
-          <a:lstStyle/>
-          <a:p>
-            <a:r>
-              <a:rPr lang="it-IT" dirty="0" smtClean="0"/>
-              <a:t>FHIR</a:t>
-            </a:r>
-            <a:endParaRPr lang="en-GB" dirty="0"/>
-          </a:p>
-        </p:txBody>
-      </p:sp>
-      <p:sp>
-        <p:nvSpPr>
-          <p:cNvPr id="16" name="Ovale 15"/>
-          <p:cNvSpPr/>
-          <p:nvPr/>
-        </p:nvSpPr>
-        <p:spPr>
-          <a:xfrm>
-            <a:off x="5742279" y="4781764"/>
-            <a:ext cx="1446371" cy="1289698"/>
-          </a:xfrm>
-          <a:prstGeom prst="ellipse">
-            <a:avLst/>
-          </a:prstGeom>
-        </p:spPr>
-        <p:style>
-          <a:lnRef idx="1">
-            <a:schemeClr val="accent4"/>
-          </a:lnRef>
-          <a:fillRef idx="2">
-            <a:schemeClr val="accent4"/>
-          </a:fillRef>
-          <a:effectRef idx="1">
-            <a:schemeClr val="accent4"/>
-          </a:effectRef>
-          <a:fontRef idx="minor">
-            <a:schemeClr val="dk1"/>
-          </a:fontRef>
-        </p:style>
-        <p:txBody>
-          <a:bodyPr rtlCol="0" anchor="ctr"/>
-          <a:lstStyle/>
-          <a:p>
-            <a:pPr algn="ctr"/>
-            <a:r>
-              <a:rPr lang="it-IT" dirty="0" smtClean="0"/>
-              <a:t>HL7v23</a:t>
-            </a:r>
-            <a:endParaRPr lang="en-GB" dirty="0"/>
-          </a:p>
-        </p:txBody>
-      </p:sp>
-      <p:sp>
-        <p:nvSpPr>
-          <p:cNvPr id="14" name="Ovale 13"/>
-          <p:cNvSpPr/>
-          <p:nvPr/>
-        </p:nvSpPr>
-        <p:spPr>
-          <a:xfrm>
-            <a:off x="5128700" y="4226584"/>
-            <a:ext cx="1800200" cy="1071308"/>
-          </a:xfrm>
-          <a:prstGeom prst="ellipse">
-            <a:avLst/>
-          </a:prstGeom>
-        </p:spPr>
-        <p:style>
-          <a:lnRef idx="1">
-            <a:schemeClr val="accent6"/>
-          </a:lnRef>
-          <a:fillRef idx="2">
-            <a:schemeClr val="accent6"/>
-          </a:fillRef>
-          <a:effectRef idx="1">
-            <a:schemeClr val="accent6"/>
-          </a:effectRef>
-          <a:fontRef idx="minor">
-            <a:schemeClr val="dk1"/>
-          </a:fontRef>
-        </p:style>
-        <p:txBody>
-          <a:bodyPr rtlCol="0" anchor="ctr"/>
-          <a:lstStyle/>
-          <a:p>
-            <a:endParaRPr lang="en-GB" dirty="0"/>
-          </a:p>
-        </p:txBody>
-      </p:sp>
-      <p:sp>
-        <p:nvSpPr>
-          <p:cNvPr id="17" name="CasellaDiTesto 16"/>
-          <p:cNvSpPr txBox="1"/>
-          <p:nvPr/>
-        </p:nvSpPr>
-        <p:spPr>
-          <a:xfrm>
-            <a:off x="5393881" y="4504646"/>
-            <a:ext cx="1236557" cy="369332"/>
-          </a:xfrm>
-          <a:prstGeom prst="rect">
-            <a:avLst/>
-          </a:prstGeom>
-          <a:noFill/>
-        </p:spPr>
-        <p:txBody>
-          <a:bodyPr wrap="none" rtlCol="0">
-            <a:spAutoFit/>
-          </a:bodyPr>
-          <a:lstStyle/>
-          <a:p>
-            <a:r>
-              <a:rPr lang="it-IT" dirty="0" err="1" smtClean="0"/>
-              <a:t>ITelDomain</a:t>
-            </a:r>
-            <a:endParaRPr lang="en-GB" dirty="0"/>
-          </a:p>
-        </p:txBody>
-      </p:sp>
-      <p:cxnSp>
-        <p:nvCxnSpPr>
-          <p:cNvPr id="18" name="Connettore 4 17"/>
-          <p:cNvCxnSpPr>
-            <a:stCxn id="7" idx="2"/>
-            <a:endCxn id="14" idx="2"/>
-          </p:cNvCxnSpPr>
-          <p:nvPr/>
-        </p:nvCxnSpPr>
-        <p:spPr>
-          <a:xfrm rot="16200000" flipH="1">
-            <a:off x="3381949" y="3015486"/>
-            <a:ext cx="992587" cy="2500916"/>
-          </a:xfrm>
-          <a:prstGeom prst="bentConnector2">
-            <a:avLst/>
-          </a:prstGeom>
-          <a:ln>
-            <a:tailEnd type="arrow"/>
-          </a:ln>
-        </p:spPr>
-        <p:style>
-          <a:lnRef idx="1">
-            <a:schemeClr val="accent1"/>
-          </a:lnRef>
-          <a:fillRef idx="0">
-            <a:schemeClr val="accent1"/>
-          </a:fillRef>
-          <a:effectRef idx="0">
-            <a:schemeClr val="accent1"/>
-          </a:effectRef>
-          <a:fontRef idx="minor">
-            <a:schemeClr val="tx1"/>
-          </a:fontRef>
-        </p:style>
-      </p:cxnSp>
+        </p:spPr>
+      </p:pic>
     </p:spTree>
     <p:extLst>
       <p:ext uri="{BB962C8B-B14F-4D97-AF65-F5344CB8AC3E}">
-        <p14:creationId xmlns:p14="http://schemas.microsoft.com/office/powerpoint/2010/main" val="204676631"/>
+        <p14:creationId xmlns:p14="http://schemas.microsoft.com/office/powerpoint/2010/main" val="2071996514"/>
       </p:ext>
     </p:extLst>
   </p:cSld>
@@ -3640,7 +3216,7 @@
           <a:p>
             <a:r>
               <a:rPr lang="it-IT" dirty="0" smtClean="0"/>
-              <a:t>DIAGNOSIS</a:t>
+              <a:t>ADMINISTRATION</a:t>
             </a:r>
             <a:endParaRPr lang="en-GB" dirty="0"/>
           </a:p>
@@ -3668,7 +3244,7 @@
     </p:spTree>
     <p:extLst>
       <p:ext uri="{BB962C8B-B14F-4D97-AF65-F5344CB8AC3E}">
-        <p14:creationId xmlns:p14="http://schemas.microsoft.com/office/powerpoint/2010/main" val="3219489898"/>
+        <p14:creationId xmlns:p14="http://schemas.microsoft.com/office/powerpoint/2010/main" val="3868038661"/>
       </p:ext>
     </p:extLst>
   </p:cSld>
@@ -3697,7 +3273,7 @@
       </p:grpSpPr>
       <p:pic>
         <p:nvPicPr>
-          <p:cNvPr id="5122" name="Picture 2" descr="Image showing the diagnostic resources"/>
+          <p:cNvPr id="2050" name="Picture 2" descr="Image showing the administration interactions"/>
           <p:cNvPicPr>
             <a:picLocks noChangeAspect="1" noChangeArrowheads="1"/>
           </p:cNvPicPr>
@@ -3718,8 +3294,8 @@
         </p:blipFill>
         <p:spPr bwMode="auto">
           <a:xfrm>
-            <a:off x="1259632" y="908720"/>
-            <a:ext cx="6858000" cy="5143501"/>
+            <a:off x="611560" y="260648"/>
+            <a:ext cx="5715000" cy="3324226"/>
           </a:xfrm>
           <a:prstGeom prst="rect">
             <a:avLst/>
@@ -3736,10 +3312,51 @@
           </a:extLst>
         </p:spPr>
       </p:pic>
+      <p:pic>
+        <p:nvPicPr>
+          <p:cNvPr id="3" name="Picture 2" descr="Image showing the provider directory resources"/>
+          <p:cNvPicPr>
+            <a:picLocks noChangeAspect="1" noChangeArrowheads="1"/>
+          </p:cNvPicPr>
+          <p:nvPr/>
+        </p:nvPicPr>
+        <p:blipFill>
+          <a:blip r:embed="rId3">
+            <a:extLst>
+              <a:ext uri="{28A0092B-C50C-407E-A947-70E740481C1C}">
+                <a14:useLocalDpi xmlns:a14="http://schemas.microsoft.com/office/drawing/2010/main" val="0"/>
+              </a:ext>
+            </a:extLst>
+          </a:blip>
+          <a:srcRect/>
+          <a:stretch>
+            <a:fillRect/>
+          </a:stretch>
+        </p:blipFill>
+        <p:spPr bwMode="auto">
+          <a:xfrm>
+            <a:off x="3883397" y="3789040"/>
+            <a:ext cx="4886325" cy="2771776"/>
+          </a:xfrm>
+          <a:prstGeom prst="rect">
+            <a:avLst/>
+          </a:prstGeom>
+          <a:noFill/>
+          <a:extLst>
+            <a:ext uri="{909E8E84-426E-40DD-AFC4-6F175D3DCCD1}">
+              <a14:hiddenFill xmlns:a14="http://schemas.microsoft.com/office/drawing/2010/main">
+                <a:solidFill>
+                  <a:srgbClr val="FFFFFF"/>
+                </a:solidFill>
+              </a14:hiddenFill>
+            </a:ext>
+          </a:extLst>
+        </p:spPr>
+      </p:pic>
     </p:spTree>
     <p:extLst>
       <p:ext uri="{BB962C8B-B14F-4D97-AF65-F5344CB8AC3E}">
-        <p14:creationId xmlns:p14="http://schemas.microsoft.com/office/powerpoint/2010/main" val="4037344796"/>
+        <p14:creationId xmlns:p14="http://schemas.microsoft.com/office/powerpoint/2010/main" val="960784725"/>
       </p:ext>
     </p:extLst>
   </p:cSld>
@@ -3768,9 +3385,9 @@
       </p:grpSpPr>
       <p:pic>
         <p:nvPicPr>
-          <p:cNvPr id="2" name="Immagine 1"/>
+          <p:cNvPr id="3" name="Picture 2" descr="Image showing the provider directory resources"/>
           <p:cNvPicPr>
-            <a:picLocks noChangeAspect="1"/>
+            <a:picLocks noChangeAspect="1" noChangeArrowheads="1"/>
           </p:cNvPicPr>
           <p:nvPr/>
         </p:nvPicPr>
@@ -3782,24 +3399,1587 @@
               </a:ext>
             </a:extLst>
           </a:blip>
+          <a:srcRect/>
           <a:stretch>
             <a:fillRect/>
           </a:stretch>
         </p:blipFill>
-        <p:spPr>
-          <a:xfrm>
-            <a:off x="1681523" y="1433762"/>
-            <a:ext cx="5780953" cy="3990476"/>
+        <p:spPr bwMode="auto">
+          <a:xfrm>
+            <a:off x="733331" y="3933056"/>
+            <a:ext cx="4886325" cy="2771776"/>
           </a:xfrm>
           <a:prstGeom prst="rect">
             <a:avLst/>
           </a:prstGeom>
+          <a:noFill/>
+          <a:extLst>
+            <a:ext uri="{909E8E84-426E-40DD-AFC4-6F175D3DCCD1}">
+              <a14:hiddenFill xmlns:a14="http://schemas.microsoft.com/office/drawing/2010/main">
+                <a:solidFill>
+                  <a:srgbClr val="FFFFFF"/>
+                </a:solidFill>
+              </a14:hiddenFill>
+            </a:ext>
+          </a:extLst>
         </p:spPr>
       </p:pic>
+      <p:sp>
+        <p:nvSpPr>
+          <p:cNvPr id="2" name="Rettangolo arrotondato 1"/>
+          <p:cNvSpPr/>
+          <p:nvPr/>
+        </p:nvSpPr>
+        <p:spPr>
+          <a:xfrm>
+            <a:off x="506209" y="2204019"/>
+            <a:ext cx="1224136" cy="576064"/>
+          </a:xfrm>
+          <a:prstGeom prst="roundRect">
+            <a:avLst/>
+          </a:prstGeom>
+          <a:solidFill>
+            <a:schemeClr val="accent5">
+              <a:lumMod val="20000"/>
+              <a:lumOff val="80000"/>
+            </a:schemeClr>
+          </a:solidFill>
+          <a:effectLst>
+            <a:outerShdw blurRad="50800" dist="38100" dir="2700000" algn="tl" rotWithShape="0">
+              <a:prstClr val="black">
+                <a:alpha val="40000"/>
+              </a:prstClr>
+            </a:outerShdw>
+          </a:effectLst>
+        </p:spPr>
+        <p:style>
+          <a:lnRef idx="2">
+            <a:schemeClr val="accent1">
+              <a:shade val="50000"/>
+            </a:schemeClr>
+          </a:lnRef>
+          <a:fillRef idx="1">
+            <a:schemeClr val="accent1"/>
+          </a:fillRef>
+          <a:effectRef idx="0">
+            <a:schemeClr val="accent1"/>
+          </a:effectRef>
+          <a:fontRef idx="minor">
+            <a:schemeClr val="lt1"/>
+          </a:fontRef>
+        </p:style>
+        <p:txBody>
+          <a:bodyPr rtlCol="0" anchor="ctr"/>
+          <a:lstStyle/>
+          <a:p>
+            <a:pPr algn="ctr"/>
+            <a:r>
+              <a:rPr lang="it-IT" sz="1400" b="1" dirty="0" err="1" smtClean="0">
+                <a:solidFill>
+                  <a:schemeClr val="tx1"/>
+                </a:solidFill>
+              </a:rPr>
+              <a:t>Patient</a:t>
+            </a:r>
+            <a:endParaRPr lang="en-GB" sz="1400" b="1" dirty="0">
+              <a:solidFill>
+                <a:schemeClr val="tx1"/>
+              </a:solidFill>
+            </a:endParaRPr>
+          </a:p>
+        </p:txBody>
+      </p:sp>
+      <p:sp>
+        <p:nvSpPr>
+          <p:cNvPr id="5" name="Rettangolo arrotondato 4"/>
+          <p:cNvSpPr/>
+          <p:nvPr/>
+        </p:nvSpPr>
+        <p:spPr>
+          <a:xfrm>
+            <a:off x="1952358" y="3100332"/>
+            <a:ext cx="1224136" cy="576064"/>
+          </a:xfrm>
+          <a:prstGeom prst="roundRect">
+            <a:avLst/>
+          </a:prstGeom>
+          <a:solidFill>
+            <a:schemeClr val="accent5">
+              <a:lumMod val="20000"/>
+              <a:lumOff val="80000"/>
+            </a:schemeClr>
+          </a:solidFill>
+          <a:effectLst>
+            <a:outerShdw blurRad="50800" dist="38100" dir="2700000" algn="tl" rotWithShape="0">
+              <a:prstClr val="black">
+                <a:alpha val="40000"/>
+              </a:prstClr>
+            </a:outerShdw>
+          </a:effectLst>
+        </p:spPr>
+        <p:style>
+          <a:lnRef idx="2">
+            <a:schemeClr val="accent1">
+              <a:shade val="50000"/>
+            </a:schemeClr>
+          </a:lnRef>
+          <a:fillRef idx="1">
+            <a:schemeClr val="accent1"/>
+          </a:fillRef>
+          <a:effectRef idx="0">
+            <a:schemeClr val="accent1"/>
+          </a:effectRef>
+          <a:fontRef idx="minor">
+            <a:schemeClr val="lt1"/>
+          </a:fontRef>
+        </p:style>
+        <p:txBody>
+          <a:bodyPr rtlCol="0" anchor="ctr"/>
+          <a:lstStyle/>
+          <a:p>
+            <a:pPr algn="ctr"/>
+            <a:r>
+              <a:rPr lang="it-IT" sz="1400" b="1" dirty="0">
+                <a:solidFill>
+                  <a:schemeClr val="tx1"/>
+                </a:solidFill>
+              </a:rPr>
+              <a:t>Organization</a:t>
+            </a:r>
+            <a:endParaRPr lang="en-GB" sz="1400" b="1" dirty="0">
+              <a:solidFill>
+                <a:schemeClr val="tx1"/>
+              </a:solidFill>
+            </a:endParaRPr>
+          </a:p>
+        </p:txBody>
+      </p:sp>
+      <p:cxnSp>
+        <p:nvCxnSpPr>
+          <p:cNvPr id="6" name="Connettore 4 5"/>
+          <p:cNvCxnSpPr>
+            <a:stCxn id="2" idx="2"/>
+            <a:endCxn id="5" idx="1"/>
+          </p:cNvCxnSpPr>
+          <p:nvPr/>
+        </p:nvCxnSpPr>
+        <p:spPr>
+          <a:xfrm rot="16200000" flipH="1">
+            <a:off x="1231177" y="2667182"/>
+            <a:ext cx="608281" cy="834081"/>
+          </a:xfrm>
+          <a:prstGeom prst="bentConnector2">
+            <a:avLst/>
+          </a:prstGeom>
+          <a:ln>
+            <a:tailEnd type="arrow"/>
+          </a:ln>
+        </p:spPr>
+        <p:style>
+          <a:lnRef idx="1">
+            <a:schemeClr val="accent1"/>
+          </a:lnRef>
+          <a:fillRef idx="0">
+            <a:schemeClr val="accent1"/>
+          </a:fillRef>
+          <a:effectRef idx="0">
+            <a:schemeClr val="accent1"/>
+          </a:effectRef>
+          <a:fontRef idx="minor">
+            <a:schemeClr val="tx1"/>
+          </a:fontRef>
+        </p:style>
+      </p:cxnSp>
+      <p:sp>
+        <p:nvSpPr>
+          <p:cNvPr id="7" name="Rettangolo arrotondato 6"/>
+          <p:cNvSpPr/>
+          <p:nvPr/>
+        </p:nvSpPr>
+        <p:spPr>
+          <a:xfrm>
+            <a:off x="3848977" y="3108058"/>
+            <a:ext cx="1224136" cy="576064"/>
+          </a:xfrm>
+          <a:prstGeom prst="roundRect">
+            <a:avLst/>
+          </a:prstGeom>
+          <a:solidFill>
+            <a:schemeClr val="accent5">
+              <a:lumMod val="20000"/>
+              <a:lumOff val="80000"/>
+            </a:schemeClr>
+          </a:solidFill>
+          <a:effectLst>
+            <a:outerShdw blurRad="50800" dist="38100" dir="2700000" algn="tl" rotWithShape="0">
+              <a:prstClr val="black">
+                <a:alpha val="40000"/>
+              </a:prstClr>
+            </a:outerShdw>
+          </a:effectLst>
+        </p:spPr>
+        <p:style>
+          <a:lnRef idx="2">
+            <a:schemeClr val="accent1">
+              <a:shade val="50000"/>
+            </a:schemeClr>
+          </a:lnRef>
+          <a:fillRef idx="1">
+            <a:schemeClr val="accent1"/>
+          </a:fillRef>
+          <a:effectRef idx="0">
+            <a:schemeClr val="accent1"/>
+          </a:effectRef>
+          <a:fontRef idx="minor">
+            <a:schemeClr val="lt1"/>
+          </a:fontRef>
+        </p:style>
+        <p:txBody>
+          <a:bodyPr rtlCol="0" anchor="ctr"/>
+          <a:lstStyle/>
+          <a:p>
+            <a:pPr algn="ctr"/>
+            <a:r>
+              <a:rPr lang="it-IT" sz="1400" b="1" dirty="0" err="1">
+                <a:solidFill>
+                  <a:schemeClr val="tx1"/>
+                </a:solidFill>
+              </a:rPr>
+              <a:t>Endpoint</a:t>
+            </a:r>
+            <a:endParaRPr lang="en-GB" sz="1400" b="1" dirty="0">
+              <a:solidFill>
+                <a:schemeClr val="tx1"/>
+              </a:solidFill>
+            </a:endParaRPr>
+          </a:p>
+        </p:txBody>
+      </p:sp>
+      <p:cxnSp>
+        <p:nvCxnSpPr>
+          <p:cNvPr id="8" name="Connettore 4 7"/>
+          <p:cNvCxnSpPr>
+            <a:stCxn id="5" idx="3"/>
+            <a:endCxn id="7" idx="1"/>
+          </p:cNvCxnSpPr>
+          <p:nvPr/>
+        </p:nvCxnSpPr>
+        <p:spPr>
+          <a:xfrm>
+            <a:off x="3176494" y="3388364"/>
+            <a:ext cx="672483" cy="7726"/>
+          </a:xfrm>
+          <a:prstGeom prst="bentConnector3">
+            <a:avLst/>
+          </a:prstGeom>
+          <a:ln>
+            <a:tailEnd type="arrow"/>
+          </a:ln>
+        </p:spPr>
+        <p:style>
+          <a:lnRef idx="1">
+            <a:schemeClr val="accent1"/>
+          </a:lnRef>
+          <a:fillRef idx="0">
+            <a:schemeClr val="accent1"/>
+          </a:fillRef>
+          <a:effectRef idx="0">
+            <a:schemeClr val="accent1"/>
+          </a:effectRef>
+          <a:fontRef idx="minor">
+            <a:schemeClr val="tx1"/>
+          </a:fontRef>
+        </p:style>
+      </p:cxnSp>
+      <p:cxnSp>
+        <p:nvCxnSpPr>
+          <p:cNvPr id="12" name="Connettore 4 11"/>
+          <p:cNvCxnSpPr>
+            <a:stCxn id="7" idx="3"/>
+            <a:endCxn id="23" idx="1"/>
+          </p:cNvCxnSpPr>
+          <p:nvPr/>
+        </p:nvCxnSpPr>
+        <p:spPr>
+          <a:xfrm>
+            <a:off x="5073113" y="3396090"/>
+            <a:ext cx="1862509" cy="12700"/>
+          </a:xfrm>
+          <a:prstGeom prst="bentConnector3">
+            <a:avLst>
+              <a:gd name="adj1" fmla="val 50000"/>
+            </a:avLst>
+          </a:prstGeom>
+          <a:ln>
+            <a:tailEnd type="arrow"/>
+          </a:ln>
+        </p:spPr>
+        <p:style>
+          <a:lnRef idx="1">
+            <a:schemeClr val="accent1"/>
+          </a:lnRef>
+          <a:fillRef idx="0">
+            <a:schemeClr val="accent1"/>
+          </a:fillRef>
+          <a:effectRef idx="0">
+            <a:schemeClr val="accent1"/>
+          </a:effectRef>
+          <a:fontRef idx="minor">
+            <a:schemeClr val="tx1"/>
+          </a:fontRef>
+        </p:style>
+      </p:cxnSp>
+      <p:sp>
+        <p:nvSpPr>
+          <p:cNvPr id="15" name="CasellaDiTesto 14"/>
+          <p:cNvSpPr txBox="1"/>
+          <p:nvPr/>
+        </p:nvSpPr>
+        <p:spPr>
+          <a:xfrm>
+            <a:off x="728585" y="2501358"/>
+            <a:ext cx="779381" cy="276999"/>
+          </a:xfrm>
+          <a:prstGeom prst="rect">
+            <a:avLst/>
+          </a:prstGeom>
+          <a:noFill/>
+        </p:spPr>
+        <p:txBody>
+          <a:bodyPr wrap="none" rtlCol="0">
+            <a:spAutoFit/>
+          </a:bodyPr>
+          <a:lstStyle>
+            <a:defPPr>
+              <a:defRPr lang="en-US"/>
+            </a:defPPr>
+            <a:lvl1pPr>
+              <a:defRPr sz="1200">
+                <a:solidFill>
+                  <a:srgbClr val="C00000"/>
+                </a:solidFill>
+                <a:latin typeface="Arial" panose="020B0604020202020204" pitchFamily="34" charset="0"/>
+                <a:cs typeface="Arial" panose="020B0604020202020204" pitchFamily="34" charset="0"/>
+              </a:defRPr>
+            </a:lvl1pPr>
+          </a:lstStyle>
+          <a:p>
+            <a:r>
+              <a:rPr lang="en-GB" dirty="0"/>
+              <a:t>1471023</a:t>
+            </a:r>
+          </a:p>
+        </p:txBody>
+      </p:sp>
+      <p:sp>
+        <p:nvSpPr>
+          <p:cNvPr id="16" name="CasellaDiTesto 15"/>
+          <p:cNvSpPr txBox="1"/>
+          <p:nvPr/>
+        </p:nvSpPr>
+        <p:spPr>
+          <a:xfrm>
+            <a:off x="4071355" y="3466404"/>
+            <a:ext cx="779381" cy="276999"/>
+          </a:xfrm>
+          <a:prstGeom prst="rect">
+            <a:avLst/>
+          </a:prstGeom>
+          <a:noFill/>
+        </p:spPr>
+        <p:txBody>
+          <a:bodyPr wrap="none" rtlCol="0">
+            <a:spAutoFit/>
+          </a:bodyPr>
+          <a:lstStyle>
+            <a:defPPr>
+              <a:defRPr lang="en-US"/>
+            </a:defPPr>
+            <a:lvl1pPr>
+              <a:defRPr sz="1200">
+                <a:solidFill>
+                  <a:srgbClr val="C00000"/>
+                </a:solidFill>
+                <a:latin typeface="Arial" panose="020B0604020202020204" pitchFamily="34" charset="0"/>
+                <a:cs typeface="Arial" panose="020B0604020202020204" pitchFamily="34" charset="0"/>
+              </a:defRPr>
+            </a:lvl1pPr>
+          </a:lstStyle>
+          <a:p>
+            <a:r>
+              <a:rPr lang="en-GB" dirty="0"/>
+              <a:t>1470818</a:t>
+            </a:r>
+          </a:p>
+        </p:txBody>
+      </p:sp>
+      <p:sp>
+        <p:nvSpPr>
+          <p:cNvPr id="21" name="CasellaDiTesto 20"/>
+          <p:cNvSpPr txBox="1"/>
+          <p:nvPr/>
+        </p:nvSpPr>
+        <p:spPr>
+          <a:xfrm>
+            <a:off x="2174735" y="3396090"/>
+            <a:ext cx="779381" cy="276999"/>
+          </a:xfrm>
+          <a:prstGeom prst="rect">
+            <a:avLst/>
+          </a:prstGeom>
+          <a:noFill/>
+        </p:spPr>
+        <p:txBody>
+          <a:bodyPr wrap="none" rtlCol="0">
+            <a:spAutoFit/>
+          </a:bodyPr>
+          <a:lstStyle>
+            <a:defPPr>
+              <a:defRPr lang="en-US"/>
+            </a:defPPr>
+            <a:lvl1pPr>
+              <a:defRPr sz="1200">
+                <a:solidFill>
+                  <a:srgbClr val="C00000"/>
+                </a:solidFill>
+                <a:latin typeface="Arial" panose="020B0604020202020204" pitchFamily="34" charset="0"/>
+                <a:cs typeface="Arial" panose="020B0604020202020204" pitchFamily="34" charset="0"/>
+              </a:defRPr>
+            </a:lvl1pPr>
+          </a:lstStyle>
+          <a:p>
+            <a:r>
+              <a:rPr lang="en-GB" dirty="0"/>
+              <a:t>1471022</a:t>
+            </a:r>
+          </a:p>
+        </p:txBody>
+      </p:sp>
+      <p:sp>
+        <p:nvSpPr>
+          <p:cNvPr id="23" name="Rettangolo arrotondato 22"/>
+          <p:cNvSpPr/>
+          <p:nvPr/>
+        </p:nvSpPr>
+        <p:spPr>
+          <a:xfrm>
+            <a:off x="6935622" y="3108058"/>
+            <a:ext cx="1656184" cy="576064"/>
+          </a:xfrm>
+          <a:prstGeom prst="roundRect">
+            <a:avLst/>
+          </a:prstGeom>
+          <a:solidFill>
+            <a:schemeClr val="accent5">
+              <a:lumMod val="20000"/>
+              <a:lumOff val="80000"/>
+            </a:schemeClr>
+          </a:solidFill>
+          <a:effectLst>
+            <a:outerShdw blurRad="50800" dist="38100" dir="2700000" algn="tl" rotWithShape="0">
+              <a:prstClr val="black">
+                <a:alpha val="40000"/>
+              </a:prstClr>
+            </a:outerShdw>
+          </a:effectLst>
+        </p:spPr>
+        <p:style>
+          <a:lnRef idx="2">
+            <a:schemeClr val="accent1">
+              <a:shade val="50000"/>
+            </a:schemeClr>
+          </a:lnRef>
+          <a:fillRef idx="1">
+            <a:schemeClr val="accent1"/>
+          </a:fillRef>
+          <a:effectRef idx="0">
+            <a:schemeClr val="accent1"/>
+          </a:effectRef>
+          <a:fontRef idx="minor">
+            <a:schemeClr val="lt1"/>
+          </a:fontRef>
+        </p:style>
+        <p:txBody>
+          <a:bodyPr rtlCol="0" anchor="ctr"/>
+          <a:lstStyle/>
+          <a:p>
+            <a:pPr algn="ctr"/>
+            <a:r>
+              <a:rPr lang="it-IT" sz="1400" b="1" dirty="0" smtClean="0">
+                <a:solidFill>
+                  <a:schemeClr val="tx1"/>
+                </a:solidFill>
+              </a:rPr>
+              <a:t>Organization</a:t>
+            </a:r>
+          </a:p>
+          <a:p>
+            <a:pPr algn="ctr"/>
+            <a:r>
+              <a:rPr lang="it-IT" sz="1400" b="1" dirty="0" smtClean="0">
+                <a:solidFill>
+                  <a:schemeClr val="tx1"/>
+                </a:solidFill>
+              </a:rPr>
+              <a:t>(hl7) </a:t>
+            </a:r>
+            <a:r>
+              <a:rPr lang="en-GB" sz="1400" dirty="0">
+                <a:solidFill>
+                  <a:srgbClr val="C00000"/>
+                </a:solidFill>
+                <a:latin typeface="Arial" panose="020B0604020202020204" pitchFamily="34" charset="0"/>
+                <a:cs typeface="Arial" panose="020B0604020202020204" pitchFamily="34" charset="0"/>
+              </a:rPr>
+              <a:t>1470790</a:t>
+            </a:r>
+            <a:endParaRPr lang="en-GB" sz="1400" b="1" dirty="0">
+              <a:solidFill>
+                <a:schemeClr val="tx1"/>
+              </a:solidFill>
+            </a:endParaRPr>
+          </a:p>
+        </p:txBody>
+      </p:sp>
+      <p:sp>
+        <p:nvSpPr>
+          <p:cNvPr id="35" name="CasellaDiTesto 34"/>
+          <p:cNvSpPr txBox="1"/>
+          <p:nvPr/>
+        </p:nvSpPr>
+        <p:spPr>
+          <a:xfrm>
+            <a:off x="6302465" y="2511952"/>
+            <a:ext cx="1003801" cy="369332"/>
+          </a:xfrm>
+          <a:prstGeom prst="rect">
+            <a:avLst/>
+          </a:prstGeom>
+          <a:noFill/>
+        </p:spPr>
+        <p:txBody>
+          <a:bodyPr wrap="none" rtlCol="0">
+            <a:spAutoFit/>
+          </a:bodyPr>
+          <a:lstStyle/>
+          <a:p>
+            <a:r>
+              <a:rPr lang="en-GB" dirty="0"/>
+              <a:t>1471024</a:t>
+            </a:r>
+          </a:p>
+        </p:txBody>
+      </p:sp>
+      <p:sp>
+        <p:nvSpPr>
+          <p:cNvPr id="36" name="CasellaDiTesto 35"/>
+          <p:cNvSpPr txBox="1"/>
+          <p:nvPr/>
+        </p:nvSpPr>
+        <p:spPr>
+          <a:xfrm>
+            <a:off x="3945100" y="2639857"/>
+            <a:ext cx="1003801" cy="369332"/>
+          </a:xfrm>
+          <a:prstGeom prst="rect">
+            <a:avLst/>
+          </a:prstGeom>
+          <a:noFill/>
+        </p:spPr>
+        <p:txBody>
+          <a:bodyPr wrap="none" rtlCol="0">
+            <a:spAutoFit/>
+          </a:bodyPr>
+          <a:lstStyle/>
+          <a:p>
+            <a:r>
+              <a:rPr lang="en-GB" dirty="0"/>
+              <a:t>1471025</a:t>
+            </a:r>
+          </a:p>
+        </p:txBody>
+      </p:sp>
+      <p:sp>
+        <p:nvSpPr>
+          <p:cNvPr id="38" name="CasellaDiTesto 37"/>
+          <p:cNvSpPr txBox="1"/>
+          <p:nvPr/>
+        </p:nvSpPr>
+        <p:spPr>
+          <a:xfrm>
+            <a:off x="2062525" y="2595415"/>
+            <a:ext cx="1003801" cy="369332"/>
+          </a:xfrm>
+          <a:prstGeom prst="rect">
+            <a:avLst/>
+          </a:prstGeom>
+          <a:noFill/>
+        </p:spPr>
+        <p:txBody>
+          <a:bodyPr wrap="none" rtlCol="0">
+            <a:spAutoFit/>
+          </a:bodyPr>
+          <a:lstStyle/>
+          <a:p>
+            <a:r>
+              <a:rPr lang="en-GB" dirty="0"/>
+              <a:t>1471026</a:t>
+            </a:r>
+          </a:p>
+        </p:txBody>
+      </p:sp>
+      <p:sp>
+        <p:nvSpPr>
+          <p:cNvPr id="39" name="CasellaDiTesto 38"/>
+          <p:cNvSpPr txBox="1"/>
+          <p:nvPr/>
+        </p:nvSpPr>
+        <p:spPr>
+          <a:xfrm>
+            <a:off x="506209" y="1748448"/>
+            <a:ext cx="1003801" cy="369332"/>
+          </a:xfrm>
+          <a:prstGeom prst="rect">
+            <a:avLst/>
+          </a:prstGeom>
+          <a:noFill/>
+        </p:spPr>
+        <p:txBody>
+          <a:bodyPr wrap="none" rtlCol="0">
+            <a:spAutoFit/>
+          </a:bodyPr>
+          <a:lstStyle/>
+          <a:p>
+            <a:r>
+              <a:rPr lang="en-GB" dirty="0"/>
+              <a:t>1471027</a:t>
+            </a:r>
+          </a:p>
+        </p:txBody>
+      </p:sp>
+      <p:sp>
+        <p:nvSpPr>
+          <p:cNvPr id="17" name="Rettangolo arrotondato 16"/>
+          <p:cNvSpPr/>
+          <p:nvPr/>
+        </p:nvSpPr>
+        <p:spPr>
+          <a:xfrm>
+            <a:off x="1764444" y="754853"/>
+            <a:ext cx="1224136" cy="576064"/>
+          </a:xfrm>
+          <a:prstGeom prst="roundRect">
+            <a:avLst/>
+          </a:prstGeom>
+          <a:solidFill>
+            <a:schemeClr val="accent5">
+              <a:lumMod val="20000"/>
+              <a:lumOff val="80000"/>
+            </a:schemeClr>
+          </a:solidFill>
+          <a:effectLst>
+            <a:outerShdw blurRad="50800" dist="38100" dir="2700000" algn="tl" rotWithShape="0">
+              <a:prstClr val="black">
+                <a:alpha val="40000"/>
+              </a:prstClr>
+            </a:outerShdw>
+          </a:effectLst>
+        </p:spPr>
+        <p:style>
+          <a:lnRef idx="2">
+            <a:schemeClr val="accent1">
+              <a:shade val="50000"/>
+            </a:schemeClr>
+          </a:lnRef>
+          <a:fillRef idx="1">
+            <a:schemeClr val="accent1"/>
+          </a:fillRef>
+          <a:effectRef idx="0">
+            <a:schemeClr val="accent1"/>
+          </a:effectRef>
+          <a:fontRef idx="minor">
+            <a:schemeClr val="lt1"/>
+          </a:fontRef>
+        </p:style>
+        <p:txBody>
+          <a:bodyPr rtlCol="0" anchor="ctr"/>
+          <a:lstStyle/>
+          <a:p>
+            <a:pPr algn="ctr"/>
+            <a:r>
+              <a:rPr lang="it-IT" sz="1400" b="1" dirty="0" err="1" smtClean="0">
+                <a:solidFill>
+                  <a:schemeClr val="tx1"/>
+                </a:solidFill>
+              </a:rPr>
+              <a:t>Observation</a:t>
+            </a:r>
+            <a:endParaRPr lang="en-GB" sz="1400" b="1" dirty="0">
+              <a:solidFill>
+                <a:schemeClr val="tx1"/>
+              </a:solidFill>
+            </a:endParaRPr>
+          </a:p>
+        </p:txBody>
+      </p:sp>
+      <p:sp>
+        <p:nvSpPr>
+          <p:cNvPr id="18" name="Rettangolo arrotondato 17"/>
+          <p:cNvSpPr/>
+          <p:nvPr/>
+        </p:nvSpPr>
+        <p:spPr>
+          <a:xfrm>
+            <a:off x="4071355" y="742153"/>
+            <a:ext cx="1224136" cy="576064"/>
+          </a:xfrm>
+          <a:prstGeom prst="roundRect">
+            <a:avLst/>
+          </a:prstGeom>
+          <a:solidFill>
+            <a:schemeClr val="accent5">
+              <a:lumMod val="20000"/>
+              <a:lumOff val="80000"/>
+            </a:schemeClr>
+          </a:solidFill>
+          <a:effectLst>
+            <a:outerShdw blurRad="50800" dist="38100" dir="2700000" algn="tl" rotWithShape="0">
+              <a:prstClr val="black">
+                <a:alpha val="40000"/>
+              </a:prstClr>
+            </a:outerShdw>
+          </a:effectLst>
+        </p:spPr>
+        <p:style>
+          <a:lnRef idx="2">
+            <a:schemeClr val="accent1">
+              <a:shade val="50000"/>
+            </a:schemeClr>
+          </a:lnRef>
+          <a:fillRef idx="1">
+            <a:schemeClr val="accent1"/>
+          </a:fillRef>
+          <a:effectRef idx="0">
+            <a:schemeClr val="accent1"/>
+          </a:effectRef>
+          <a:fontRef idx="minor">
+            <a:schemeClr val="lt1"/>
+          </a:fontRef>
+        </p:style>
+        <p:txBody>
+          <a:bodyPr rtlCol="0" anchor="ctr"/>
+          <a:lstStyle/>
+          <a:p>
+            <a:pPr algn="ctr"/>
+            <a:r>
+              <a:rPr lang="it-IT" sz="1400" b="1" dirty="0" err="1" smtClean="0">
+                <a:solidFill>
+                  <a:schemeClr val="tx1"/>
+                </a:solidFill>
+              </a:rPr>
+              <a:t>Encounter</a:t>
+            </a:r>
+            <a:endParaRPr lang="en-GB" sz="1400" b="1" dirty="0">
+              <a:solidFill>
+                <a:schemeClr val="tx1"/>
+              </a:solidFill>
+            </a:endParaRPr>
+          </a:p>
+        </p:txBody>
+      </p:sp>
+      <p:cxnSp>
+        <p:nvCxnSpPr>
+          <p:cNvPr id="9" name="Connettore 4 8"/>
+          <p:cNvCxnSpPr>
+            <a:stCxn id="17" idx="1"/>
+            <a:endCxn id="2" idx="0"/>
+          </p:cNvCxnSpPr>
+          <p:nvPr/>
+        </p:nvCxnSpPr>
+        <p:spPr>
+          <a:xfrm rot="10800000" flipV="1">
+            <a:off x="1118278" y="1042885"/>
+            <a:ext cx="646167" cy="1161134"/>
+          </a:xfrm>
+          <a:prstGeom prst="bentConnector2">
+            <a:avLst/>
+          </a:prstGeom>
+          <a:ln>
+            <a:tailEnd type="arrow"/>
+          </a:ln>
+        </p:spPr>
+        <p:style>
+          <a:lnRef idx="1">
+            <a:schemeClr val="accent1"/>
+          </a:lnRef>
+          <a:fillRef idx="0">
+            <a:schemeClr val="accent1"/>
+          </a:fillRef>
+          <a:effectRef idx="0">
+            <a:schemeClr val="accent1"/>
+          </a:effectRef>
+          <a:fontRef idx="minor">
+            <a:schemeClr val="tx1"/>
+          </a:fontRef>
+        </p:style>
+      </p:cxnSp>
+      <p:cxnSp>
+        <p:nvCxnSpPr>
+          <p:cNvPr id="11" name="Connettore 4 10"/>
+          <p:cNvCxnSpPr>
+            <a:stCxn id="17" idx="3"/>
+            <a:endCxn id="18" idx="1"/>
+          </p:cNvCxnSpPr>
+          <p:nvPr/>
+        </p:nvCxnSpPr>
+        <p:spPr>
+          <a:xfrm flipV="1">
+            <a:off x="2988580" y="1030185"/>
+            <a:ext cx="1082775" cy="12700"/>
+          </a:xfrm>
+          <a:prstGeom prst="bentConnector3">
+            <a:avLst/>
+          </a:prstGeom>
+          <a:ln>
+            <a:tailEnd type="arrow"/>
+          </a:ln>
+        </p:spPr>
+        <p:style>
+          <a:lnRef idx="1">
+            <a:schemeClr val="accent1"/>
+          </a:lnRef>
+          <a:fillRef idx="0">
+            <a:schemeClr val="accent1"/>
+          </a:fillRef>
+          <a:effectRef idx="0">
+            <a:schemeClr val="accent1"/>
+          </a:effectRef>
+          <a:fontRef idx="minor">
+            <a:schemeClr val="tx1"/>
+          </a:fontRef>
+        </p:style>
+      </p:cxnSp>
+      <p:cxnSp>
+        <p:nvCxnSpPr>
+          <p:cNvPr id="19" name="Connettore 4 18"/>
+          <p:cNvCxnSpPr>
+            <a:stCxn id="18" idx="2"/>
+            <a:endCxn id="2" idx="0"/>
+          </p:cNvCxnSpPr>
+          <p:nvPr/>
+        </p:nvCxnSpPr>
+        <p:spPr>
+          <a:xfrm rot="5400000">
+            <a:off x="2457949" y="-21455"/>
+            <a:ext cx="885802" cy="3565146"/>
+          </a:xfrm>
+          <a:prstGeom prst="bentConnector3">
+            <a:avLst>
+              <a:gd name="adj1" fmla="val 50000"/>
+            </a:avLst>
+          </a:prstGeom>
+          <a:ln>
+            <a:tailEnd type="arrow"/>
+          </a:ln>
+        </p:spPr>
+        <p:style>
+          <a:lnRef idx="1">
+            <a:schemeClr val="accent1"/>
+          </a:lnRef>
+          <a:fillRef idx="0">
+            <a:schemeClr val="accent1"/>
+          </a:fillRef>
+          <a:effectRef idx="0">
+            <a:schemeClr val="accent1"/>
+          </a:effectRef>
+          <a:fontRef idx="minor">
+            <a:schemeClr val="tx1"/>
+          </a:fontRef>
+        </p:style>
+      </p:cxnSp>
+      <p:sp>
+        <p:nvSpPr>
+          <p:cNvPr id="28" name="Rettangolo arrotondato 27"/>
+          <p:cNvSpPr/>
+          <p:nvPr/>
+        </p:nvSpPr>
+        <p:spPr>
+          <a:xfrm>
+            <a:off x="6383429" y="735249"/>
+            <a:ext cx="1224136" cy="576064"/>
+          </a:xfrm>
+          <a:prstGeom prst="roundRect">
+            <a:avLst/>
+          </a:prstGeom>
+          <a:solidFill>
+            <a:schemeClr val="accent5">
+              <a:lumMod val="20000"/>
+              <a:lumOff val="80000"/>
+            </a:schemeClr>
+          </a:solidFill>
+          <a:effectLst>
+            <a:outerShdw blurRad="50800" dist="38100" dir="2700000" algn="tl" rotWithShape="0">
+              <a:prstClr val="black">
+                <a:alpha val="40000"/>
+              </a:prstClr>
+            </a:outerShdw>
+          </a:effectLst>
+        </p:spPr>
+        <p:style>
+          <a:lnRef idx="2">
+            <a:schemeClr val="accent1">
+              <a:shade val="50000"/>
+            </a:schemeClr>
+          </a:lnRef>
+          <a:fillRef idx="1">
+            <a:schemeClr val="accent1"/>
+          </a:fillRef>
+          <a:effectRef idx="0">
+            <a:schemeClr val="accent1"/>
+          </a:effectRef>
+          <a:fontRef idx="minor">
+            <a:schemeClr val="lt1"/>
+          </a:fontRef>
+        </p:style>
+        <p:txBody>
+          <a:bodyPr rtlCol="0" anchor="ctr"/>
+          <a:lstStyle/>
+          <a:p>
+            <a:pPr algn="ctr"/>
+            <a:r>
+              <a:rPr lang="it-IT" sz="1400" b="1" dirty="0" err="1" smtClean="0">
+                <a:solidFill>
+                  <a:schemeClr val="tx1"/>
+                </a:solidFill>
+              </a:rPr>
+              <a:t>CarePlan</a:t>
+            </a:r>
+            <a:endParaRPr lang="en-GB" sz="1400" b="1" dirty="0">
+              <a:solidFill>
+                <a:schemeClr val="tx1"/>
+              </a:solidFill>
+            </a:endParaRPr>
+          </a:p>
+        </p:txBody>
+      </p:sp>
+      <p:cxnSp>
+        <p:nvCxnSpPr>
+          <p:cNvPr id="25" name="Connettore 4 24"/>
+          <p:cNvCxnSpPr>
+            <a:stCxn id="28" idx="1"/>
+            <a:endCxn id="18" idx="3"/>
+          </p:cNvCxnSpPr>
+          <p:nvPr/>
+        </p:nvCxnSpPr>
+        <p:spPr>
+          <a:xfrm rot="10800000" flipV="1">
+            <a:off x="5295491" y="1023281"/>
+            <a:ext cx="1087938" cy="6904"/>
+          </a:xfrm>
+          <a:prstGeom prst="bentConnector3">
+            <a:avLst/>
+          </a:prstGeom>
+          <a:ln>
+            <a:tailEnd type="arrow"/>
+          </a:ln>
+        </p:spPr>
+        <p:style>
+          <a:lnRef idx="1">
+            <a:schemeClr val="accent1"/>
+          </a:lnRef>
+          <a:fillRef idx="0">
+            <a:schemeClr val="accent1"/>
+          </a:fillRef>
+          <a:effectRef idx="0">
+            <a:schemeClr val="accent1"/>
+          </a:effectRef>
+          <a:fontRef idx="minor">
+            <a:schemeClr val="tx1"/>
+          </a:fontRef>
+        </p:style>
+      </p:cxnSp>
+      <p:sp>
+        <p:nvSpPr>
+          <p:cNvPr id="34" name="Rettangolo arrotondato 33"/>
+          <p:cNvSpPr/>
+          <p:nvPr/>
+        </p:nvSpPr>
+        <p:spPr>
+          <a:xfrm>
+            <a:off x="4846993" y="1748448"/>
+            <a:ext cx="1224136" cy="576064"/>
+          </a:xfrm>
+          <a:prstGeom prst="roundRect">
+            <a:avLst/>
+          </a:prstGeom>
+          <a:solidFill>
+            <a:schemeClr val="accent5">
+              <a:lumMod val="20000"/>
+              <a:lumOff val="80000"/>
+            </a:schemeClr>
+          </a:solidFill>
+          <a:effectLst>
+            <a:outerShdw blurRad="50800" dist="38100" dir="2700000" algn="tl" rotWithShape="0">
+              <a:prstClr val="black">
+                <a:alpha val="40000"/>
+              </a:prstClr>
+            </a:outerShdw>
+          </a:effectLst>
+        </p:spPr>
+        <p:style>
+          <a:lnRef idx="2">
+            <a:schemeClr val="accent1">
+              <a:shade val="50000"/>
+            </a:schemeClr>
+          </a:lnRef>
+          <a:fillRef idx="1">
+            <a:schemeClr val="accent1"/>
+          </a:fillRef>
+          <a:effectRef idx="0">
+            <a:schemeClr val="accent1"/>
+          </a:effectRef>
+          <a:fontRef idx="minor">
+            <a:schemeClr val="lt1"/>
+          </a:fontRef>
+        </p:style>
+        <p:txBody>
+          <a:bodyPr rtlCol="0" anchor="ctr"/>
+          <a:lstStyle/>
+          <a:p>
+            <a:pPr algn="ctr"/>
+            <a:r>
+              <a:rPr lang="en-GB" sz="1400" b="1" dirty="0">
+                <a:solidFill>
+                  <a:schemeClr val="tx1"/>
+                </a:solidFill>
+              </a:rPr>
+              <a:t>Practitioner</a:t>
+            </a:r>
+          </a:p>
+        </p:txBody>
+      </p:sp>
+      <p:cxnSp>
+        <p:nvCxnSpPr>
+          <p:cNvPr id="31" name="Connettore 4 30"/>
+          <p:cNvCxnSpPr>
+            <a:stCxn id="28" idx="2"/>
+            <a:endCxn id="34" idx="0"/>
+          </p:cNvCxnSpPr>
+          <p:nvPr/>
+        </p:nvCxnSpPr>
+        <p:spPr>
+          <a:xfrm rot="5400000">
+            <a:off x="6008712" y="761662"/>
+            <a:ext cx="437135" cy="1536436"/>
+          </a:xfrm>
+          <a:prstGeom prst="bentConnector3">
+            <a:avLst/>
+          </a:prstGeom>
+          <a:ln>
+            <a:tailEnd type="arrow"/>
+          </a:ln>
+        </p:spPr>
+        <p:style>
+          <a:lnRef idx="1">
+            <a:schemeClr val="accent1"/>
+          </a:lnRef>
+          <a:fillRef idx="0">
+            <a:schemeClr val="accent1"/>
+          </a:fillRef>
+          <a:effectRef idx="0">
+            <a:schemeClr val="accent1"/>
+          </a:effectRef>
+          <a:fontRef idx="minor">
+            <a:schemeClr val="tx1"/>
+          </a:fontRef>
+        </p:style>
+      </p:cxnSp>
+      <p:sp>
+        <p:nvSpPr>
+          <p:cNvPr id="37" name="Rettangolo arrotondato 36"/>
+          <p:cNvSpPr/>
+          <p:nvPr/>
+        </p:nvSpPr>
+        <p:spPr>
+          <a:xfrm>
+            <a:off x="6476960" y="1748448"/>
+            <a:ext cx="1224136" cy="576064"/>
+          </a:xfrm>
+          <a:prstGeom prst="roundRect">
+            <a:avLst/>
+          </a:prstGeom>
+          <a:solidFill>
+            <a:schemeClr val="accent5">
+              <a:lumMod val="20000"/>
+              <a:lumOff val="80000"/>
+            </a:schemeClr>
+          </a:solidFill>
+          <a:effectLst>
+            <a:outerShdw blurRad="50800" dist="38100" dir="2700000" algn="tl" rotWithShape="0">
+              <a:prstClr val="black">
+                <a:alpha val="40000"/>
+              </a:prstClr>
+            </a:outerShdw>
+          </a:effectLst>
+        </p:spPr>
+        <p:style>
+          <a:lnRef idx="2">
+            <a:schemeClr val="accent1">
+              <a:shade val="50000"/>
+            </a:schemeClr>
+          </a:lnRef>
+          <a:fillRef idx="1">
+            <a:schemeClr val="accent1"/>
+          </a:fillRef>
+          <a:effectRef idx="0">
+            <a:schemeClr val="accent1"/>
+          </a:effectRef>
+          <a:fontRef idx="minor">
+            <a:schemeClr val="lt1"/>
+          </a:fontRef>
+        </p:style>
+        <p:txBody>
+          <a:bodyPr rtlCol="0" anchor="ctr"/>
+          <a:lstStyle/>
+          <a:p>
+            <a:pPr algn="ctr"/>
+            <a:r>
+              <a:rPr lang="en-GB" sz="1400" b="1" dirty="0" err="1" smtClean="0">
+                <a:solidFill>
+                  <a:schemeClr val="tx1"/>
+                </a:solidFill>
+              </a:rPr>
+              <a:t>CareTeam</a:t>
+            </a:r>
+            <a:endParaRPr lang="en-GB" sz="1400" b="1" dirty="0">
+              <a:solidFill>
+                <a:schemeClr val="tx1"/>
+              </a:solidFill>
+            </a:endParaRPr>
+          </a:p>
+        </p:txBody>
+      </p:sp>
+      <p:cxnSp>
+        <p:nvCxnSpPr>
+          <p:cNvPr id="33" name="Connettore 4 32"/>
+          <p:cNvCxnSpPr>
+            <a:stCxn id="28" idx="2"/>
+            <a:endCxn id="37" idx="0"/>
+          </p:cNvCxnSpPr>
+          <p:nvPr/>
+        </p:nvCxnSpPr>
+        <p:spPr>
+          <a:xfrm rot="16200000" flipH="1">
+            <a:off x="6823695" y="1483114"/>
+            <a:ext cx="437135" cy="93531"/>
+          </a:xfrm>
+          <a:prstGeom prst="bentConnector3">
+            <a:avLst/>
+          </a:prstGeom>
+          <a:ln>
+            <a:tailEnd type="arrow"/>
+          </a:ln>
+        </p:spPr>
+        <p:style>
+          <a:lnRef idx="1">
+            <a:schemeClr val="accent1"/>
+          </a:lnRef>
+          <a:fillRef idx="0">
+            <a:schemeClr val="accent1"/>
+          </a:fillRef>
+          <a:effectRef idx="0">
+            <a:schemeClr val="accent1"/>
+          </a:effectRef>
+          <a:fontRef idx="minor">
+            <a:schemeClr val="tx1"/>
+          </a:fontRef>
+        </p:style>
+      </p:cxnSp>
+      <p:sp>
+        <p:nvSpPr>
+          <p:cNvPr id="42" name="Rettangolo arrotondato 41"/>
+          <p:cNvSpPr/>
+          <p:nvPr/>
+        </p:nvSpPr>
+        <p:spPr>
+          <a:xfrm>
+            <a:off x="7919864" y="1748447"/>
+            <a:ext cx="1224136" cy="576064"/>
+          </a:xfrm>
+          <a:prstGeom prst="roundRect">
+            <a:avLst/>
+          </a:prstGeom>
+          <a:solidFill>
+            <a:schemeClr val="accent5">
+              <a:lumMod val="20000"/>
+              <a:lumOff val="80000"/>
+            </a:schemeClr>
+          </a:solidFill>
+          <a:effectLst>
+            <a:outerShdw blurRad="50800" dist="38100" dir="2700000" algn="tl" rotWithShape="0">
+              <a:prstClr val="black">
+                <a:alpha val="40000"/>
+              </a:prstClr>
+            </a:outerShdw>
+          </a:effectLst>
+        </p:spPr>
+        <p:style>
+          <a:lnRef idx="2">
+            <a:schemeClr val="accent1">
+              <a:shade val="50000"/>
+            </a:schemeClr>
+          </a:lnRef>
+          <a:fillRef idx="1">
+            <a:schemeClr val="accent1"/>
+          </a:fillRef>
+          <a:effectRef idx="0">
+            <a:schemeClr val="accent1"/>
+          </a:effectRef>
+          <a:fontRef idx="minor">
+            <a:schemeClr val="lt1"/>
+          </a:fontRef>
+        </p:style>
+        <p:txBody>
+          <a:bodyPr rtlCol="0" anchor="ctr"/>
+          <a:lstStyle/>
+          <a:p>
+            <a:pPr algn="ctr"/>
+            <a:r>
+              <a:rPr lang="en-GB" sz="1400" b="1" dirty="0" smtClean="0">
+                <a:solidFill>
+                  <a:schemeClr val="tx1"/>
+                </a:solidFill>
+              </a:rPr>
+              <a:t>Goal</a:t>
+            </a:r>
+            <a:endParaRPr lang="en-GB" sz="1400" b="1" dirty="0">
+              <a:solidFill>
+                <a:schemeClr val="tx1"/>
+              </a:solidFill>
+            </a:endParaRPr>
+          </a:p>
+        </p:txBody>
+      </p:sp>
+      <p:cxnSp>
+        <p:nvCxnSpPr>
+          <p:cNvPr id="44" name="Connettore 4 43"/>
+          <p:cNvCxnSpPr>
+            <a:stCxn id="28" idx="2"/>
+            <a:endCxn id="42" idx="0"/>
+          </p:cNvCxnSpPr>
+          <p:nvPr/>
+        </p:nvCxnSpPr>
+        <p:spPr>
+          <a:xfrm rot="16200000" flipH="1">
+            <a:off x="7545147" y="761662"/>
+            <a:ext cx="437134" cy="1536435"/>
+          </a:xfrm>
+          <a:prstGeom prst="bentConnector3">
+            <a:avLst/>
+          </a:prstGeom>
+          <a:ln>
+            <a:tailEnd type="arrow"/>
+          </a:ln>
+        </p:spPr>
+        <p:style>
+          <a:lnRef idx="1">
+            <a:schemeClr val="accent1"/>
+          </a:lnRef>
+          <a:fillRef idx="0">
+            <a:schemeClr val="accent1"/>
+          </a:fillRef>
+          <a:effectRef idx="0">
+            <a:schemeClr val="accent1"/>
+          </a:effectRef>
+          <a:fontRef idx="minor">
+            <a:schemeClr val="tx1"/>
+          </a:fontRef>
+        </p:style>
+      </p:cxnSp>
+      <p:cxnSp>
+        <p:nvCxnSpPr>
+          <p:cNvPr id="46" name="Connettore 4 45"/>
+          <p:cNvCxnSpPr>
+            <a:stCxn id="28" idx="0"/>
+            <a:endCxn id="17" idx="0"/>
+          </p:cNvCxnSpPr>
+          <p:nvPr/>
+        </p:nvCxnSpPr>
+        <p:spPr>
+          <a:xfrm rot="16200000" flipH="1" flipV="1">
+            <a:off x="4676203" y="-1564442"/>
+            <a:ext cx="19604" cy="4618985"/>
+          </a:xfrm>
+          <a:prstGeom prst="bentConnector3">
+            <a:avLst>
+              <a:gd name="adj1" fmla="val -1166089"/>
+            </a:avLst>
+          </a:prstGeom>
+          <a:ln>
+            <a:tailEnd type="arrow"/>
+          </a:ln>
+        </p:spPr>
+        <p:style>
+          <a:lnRef idx="1">
+            <a:schemeClr val="accent1"/>
+          </a:lnRef>
+          <a:fillRef idx="0">
+            <a:schemeClr val="accent1"/>
+          </a:fillRef>
+          <a:effectRef idx="0">
+            <a:schemeClr val="accent1"/>
+          </a:effectRef>
+          <a:fontRef idx="minor">
+            <a:schemeClr val="tx1"/>
+          </a:fontRef>
+        </p:style>
+      </p:cxnSp>
+      <p:cxnSp>
+        <p:nvCxnSpPr>
+          <p:cNvPr id="48" name="Connettore 4 47"/>
+          <p:cNvCxnSpPr>
+            <a:stCxn id="28" idx="0"/>
+            <a:endCxn id="2" idx="0"/>
+          </p:cNvCxnSpPr>
+          <p:nvPr/>
+        </p:nvCxnSpPr>
+        <p:spPr>
+          <a:xfrm rot="16200000" flipH="1" flipV="1">
+            <a:off x="3322502" y="-1468976"/>
+            <a:ext cx="1468770" cy="5877220"/>
+          </a:xfrm>
+          <a:prstGeom prst="bentConnector3">
+            <a:avLst>
+              <a:gd name="adj1" fmla="val -34340"/>
+            </a:avLst>
+          </a:prstGeom>
+          <a:ln>
+            <a:tailEnd type="arrow"/>
+          </a:ln>
+        </p:spPr>
+        <p:style>
+          <a:lnRef idx="1">
+            <a:schemeClr val="accent1"/>
+          </a:lnRef>
+          <a:fillRef idx="0">
+            <a:schemeClr val="accent1"/>
+          </a:fillRef>
+          <a:effectRef idx="0">
+            <a:schemeClr val="accent1"/>
+          </a:effectRef>
+          <a:fontRef idx="minor">
+            <a:schemeClr val="tx1"/>
+          </a:fontRef>
+        </p:style>
+      </p:cxnSp>
+      <p:sp>
+        <p:nvSpPr>
+          <p:cNvPr id="50" name="CasellaDiTesto 49"/>
+          <p:cNvSpPr txBox="1"/>
+          <p:nvPr/>
+        </p:nvSpPr>
+        <p:spPr>
+          <a:xfrm>
+            <a:off x="3558150" y="0"/>
+            <a:ext cx="1244251" cy="261610"/>
+          </a:xfrm>
+          <a:prstGeom prst="rect">
+            <a:avLst/>
+          </a:prstGeom>
+          <a:noFill/>
+        </p:spPr>
+        <p:txBody>
+          <a:bodyPr wrap="none" rtlCol="0">
+            <a:spAutoFit/>
+          </a:bodyPr>
+          <a:lstStyle/>
+          <a:p>
+            <a:r>
+              <a:rPr lang="it-IT" sz="1100" dirty="0" err="1" smtClean="0">
+                <a:latin typeface="+mj-lt"/>
+              </a:rPr>
+              <a:t>activity</a:t>
+            </a:r>
+            <a:r>
+              <a:rPr lang="it-IT" sz="1100" dirty="0" smtClean="0">
+                <a:latin typeface="+mj-lt"/>
+              </a:rPr>
+              <a:t>/performer</a:t>
+            </a:r>
+            <a:endParaRPr lang="en-GB" sz="1100" dirty="0">
+              <a:latin typeface="+mj-lt"/>
+            </a:endParaRPr>
+          </a:p>
+        </p:txBody>
+      </p:sp>
+      <p:sp>
+        <p:nvSpPr>
+          <p:cNvPr id="51" name="CasellaDiTesto 50"/>
+          <p:cNvSpPr txBox="1"/>
+          <p:nvPr/>
+        </p:nvSpPr>
+        <p:spPr>
+          <a:xfrm>
+            <a:off x="5459061" y="1311313"/>
+            <a:ext cx="569387" cy="261610"/>
+          </a:xfrm>
+          <a:prstGeom prst="rect">
+            <a:avLst/>
+          </a:prstGeom>
+          <a:noFill/>
+        </p:spPr>
+        <p:txBody>
+          <a:bodyPr wrap="none" rtlCol="0">
+            <a:spAutoFit/>
+          </a:bodyPr>
+          <a:lstStyle/>
+          <a:p>
+            <a:r>
+              <a:rPr lang="it-IT" sz="1100" dirty="0" err="1" smtClean="0">
+                <a:latin typeface="+mj-lt"/>
+              </a:rPr>
+              <a:t>author</a:t>
+            </a:r>
+            <a:endParaRPr lang="en-GB" sz="1100" dirty="0">
+              <a:latin typeface="+mj-lt"/>
+            </a:endParaRPr>
+          </a:p>
+        </p:txBody>
+      </p:sp>
+      <p:sp>
+        <p:nvSpPr>
+          <p:cNvPr id="52" name="CasellaDiTesto 51"/>
+          <p:cNvSpPr txBox="1"/>
+          <p:nvPr/>
+        </p:nvSpPr>
+        <p:spPr>
+          <a:xfrm>
+            <a:off x="4155714" y="274247"/>
+            <a:ext cx="1279517" cy="261610"/>
+          </a:xfrm>
+          <a:prstGeom prst="rect">
+            <a:avLst/>
+          </a:prstGeom>
+          <a:noFill/>
+        </p:spPr>
+        <p:txBody>
+          <a:bodyPr wrap="none" rtlCol="0">
+            <a:spAutoFit/>
+          </a:bodyPr>
+          <a:lstStyle/>
+          <a:p>
+            <a:r>
+              <a:rPr lang="en-GB" sz="1100" dirty="0" err="1"/>
+              <a:t>outcomeReference</a:t>
+            </a:r>
+            <a:endParaRPr lang="en-GB" sz="1100" dirty="0">
+              <a:latin typeface="+mj-lt"/>
+            </a:endParaRPr>
+          </a:p>
+        </p:txBody>
+      </p:sp>
+      <p:sp>
+        <p:nvSpPr>
+          <p:cNvPr id="61" name="CasellaDiTesto 60"/>
+          <p:cNvSpPr txBox="1"/>
+          <p:nvPr/>
+        </p:nvSpPr>
+        <p:spPr>
+          <a:xfrm>
+            <a:off x="2690261" y="1512145"/>
+            <a:ext cx="596638" cy="261610"/>
+          </a:xfrm>
+          <a:prstGeom prst="rect">
+            <a:avLst/>
+          </a:prstGeom>
+          <a:noFill/>
+        </p:spPr>
+        <p:txBody>
+          <a:bodyPr wrap="none" rtlCol="0">
+            <a:spAutoFit/>
+          </a:bodyPr>
+          <a:lstStyle/>
+          <a:p>
+            <a:r>
+              <a:rPr lang="it-IT" sz="1100" dirty="0" err="1" smtClean="0">
+                <a:latin typeface="+mj-lt"/>
+              </a:rPr>
+              <a:t>subject</a:t>
+            </a:r>
+            <a:endParaRPr lang="en-GB" sz="1100" dirty="0">
+              <a:latin typeface="+mj-lt"/>
+            </a:endParaRPr>
+          </a:p>
+        </p:txBody>
+      </p:sp>
+      <p:sp>
+        <p:nvSpPr>
+          <p:cNvPr id="62" name="CasellaDiTesto 61"/>
+          <p:cNvSpPr txBox="1"/>
+          <p:nvPr/>
+        </p:nvSpPr>
+        <p:spPr>
+          <a:xfrm>
+            <a:off x="359828" y="3393283"/>
+            <a:ext cx="1473480" cy="261610"/>
+          </a:xfrm>
+          <a:prstGeom prst="rect">
+            <a:avLst/>
+          </a:prstGeom>
+          <a:noFill/>
+        </p:spPr>
+        <p:txBody>
+          <a:bodyPr wrap="none" rtlCol="0">
+            <a:spAutoFit/>
+          </a:bodyPr>
+          <a:lstStyle/>
+          <a:p>
+            <a:r>
+              <a:rPr lang="en-GB" sz="1100" dirty="0" err="1"/>
+              <a:t>managingOrganization</a:t>
+            </a:r>
+            <a:endParaRPr lang="en-GB" sz="1100" dirty="0">
+              <a:latin typeface="+mj-lt"/>
+            </a:endParaRPr>
+          </a:p>
+        </p:txBody>
+      </p:sp>
+      <p:sp>
+        <p:nvSpPr>
+          <p:cNvPr id="63" name="CasellaDiTesto 62"/>
+          <p:cNvSpPr txBox="1"/>
+          <p:nvPr/>
+        </p:nvSpPr>
+        <p:spPr>
+          <a:xfrm>
+            <a:off x="5224077" y="3345832"/>
+            <a:ext cx="1473480" cy="261610"/>
+          </a:xfrm>
+          <a:prstGeom prst="rect">
+            <a:avLst/>
+          </a:prstGeom>
+          <a:noFill/>
+        </p:spPr>
+        <p:txBody>
+          <a:bodyPr wrap="none" rtlCol="0">
+            <a:spAutoFit/>
+          </a:bodyPr>
+          <a:lstStyle/>
+          <a:p>
+            <a:r>
+              <a:rPr lang="en-GB" sz="1100" dirty="0" err="1"/>
+              <a:t>managingOrganization</a:t>
+            </a:r>
+            <a:endParaRPr lang="en-GB" sz="1100" dirty="0">
+              <a:latin typeface="+mj-lt"/>
+            </a:endParaRPr>
+          </a:p>
+        </p:txBody>
+      </p:sp>
     </p:spTree>
     <p:extLst>
       <p:ext uri="{BB962C8B-B14F-4D97-AF65-F5344CB8AC3E}">
-        <p14:creationId xmlns:p14="http://schemas.microsoft.com/office/powerpoint/2010/main" val="1983349474"/>
+        <p14:creationId xmlns:p14="http://schemas.microsoft.com/office/powerpoint/2010/main" val="3002933979"/>
       </p:ext>
     </p:extLst>
   </p:cSld>
@@ -3828,42 +5008,1581 @@
       </p:grpSpPr>
       <p:sp>
         <p:nvSpPr>
-          <p:cNvPr id="2" name="Titolo 1"/>
-          <p:cNvSpPr>
-            <a:spLocks noGrp="1"/>
-          </p:cNvSpPr>
-          <p:nvPr>
-            <p:ph type="title"/>
-          </p:nvPr>
-        </p:nvSpPr>
-        <p:spPr/>
-        <p:txBody>
-          <a:bodyPr/>
+          <p:cNvPr id="2" name="Rettangolo arrotondato 1"/>
+          <p:cNvSpPr/>
+          <p:nvPr/>
+        </p:nvSpPr>
+        <p:spPr>
+          <a:xfrm>
+            <a:off x="568690" y="4317804"/>
+            <a:ext cx="1224136" cy="576064"/>
+          </a:xfrm>
+          <a:prstGeom prst="roundRect">
+            <a:avLst/>
+          </a:prstGeom>
+          <a:solidFill>
+            <a:schemeClr val="accent5">
+              <a:lumMod val="20000"/>
+              <a:lumOff val="80000"/>
+            </a:schemeClr>
+          </a:solidFill>
+          <a:effectLst>
+            <a:outerShdw blurRad="50800" dist="38100" dir="2700000" algn="tl" rotWithShape="0">
+              <a:prstClr val="black">
+                <a:alpha val="40000"/>
+              </a:prstClr>
+            </a:outerShdw>
+          </a:effectLst>
+        </p:spPr>
+        <p:style>
+          <a:lnRef idx="2">
+            <a:schemeClr val="accent1">
+              <a:shade val="50000"/>
+            </a:schemeClr>
+          </a:lnRef>
+          <a:fillRef idx="1">
+            <a:schemeClr val="accent1"/>
+          </a:fillRef>
+          <a:effectRef idx="0">
+            <a:schemeClr val="accent1"/>
+          </a:effectRef>
+          <a:fontRef idx="minor">
+            <a:schemeClr val="lt1"/>
+          </a:fontRef>
+        </p:style>
+        <p:txBody>
+          <a:bodyPr rtlCol="0" anchor="ctr"/>
           <a:lstStyle/>
           <a:p>
-            <a:r>
-              <a:rPr lang="it-IT" dirty="0" smtClean="0"/>
-              <a:t>CLINICAL</a:t>
-            </a:r>
-            <a:endParaRPr lang="en-GB" dirty="0"/>
-          </a:p>
-        </p:txBody>
-      </p:sp>
-      <p:sp>
-        <p:nvSpPr>
-          <p:cNvPr id="3" name="Segnaposto testo 2"/>
-          <p:cNvSpPr>
-            <a:spLocks noGrp="1"/>
-          </p:cNvSpPr>
-          <p:nvPr>
-            <p:ph type="body" idx="1"/>
-          </p:nvPr>
-        </p:nvSpPr>
-        <p:spPr/>
-        <p:txBody>
-          <a:bodyPr/>
+            <a:pPr algn="ctr"/>
+            <a:r>
+              <a:rPr lang="it-IT" sz="1400" b="1" dirty="0" err="1" smtClean="0">
+                <a:solidFill>
+                  <a:schemeClr val="tx1"/>
+                </a:solidFill>
+              </a:rPr>
+              <a:t>Patient</a:t>
+            </a:r>
+            <a:endParaRPr lang="en-GB" sz="1400" b="1" dirty="0">
+              <a:solidFill>
+                <a:schemeClr val="tx1"/>
+              </a:solidFill>
+            </a:endParaRPr>
+          </a:p>
+        </p:txBody>
+      </p:sp>
+      <p:sp>
+        <p:nvSpPr>
+          <p:cNvPr id="5" name="Rettangolo arrotondato 4"/>
+          <p:cNvSpPr/>
+          <p:nvPr/>
+        </p:nvSpPr>
+        <p:spPr>
+          <a:xfrm>
+            <a:off x="3359808" y="4314957"/>
+            <a:ext cx="1224136" cy="576064"/>
+          </a:xfrm>
+          <a:prstGeom prst="roundRect">
+            <a:avLst/>
+          </a:prstGeom>
+          <a:solidFill>
+            <a:schemeClr val="accent5">
+              <a:lumMod val="20000"/>
+              <a:lumOff val="80000"/>
+            </a:schemeClr>
+          </a:solidFill>
+          <a:effectLst>
+            <a:outerShdw blurRad="50800" dist="38100" dir="2700000" algn="tl" rotWithShape="0">
+              <a:prstClr val="black">
+                <a:alpha val="40000"/>
+              </a:prstClr>
+            </a:outerShdw>
+          </a:effectLst>
+        </p:spPr>
+        <p:style>
+          <a:lnRef idx="2">
+            <a:schemeClr val="accent1">
+              <a:shade val="50000"/>
+            </a:schemeClr>
+          </a:lnRef>
+          <a:fillRef idx="1">
+            <a:schemeClr val="accent1"/>
+          </a:fillRef>
+          <a:effectRef idx="0">
+            <a:schemeClr val="accent1"/>
+          </a:effectRef>
+          <a:fontRef idx="minor">
+            <a:schemeClr val="lt1"/>
+          </a:fontRef>
+        </p:style>
+        <p:txBody>
+          <a:bodyPr rtlCol="0" anchor="ctr"/>
           <a:lstStyle/>
           <a:p>
+            <a:pPr algn="ctr"/>
+            <a:r>
+              <a:rPr lang="it-IT" sz="1400" b="1" dirty="0">
+                <a:solidFill>
+                  <a:schemeClr val="tx1"/>
+                </a:solidFill>
+              </a:rPr>
+              <a:t>Organization</a:t>
+            </a:r>
+            <a:endParaRPr lang="en-GB" sz="1400" b="1" dirty="0">
+              <a:solidFill>
+                <a:schemeClr val="tx1"/>
+              </a:solidFill>
+            </a:endParaRPr>
+          </a:p>
+        </p:txBody>
+      </p:sp>
+      <p:cxnSp>
+        <p:nvCxnSpPr>
+          <p:cNvPr id="6" name="Connettore 4 5"/>
+          <p:cNvCxnSpPr>
+            <a:stCxn id="2" idx="3"/>
+            <a:endCxn id="5" idx="1"/>
+          </p:cNvCxnSpPr>
+          <p:nvPr/>
+        </p:nvCxnSpPr>
+        <p:spPr>
+          <a:xfrm flipV="1">
+            <a:off x="1792826" y="4602989"/>
+            <a:ext cx="1566982" cy="2847"/>
+          </a:xfrm>
+          <a:prstGeom prst="bentConnector3">
+            <a:avLst>
+              <a:gd name="adj1" fmla="val 50000"/>
+            </a:avLst>
+          </a:prstGeom>
+          <a:ln>
+            <a:tailEnd type="arrow"/>
+          </a:ln>
+        </p:spPr>
+        <p:style>
+          <a:lnRef idx="1">
+            <a:schemeClr val="accent1"/>
+          </a:lnRef>
+          <a:fillRef idx="0">
+            <a:schemeClr val="accent1"/>
+          </a:fillRef>
+          <a:effectRef idx="0">
+            <a:schemeClr val="accent1"/>
+          </a:effectRef>
+          <a:fontRef idx="minor">
+            <a:schemeClr val="tx1"/>
+          </a:fontRef>
+        </p:style>
+      </p:cxnSp>
+      <p:sp>
+        <p:nvSpPr>
+          <p:cNvPr id="7" name="Rettangolo arrotondato 6"/>
+          <p:cNvSpPr/>
+          <p:nvPr/>
+        </p:nvSpPr>
+        <p:spPr>
+          <a:xfrm>
+            <a:off x="5295770" y="4307347"/>
+            <a:ext cx="1224136" cy="576064"/>
+          </a:xfrm>
+          <a:prstGeom prst="roundRect">
+            <a:avLst/>
+          </a:prstGeom>
+          <a:solidFill>
+            <a:schemeClr val="accent5">
+              <a:lumMod val="20000"/>
+              <a:lumOff val="80000"/>
+            </a:schemeClr>
+          </a:solidFill>
+          <a:effectLst>
+            <a:outerShdw blurRad="50800" dist="38100" dir="2700000" algn="tl" rotWithShape="0">
+              <a:prstClr val="black">
+                <a:alpha val="40000"/>
+              </a:prstClr>
+            </a:outerShdw>
+          </a:effectLst>
+        </p:spPr>
+        <p:style>
+          <a:lnRef idx="2">
+            <a:schemeClr val="accent1">
+              <a:shade val="50000"/>
+            </a:schemeClr>
+          </a:lnRef>
+          <a:fillRef idx="1">
+            <a:schemeClr val="accent1"/>
+          </a:fillRef>
+          <a:effectRef idx="0">
+            <a:schemeClr val="accent1"/>
+          </a:effectRef>
+          <a:fontRef idx="minor">
+            <a:schemeClr val="lt1"/>
+          </a:fontRef>
+        </p:style>
+        <p:txBody>
+          <a:bodyPr rtlCol="0" anchor="ctr"/>
+          <a:lstStyle/>
+          <a:p>
+            <a:pPr algn="ctr"/>
+            <a:r>
+              <a:rPr lang="it-IT" sz="1400" b="1" dirty="0" err="1">
+                <a:solidFill>
+                  <a:schemeClr val="tx1"/>
+                </a:solidFill>
+              </a:rPr>
+              <a:t>Endpoint</a:t>
+            </a:r>
+            <a:endParaRPr lang="en-GB" sz="1400" b="1" dirty="0">
+              <a:solidFill>
+                <a:schemeClr val="tx1"/>
+              </a:solidFill>
+            </a:endParaRPr>
+          </a:p>
+        </p:txBody>
+      </p:sp>
+      <p:cxnSp>
+        <p:nvCxnSpPr>
+          <p:cNvPr id="8" name="Connettore 4 7"/>
+          <p:cNvCxnSpPr>
+            <a:stCxn id="5" idx="3"/>
+            <a:endCxn id="7" idx="1"/>
+          </p:cNvCxnSpPr>
+          <p:nvPr/>
+        </p:nvCxnSpPr>
+        <p:spPr>
+          <a:xfrm flipV="1">
+            <a:off x="4583944" y="4595379"/>
+            <a:ext cx="711826" cy="7610"/>
+          </a:xfrm>
+          <a:prstGeom prst="bentConnector3">
+            <a:avLst/>
+          </a:prstGeom>
+          <a:ln>
+            <a:tailEnd type="arrow"/>
+          </a:ln>
+        </p:spPr>
+        <p:style>
+          <a:lnRef idx="1">
+            <a:schemeClr val="accent1"/>
+          </a:lnRef>
+          <a:fillRef idx="0">
+            <a:schemeClr val="accent1"/>
+          </a:fillRef>
+          <a:effectRef idx="0">
+            <a:schemeClr val="accent1"/>
+          </a:effectRef>
+          <a:fontRef idx="minor">
+            <a:schemeClr val="tx1"/>
+          </a:fontRef>
+        </p:style>
+      </p:cxnSp>
+      <p:cxnSp>
+        <p:nvCxnSpPr>
+          <p:cNvPr id="12" name="Connettore 4 11"/>
+          <p:cNvCxnSpPr>
+            <a:stCxn id="7" idx="3"/>
+            <a:endCxn id="23" idx="1"/>
+          </p:cNvCxnSpPr>
+          <p:nvPr/>
+        </p:nvCxnSpPr>
+        <p:spPr>
+          <a:xfrm>
+            <a:off x="6519906" y="4595379"/>
+            <a:ext cx="781424" cy="708466"/>
+          </a:xfrm>
+          <a:prstGeom prst="bentConnector3">
+            <a:avLst>
+              <a:gd name="adj1" fmla="val 50000"/>
+            </a:avLst>
+          </a:prstGeom>
+          <a:ln>
+            <a:tailEnd type="arrow"/>
+          </a:ln>
+        </p:spPr>
+        <p:style>
+          <a:lnRef idx="1">
+            <a:schemeClr val="accent1"/>
+          </a:lnRef>
+          <a:fillRef idx="0">
+            <a:schemeClr val="accent1"/>
+          </a:fillRef>
+          <a:effectRef idx="0">
+            <a:schemeClr val="accent1"/>
+          </a:effectRef>
+          <a:fontRef idx="minor">
+            <a:schemeClr val="tx1"/>
+          </a:fontRef>
+        </p:style>
+      </p:cxnSp>
+      <p:sp>
+        <p:nvSpPr>
+          <p:cNvPr id="15" name="CasellaDiTesto 14"/>
+          <p:cNvSpPr txBox="1"/>
+          <p:nvPr/>
+        </p:nvSpPr>
+        <p:spPr>
+          <a:xfrm>
+            <a:off x="781635" y="4672613"/>
+            <a:ext cx="779381" cy="276999"/>
+          </a:xfrm>
+          <a:prstGeom prst="rect">
+            <a:avLst/>
+          </a:prstGeom>
+          <a:noFill/>
+        </p:spPr>
+        <p:txBody>
+          <a:bodyPr wrap="none" rtlCol="0">
+            <a:spAutoFit/>
+          </a:bodyPr>
+          <a:lstStyle>
+            <a:defPPr>
+              <a:defRPr lang="en-US"/>
+            </a:defPPr>
+            <a:lvl1pPr>
+              <a:defRPr sz="1200">
+                <a:solidFill>
+                  <a:srgbClr val="C00000"/>
+                </a:solidFill>
+                <a:latin typeface="Arial" panose="020B0604020202020204" pitchFamily="34" charset="0"/>
+                <a:cs typeface="Arial" panose="020B0604020202020204" pitchFamily="34" charset="0"/>
+              </a:defRPr>
+            </a:lvl1pPr>
+          </a:lstStyle>
+          <a:p>
+            <a:r>
+              <a:rPr lang="en-GB" dirty="0"/>
+              <a:t>1471023</a:t>
+            </a:r>
+          </a:p>
+        </p:txBody>
+      </p:sp>
+      <p:sp>
+        <p:nvSpPr>
+          <p:cNvPr id="16" name="CasellaDiTesto 15"/>
+          <p:cNvSpPr txBox="1"/>
+          <p:nvPr/>
+        </p:nvSpPr>
+        <p:spPr>
+          <a:xfrm>
+            <a:off x="5518148" y="4665693"/>
+            <a:ext cx="779381" cy="276999"/>
+          </a:xfrm>
+          <a:prstGeom prst="rect">
+            <a:avLst/>
+          </a:prstGeom>
+          <a:noFill/>
+        </p:spPr>
+        <p:txBody>
+          <a:bodyPr wrap="none" rtlCol="0">
+            <a:spAutoFit/>
+          </a:bodyPr>
+          <a:lstStyle>
+            <a:defPPr>
+              <a:defRPr lang="en-US"/>
+            </a:defPPr>
+            <a:lvl1pPr>
+              <a:defRPr sz="1200">
+                <a:solidFill>
+                  <a:srgbClr val="C00000"/>
+                </a:solidFill>
+                <a:latin typeface="Arial" panose="020B0604020202020204" pitchFamily="34" charset="0"/>
+                <a:cs typeface="Arial" panose="020B0604020202020204" pitchFamily="34" charset="0"/>
+              </a:defRPr>
+            </a:lvl1pPr>
+          </a:lstStyle>
+          <a:p>
+            <a:r>
+              <a:rPr lang="en-GB" dirty="0"/>
+              <a:t>1470818</a:t>
+            </a:r>
+          </a:p>
+        </p:txBody>
+      </p:sp>
+      <p:sp>
+        <p:nvSpPr>
+          <p:cNvPr id="21" name="CasellaDiTesto 20"/>
+          <p:cNvSpPr txBox="1"/>
+          <p:nvPr/>
+        </p:nvSpPr>
+        <p:spPr>
+          <a:xfrm>
+            <a:off x="3582185" y="4610715"/>
+            <a:ext cx="779381" cy="276999"/>
+          </a:xfrm>
+          <a:prstGeom prst="rect">
+            <a:avLst/>
+          </a:prstGeom>
+          <a:noFill/>
+        </p:spPr>
+        <p:txBody>
+          <a:bodyPr wrap="none" rtlCol="0">
+            <a:spAutoFit/>
+          </a:bodyPr>
+          <a:lstStyle>
+            <a:defPPr>
+              <a:defRPr lang="en-US"/>
+            </a:defPPr>
+            <a:lvl1pPr>
+              <a:defRPr sz="1200">
+                <a:solidFill>
+                  <a:srgbClr val="C00000"/>
+                </a:solidFill>
+                <a:latin typeface="Arial" panose="020B0604020202020204" pitchFamily="34" charset="0"/>
+                <a:cs typeface="Arial" panose="020B0604020202020204" pitchFamily="34" charset="0"/>
+              </a:defRPr>
+            </a:lvl1pPr>
+          </a:lstStyle>
+          <a:p>
+            <a:r>
+              <a:rPr lang="en-GB" dirty="0"/>
+              <a:t>1471022</a:t>
+            </a:r>
+          </a:p>
+        </p:txBody>
+      </p:sp>
+      <p:sp>
+        <p:nvSpPr>
+          <p:cNvPr id="23" name="Rettangolo arrotondato 22"/>
+          <p:cNvSpPr/>
+          <p:nvPr/>
+        </p:nvSpPr>
+        <p:spPr>
+          <a:xfrm>
+            <a:off x="7301330" y="5015813"/>
+            <a:ext cx="1656184" cy="576064"/>
+          </a:xfrm>
+          <a:prstGeom prst="roundRect">
+            <a:avLst/>
+          </a:prstGeom>
+          <a:solidFill>
+            <a:schemeClr val="accent5">
+              <a:lumMod val="20000"/>
+              <a:lumOff val="80000"/>
+            </a:schemeClr>
+          </a:solidFill>
+          <a:effectLst>
+            <a:outerShdw blurRad="50800" dist="38100" dir="2700000" algn="tl" rotWithShape="0">
+              <a:prstClr val="black">
+                <a:alpha val="40000"/>
+              </a:prstClr>
+            </a:outerShdw>
+          </a:effectLst>
+        </p:spPr>
+        <p:style>
+          <a:lnRef idx="2">
+            <a:schemeClr val="accent1">
+              <a:shade val="50000"/>
+            </a:schemeClr>
+          </a:lnRef>
+          <a:fillRef idx="1">
+            <a:schemeClr val="accent1"/>
+          </a:fillRef>
+          <a:effectRef idx="0">
+            <a:schemeClr val="accent1"/>
+          </a:effectRef>
+          <a:fontRef idx="minor">
+            <a:schemeClr val="lt1"/>
+          </a:fontRef>
+        </p:style>
+        <p:txBody>
+          <a:bodyPr rtlCol="0" anchor="ctr"/>
+          <a:lstStyle/>
+          <a:p>
+            <a:pPr algn="ctr"/>
+            <a:r>
+              <a:rPr lang="it-IT" sz="1400" b="1" dirty="0" smtClean="0">
+                <a:solidFill>
+                  <a:schemeClr val="tx1"/>
+                </a:solidFill>
+              </a:rPr>
+              <a:t>Organization</a:t>
+            </a:r>
+          </a:p>
+          <a:p>
+            <a:pPr algn="ctr"/>
+            <a:r>
+              <a:rPr lang="it-IT" sz="1400" b="1" dirty="0" smtClean="0">
+                <a:solidFill>
+                  <a:schemeClr val="tx1"/>
+                </a:solidFill>
+              </a:rPr>
+              <a:t>(hl7) </a:t>
+            </a:r>
+            <a:r>
+              <a:rPr lang="en-GB" sz="1400" dirty="0">
+                <a:solidFill>
+                  <a:srgbClr val="C00000"/>
+                </a:solidFill>
+                <a:latin typeface="Arial" panose="020B0604020202020204" pitchFamily="34" charset="0"/>
+                <a:cs typeface="Arial" panose="020B0604020202020204" pitchFamily="34" charset="0"/>
+              </a:rPr>
+              <a:t>1470790</a:t>
+            </a:r>
+            <a:endParaRPr lang="en-GB" sz="1400" b="1" dirty="0">
+              <a:solidFill>
+                <a:schemeClr val="tx1"/>
+              </a:solidFill>
+            </a:endParaRPr>
+          </a:p>
+        </p:txBody>
+      </p:sp>
+      <p:sp>
+        <p:nvSpPr>
+          <p:cNvPr id="17" name="Rettangolo arrotondato 16"/>
+          <p:cNvSpPr/>
+          <p:nvPr/>
+        </p:nvSpPr>
+        <p:spPr>
+          <a:xfrm>
+            <a:off x="1705487" y="2961673"/>
+            <a:ext cx="1224136" cy="576064"/>
+          </a:xfrm>
+          <a:prstGeom prst="roundRect">
+            <a:avLst/>
+          </a:prstGeom>
+          <a:solidFill>
+            <a:schemeClr val="accent5">
+              <a:lumMod val="20000"/>
+              <a:lumOff val="80000"/>
+            </a:schemeClr>
+          </a:solidFill>
+          <a:effectLst>
+            <a:outerShdw blurRad="50800" dist="38100" dir="2700000" algn="tl" rotWithShape="0">
+              <a:prstClr val="black">
+                <a:alpha val="40000"/>
+              </a:prstClr>
+            </a:outerShdw>
+          </a:effectLst>
+        </p:spPr>
+        <p:style>
+          <a:lnRef idx="2">
+            <a:schemeClr val="accent1">
+              <a:shade val="50000"/>
+            </a:schemeClr>
+          </a:lnRef>
+          <a:fillRef idx="1">
+            <a:schemeClr val="accent1"/>
+          </a:fillRef>
+          <a:effectRef idx="0">
+            <a:schemeClr val="accent1"/>
+          </a:effectRef>
+          <a:fontRef idx="minor">
+            <a:schemeClr val="lt1"/>
+          </a:fontRef>
+        </p:style>
+        <p:txBody>
+          <a:bodyPr rtlCol="0" anchor="ctr"/>
+          <a:lstStyle/>
+          <a:p>
+            <a:pPr algn="ctr"/>
+            <a:r>
+              <a:rPr lang="it-IT" sz="1400" b="1" dirty="0" err="1" smtClean="0">
+                <a:solidFill>
+                  <a:schemeClr val="tx1"/>
+                </a:solidFill>
+              </a:rPr>
+              <a:t>Observation</a:t>
+            </a:r>
+            <a:endParaRPr lang="en-GB" sz="1400" b="1" dirty="0">
+              <a:solidFill>
+                <a:schemeClr val="tx1"/>
+              </a:solidFill>
+            </a:endParaRPr>
+          </a:p>
+        </p:txBody>
+      </p:sp>
+      <p:sp>
+        <p:nvSpPr>
+          <p:cNvPr id="18" name="Rettangolo arrotondato 17"/>
+          <p:cNvSpPr/>
+          <p:nvPr/>
+        </p:nvSpPr>
+        <p:spPr>
+          <a:xfrm>
+            <a:off x="3414863" y="2961672"/>
+            <a:ext cx="1224136" cy="576064"/>
+          </a:xfrm>
+          <a:prstGeom prst="roundRect">
+            <a:avLst/>
+          </a:prstGeom>
+          <a:solidFill>
+            <a:schemeClr val="accent5">
+              <a:lumMod val="20000"/>
+              <a:lumOff val="80000"/>
+            </a:schemeClr>
+          </a:solidFill>
+          <a:effectLst>
+            <a:outerShdw blurRad="50800" dist="38100" dir="2700000" algn="tl" rotWithShape="0">
+              <a:prstClr val="black">
+                <a:alpha val="40000"/>
+              </a:prstClr>
+            </a:outerShdw>
+          </a:effectLst>
+        </p:spPr>
+        <p:style>
+          <a:lnRef idx="2">
+            <a:schemeClr val="accent1">
+              <a:shade val="50000"/>
+            </a:schemeClr>
+          </a:lnRef>
+          <a:fillRef idx="1">
+            <a:schemeClr val="accent1"/>
+          </a:fillRef>
+          <a:effectRef idx="0">
+            <a:schemeClr val="accent1"/>
+          </a:effectRef>
+          <a:fontRef idx="minor">
+            <a:schemeClr val="lt1"/>
+          </a:fontRef>
+        </p:style>
+        <p:txBody>
+          <a:bodyPr rtlCol="0" anchor="ctr"/>
+          <a:lstStyle/>
+          <a:p>
+            <a:pPr algn="ctr"/>
+            <a:r>
+              <a:rPr lang="it-IT" sz="1400" b="1" dirty="0" err="1" smtClean="0">
+                <a:solidFill>
+                  <a:schemeClr val="tx1"/>
+                </a:solidFill>
+              </a:rPr>
+              <a:t>Encounter</a:t>
+            </a:r>
+            <a:endParaRPr lang="en-GB" sz="1400" b="1" dirty="0">
+              <a:solidFill>
+                <a:schemeClr val="tx1"/>
+              </a:solidFill>
+            </a:endParaRPr>
+          </a:p>
+        </p:txBody>
+      </p:sp>
+      <p:cxnSp>
+        <p:nvCxnSpPr>
+          <p:cNvPr id="9" name="Connettore 4 8"/>
+          <p:cNvCxnSpPr>
+            <a:stCxn id="17" idx="1"/>
+            <a:endCxn id="2" idx="0"/>
+          </p:cNvCxnSpPr>
+          <p:nvPr/>
+        </p:nvCxnSpPr>
+        <p:spPr>
+          <a:xfrm rot="10800000" flipV="1">
+            <a:off x="1180759" y="3249704"/>
+            <a:ext cx="524729" cy="1068099"/>
+          </a:xfrm>
+          <a:prstGeom prst="bentConnector2">
+            <a:avLst/>
+          </a:prstGeom>
+          <a:ln>
+            <a:tailEnd type="arrow"/>
+          </a:ln>
+        </p:spPr>
+        <p:style>
+          <a:lnRef idx="1">
+            <a:schemeClr val="accent1"/>
+          </a:lnRef>
+          <a:fillRef idx="0">
+            <a:schemeClr val="accent1"/>
+          </a:fillRef>
+          <a:effectRef idx="0">
+            <a:schemeClr val="accent1"/>
+          </a:effectRef>
+          <a:fontRef idx="minor">
+            <a:schemeClr val="tx1"/>
+          </a:fontRef>
+        </p:style>
+      </p:cxnSp>
+      <p:cxnSp>
+        <p:nvCxnSpPr>
+          <p:cNvPr id="11" name="Connettore 4 10"/>
+          <p:cNvCxnSpPr>
+            <a:stCxn id="17" idx="3"/>
+            <a:endCxn id="18" idx="1"/>
+          </p:cNvCxnSpPr>
+          <p:nvPr/>
+        </p:nvCxnSpPr>
+        <p:spPr>
+          <a:xfrm flipV="1">
+            <a:off x="2929623" y="3249704"/>
+            <a:ext cx="485240" cy="1"/>
+          </a:xfrm>
+          <a:prstGeom prst="bentConnector3">
+            <a:avLst/>
+          </a:prstGeom>
+          <a:ln>
+            <a:tailEnd type="arrow"/>
+          </a:ln>
+        </p:spPr>
+        <p:style>
+          <a:lnRef idx="1">
+            <a:schemeClr val="accent1"/>
+          </a:lnRef>
+          <a:fillRef idx="0">
+            <a:schemeClr val="accent1"/>
+          </a:fillRef>
+          <a:effectRef idx="0">
+            <a:schemeClr val="accent1"/>
+          </a:effectRef>
+          <a:fontRef idx="minor">
+            <a:schemeClr val="tx1"/>
+          </a:fontRef>
+        </p:style>
+      </p:cxnSp>
+      <p:cxnSp>
+        <p:nvCxnSpPr>
+          <p:cNvPr id="19" name="Connettore 4 18"/>
+          <p:cNvCxnSpPr>
+            <a:stCxn id="18" idx="2"/>
+            <a:endCxn id="2" idx="0"/>
+          </p:cNvCxnSpPr>
+          <p:nvPr/>
+        </p:nvCxnSpPr>
+        <p:spPr>
+          <a:xfrm rot="5400000">
+            <a:off x="2213811" y="2504684"/>
+            <a:ext cx="780068" cy="2846173"/>
+          </a:xfrm>
+          <a:prstGeom prst="bentConnector3">
+            <a:avLst>
+              <a:gd name="adj1" fmla="val 50000"/>
+            </a:avLst>
+          </a:prstGeom>
+          <a:ln>
+            <a:tailEnd type="arrow"/>
+          </a:ln>
+        </p:spPr>
+        <p:style>
+          <a:lnRef idx="1">
+            <a:schemeClr val="accent1"/>
+          </a:lnRef>
+          <a:fillRef idx="0">
+            <a:schemeClr val="accent1"/>
+          </a:fillRef>
+          <a:effectRef idx="0">
+            <a:schemeClr val="accent1"/>
+          </a:effectRef>
+          <a:fontRef idx="minor">
+            <a:schemeClr val="tx1"/>
+          </a:fontRef>
+        </p:style>
+      </p:cxnSp>
+      <p:sp>
+        <p:nvSpPr>
+          <p:cNvPr id="28" name="Rettangolo arrotondato 27"/>
+          <p:cNvSpPr/>
+          <p:nvPr/>
+        </p:nvSpPr>
+        <p:spPr>
+          <a:xfrm>
+            <a:off x="6378493" y="2077973"/>
+            <a:ext cx="1224136" cy="576064"/>
+          </a:xfrm>
+          <a:prstGeom prst="roundRect">
+            <a:avLst/>
+          </a:prstGeom>
+          <a:solidFill>
+            <a:schemeClr val="accent5">
+              <a:lumMod val="20000"/>
+              <a:lumOff val="80000"/>
+            </a:schemeClr>
+          </a:solidFill>
+          <a:effectLst>
+            <a:outerShdw blurRad="50800" dist="38100" dir="2700000" algn="tl" rotWithShape="0">
+              <a:prstClr val="black">
+                <a:alpha val="40000"/>
+              </a:prstClr>
+            </a:outerShdw>
+          </a:effectLst>
+        </p:spPr>
+        <p:style>
+          <a:lnRef idx="2">
+            <a:schemeClr val="accent1">
+              <a:shade val="50000"/>
+            </a:schemeClr>
+          </a:lnRef>
+          <a:fillRef idx="1">
+            <a:schemeClr val="accent1"/>
+          </a:fillRef>
+          <a:effectRef idx="0">
+            <a:schemeClr val="accent1"/>
+          </a:effectRef>
+          <a:fontRef idx="minor">
+            <a:schemeClr val="lt1"/>
+          </a:fontRef>
+        </p:style>
+        <p:txBody>
+          <a:bodyPr rtlCol="0" anchor="ctr"/>
+          <a:lstStyle/>
+          <a:p>
+            <a:pPr algn="ctr"/>
+            <a:r>
+              <a:rPr lang="it-IT" sz="1400" b="1" dirty="0" err="1" smtClean="0">
+                <a:solidFill>
+                  <a:schemeClr val="tx1"/>
+                </a:solidFill>
+              </a:rPr>
+              <a:t>CarePlan</a:t>
+            </a:r>
+            <a:endParaRPr lang="en-GB" sz="1400" b="1" dirty="0">
+              <a:solidFill>
+                <a:schemeClr val="tx1"/>
+              </a:solidFill>
+            </a:endParaRPr>
+          </a:p>
+        </p:txBody>
+      </p:sp>
+      <p:cxnSp>
+        <p:nvCxnSpPr>
+          <p:cNvPr id="25" name="Connettore 4 24"/>
+          <p:cNvCxnSpPr>
+            <a:stCxn id="28" idx="1"/>
+            <a:endCxn id="18" idx="0"/>
+          </p:cNvCxnSpPr>
+          <p:nvPr/>
+        </p:nvCxnSpPr>
+        <p:spPr>
+          <a:xfrm rot="10800000" flipV="1">
+            <a:off x="4026931" y="2366004"/>
+            <a:ext cx="2351562" cy="595667"/>
+          </a:xfrm>
+          <a:prstGeom prst="bentConnector2">
+            <a:avLst/>
+          </a:prstGeom>
+          <a:ln>
+            <a:tailEnd type="arrow"/>
+          </a:ln>
+        </p:spPr>
+        <p:style>
+          <a:lnRef idx="1">
+            <a:schemeClr val="accent1"/>
+          </a:lnRef>
+          <a:fillRef idx="0">
+            <a:schemeClr val="accent1"/>
+          </a:fillRef>
+          <a:effectRef idx="0">
+            <a:schemeClr val="accent1"/>
+          </a:effectRef>
+          <a:fontRef idx="minor">
+            <a:schemeClr val="tx1"/>
+          </a:fontRef>
+        </p:style>
+      </p:cxnSp>
+      <p:sp>
+        <p:nvSpPr>
+          <p:cNvPr id="34" name="Rettangolo arrotondato 33"/>
+          <p:cNvSpPr/>
+          <p:nvPr/>
+        </p:nvSpPr>
+        <p:spPr>
+          <a:xfrm>
+            <a:off x="5126750" y="3086293"/>
+            <a:ext cx="1224136" cy="576064"/>
+          </a:xfrm>
+          <a:prstGeom prst="roundRect">
+            <a:avLst/>
+          </a:prstGeom>
+          <a:solidFill>
+            <a:schemeClr val="accent5">
+              <a:lumMod val="20000"/>
+              <a:lumOff val="80000"/>
+            </a:schemeClr>
+          </a:solidFill>
+          <a:effectLst>
+            <a:outerShdw blurRad="50800" dist="38100" dir="2700000" algn="tl" rotWithShape="0">
+              <a:prstClr val="black">
+                <a:alpha val="40000"/>
+              </a:prstClr>
+            </a:outerShdw>
+          </a:effectLst>
+        </p:spPr>
+        <p:style>
+          <a:lnRef idx="2">
+            <a:schemeClr val="accent1">
+              <a:shade val="50000"/>
+            </a:schemeClr>
+          </a:lnRef>
+          <a:fillRef idx="1">
+            <a:schemeClr val="accent1"/>
+          </a:fillRef>
+          <a:effectRef idx="0">
+            <a:schemeClr val="accent1"/>
+          </a:effectRef>
+          <a:fontRef idx="minor">
+            <a:schemeClr val="lt1"/>
+          </a:fontRef>
+        </p:style>
+        <p:txBody>
+          <a:bodyPr rtlCol="0" anchor="ctr"/>
+          <a:lstStyle/>
+          <a:p>
+            <a:pPr algn="ctr"/>
+            <a:r>
+              <a:rPr lang="en-GB" sz="1400" b="1" dirty="0">
+                <a:solidFill>
+                  <a:schemeClr val="tx1"/>
+                </a:solidFill>
+              </a:rPr>
+              <a:t>Practitioner</a:t>
+            </a:r>
+          </a:p>
+        </p:txBody>
+      </p:sp>
+      <p:cxnSp>
+        <p:nvCxnSpPr>
+          <p:cNvPr id="31" name="Connettore 4 30"/>
+          <p:cNvCxnSpPr>
+            <a:stCxn id="28" idx="2"/>
+            <a:endCxn id="34" idx="0"/>
+          </p:cNvCxnSpPr>
+          <p:nvPr/>
+        </p:nvCxnSpPr>
+        <p:spPr>
+          <a:xfrm rot="5400000">
+            <a:off x="6148562" y="2244294"/>
+            <a:ext cx="432256" cy="1251743"/>
+          </a:xfrm>
+          <a:prstGeom prst="bentConnector3">
+            <a:avLst/>
+          </a:prstGeom>
+          <a:ln>
+            <a:tailEnd type="arrow"/>
+          </a:ln>
+        </p:spPr>
+        <p:style>
+          <a:lnRef idx="1">
+            <a:schemeClr val="accent1"/>
+          </a:lnRef>
+          <a:fillRef idx="0">
+            <a:schemeClr val="accent1"/>
+          </a:fillRef>
+          <a:effectRef idx="0">
+            <a:schemeClr val="accent1"/>
+          </a:effectRef>
+          <a:fontRef idx="minor">
+            <a:schemeClr val="tx1"/>
+          </a:fontRef>
+        </p:style>
+      </p:cxnSp>
+      <p:sp>
+        <p:nvSpPr>
+          <p:cNvPr id="37" name="Rettangolo arrotondato 36"/>
+          <p:cNvSpPr/>
+          <p:nvPr/>
+        </p:nvSpPr>
+        <p:spPr>
+          <a:xfrm>
+            <a:off x="6472024" y="3086293"/>
+            <a:ext cx="1224136" cy="576064"/>
+          </a:xfrm>
+          <a:prstGeom prst="roundRect">
+            <a:avLst/>
+          </a:prstGeom>
+          <a:solidFill>
+            <a:schemeClr val="accent5">
+              <a:lumMod val="20000"/>
+              <a:lumOff val="80000"/>
+            </a:schemeClr>
+          </a:solidFill>
+          <a:effectLst>
+            <a:outerShdw blurRad="50800" dist="38100" dir="2700000" algn="tl" rotWithShape="0">
+              <a:prstClr val="black">
+                <a:alpha val="40000"/>
+              </a:prstClr>
+            </a:outerShdw>
+          </a:effectLst>
+        </p:spPr>
+        <p:style>
+          <a:lnRef idx="2">
+            <a:schemeClr val="accent1">
+              <a:shade val="50000"/>
+            </a:schemeClr>
+          </a:lnRef>
+          <a:fillRef idx="1">
+            <a:schemeClr val="accent1"/>
+          </a:fillRef>
+          <a:effectRef idx="0">
+            <a:schemeClr val="accent1"/>
+          </a:effectRef>
+          <a:fontRef idx="minor">
+            <a:schemeClr val="lt1"/>
+          </a:fontRef>
+        </p:style>
+        <p:txBody>
+          <a:bodyPr rtlCol="0" anchor="ctr"/>
+          <a:lstStyle/>
+          <a:p>
+            <a:pPr algn="ctr"/>
+            <a:r>
+              <a:rPr lang="en-GB" sz="1400" b="1" dirty="0" err="1" smtClean="0">
+                <a:solidFill>
+                  <a:schemeClr val="tx1"/>
+                </a:solidFill>
+              </a:rPr>
+              <a:t>CareTeam</a:t>
+            </a:r>
+            <a:endParaRPr lang="en-GB" sz="1400" b="1" dirty="0">
+              <a:solidFill>
+                <a:schemeClr val="tx1"/>
+              </a:solidFill>
+            </a:endParaRPr>
+          </a:p>
+        </p:txBody>
+      </p:sp>
+      <p:cxnSp>
+        <p:nvCxnSpPr>
+          <p:cNvPr id="33" name="Connettore 4 32"/>
+          <p:cNvCxnSpPr>
+            <a:stCxn id="28" idx="2"/>
+            <a:endCxn id="37" idx="0"/>
+          </p:cNvCxnSpPr>
+          <p:nvPr/>
+        </p:nvCxnSpPr>
+        <p:spPr>
+          <a:xfrm rot="16200000" flipH="1">
+            <a:off x="6821198" y="2823399"/>
+            <a:ext cx="432256" cy="93531"/>
+          </a:xfrm>
+          <a:prstGeom prst="bentConnector3">
+            <a:avLst/>
+          </a:prstGeom>
+          <a:ln>
+            <a:tailEnd type="arrow"/>
+          </a:ln>
+        </p:spPr>
+        <p:style>
+          <a:lnRef idx="1">
+            <a:schemeClr val="accent1"/>
+          </a:lnRef>
+          <a:fillRef idx="0">
+            <a:schemeClr val="accent1"/>
+          </a:fillRef>
+          <a:effectRef idx="0">
+            <a:schemeClr val="accent1"/>
+          </a:effectRef>
+          <a:fontRef idx="minor">
+            <a:schemeClr val="tx1"/>
+          </a:fontRef>
+        </p:style>
+      </p:cxnSp>
+      <p:sp>
+        <p:nvSpPr>
+          <p:cNvPr id="42" name="Rettangolo arrotondato 41"/>
+          <p:cNvSpPr/>
+          <p:nvPr/>
+        </p:nvSpPr>
+        <p:spPr>
+          <a:xfrm>
+            <a:off x="7808455" y="3086291"/>
+            <a:ext cx="1224136" cy="576064"/>
+          </a:xfrm>
+          <a:prstGeom prst="roundRect">
+            <a:avLst/>
+          </a:prstGeom>
+          <a:solidFill>
+            <a:schemeClr val="accent5">
+              <a:lumMod val="20000"/>
+              <a:lumOff val="80000"/>
+            </a:schemeClr>
+          </a:solidFill>
+          <a:effectLst>
+            <a:outerShdw blurRad="50800" dist="38100" dir="2700000" algn="tl" rotWithShape="0">
+              <a:prstClr val="black">
+                <a:alpha val="40000"/>
+              </a:prstClr>
+            </a:outerShdw>
+          </a:effectLst>
+        </p:spPr>
+        <p:style>
+          <a:lnRef idx="2">
+            <a:schemeClr val="accent1">
+              <a:shade val="50000"/>
+            </a:schemeClr>
+          </a:lnRef>
+          <a:fillRef idx="1">
+            <a:schemeClr val="accent1"/>
+          </a:fillRef>
+          <a:effectRef idx="0">
+            <a:schemeClr val="accent1"/>
+          </a:effectRef>
+          <a:fontRef idx="minor">
+            <a:schemeClr val="lt1"/>
+          </a:fontRef>
+        </p:style>
+        <p:txBody>
+          <a:bodyPr rtlCol="0" anchor="ctr"/>
+          <a:lstStyle/>
+          <a:p>
+            <a:pPr algn="ctr"/>
+            <a:r>
+              <a:rPr lang="en-GB" sz="1400" b="1" dirty="0" smtClean="0">
+                <a:solidFill>
+                  <a:schemeClr val="tx1"/>
+                </a:solidFill>
+              </a:rPr>
+              <a:t>Goal</a:t>
+            </a:r>
+            <a:endParaRPr lang="en-GB" sz="1400" b="1" dirty="0">
+              <a:solidFill>
+                <a:schemeClr val="tx1"/>
+              </a:solidFill>
+            </a:endParaRPr>
+          </a:p>
+        </p:txBody>
+      </p:sp>
+      <p:cxnSp>
+        <p:nvCxnSpPr>
+          <p:cNvPr id="44" name="Connettore 4 43"/>
+          <p:cNvCxnSpPr>
+            <a:stCxn id="28" idx="2"/>
+            <a:endCxn id="42" idx="0"/>
+          </p:cNvCxnSpPr>
+          <p:nvPr/>
+        </p:nvCxnSpPr>
+        <p:spPr>
+          <a:xfrm rot="16200000" flipH="1">
+            <a:off x="7489415" y="2155183"/>
+            <a:ext cx="432254" cy="1429962"/>
+          </a:xfrm>
+          <a:prstGeom prst="bentConnector3">
+            <a:avLst/>
+          </a:prstGeom>
+          <a:ln>
+            <a:tailEnd type="arrow"/>
+          </a:ln>
+        </p:spPr>
+        <p:style>
+          <a:lnRef idx="1">
+            <a:schemeClr val="accent1"/>
+          </a:lnRef>
+          <a:fillRef idx="0">
+            <a:schemeClr val="accent1"/>
+          </a:fillRef>
+          <a:effectRef idx="0">
+            <a:schemeClr val="accent1"/>
+          </a:effectRef>
+          <a:fontRef idx="minor">
+            <a:schemeClr val="tx1"/>
+          </a:fontRef>
+        </p:style>
+      </p:cxnSp>
+      <p:cxnSp>
+        <p:nvCxnSpPr>
+          <p:cNvPr id="46" name="Connettore 4 45"/>
+          <p:cNvCxnSpPr>
+            <a:stCxn id="28" idx="0"/>
+            <a:endCxn id="17" idx="0"/>
+          </p:cNvCxnSpPr>
+          <p:nvPr/>
+        </p:nvCxnSpPr>
+        <p:spPr>
+          <a:xfrm rot="16200000" flipH="1" flipV="1">
+            <a:off x="4212208" y="183320"/>
+            <a:ext cx="883700" cy="4673006"/>
+          </a:xfrm>
+          <a:prstGeom prst="bentConnector3">
+            <a:avLst>
+              <a:gd name="adj1" fmla="val -25869"/>
+            </a:avLst>
+          </a:prstGeom>
+          <a:ln>
+            <a:tailEnd type="arrow"/>
+          </a:ln>
+        </p:spPr>
+        <p:style>
+          <a:lnRef idx="1">
+            <a:schemeClr val="accent1"/>
+          </a:lnRef>
+          <a:fillRef idx="0">
+            <a:schemeClr val="accent1"/>
+          </a:fillRef>
+          <a:effectRef idx="0">
+            <a:schemeClr val="accent1"/>
+          </a:effectRef>
+          <a:fontRef idx="minor">
+            <a:schemeClr val="tx1"/>
+          </a:fontRef>
+        </p:style>
+      </p:cxnSp>
+      <p:cxnSp>
+        <p:nvCxnSpPr>
+          <p:cNvPr id="48" name="Connettore 4 47"/>
+          <p:cNvCxnSpPr>
+            <a:stCxn id="28" idx="0"/>
+            <a:endCxn id="2" idx="0"/>
+          </p:cNvCxnSpPr>
+          <p:nvPr/>
+        </p:nvCxnSpPr>
+        <p:spPr>
+          <a:xfrm rot="16200000" flipH="1" flipV="1">
+            <a:off x="2965744" y="292986"/>
+            <a:ext cx="2239831" cy="5809803"/>
+          </a:xfrm>
+          <a:prstGeom prst="bentConnector3">
+            <a:avLst>
+              <a:gd name="adj1" fmla="val -22518"/>
+            </a:avLst>
+          </a:prstGeom>
+          <a:ln>
+            <a:tailEnd type="arrow"/>
+          </a:ln>
+        </p:spPr>
+        <p:style>
+          <a:lnRef idx="1">
+            <a:schemeClr val="accent1"/>
+          </a:lnRef>
+          <a:fillRef idx="0">
+            <a:schemeClr val="accent1"/>
+          </a:fillRef>
+          <a:effectRef idx="0">
+            <a:schemeClr val="accent1"/>
+          </a:effectRef>
+          <a:fontRef idx="minor">
+            <a:schemeClr val="tx1"/>
+          </a:fontRef>
+        </p:style>
+      </p:cxnSp>
+      <p:sp>
+        <p:nvSpPr>
+          <p:cNvPr id="50" name="CasellaDiTesto 49"/>
+          <p:cNvSpPr txBox="1"/>
+          <p:nvPr/>
+        </p:nvSpPr>
+        <p:spPr>
+          <a:xfrm>
+            <a:off x="3553214" y="1342724"/>
+            <a:ext cx="1244251" cy="261610"/>
+          </a:xfrm>
+          <a:prstGeom prst="rect">
+            <a:avLst/>
+          </a:prstGeom>
+          <a:noFill/>
+        </p:spPr>
+        <p:txBody>
+          <a:bodyPr wrap="none" rtlCol="0">
+            <a:spAutoFit/>
+          </a:bodyPr>
+          <a:lstStyle/>
+          <a:p>
+            <a:r>
+              <a:rPr lang="it-IT" sz="1100" dirty="0" err="1" smtClean="0">
+                <a:latin typeface="+mj-lt"/>
+              </a:rPr>
+              <a:t>activity</a:t>
+            </a:r>
+            <a:r>
+              <a:rPr lang="it-IT" sz="1100" dirty="0" smtClean="0">
+                <a:latin typeface="+mj-lt"/>
+              </a:rPr>
+              <a:t>/performer</a:t>
+            </a:r>
+            <a:endParaRPr lang="en-GB" sz="1100" dirty="0">
+              <a:latin typeface="+mj-lt"/>
+            </a:endParaRPr>
+          </a:p>
+        </p:txBody>
+      </p:sp>
+      <p:sp>
+        <p:nvSpPr>
+          <p:cNvPr id="51" name="CasellaDiTesto 50"/>
+          <p:cNvSpPr txBox="1"/>
+          <p:nvPr/>
+        </p:nvSpPr>
+        <p:spPr>
+          <a:xfrm>
+            <a:off x="5623144" y="2654036"/>
+            <a:ext cx="569387" cy="261610"/>
+          </a:xfrm>
+          <a:prstGeom prst="rect">
+            <a:avLst/>
+          </a:prstGeom>
+          <a:noFill/>
+        </p:spPr>
+        <p:txBody>
+          <a:bodyPr wrap="none" rtlCol="0">
+            <a:spAutoFit/>
+          </a:bodyPr>
+          <a:lstStyle/>
+          <a:p>
+            <a:r>
+              <a:rPr lang="it-IT" sz="1100" dirty="0" err="1" smtClean="0">
+                <a:latin typeface="+mj-lt"/>
+              </a:rPr>
+              <a:t>author</a:t>
+            </a:r>
+            <a:endParaRPr lang="en-GB" sz="1100" dirty="0">
+              <a:latin typeface="+mj-lt"/>
+            </a:endParaRPr>
+          </a:p>
+        </p:txBody>
+      </p:sp>
+      <p:sp>
+        <p:nvSpPr>
+          <p:cNvPr id="52" name="CasellaDiTesto 51"/>
+          <p:cNvSpPr txBox="1"/>
+          <p:nvPr/>
+        </p:nvSpPr>
+        <p:spPr>
+          <a:xfrm>
+            <a:off x="4150778" y="1616971"/>
+            <a:ext cx="1279517" cy="261610"/>
+          </a:xfrm>
+          <a:prstGeom prst="rect">
+            <a:avLst/>
+          </a:prstGeom>
+          <a:noFill/>
+        </p:spPr>
+        <p:txBody>
+          <a:bodyPr wrap="none" rtlCol="0">
+            <a:spAutoFit/>
+          </a:bodyPr>
+          <a:lstStyle/>
+          <a:p>
+            <a:r>
+              <a:rPr lang="en-GB" sz="1100" dirty="0" err="1"/>
+              <a:t>outcomeReference</a:t>
+            </a:r>
+            <a:endParaRPr lang="en-GB" sz="1100" dirty="0">
+              <a:latin typeface="+mj-lt"/>
+            </a:endParaRPr>
+          </a:p>
+        </p:txBody>
+      </p:sp>
+      <p:sp>
+        <p:nvSpPr>
+          <p:cNvPr id="61" name="CasellaDiTesto 60"/>
+          <p:cNvSpPr txBox="1"/>
+          <p:nvPr/>
+        </p:nvSpPr>
+        <p:spPr>
+          <a:xfrm>
+            <a:off x="1144804" y="2961673"/>
+            <a:ext cx="596638" cy="261610"/>
+          </a:xfrm>
+          <a:prstGeom prst="rect">
+            <a:avLst/>
+          </a:prstGeom>
+          <a:noFill/>
+        </p:spPr>
+        <p:txBody>
+          <a:bodyPr wrap="none" rtlCol="0">
+            <a:spAutoFit/>
+          </a:bodyPr>
+          <a:lstStyle/>
+          <a:p>
+            <a:r>
+              <a:rPr lang="it-IT" sz="1100" dirty="0" err="1" smtClean="0">
+                <a:latin typeface="+mj-lt"/>
+              </a:rPr>
+              <a:t>subject</a:t>
+            </a:r>
+            <a:endParaRPr lang="en-GB" sz="1100" dirty="0">
+              <a:latin typeface="+mj-lt"/>
+            </a:endParaRPr>
+          </a:p>
+        </p:txBody>
+      </p:sp>
+      <p:sp>
+        <p:nvSpPr>
+          <p:cNvPr id="62" name="CasellaDiTesto 61"/>
+          <p:cNvSpPr txBox="1"/>
+          <p:nvPr/>
+        </p:nvSpPr>
+        <p:spPr>
+          <a:xfrm>
+            <a:off x="1791693" y="4665693"/>
+            <a:ext cx="1473480" cy="261610"/>
+          </a:xfrm>
+          <a:prstGeom prst="rect">
+            <a:avLst/>
+          </a:prstGeom>
+          <a:noFill/>
+        </p:spPr>
+        <p:txBody>
+          <a:bodyPr wrap="none" rtlCol="0">
+            <a:spAutoFit/>
+          </a:bodyPr>
+          <a:lstStyle/>
+          <a:p>
+            <a:r>
+              <a:rPr lang="en-GB" sz="1100" dirty="0" err="1"/>
+              <a:t>managingOrganization</a:t>
+            </a:r>
+            <a:endParaRPr lang="en-GB" sz="1100" dirty="0">
+              <a:latin typeface="+mj-lt"/>
+            </a:endParaRPr>
+          </a:p>
+        </p:txBody>
+      </p:sp>
+      <p:sp>
+        <p:nvSpPr>
+          <p:cNvPr id="63" name="CasellaDiTesto 62"/>
+          <p:cNvSpPr txBox="1"/>
+          <p:nvPr/>
+        </p:nvSpPr>
+        <p:spPr>
+          <a:xfrm>
+            <a:off x="6655942" y="4670460"/>
+            <a:ext cx="1473480" cy="261610"/>
+          </a:xfrm>
+          <a:prstGeom prst="rect">
+            <a:avLst/>
+          </a:prstGeom>
+          <a:noFill/>
+        </p:spPr>
+        <p:txBody>
+          <a:bodyPr wrap="none" rtlCol="0">
+            <a:spAutoFit/>
+          </a:bodyPr>
+          <a:lstStyle/>
+          <a:p>
+            <a:r>
+              <a:rPr lang="en-GB" sz="1100" dirty="0" err="1"/>
+              <a:t>managingOrganization</a:t>
+            </a:r>
+            <a:endParaRPr lang="en-GB" sz="1100" dirty="0">
+              <a:latin typeface="+mj-lt"/>
+            </a:endParaRPr>
+          </a:p>
+        </p:txBody>
+      </p:sp>
+      <p:sp>
+        <p:nvSpPr>
+          <p:cNvPr id="95" name="CasellaDiTesto 94"/>
+          <p:cNvSpPr txBox="1"/>
+          <p:nvPr/>
+        </p:nvSpPr>
+        <p:spPr>
+          <a:xfrm>
+            <a:off x="2317555" y="3666160"/>
+            <a:ext cx="596638" cy="261610"/>
+          </a:xfrm>
+          <a:prstGeom prst="rect">
+            <a:avLst/>
+          </a:prstGeom>
+          <a:noFill/>
+        </p:spPr>
+        <p:txBody>
+          <a:bodyPr wrap="none" rtlCol="0">
+            <a:spAutoFit/>
+          </a:bodyPr>
+          <a:lstStyle/>
+          <a:p>
+            <a:r>
+              <a:rPr lang="it-IT" sz="1100" dirty="0" err="1" smtClean="0">
+                <a:latin typeface="+mj-lt"/>
+              </a:rPr>
+              <a:t>subject</a:t>
+            </a:r>
+            <a:endParaRPr lang="en-GB" sz="1100" dirty="0">
+              <a:latin typeface="+mj-lt"/>
+            </a:endParaRPr>
+          </a:p>
+        </p:txBody>
+      </p:sp>
+      <p:sp>
+        <p:nvSpPr>
+          <p:cNvPr id="96" name="Rettangolo 95"/>
+          <p:cNvSpPr/>
+          <p:nvPr/>
+        </p:nvSpPr>
+        <p:spPr>
+          <a:xfrm>
+            <a:off x="3695968" y="3280588"/>
+            <a:ext cx="779381" cy="276999"/>
+          </a:xfrm>
+          <a:prstGeom prst="rect">
+            <a:avLst/>
+          </a:prstGeom>
+        </p:spPr>
+        <p:txBody>
+          <a:bodyPr wrap="none">
+            <a:spAutoFit/>
+          </a:bodyPr>
+          <a:lstStyle/>
+          <a:p>
+            <a:r>
+              <a:rPr lang="en-GB" sz="1200" dirty="0">
+                <a:solidFill>
+                  <a:srgbClr val="C00000"/>
+                </a:solidFill>
+                <a:latin typeface="Arial" panose="020B0604020202020204" pitchFamily="34" charset="0"/>
+                <a:cs typeface="Arial" panose="020B0604020202020204" pitchFamily="34" charset="0"/>
+              </a:rPr>
+              <a:t>1471284</a:t>
+            </a:r>
+          </a:p>
+        </p:txBody>
+      </p:sp>
+      <p:sp>
+        <p:nvSpPr>
+          <p:cNvPr id="97" name="CasellaDiTesto 96"/>
+          <p:cNvSpPr txBox="1"/>
+          <p:nvPr/>
+        </p:nvSpPr>
+        <p:spPr>
+          <a:xfrm>
+            <a:off x="1950706" y="3280588"/>
+            <a:ext cx="779381" cy="276999"/>
+          </a:xfrm>
+          <a:prstGeom prst="rect">
+            <a:avLst/>
+          </a:prstGeom>
+          <a:noFill/>
+        </p:spPr>
+        <p:txBody>
+          <a:bodyPr wrap="none" rtlCol="0">
+            <a:spAutoFit/>
+          </a:bodyPr>
+          <a:lstStyle/>
+          <a:p>
+            <a:r>
+              <a:rPr lang="en-GB" sz="1200" dirty="0">
+                <a:solidFill>
+                  <a:srgbClr val="C00000"/>
+                </a:solidFill>
+                <a:latin typeface="Arial" panose="020B0604020202020204" pitchFamily="34" charset="0"/>
+                <a:cs typeface="Arial" panose="020B0604020202020204" pitchFamily="34" charset="0"/>
+              </a:rPr>
+              <a:t>1471328</a:t>
+            </a:r>
+          </a:p>
+        </p:txBody>
+      </p:sp>
+      <p:sp>
+        <p:nvSpPr>
+          <p:cNvPr id="98" name="? 97">
+            <a:hlinkClick r:id="" action="ppaction://noaction" highlightClick="1"/>
+          </p:cNvPr>
+          <p:cNvSpPr/>
+          <p:nvPr/>
+        </p:nvSpPr>
+        <p:spPr>
+          <a:xfrm>
+            <a:off x="3553214" y="2641472"/>
+            <a:ext cx="268656" cy="274174"/>
+          </a:xfrm>
+          <a:prstGeom prst="actionButtonHelp">
+            <a:avLst/>
+          </a:prstGeom>
+        </p:spPr>
+        <p:style>
+          <a:lnRef idx="1">
+            <a:schemeClr val="accent6"/>
+          </a:lnRef>
+          <a:fillRef idx="2">
+            <a:schemeClr val="accent6"/>
+          </a:fillRef>
+          <a:effectRef idx="1">
+            <a:schemeClr val="accent6"/>
+          </a:effectRef>
+          <a:fontRef idx="minor">
+            <a:schemeClr val="dk1"/>
+          </a:fontRef>
+        </p:style>
+        <p:txBody>
+          <a:bodyPr rtlCol="0" anchor="ctr"/>
+          <a:lstStyle/>
+          <a:p>
+            <a:pPr algn="ctr"/>
             <a:endParaRPr lang="en-GB"/>
           </a:p>
         </p:txBody>
@@ -3871,7 +6590,7 @@
     </p:spTree>
     <p:extLst>
       <p:ext uri="{BB962C8B-B14F-4D97-AF65-F5344CB8AC3E}">
-        <p14:creationId xmlns:p14="http://schemas.microsoft.com/office/powerpoint/2010/main" val="1717983638"/>
+        <p14:creationId xmlns:p14="http://schemas.microsoft.com/office/powerpoint/2010/main" val="839436079"/>
       </p:ext>
     </p:extLst>
   </p:cSld>
@@ -3900,9 +6619,9 @@
       </p:grpSpPr>
       <p:pic>
         <p:nvPicPr>
-          <p:cNvPr id="2" name="Immagine 1"/>
+          <p:cNvPr id="4098" name="Picture 2" descr="Image showing the scheduling interactions"/>
           <p:cNvPicPr>
-            <a:picLocks noChangeAspect="1"/>
+            <a:picLocks noChangeAspect="1" noChangeArrowheads="1"/>
           </p:cNvPicPr>
           <p:nvPr/>
         </p:nvPicPr>
@@ -3914,24 +6633,35 @@
               </a:ext>
             </a:extLst>
           </a:blip>
+          <a:srcRect/>
           <a:stretch>
             <a:fillRect/>
           </a:stretch>
         </p:blipFill>
-        <p:spPr>
-          <a:xfrm>
-            <a:off x="1191047" y="1133761"/>
-            <a:ext cx="6761905" cy="4590477"/>
+        <p:spPr bwMode="auto">
+          <a:xfrm>
+            <a:off x="611560" y="908720"/>
+            <a:ext cx="7105650" cy="4038601"/>
           </a:xfrm>
           <a:prstGeom prst="rect">
             <a:avLst/>
           </a:prstGeom>
+          <a:noFill/>
+          <a:extLst>
+            <a:ext uri="{909E8E84-426E-40DD-AFC4-6F175D3DCCD1}">
+              <a14:hiddenFill xmlns:a14="http://schemas.microsoft.com/office/drawing/2010/main">
+                <a:solidFill>
+                  <a:srgbClr val="FFFFFF"/>
+                </a:solidFill>
+              </a14:hiddenFill>
+            </a:ext>
+          </a:extLst>
         </p:spPr>
       </p:pic>
     </p:spTree>
     <p:extLst>
       <p:ext uri="{BB962C8B-B14F-4D97-AF65-F5344CB8AC3E}">
-        <p14:creationId xmlns:p14="http://schemas.microsoft.com/office/powerpoint/2010/main" val="2599331138"/>
+        <p14:creationId xmlns:p14="http://schemas.microsoft.com/office/powerpoint/2010/main" val="3916634767"/>
       </p:ext>
     </p:extLst>
   </p:cSld>
@@ -3975,7 +6705,7 @@
           <a:p>
             <a:r>
               <a:rPr lang="it-IT" dirty="0" smtClean="0"/>
-              <a:t>ORGANIZATION</a:t>
+              <a:t>DIAGNOSIS</a:t>
             </a:r>
             <a:endParaRPr lang="en-GB" dirty="0"/>
           </a:p>
@@ -4003,7 +6733,7 @@
     </p:spTree>
     <p:extLst>
       <p:ext uri="{BB962C8B-B14F-4D97-AF65-F5344CB8AC3E}">
-        <p14:creationId xmlns:p14="http://schemas.microsoft.com/office/powerpoint/2010/main" val="1811937144"/>
+        <p14:creationId xmlns:p14="http://schemas.microsoft.com/office/powerpoint/2010/main" val="3219489898"/>
       </p:ext>
     </p:extLst>
   </p:cSld>
@@ -4032,9 +6762,9 @@
       </p:grpSpPr>
       <p:pic>
         <p:nvPicPr>
-          <p:cNvPr id="4" name="Immagine 3"/>
+          <p:cNvPr id="5122" name="Picture 2" descr="Image showing the diagnostic resources"/>
           <p:cNvPicPr>
-            <a:picLocks noChangeAspect="1"/>
+            <a:picLocks noChangeAspect="1" noChangeArrowheads="1"/>
           </p:cNvPicPr>
           <p:nvPr/>
         </p:nvPicPr>
@@ -4046,24 +6776,35 @@
               </a:ext>
             </a:extLst>
           </a:blip>
+          <a:srcRect/>
           <a:stretch>
             <a:fillRect/>
           </a:stretch>
         </p:blipFill>
-        <p:spPr>
-          <a:xfrm>
-            <a:off x="2086285" y="2671857"/>
-            <a:ext cx="4971429" cy="1514286"/>
+        <p:spPr bwMode="auto">
+          <a:xfrm>
+            <a:off x="1259632" y="908720"/>
+            <a:ext cx="6858000" cy="5143501"/>
           </a:xfrm>
           <a:prstGeom prst="rect">
             <a:avLst/>
           </a:prstGeom>
+          <a:noFill/>
+          <a:extLst>
+            <a:ext uri="{909E8E84-426E-40DD-AFC4-6F175D3DCCD1}">
+              <a14:hiddenFill xmlns:a14="http://schemas.microsoft.com/office/drawing/2010/main">
+                <a:solidFill>
+                  <a:srgbClr val="FFFFFF"/>
+                </a:solidFill>
+              </a14:hiddenFill>
+            </a:ext>
+          </a:extLst>
         </p:spPr>
       </p:pic>
     </p:spTree>
     <p:extLst>
       <p:ext uri="{BB962C8B-B14F-4D97-AF65-F5344CB8AC3E}">
-        <p14:creationId xmlns:p14="http://schemas.microsoft.com/office/powerpoint/2010/main" val="1729189346"/>
+        <p14:creationId xmlns:p14="http://schemas.microsoft.com/office/powerpoint/2010/main" val="4037344796"/>
       </p:ext>
     </p:extLst>
   </p:cSld>
@@ -4090,52 +6831,40 @@
           <a:chExt cx="0" cy="0"/>
         </a:xfrm>
       </p:grpSpPr>
-      <p:sp>
-        <p:nvSpPr>
-          <p:cNvPr id="2" name="Titolo 1"/>
-          <p:cNvSpPr>
-            <a:spLocks noGrp="1"/>
-          </p:cNvSpPr>
-          <p:nvPr>
-            <p:ph type="title"/>
-          </p:nvPr>
-        </p:nvSpPr>
-        <p:spPr/>
-        <p:txBody>
-          <a:bodyPr/>
-          <a:lstStyle/>
-          <a:p>
-            <a:r>
-              <a:rPr lang="it-IT" dirty="0" smtClean="0"/>
-              <a:t>MEDICATIONS</a:t>
-            </a:r>
-            <a:endParaRPr lang="en-GB" dirty="0"/>
-          </a:p>
-        </p:txBody>
-      </p:sp>
-      <p:sp>
-        <p:nvSpPr>
-          <p:cNvPr id="3" name="Segnaposto testo 2"/>
-          <p:cNvSpPr>
-            <a:spLocks noGrp="1"/>
-          </p:cNvSpPr>
-          <p:nvPr>
-            <p:ph type="body" idx="1"/>
-          </p:nvPr>
-        </p:nvSpPr>
-        <p:spPr/>
-        <p:txBody>
-          <a:bodyPr/>
-          <a:lstStyle/>
-          <a:p>
-            <a:endParaRPr lang="en-GB"/>
-          </a:p>
-        </p:txBody>
-      </p:sp>
+      <p:pic>
+        <p:nvPicPr>
+          <p:cNvPr id="2" name="Immagine 1"/>
+          <p:cNvPicPr>
+            <a:picLocks noChangeAspect="1"/>
+          </p:cNvPicPr>
+          <p:nvPr/>
+        </p:nvPicPr>
+        <p:blipFill>
+          <a:blip r:embed="rId2">
+            <a:extLst>
+              <a:ext uri="{28A0092B-C50C-407E-A947-70E740481C1C}">
+                <a14:useLocalDpi xmlns:a14="http://schemas.microsoft.com/office/drawing/2010/main" val="0"/>
+              </a:ext>
+            </a:extLst>
+          </a:blip>
+          <a:stretch>
+            <a:fillRect/>
+          </a:stretch>
+        </p:blipFill>
+        <p:spPr>
+          <a:xfrm>
+            <a:off x="1681523" y="1433762"/>
+            <a:ext cx="5780953" cy="3990476"/>
+          </a:xfrm>
+          <a:prstGeom prst="rect">
+            <a:avLst/>
+          </a:prstGeom>
+        </p:spPr>
+      </p:pic>
     </p:spTree>
     <p:extLst>
       <p:ext uri="{BB962C8B-B14F-4D97-AF65-F5344CB8AC3E}">
-        <p14:creationId xmlns:p14="http://schemas.microsoft.com/office/powerpoint/2010/main" val="3051033145"/>
+        <p14:creationId xmlns:p14="http://schemas.microsoft.com/office/powerpoint/2010/main" val="1983349474"/>
       </p:ext>
     </p:extLst>
   </p:cSld>
@@ -4162,40 +6891,52 @@
           <a:chExt cx="0" cy="0"/>
         </a:xfrm>
       </p:grpSpPr>
-      <p:pic>
-        <p:nvPicPr>
-          <p:cNvPr id="3" name="Immagine 2"/>
-          <p:cNvPicPr>
-            <a:picLocks noChangeAspect="1"/>
-          </p:cNvPicPr>
-          <p:nvPr/>
-        </p:nvPicPr>
-        <p:blipFill>
-          <a:blip r:embed="rId2">
-            <a:extLst>
-              <a:ext uri="{28A0092B-C50C-407E-A947-70E740481C1C}">
-                <a14:useLocalDpi xmlns:a14="http://schemas.microsoft.com/office/drawing/2010/main" val="0"/>
-              </a:ext>
-            </a:extLst>
-          </a:blip>
-          <a:stretch>
-            <a:fillRect/>
-          </a:stretch>
-        </p:blipFill>
-        <p:spPr>
-          <a:xfrm>
-            <a:off x="2400571" y="2152809"/>
-            <a:ext cx="4342857" cy="2552381"/>
-          </a:xfrm>
-          <a:prstGeom prst="rect">
-            <a:avLst/>
-          </a:prstGeom>
-        </p:spPr>
-      </p:pic>
+      <p:sp>
+        <p:nvSpPr>
+          <p:cNvPr id="2" name="Titolo 1"/>
+          <p:cNvSpPr>
+            <a:spLocks noGrp="1"/>
+          </p:cNvSpPr>
+          <p:nvPr>
+            <p:ph type="title"/>
+          </p:nvPr>
+        </p:nvSpPr>
+        <p:spPr/>
+        <p:txBody>
+          <a:bodyPr/>
+          <a:lstStyle/>
+          <a:p>
+            <a:r>
+              <a:rPr lang="it-IT" dirty="0" smtClean="0"/>
+              <a:t>CLINICAL</a:t>
+            </a:r>
+            <a:endParaRPr lang="en-GB" dirty="0"/>
+          </a:p>
+        </p:txBody>
+      </p:sp>
+      <p:sp>
+        <p:nvSpPr>
+          <p:cNvPr id="3" name="Segnaposto testo 2"/>
+          <p:cNvSpPr>
+            <a:spLocks noGrp="1"/>
+          </p:cNvSpPr>
+          <p:nvPr>
+            <p:ph type="body" idx="1"/>
+          </p:nvPr>
+        </p:nvSpPr>
+        <p:spPr/>
+        <p:txBody>
+          <a:bodyPr/>
+          <a:lstStyle/>
+          <a:p>
+            <a:endParaRPr lang="en-GB"/>
+          </a:p>
+        </p:txBody>
+      </p:sp>
     </p:spTree>
     <p:extLst>
       <p:ext uri="{BB962C8B-B14F-4D97-AF65-F5344CB8AC3E}">
-        <p14:creationId xmlns:p14="http://schemas.microsoft.com/office/powerpoint/2010/main" val="2146669700"/>
+        <p14:creationId xmlns:p14="http://schemas.microsoft.com/office/powerpoint/2010/main" val="1717983638"/>
       </p:ext>
     </p:extLst>
   </p:cSld>
@@ -4224,9 +6965,9 @@
       </p:grpSpPr>
       <p:pic>
         <p:nvPicPr>
-          <p:cNvPr id="1026" name="Picture 2"/>
+          <p:cNvPr id="2" name="Immagine 1"/>
           <p:cNvPicPr>
-            <a:picLocks noChangeAspect="1" noChangeArrowheads="1"/>
+            <a:picLocks noChangeAspect="1"/>
           </p:cNvPicPr>
           <p:nvPr/>
         </p:nvPicPr>
@@ -4238,48 +6979,24 @@
               </a:ext>
             </a:extLst>
           </a:blip>
-          <a:srcRect/>
           <a:stretch>
             <a:fillRect/>
           </a:stretch>
         </p:blipFill>
-        <p:spPr bwMode="auto">
-          <a:xfrm>
-            <a:off x="0" y="0"/>
-            <a:ext cx="13011150" cy="7029450"/>
+        <p:spPr>
+          <a:xfrm>
+            <a:off x="1191047" y="1133761"/>
+            <a:ext cx="6761905" cy="4590477"/>
           </a:xfrm>
           <a:prstGeom prst="rect">
             <a:avLst/>
           </a:prstGeom>
-          <a:noFill/>
-          <a:ln>
-            <a:noFill/>
-          </a:ln>
-          <a:extLst>
-            <a:ext uri="{909E8E84-426E-40DD-AFC4-6F175D3DCCD1}">
-              <a14:hiddenFill xmlns:a14="http://schemas.microsoft.com/office/drawing/2010/main">
-                <a:solidFill>
-                  <a:schemeClr val="accent1"/>
-                </a:solidFill>
-              </a14:hiddenFill>
-            </a:ext>
-            <a:ext uri="{91240B29-F687-4F45-9708-019B960494DF}">
-              <a14:hiddenLine xmlns:a14="http://schemas.microsoft.com/office/drawing/2010/main" w="9525">
-                <a:solidFill>
-                  <a:schemeClr val="tx1"/>
-                </a:solidFill>
-                <a:miter lim="800000"/>
-                <a:headEnd/>
-                <a:tailEnd/>
-              </a14:hiddenLine>
-            </a:ext>
-          </a:extLst>
         </p:spPr>
       </p:pic>
     </p:spTree>
     <p:extLst>
       <p:ext uri="{BB962C8B-B14F-4D97-AF65-F5344CB8AC3E}">
-        <p14:creationId xmlns:p14="http://schemas.microsoft.com/office/powerpoint/2010/main" val="3911699469"/>
+        <p14:creationId xmlns:p14="http://schemas.microsoft.com/office/powerpoint/2010/main" val="2599331138"/>
       </p:ext>
     </p:extLst>
   </p:cSld>
@@ -4308,7 +7025,7 @@
       </p:grpSpPr>
       <p:pic>
         <p:nvPicPr>
-          <p:cNvPr id="1026" name="Picture 2"/>
+          <p:cNvPr id="2050" name="Picture 2"/>
           <p:cNvPicPr>
             <a:picLocks noChangeAspect="1" noChangeArrowheads="1"/>
           </p:cNvPicPr>
@@ -4329,8 +7046,8 @@
         </p:blipFill>
         <p:spPr bwMode="auto">
           <a:xfrm>
-            <a:off x="419100" y="1233488"/>
-            <a:ext cx="8305800" cy="4391025"/>
+            <a:off x="0" y="0"/>
+            <a:ext cx="12820650" cy="7029450"/>
           </a:xfrm>
           <a:prstGeom prst="rect">
             <a:avLst/>
@@ -4363,7 +7080,7 @@
     </p:spTree>
     <p:extLst>
       <p:ext uri="{BB962C8B-B14F-4D97-AF65-F5344CB8AC3E}">
-        <p14:creationId xmlns:p14="http://schemas.microsoft.com/office/powerpoint/2010/main" val="4041582797"/>
+        <p14:creationId xmlns:p14="http://schemas.microsoft.com/office/powerpoint/2010/main" val="1796659077"/>
       </p:ext>
     </p:extLst>
   </p:cSld>
@@ -4374,6 +7091,354 @@
 </file>
 
 <file path=ppt/slides/slide20.xml><?xml version="1.0" encoding="utf-8"?>
+<p:sld xmlns:a="http://schemas.openxmlformats.org/drawingml/2006/main" xmlns:r="http://schemas.openxmlformats.org/officeDocument/2006/relationships" xmlns:p="http://schemas.openxmlformats.org/presentationml/2006/main">
+  <p:cSld>
+    <p:spTree>
+      <p:nvGrpSpPr>
+        <p:cNvPr id="1" name=""/>
+        <p:cNvGrpSpPr/>
+        <p:nvPr/>
+      </p:nvGrpSpPr>
+      <p:grpSpPr>
+        <a:xfrm>
+          <a:off x="0" y="0"/>
+          <a:ext cx="0" cy="0"/>
+          <a:chOff x="0" y="0"/>
+          <a:chExt cx="0" cy="0"/>
+        </a:xfrm>
+      </p:grpSpPr>
+      <p:sp>
+        <p:nvSpPr>
+          <p:cNvPr id="2" name="Titolo 1"/>
+          <p:cNvSpPr>
+            <a:spLocks noGrp="1"/>
+          </p:cNvSpPr>
+          <p:nvPr>
+            <p:ph type="title"/>
+          </p:nvPr>
+        </p:nvSpPr>
+        <p:spPr/>
+        <p:txBody>
+          <a:bodyPr/>
+          <a:lstStyle/>
+          <a:p>
+            <a:r>
+              <a:rPr lang="it-IT" dirty="0" smtClean="0"/>
+              <a:t>ORGANIZATION</a:t>
+            </a:r>
+            <a:endParaRPr lang="en-GB" dirty="0"/>
+          </a:p>
+        </p:txBody>
+      </p:sp>
+      <p:sp>
+        <p:nvSpPr>
+          <p:cNvPr id="3" name="Segnaposto testo 2"/>
+          <p:cNvSpPr>
+            <a:spLocks noGrp="1"/>
+          </p:cNvSpPr>
+          <p:nvPr>
+            <p:ph type="body" idx="1"/>
+          </p:nvPr>
+        </p:nvSpPr>
+        <p:spPr/>
+        <p:txBody>
+          <a:bodyPr/>
+          <a:lstStyle/>
+          <a:p>
+            <a:endParaRPr lang="en-GB"/>
+          </a:p>
+        </p:txBody>
+      </p:sp>
+    </p:spTree>
+    <p:extLst>
+      <p:ext uri="{BB962C8B-B14F-4D97-AF65-F5344CB8AC3E}">
+        <p14:creationId xmlns:p14="http://schemas.microsoft.com/office/powerpoint/2010/main" val="1811937144"/>
+      </p:ext>
+    </p:extLst>
+  </p:cSld>
+  <p:clrMapOvr>
+    <a:masterClrMapping/>
+  </p:clrMapOvr>
+</p:sld>
+</file>
+
+<file path=ppt/slides/slide21.xml><?xml version="1.0" encoding="utf-8"?>
+<p:sld xmlns:a="http://schemas.openxmlformats.org/drawingml/2006/main" xmlns:r="http://schemas.openxmlformats.org/officeDocument/2006/relationships" xmlns:p="http://schemas.openxmlformats.org/presentationml/2006/main">
+  <p:cSld>
+    <p:spTree>
+      <p:nvGrpSpPr>
+        <p:cNvPr id="1" name=""/>
+        <p:cNvGrpSpPr/>
+        <p:nvPr/>
+      </p:nvGrpSpPr>
+      <p:grpSpPr>
+        <a:xfrm>
+          <a:off x="0" y="0"/>
+          <a:ext cx="0" cy="0"/>
+          <a:chOff x="0" y="0"/>
+          <a:chExt cx="0" cy="0"/>
+        </a:xfrm>
+      </p:grpSpPr>
+      <p:pic>
+        <p:nvPicPr>
+          <p:cNvPr id="4" name="Immagine 3"/>
+          <p:cNvPicPr>
+            <a:picLocks noChangeAspect="1"/>
+          </p:cNvPicPr>
+          <p:nvPr/>
+        </p:nvPicPr>
+        <p:blipFill>
+          <a:blip r:embed="rId2">
+            <a:extLst>
+              <a:ext uri="{28A0092B-C50C-407E-A947-70E740481C1C}">
+                <a14:useLocalDpi xmlns:a14="http://schemas.microsoft.com/office/drawing/2010/main" val="0"/>
+              </a:ext>
+            </a:extLst>
+          </a:blip>
+          <a:stretch>
+            <a:fillRect/>
+          </a:stretch>
+        </p:blipFill>
+        <p:spPr>
+          <a:xfrm>
+            <a:off x="2086285" y="2671857"/>
+            <a:ext cx="4971429" cy="1514286"/>
+          </a:xfrm>
+          <a:prstGeom prst="rect">
+            <a:avLst/>
+          </a:prstGeom>
+        </p:spPr>
+      </p:pic>
+    </p:spTree>
+    <p:extLst>
+      <p:ext uri="{BB962C8B-B14F-4D97-AF65-F5344CB8AC3E}">
+        <p14:creationId xmlns:p14="http://schemas.microsoft.com/office/powerpoint/2010/main" val="1729189346"/>
+      </p:ext>
+    </p:extLst>
+  </p:cSld>
+  <p:clrMapOvr>
+    <a:masterClrMapping/>
+  </p:clrMapOvr>
+</p:sld>
+</file>
+
+<file path=ppt/slides/slide22.xml><?xml version="1.0" encoding="utf-8"?>
+<p:sld xmlns:a="http://schemas.openxmlformats.org/drawingml/2006/main" xmlns:r="http://schemas.openxmlformats.org/officeDocument/2006/relationships" xmlns:p="http://schemas.openxmlformats.org/presentationml/2006/main">
+  <p:cSld>
+    <p:spTree>
+      <p:nvGrpSpPr>
+        <p:cNvPr id="1" name=""/>
+        <p:cNvGrpSpPr/>
+        <p:nvPr/>
+      </p:nvGrpSpPr>
+      <p:grpSpPr>
+        <a:xfrm>
+          <a:off x="0" y="0"/>
+          <a:ext cx="0" cy="0"/>
+          <a:chOff x="0" y="0"/>
+          <a:chExt cx="0" cy="0"/>
+        </a:xfrm>
+      </p:grpSpPr>
+      <p:sp>
+        <p:nvSpPr>
+          <p:cNvPr id="2" name="Titolo 1"/>
+          <p:cNvSpPr>
+            <a:spLocks noGrp="1"/>
+          </p:cNvSpPr>
+          <p:nvPr>
+            <p:ph type="title"/>
+          </p:nvPr>
+        </p:nvSpPr>
+        <p:spPr/>
+        <p:txBody>
+          <a:bodyPr/>
+          <a:lstStyle/>
+          <a:p>
+            <a:r>
+              <a:rPr lang="it-IT" dirty="0" smtClean="0"/>
+              <a:t>MEDICATIONS</a:t>
+            </a:r>
+            <a:endParaRPr lang="en-GB" dirty="0"/>
+          </a:p>
+        </p:txBody>
+      </p:sp>
+      <p:sp>
+        <p:nvSpPr>
+          <p:cNvPr id="3" name="Segnaposto testo 2"/>
+          <p:cNvSpPr>
+            <a:spLocks noGrp="1"/>
+          </p:cNvSpPr>
+          <p:nvPr>
+            <p:ph type="body" idx="1"/>
+          </p:nvPr>
+        </p:nvSpPr>
+        <p:spPr/>
+        <p:txBody>
+          <a:bodyPr/>
+          <a:lstStyle/>
+          <a:p>
+            <a:endParaRPr lang="en-GB"/>
+          </a:p>
+        </p:txBody>
+      </p:sp>
+    </p:spTree>
+    <p:extLst>
+      <p:ext uri="{BB962C8B-B14F-4D97-AF65-F5344CB8AC3E}">
+        <p14:creationId xmlns:p14="http://schemas.microsoft.com/office/powerpoint/2010/main" val="3051033145"/>
+      </p:ext>
+    </p:extLst>
+  </p:cSld>
+  <p:clrMapOvr>
+    <a:masterClrMapping/>
+  </p:clrMapOvr>
+</p:sld>
+</file>
+
+<file path=ppt/slides/slide23.xml><?xml version="1.0" encoding="utf-8"?>
+<p:sld xmlns:a="http://schemas.openxmlformats.org/drawingml/2006/main" xmlns:r="http://schemas.openxmlformats.org/officeDocument/2006/relationships" xmlns:p="http://schemas.openxmlformats.org/presentationml/2006/main">
+  <p:cSld>
+    <p:spTree>
+      <p:nvGrpSpPr>
+        <p:cNvPr id="1" name=""/>
+        <p:cNvGrpSpPr/>
+        <p:nvPr/>
+      </p:nvGrpSpPr>
+      <p:grpSpPr>
+        <a:xfrm>
+          <a:off x="0" y="0"/>
+          <a:ext cx="0" cy="0"/>
+          <a:chOff x="0" y="0"/>
+          <a:chExt cx="0" cy="0"/>
+        </a:xfrm>
+      </p:grpSpPr>
+      <p:pic>
+        <p:nvPicPr>
+          <p:cNvPr id="3" name="Immagine 2"/>
+          <p:cNvPicPr>
+            <a:picLocks noChangeAspect="1"/>
+          </p:cNvPicPr>
+          <p:nvPr/>
+        </p:nvPicPr>
+        <p:blipFill>
+          <a:blip r:embed="rId2">
+            <a:extLst>
+              <a:ext uri="{28A0092B-C50C-407E-A947-70E740481C1C}">
+                <a14:useLocalDpi xmlns:a14="http://schemas.microsoft.com/office/drawing/2010/main" val="0"/>
+              </a:ext>
+            </a:extLst>
+          </a:blip>
+          <a:stretch>
+            <a:fillRect/>
+          </a:stretch>
+        </p:blipFill>
+        <p:spPr>
+          <a:xfrm>
+            <a:off x="2400571" y="2152809"/>
+            <a:ext cx="4342857" cy="2552381"/>
+          </a:xfrm>
+          <a:prstGeom prst="rect">
+            <a:avLst/>
+          </a:prstGeom>
+        </p:spPr>
+      </p:pic>
+    </p:spTree>
+    <p:extLst>
+      <p:ext uri="{BB962C8B-B14F-4D97-AF65-F5344CB8AC3E}">
+        <p14:creationId xmlns:p14="http://schemas.microsoft.com/office/powerpoint/2010/main" val="2146669700"/>
+      </p:ext>
+    </p:extLst>
+  </p:cSld>
+  <p:clrMapOvr>
+    <a:masterClrMapping/>
+  </p:clrMapOvr>
+</p:sld>
+</file>
+
+<file path=ppt/slides/slide24.xml><?xml version="1.0" encoding="utf-8"?>
+<p:sld xmlns:a="http://schemas.openxmlformats.org/drawingml/2006/main" xmlns:r="http://schemas.openxmlformats.org/officeDocument/2006/relationships" xmlns:p="http://schemas.openxmlformats.org/presentationml/2006/main">
+  <p:cSld>
+    <p:spTree>
+      <p:nvGrpSpPr>
+        <p:cNvPr id="1" name=""/>
+        <p:cNvGrpSpPr/>
+        <p:nvPr/>
+      </p:nvGrpSpPr>
+      <p:grpSpPr>
+        <a:xfrm>
+          <a:off x="0" y="0"/>
+          <a:ext cx="0" cy="0"/>
+          <a:chOff x="0" y="0"/>
+          <a:chExt cx="0" cy="0"/>
+        </a:xfrm>
+      </p:grpSpPr>
+      <p:pic>
+        <p:nvPicPr>
+          <p:cNvPr id="1026" name="Picture 2"/>
+          <p:cNvPicPr>
+            <a:picLocks noChangeAspect="1" noChangeArrowheads="1"/>
+          </p:cNvPicPr>
+          <p:nvPr/>
+        </p:nvPicPr>
+        <p:blipFill>
+          <a:blip r:embed="rId2">
+            <a:extLst>
+              <a:ext uri="{28A0092B-C50C-407E-A947-70E740481C1C}">
+                <a14:useLocalDpi xmlns:a14="http://schemas.microsoft.com/office/drawing/2010/main" val="0"/>
+              </a:ext>
+            </a:extLst>
+          </a:blip>
+          <a:srcRect/>
+          <a:stretch>
+            <a:fillRect/>
+          </a:stretch>
+        </p:blipFill>
+        <p:spPr bwMode="auto">
+          <a:xfrm>
+            <a:off x="0" y="0"/>
+            <a:ext cx="13011150" cy="7029450"/>
+          </a:xfrm>
+          <a:prstGeom prst="rect">
+            <a:avLst/>
+          </a:prstGeom>
+          <a:noFill/>
+          <a:ln>
+            <a:noFill/>
+          </a:ln>
+          <a:extLst>
+            <a:ext uri="{909E8E84-426E-40DD-AFC4-6F175D3DCCD1}">
+              <a14:hiddenFill xmlns:a14="http://schemas.microsoft.com/office/drawing/2010/main">
+                <a:solidFill>
+                  <a:schemeClr val="accent1"/>
+                </a:solidFill>
+              </a14:hiddenFill>
+            </a:ext>
+            <a:ext uri="{91240B29-F687-4F45-9708-019B960494DF}">
+              <a14:hiddenLine xmlns:a14="http://schemas.microsoft.com/office/drawing/2010/main" w="9525">
+                <a:solidFill>
+                  <a:schemeClr val="tx1"/>
+                </a:solidFill>
+                <a:miter lim="800000"/>
+                <a:headEnd/>
+                <a:tailEnd/>
+              </a14:hiddenLine>
+            </a:ext>
+          </a:extLst>
+        </p:spPr>
+      </p:pic>
+    </p:spTree>
+    <p:extLst>
+      <p:ext uri="{BB962C8B-B14F-4D97-AF65-F5344CB8AC3E}">
+        <p14:creationId xmlns:p14="http://schemas.microsoft.com/office/powerpoint/2010/main" val="3911699469"/>
+      </p:ext>
+    </p:extLst>
+  </p:cSld>
+  <p:clrMapOvr>
+    <a:masterClrMapping/>
+  </p:clrMapOvr>
+</p:sld>
+</file>
+
+<file path=ppt/slides/slide25.xml><?xml version="1.0" encoding="utf-8"?>
 <p:sld xmlns:a="http://schemas.openxmlformats.org/drawingml/2006/main" xmlns:r="http://schemas.openxmlformats.org/officeDocument/2006/relationships" xmlns:p="http://schemas.openxmlformats.org/presentationml/2006/main">
   <p:cSld>
     <p:spTree>
@@ -6267,7 +9332,7 @@
 </p:sld>
 </file>
 
-<file path=ppt/slides/slide21.xml><?xml version="1.0" encoding="utf-8"?>
+<file path=ppt/slides/slide26.xml><?xml version="1.0" encoding="utf-8"?>
 <p:sld xmlns:a="http://schemas.openxmlformats.org/drawingml/2006/main" xmlns:r="http://schemas.openxmlformats.org/officeDocument/2006/relationships" xmlns:p="http://schemas.openxmlformats.org/presentationml/2006/main">
   <p:cSld>
     <p:spTree>
@@ -6397,7 +9462,7 @@
 </p:sld>
 </file>
 
-<file path=ppt/slides/slide22.xml><?xml version="1.0" encoding="utf-8"?>
+<file path=ppt/slides/slide27.xml><?xml version="1.0" encoding="utf-8"?>
 <p:sld xmlns:a="http://schemas.openxmlformats.org/drawingml/2006/main" xmlns:r="http://schemas.openxmlformats.org/officeDocument/2006/relationships" xmlns:p="http://schemas.openxmlformats.org/presentationml/2006/main">
   <p:cSld>
     <p:spTree>
@@ -6527,7 +9592,7 @@
 </p:sld>
 </file>
 
-<file path=ppt/slides/slide23.xml><?xml version="1.0" encoding="utf-8"?>
+<file path=ppt/slides/slide28.xml><?xml version="1.0" encoding="utf-8"?>
 <p:sld xmlns:a="http://schemas.openxmlformats.org/drawingml/2006/main" xmlns:r="http://schemas.openxmlformats.org/officeDocument/2006/relationships" xmlns:p="http://schemas.openxmlformats.org/presentationml/2006/main">
   <p:cSld>
     <p:spTree>
@@ -6703,7 +9768,7 @@
 </p:sld>
 </file>
 
-<file path=ppt/slides/slide24.xml><?xml version="1.0" encoding="utf-8"?>
+<file path=ppt/slides/slide29.xml><?xml version="1.0" encoding="utf-8"?>
 <p:sld xmlns:a="http://schemas.openxmlformats.org/drawingml/2006/main" xmlns:r="http://schemas.openxmlformats.org/officeDocument/2006/relationships" xmlns:p="http://schemas.openxmlformats.org/presentationml/2006/main">
   <p:cSld>
     <p:spTree>
@@ -6804,6 +9869,818 @@
           <a:chExt cx="0" cy="0"/>
         </a:xfrm>
       </p:grpSpPr>
+      <p:pic>
+        <p:nvPicPr>
+          <p:cNvPr id="3074" name="Picture 2"/>
+          <p:cNvPicPr>
+            <a:picLocks noChangeAspect="1" noChangeArrowheads="1"/>
+          </p:cNvPicPr>
+          <p:nvPr/>
+        </p:nvPicPr>
+        <p:blipFill>
+          <a:blip r:embed="rId2">
+            <a:extLst>
+              <a:ext uri="{28A0092B-C50C-407E-A947-70E740481C1C}">
+                <a14:useLocalDpi xmlns:a14="http://schemas.microsoft.com/office/drawing/2010/main" val="0"/>
+              </a:ext>
+            </a:extLst>
+          </a:blip>
+          <a:srcRect/>
+          <a:stretch>
+            <a:fillRect/>
+          </a:stretch>
+        </p:blipFill>
+        <p:spPr bwMode="auto">
+          <a:xfrm>
+            <a:off x="0" y="0"/>
+            <a:ext cx="13011150" cy="7029450"/>
+          </a:xfrm>
+          <a:prstGeom prst="rect">
+            <a:avLst/>
+          </a:prstGeom>
+          <a:noFill/>
+          <a:ln>
+            <a:noFill/>
+          </a:ln>
+          <a:extLst>
+            <a:ext uri="{909E8E84-426E-40DD-AFC4-6F175D3DCCD1}">
+              <a14:hiddenFill xmlns:a14="http://schemas.microsoft.com/office/drawing/2010/main">
+                <a:solidFill>
+                  <a:schemeClr val="accent1"/>
+                </a:solidFill>
+              </a14:hiddenFill>
+            </a:ext>
+            <a:ext uri="{91240B29-F687-4F45-9708-019B960494DF}">
+              <a14:hiddenLine xmlns:a14="http://schemas.microsoft.com/office/drawing/2010/main" w="9525">
+                <a:solidFill>
+                  <a:schemeClr val="tx1"/>
+                </a:solidFill>
+                <a:miter lim="800000"/>
+                <a:headEnd/>
+                <a:tailEnd/>
+              </a14:hiddenLine>
+            </a:ext>
+          </a:extLst>
+        </p:spPr>
+      </p:pic>
+    </p:spTree>
+    <p:extLst>
+      <p:ext uri="{BB962C8B-B14F-4D97-AF65-F5344CB8AC3E}">
+        <p14:creationId xmlns:p14="http://schemas.microsoft.com/office/powerpoint/2010/main" val="570685471"/>
+      </p:ext>
+    </p:extLst>
+  </p:cSld>
+  <p:clrMapOvr>
+    <a:masterClrMapping/>
+  </p:clrMapOvr>
+</p:sld>
+</file>
+
+<file path=ppt/slides/slide4.xml><?xml version="1.0" encoding="utf-8"?>
+<p:sld xmlns:a="http://schemas.openxmlformats.org/drawingml/2006/main" xmlns:r="http://schemas.openxmlformats.org/officeDocument/2006/relationships" xmlns:p="http://schemas.openxmlformats.org/presentationml/2006/main">
+  <p:cSld>
+    <p:spTree>
+      <p:nvGrpSpPr>
+        <p:cNvPr id="1" name=""/>
+        <p:cNvGrpSpPr/>
+        <p:nvPr/>
+      </p:nvGrpSpPr>
+      <p:grpSpPr>
+        <a:xfrm>
+          <a:off x="0" y="0"/>
+          <a:ext cx="0" cy="0"/>
+          <a:chOff x="0" y="0"/>
+          <a:chExt cx="0" cy="0"/>
+        </a:xfrm>
+      </p:grpSpPr>
+      <p:pic>
+        <p:nvPicPr>
+          <p:cNvPr id="5122" name="Picture 2"/>
+          <p:cNvPicPr>
+            <a:picLocks noChangeAspect="1" noChangeArrowheads="1"/>
+          </p:cNvPicPr>
+          <p:nvPr/>
+        </p:nvPicPr>
+        <p:blipFill>
+          <a:blip r:embed="rId2">
+            <a:extLst>
+              <a:ext uri="{28A0092B-C50C-407E-A947-70E740481C1C}">
+                <a14:useLocalDpi xmlns:a14="http://schemas.microsoft.com/office/drawing/2010/main" val="0"/>
+              </a:ext>
+            </a:extLst>
+          </a:blip>
+          <a:srcRect/>
+          <a:stretch>
+            <a:fillRect/>
+          </a:stretch>
+        </p:blipFill>
+        <p:spPr bwMode="auto">
+          <a:xfrm>
+            <a:off x="0" y="0"/>
+            <a:ext cx="13011150" cy="7029450"/>
+          </a:xfrm>
+          <a:prstGeom prst="rect">
+            <a:avLst/>
+          </a:prstGeom>
+          <a:noFill/>
+          <a:ln>
+            <a:noFill/>
+          </a:ln>
+          <a:extLst>
+            <a:ext uri="{909E8E84-426E-40DD-AFC4-6F175D3DCCD1}">
+              <a14:hiddenFill xmlns:a14="http://schemas.microsoft.com/office/drawing/2010/main">
+                <a:solidFill>
+                  <a:schemeClr val="accent1"/>
+                </a:solidFill>
+              </a14:hiddenFill>
+            </a:ext>
+            <a:ext uri="{91240B29-F687-4F45-9708-019B960494DF}">
+              <a14:hiddenLine xmlns:a14="http://schemas.microsoft.com/office/drawing/2010/main" w="9525">
+                <a:solidFill>
+                  <a:schemeClr val="tx1"/>
+                </a:solidFill>
+                <a:miter lim="800000"/>
+                <a:headEnd/>
+                <a:tailEnd/>
+              </a14:hiddenLine>
+            </a:ext>
+          </a:extLst>
+        </p:spPr>
+      </p:pic>
+    </p:spTree>
+    <p:extLst>
+      <p:ext uri="{BB962C8B-B14F-4D97-AF65-F5344CB8AC3E}">
+        <p14:creationId xmlns:p14="http://schemas.microsoft.com/office/powerpoint/2010/main" val="3347074805"/>
+      </p:ext>
+    </p:extLst>
+  </p:cSld>
+  <p:clrMapOvr>
+    <a:masterClrMapping/>
+  </p:clrMapOvr>
+</p:sld>
+</file>
+
+<file path=ppt/slides/slide5.xml><?xml version="1.0" encoding="utf-8"?>
+<p:sld xmlns:a="http://schemas.openxmlformats.org/drawingml/2006/main" xmlns:r="http://schemas.openxmlformats.org/officeDocument/2006/relationships" xmlns:p="http://schemas.openxmlformats.org/presentationml/2006/main">
+  <p:cSld>
+    <p:spTree>
+      <p:nvGrpSpPr>
+        <p:cNvPr id="1" name=""/>
+        <p:cNvGrpSpPr/>
+        <p:nvPr/>
+      </p:nvGrpSpPr>
+      <p:grpSpPr>
+        <a:xfrm>
+          <a:off x="0" y="0"/>
+          <a:ext cx="0" cy="0"/>
+          <a:chOff x="0" y="0"/>
+          <a:chExt cx="0" cy="0"/>
+        </a:xfrm>
+      </p:grpSpPr>
+      <p:pic>
+        <p:nvPicPr>
+          <p:cNvPr id="4098" name="Picture 2" descr="https://www.hl7.org/fhir/saif.png"/>
+          <p:cNvPicPr>
+            <a:picLocks noChangeAspect="1" noChangeArrowheads="1"/>
+          </p:cNvPicPr>
+          <p:nvPr/>
+        </p:nvPicPr>
+        <p:blipFill>
+          <a:blip r:embed="rId2">
+            <a:extLst>
+              <a:ext uri="{28A0092B-C50C-407E-A947-70E740481C1C}">
+                <a14:useLocalDpi xmlns:a14="http://schemas.microsoft.com/office/drawing/2010/main" val="0"/>
+              </a:ext>
+            </a:extLst>
+          </a:blip>
+          <a:srcRect/>
+          <a:stretch>
+            <a:fillRect/>
+          </a:stretch>
+        </p:blipFill>
+        <p:spPr bwMode="auto">
+          <a:xfrm>
+            <a:off x="155575" y="1628800"/>
+            <a:ext cx="8782050" cy="3838576"/>
+          </a:xfrm>
+          <a:prstGeom prst="rect">
+            <a:avLst/>
+          </a:prstGeom>
+          <a:noFill/>
+          <a:extLst>
+            <a:ext uri="{909E8E84-426E-40DD-AFC4-6F175D3DCCD1}">
+              <a14:hiddenFill xmlns:a14="http://schemas.microsoft.com/office/drawing/2010/main">
+                <a:solidFill>
+                  <a:srgbClr val="FFFFFF"/>
+                </a:solidFill>
+              </a14:hiddenFill>
+            </a:ext>
+          </a:extLst>
+        </p:spPr>
+      </p:pic>
+    </p:spTree>
+    <p:extLst>
+      <p:ext uri="{BB962C8B-B14F-4D97-AF65-F5344CB8AC3E}">
+        <p14:creationId xmlns:p14="http://schemas.microsoft.com/office/powerpoint/2010/main" val="3930702803"/>
+      </p:ext>
+    </p:extLst>
+  </p:cSld>
+  <p:clrMapOvr>
+    <a:masterClrMapping/>
+  </p:clrMapOvr>
+</p:sld>
+</file>
+
+<file path=ppt/slides/slide6.xml><?xml version="1.0" encoding="utf-8"?>
+<p:sld xmlns:a="http://schemas.openxmlformats.org/drawingml/2006/main" xmlns:r="http://schemas.openxmlformats.org/officeDocument/2006/relationships" xmlns:p="http://schemas.openxmlformats.org/presentationml/2006/main">
+  <p:cSld>
+    <p:spTree>
+      <p:nvGrpSpPr>
+        <p:cNvPr id="1" name=""/>
+        <p:cNvGrpSpPr/>
+        <p:nvPr/>
+      </p:nvGrpSpPr>
+      <p:grpSpPr>
+        <a:xfrm>
+          <a:off x="0" y="0"/>
+          <a:ext cx="0" cy="0"/>
+          <a:chOff x="0" y="0"/>
+          <a:chExt cx="0" cy="0"/>
+        </a:xfrm>
+      </p:grpSpPr>
+      <p:sp>
+        <p:nvSpPr>
+          <p:cNvPr id="4" name="Ovale 3"/>
+          <p:cNvSpPr/>
+          <p:nvPr/>
+        </p:nvSpPr>
+        <p:spPr>
+          <a:xfrm>
+            <a:off x="3419872" y="1124744"/>
+            <a:ext cx="2572409" cy="2088232"/>
+          </a:xfrm>
+          <a:prstGeom prst="ellipse">
+            <a:avLst/>
+          </a:prstGeom>
+        </p:spPr>
+        <p:style>
+          <a:lnRef idx="1">
+            <a:schemeClr val="accent6"/>
+          </a:lnRef>
+          <a:fillRef idx="2">
+            <a:schemeClr val="accent6"/>
+          </a:fillRef>
+          <a:effectRef idx="1">
+            <a:schemeClr val="accent6"/>
+          </a:effectRef>
+          <a:fontRef idx="minor">
+            <a:schemeClr val="dk1"/>
+          </a:fontRef>
+        </p:style>
+        <p:txBody>
+          <a:bodyPr rtlCol="0" anchor="ctr"/>
+          <a:lstStyle/>
+          <a:p>
+            <a:endParaRPr lang="en-GB" dirty="0"/>
+          </a:p>
+        </p:txBody>
+      </p:sp>
+      <p:sp>
+        <p:nvSpPr>
+          <p:cNvPr id="2" name="Ovale 1"/>
+          <p:cNvSpPr/>
+          <p:nvPr/>
+        </p:nvSpPr>
+        <p:spPr>
+          <a:xfrm>
+            <a:off x="3563888" y="1556792"/>
+            <a:ext cx="2448272" cy="2232248"/>
+          </a:xfrm>
+          <a:prstGeom prst="ellipse">
+            <a:avLst/>
+          </a:prstGeom>
+        </p:spPr>
+        <p:style>
+          <a:lnRef idx="1">
+            <a:schemeClr val="accent5"/>
+          </a:lnRef>
+          <a:fillRef idx="2">
+            <a:schemeClr val="accent5"/>
+          </a:fillRef>
+          <a:effectRef idx="1">
+            <a:schemeClr val="accent5"/>
+          </a:effectRef>
+          <a:fontRef idx="minor">
+            <a:schemeClr val="dk1"/>
+          </a:fontRef>
+        </p:style>
+        <p:txBody>
+          <a:bodyPr rtlCol="0" anchor="ctr"/>
+          <a:lstStyle/>
+          <a:p>
+            <a:r>
+              <a:rPr lang="it-IT" dirty="0" smtClean="0"/>
+              <a:t>FHIR</a:t>
+            </a:r>
+            <a:endParaRPr lang="en-GB" dirty="0"/>
+          </a:p>
+        </p:txBody>
+      </p:sp>
+      <p:sp>
+        <p:nvSpPr>
+          <p:cNvPr id="3" name="Ovale 2"/>
+          <p:cNvSpPr/>
+          <p:nvPr/>
+        </p:nvSpPr>
+        <p:spPr>
+          <a:xfrm>
+            <a:off x="4541966" y="2156788"/>
+            <a:ext cx="1446371" cy="1289698"/>
+          </a:xfrm>
+          <a:prstGeom prst="ellipse">
+            <a:avLst/>
+          </a:prstGeom>
+        </p:spPr>
+        <p:style>
+          <a:lnRef idx="1">
+            <a:schemeClr val="accent4"/>
+          </a:lnRef>
+          <a:fillRef idx="2">
+            <a:schemeClr val="accent4"/>
+          </a:fillRef>
+          <a:effectRef idx="1">
+            <a:schemeClr val="accent4"/>
+          </a:effectRef>
+          <a:fontRef idx="minor">
+            <a:schemeClr val="dk1"/>
+          </a:fontRef>
+        </p:style>
+        <p:txBody>
+          <a:bodyPr rtlCol="0" anchor="ctr"/>
+          <a:lstStyle/>
+          <a:p>
+            <a:pPr algn="ctr"/>
+            <a:r>
+              <a:rPr lang="it-IT" dirty="0" smtClean="0"/>
+              <a:t>HL7v23</a:t>
+            </a:r>
+            <a:endParaRPr lang="en-GB" dirty="0"/>
+          </a:p>
+        </p:txBody>
+      </p:sp>
+      <p:sp>
+        <p:nvSpPr>
+          <p:cNvPr id="5" name="CasellaDiTesto 4"/>
+          <p:cNvSpPr txBox="1"/>
+          <p:nvPr/>
+        </p:nvSpPr>
+        <p:spPr>
+          <a:xfrm>
+            <a:off x="4087797" y="1195963"/>
+            <a:ext cx="1236557" cy="369332"/>
+          </a:xfrm>
+          <a:prstGeom prst="rect">
+            <a:avLst/>
+          </a:prstGeom>
+          <a:noFill/>
+        </p:spPr>
+        <p:txBody>
+          <a:bodyPr wrap="none" rtlCol="0">
+            <a:spAutoFit/>
+          </a:bodyPr>
+          <a:lstStyle/>
+          <a:p>
+            <a:r>
+              <a:rPr lang="it-IT" dirty="0" err="1" smtClean="0"/>
+              <a:t>ITelDomain</a:t>
+            </a:r>
+            <a:endParaRPr lang="en-GB" dirty="0"/>
+          </a:p>
+        </p:txBody>
+      </p:sp>
+      <p:sp>
+        <p:nvSpPr>
+          <p:cNvPr id="6" name="CasellaDiTesto 5"/>
+          <p:cNvSpPr txBox="1"/>
+          <p:nvPr/>
+        </p:nvSpPr>
+        <p:spPr>
+          <a:xfrm>
+            <a:off x="6723109" y="260648"/>
+            <a:ext cx="2260940" cy="369332"/>
+          </a:xfrm>
+          <a:prstGeom prst="rect">
+            <a:avLst/>
+          </a:prstGeom>
+          <a:noFill/>
+        </p:spPr>
+        <p:txBody>
+          <a:bodyPr wrap="none" rtlCol="0">
+            <a:spAutoFit/>
+          </a:bodyPr>
+          <a:lstStyle/>
+          <a:p>
+            <a:r>
+              <a:rPr lang="it-IT" dirty="0" smtClean="0"/>
+              <a:t>RER/</a:t>
+            </a:r>
+            <a:r>
+              <a:rPr lang="it-IT" dirty="0" err="1" smtClean="0"/>
+              <a:t>Italy</a:t>
+            </a:r>
+            <a:r>
+              <a:rPr lang="it-IT" dirty="0" smtClean="0"/>
+              <a:t>/CEE Domain</a:t>
+            </a:r>
+            <a:endParaRPr lang="en-GB" dirty="0"/>
+          </a:p>
+        </p:txBody>
+      </p:sp>
+      <p:sp>
+        <p:nvSpPr>
+          <p:cNvPr id="7" name="CasellaDiTesto 6"/>
+          <p:cNvSpPr txBox="1"/>
+          <p:nvPr/>
+        </p:nvSpPr>
+        <p:spPr>
+          <a:xfrm>
+            <a:off x="858421" y="3123320"/>
+            <a:ext cx="3538726" cy="646331"/>
+          </a:xfrm>
+          <a:prstGeom prst="rect">
+            <a:avLst/>
+          </a:prstGeom>
+        </p:spPr>
+        <p:style>
+          <a:lnRef idx="1">
+            <a:schemeClr val="accent2"/>
+          </a:lnRef>
+          <a:fillRef idx="2">
+            <a:schemeClr val="accent2"/>
+          </a:fillRef>
+          <a:effectRef idx="1">
+            <a:schemeClr val="accent2"/>
+          </a:effectRef>
+          <a:fontRef idx="minor">
+            <a:schemeClr val="dk1"/>
+          </a:fontRef>
+        </p:style>
+        <p:txBody>
+          <a:bodyPr wrap="none" rtlCol="0">
+            <a:spAutoFit/>
+          </a:bodyPr>
+          <a:lstStyle/>
+          <a:p>
+            <a:r>
+              <a:rPr lang="it-IT" dirty="0" smtClean="0"/>
+              <a:t>«Leggere» FHIR alla luce </a:t>
+            </a:r>
+          </a:p>
+          <a:p>
+            <a:r>
+              <a:rPr lang="it-IT" dirty="0" smtClean="0"/>
+              <a:t>dei processi / protocolli che ipotizza</a:t>
+            </a:r>
+            <a:endParaRPr lang="en-GB" dirty="0"/>
+          </a:p>
+        </p:txBody>
+      </p:sp>
+      <p:cxnSp>
+        <p:nvCxnSpPr>
+          <p:cNvPr id="9" name="Connettore 4 8"/>
+          <p:cNvCxnSpPr>
+            <a:stCxn id="7" idx="0"/>
+            <a:endCxn id="4" idx="2"/>
+          </p:cNvCxnSpPr>
+          <p:nvPr/>
+        </p:nvCxnSpPr>
+        <p:spPr>
+          <a:xfrm rot="5400000" flipH="1" flipV="1">
+            <a:off x="2546598" y="2250046"/>
+            <a:ext cx="954460" cy="792088"/>
+          </a:xfrm>
+          <a:prstGeom prst="bentConnector2">
+            <a:avLst/>
+          </a:prstGeom>
+          <a:ln>
+            <a:tailEnd type="arrow"/>
+          </a:ln>
+        </p:spPr>
+        <p:style>
+          <a:lnRef idx="1">
+            <a:schemeClr val="accent1"/>
+          </a:lnRef>
+          <a:fillRef idx="0">
+            <a:schemeClr val="accent1"/>
+          </a:fillRef>
+          <a:effectRef idx="0">
+            <a:schemeClr val="accent1"/>
+          </a:effectRef>
+          <a:fontRef idx="minor">
+            <a:schemeClr val="tx1"/>
+          </a:fontRef>
+        </p:style>
+      </p:cxnSp>
+      <p:sp>
+        <p:nvSpPr>
+          <p:cNvPr id="15" name="Ovale 14"/>
+          <p:cNvSpPr/>
+          <p:nvPr/>
+        </p:nvSpPr>
+        <p:spPr>
+          <a:xfrm>
+            <a:off x="4764201" y="4181768"/>
+            <a:ext cx="2448272" cy="2232248"/>
+          </a:xfrm>
+          <a:prstGeom prst="ellipse">
+            <a:avLst/>
+          </a:prstGeom>
+        </p:spPr>
+        <p:style>
+          <a:lnRef idx="1">
+            <a:schemeClr val="accent5"/>
+          </a:lnRef>
+          <a:fillRef idx="2">
+            <a:schemeClr val="accent5"/>
+          </a:fillRef>
+          <a:effectRef idx="1">
+            <a:schemeClr val="accent5"/>
+          </a:effectRef>
+          <a:fontRef idx="minor">
+            <a:schemeClr val="dk1"/>
+          </a:fontRef>
+        </p:style>
+        <p:txBody>
+          <a:bodyPr rtlCol="0" anchor="ctr"/>
+          <a:lstStyle/>
+          <a:p>
+            <a:r>
+              <a:rPr lang="it-IT" dirty="0" smtClean="0"/>
+              <a:t>FHIR</a:t>
+            </a:r>
+            <a:endParaRPr lang="en-GB" dirty="0"/>
+          </a:p>
+        </p:txBody>
+      </p:sp>
+      <p:sp>
+        <p:nvSpPr>
+          <p:cNvPr id="16" name="Ovale 15"/>
+          <p:cNvSpPr/>
+          <p:nvPr/>
+        </p:nvSpPr>
+        <p:spPr>
+          <a:xfrm>
+            <a:off x="5742279" y="4781764"/>
+            <a:ext cx="1446371" cy="1289698"/>
+          </a:xfrm>
+          <a:prstGeom prst="ellipse">
+            <a:avLst/>
+          </a:prstGeom>
+        </p:spPr>
+        <p:style>
+          <a:lnRef idx="1">
+            <a:schemeClr val="accent4"/>
+          </a:lnRef>
+          <a:fillRef idx="2">
+            <a:schemeClr val="accent4"/>
+          </a:fillRef>
+          <a:effectRef idx="1">
+            <a:schemeClr val="accent4"/>
+          </a:effectRef>
+          <a:fontRef idx="minor">
+            <a:schemeClr val="dk1"/>
+          </a:fontRef>
+        </p:style>
+        <p:txBody>
+          <a:bodyPr rtlCol="0" anchor="ctr"/>
+          <a:lstStyle/>
+          <a:p>
+            <a:pPr algn="ctr"/>
+            <a:r>
+              <a:rPr lang="it-IT" dirty="0" smtClean="0"/>
+              <a:t>HL7v23</a:t>
+            </a:r>
+            <a:endParaRPr lang="en-GB" dirty="0"/>
+          </a:p>
+        </p:txBody>
+      </p:sp>
+      <p:sp>
+        <p:nvSpPr>
+          <p:cNvPr id="14" name="Ovale 13"/>
+          <p:cNvSpPr/>
+          <p:nvPr/>
+        </p:nvSpPr>
+        <p:spPr>
+          <a:xfrm>
+            <a:off x="5128700" y="4226584"/>
+            <a:ext cx="1800200" cy="1071308"/>
+          </a:xfrm>
+          <a:prstGeom prst="ellipse">
+            <a:avLst/>
+          </a:prstGeom>
+        </p:spPr>
+        <p:style>
+          <a:lnRef idx="1">
+            <a:schemeClr val="accent6"/>
+          </a:lnRef>
+          <a:fillRef idx="2">
+            <a:schemeClr val="accent6"/>
+          </a:fillRef>
+          <a:effectRef idx="1">
+            <a:schemeClr val="accent6"/>
+          </a:effectRef>
+          <a:fontRef idx="minor">
+            <a:schemeClr val="dk1"/>
+          </a:fontRef>
+        </p:style>
+        <p:txBody>
+          <a:bodyPr rtlCol="0" anchor="ctr"/>
+          <a:lstStyle/>
+          <a:p>
+            <a:endParaRPr lang="en-GB" dirty="0"/>
+          </a:p>
+        </p:txBody>
+      </p:sp>
+      <p:sp>
+        <p:nvSpPr>
+          <p:cNvPr id="17" name="CasellaDiTesto 16"/>
+          <p:cNvSpPr txBox="1"/>
+          <p:nvPr/>
+        </p:nvSpPr>
+        <p:spPr>
+          <a:xfrm>
+            <a:off x="5393881" y="4504646"/>
+            <a:ext cx="1236557" cy="369332"/>
+          </a:xfrm>
+          <a:prstGeom prst="rect">
+            <a:avLst/>
+          </a:prstGeom>
+          <a:noFill/>
+        </p:spPr>
+        <p:txBody>
+          <a:bodyPr wrap="none" rtlCol="0">
+            <a:spAutoFit/>
+          </a:bodyPr>
+          <a:lstStyle/>
+          <a:p>
+            <a:r>
+              <a:rPr lang="it-IT" dirty="0" err="1" smtClean="0"/>
+              <a:t>ITelDomain</a:t>
+            </a:r>
+            <a:endParaRPr lang="en-GB" dirty="0"/>
+          </a:p>
+        </p:txBody>
+      </p:sp>
+      <p:cxnSp>
+        <p:nvCxnSpPr>
+          <p:cNvPr id="18" name="Connettore 4 17"/>
+          <p:cNvCxnSpPr>
+            <a:stCxn id="7" idx="2"/>
+            <a:endCxn id="14" idx="2"/>
+          </p:cNvCxnSpPr>
+          <p:nvPr/>
+        </p:nvCxnSpPr>
+        <p:spPr>
+          <a:xfrm rot="16200000" flipH="1">
+            <a:off x="3381949" y="3015486"/>
+            <a:ext cx="992587" cy="2500916"/>
+          </a:xfrm>
+          <a:prstGeom prst="bentConnector2">
+            <a:avLst/>
+          </a:prstGeom>
+          <a:ln>
+            <a:tailEnd type="arrow"/>
+          </a:ln>
+        </p:spPr>
+        <p:style>
+          <a:lnRef idx="1">
+            <a:schemeClr val="accent1"/>
+          </a:lnRef>
+          <a:fillRef idx="0">
+            <a:schemeClr val="accent1"/>
+          </a:fillRef>
+          <a:effectRef idx="0">
+            <a:schemeClr val="accent1"/>
+          </a:effectRef>
+          <a:fontRef idx="minor">
+            <a:schemeClr val="tx1"/>
+          </a:fontRef>
+        </p:style>
+      </p:cxnSp>
+    </p:spTree>
+    <p:extLst>
+      <p:ext uri="{BB962C8B-B14F-4D97-AF65-F5344CB8AC3E}">
+        <p14:creationId xmlns:p14="http://schemas.microsoft.com/office/powerpoint/2010/main" val="204676631"/>
+      </p:ext>
+    </p:extLst>
+  </p:cSld>
+  <p:clrMapOvr>
+    <a:masterClrMapping/>
+  </p:clrMapOvr>
+</p:sld>
+</file>
+
+<file path=ppt/slides/slide7.xml><?xml version="1.0" encoding="utf-8"?>
+<p:sld xmlns:a="http://schemas.openxmlformats.org/drawingml/2006/main" xmlns:r="http://schemas.openxmlformats.org/officeDocument/2006/relationships" xmlns:p="http://schemas.openxmlformats.org/presentationml/2006/main">
+  <p:cSld>
+    <p:spTree>
+      <p:nvGrpSpPr>
+        <p:cNvPr id="1" name=""/>
+        <p:cNvGrpSpPr/>
+        <p:nvPr/>
+      </p:nvGrpSpPr>
+      <p:grpSpPr>
+        <a:xfrm>
+          <a:off x="0" y="0"/>
+          <a:ext cx="0" cy="0"/>
+          <a:chOff x="0" y="0"/>
+          <a:chExt cx="0" cy="0"/>
+        </a:xfrm>
+      </p:grpSpPr>
+      <p:pic>
+        <p:nvPicPr>
+          <p:cNvPr id="1026" name="Picture 2"/>
+          <p:cNvPicPr>
+            <a:picLocks noChangeAspect="1" noChangeArrowheads="1"/>
+          </p:cNvPicPr>
+          <p:nvPr/>
+        </p:nvPicPr>
+        <p:blipFill>
+          <a:blip r:embed="rId2">
+            <a:extLst>
+              <a:ext uri="{28A0092B-C50C-407E-A947-70E740481C1C}">
+                <a14:useLocalDpi xmlns:a14="http://schemas.microsoft.com/office/drawing/2010/main" val="0"/>
+              </a:ext>
+            </a:extLst>
+          </a:blip>
+          <a:srcRect/>
+          <a:stretch>
+            <a:fillRect/>
+          </a:stretch>
+        </p:blipFill>
+        <p:spPr bwMode="auto">
+          <a:xfrm>
+            <a:off x="419100" y="1233488"/>
+            <a:ext cx="8305800" cy="4391025"/>
+          </a:xfrm>
+          <a:prstGeom prst="rect">
+            <a:avLst/>
+          </a:prstGeom>
+          <a:noFill/>
+          <a:ln>
+            <a:noFill/>
+          </a:ln>
+          <a:extLst>
+            <a:ext uri="{909E8E84-426E-40DD-AFC4-6F175D3DCCD1}">
+              <a14:hiddenFill xmlns:a14="http://schemas.microsoft.com/office/drawing/2010/main">
+                <a:solidFill>
+                  <a:schemeClr val="accent1"/>
+                </a:solidFill>
+              </a14:hiddenFill>
+            </a:ext>
+            <a:ext uri="{91240B29-F687-4F45-9708-019B960494DF}">
+              <a14:hiddenLine xmlns:a14="http://schemas.microsoft.com/office/drawing/2010/main" w="9525">
+                <a:solidFill>
+                  <a:schemeClr val="tx1"/>
+                </a:solidFill>
+                <a:miter lim="800000"/>
+                <a:headEnd/>
+                <a:tailEnd/>
+              </a14:hiddenLine>
+            </a:ext>
+          </a:extLst>
+        </p:spPr>
+      </p:pic>
+    </p:spTree>
+    <p:extLst>
+      <p:ext uri="{BB962C8B-B14F-4D97-AF65-F5344CB8AC3E}">
+        <p14:creationId xmlns:p14="http://schemas.microsoft.com/office/powerpoint/2010/main" val="4041582797"/>
+      </p:ext>
+    </p:extLst>
+  </p:cSld>
+  <p:clrMapOvr>
+    <a:masterClrMapping/>
+  </p:clrMapOvr>
+</p:sld>
+</file>
+
+<file path=ppt/slides/slide8.xml><?xml version="1.0" encoding="utf-8"?>
+<p:sld xmlns:a="http://schemas.openxmlformats.org/drawingml/2006/main" xmlns:r="http://schemas.openxmlformats.org/officeDocument/2006/relationships" xmlns:p="http://schemas.openxmlformats.org/presentationml/2006/main">
+  <p:cSld>
+    <p:spTree>
+      <p:nvGrpSpPr>
+        <p:cNvPr id="1" name=""/>
+        <p:cNvGrpSpPr/>
+        <p:nvPr/>
+      </p:nvGrpSpPr>
+      <p:grpSpPr>
+        <a:xfrm>
+          <a:off x="0" y="0"/>
+          <a:ext cx="0" cy="0"/>
+          <a:chOff x="0" y="0"/>
+          <a:chExt cx="0" cy="0"/>
+        </a:xfrm>
+      </p:grpSpPr>
       <p:sp>
         <p:nvSpPr>
           <p:cNvPr id="2" name="Segnaposto piè di pagina 1"/>
@@ -6855,7 +10732,7 @@
           <a:p>
             <a:fld id="{03E3EE0D-7662-4732-93DA-E3593AA869E4}" type="slidenum">
               <a:rPr lang="it-IT" smtClean="0"/>
-              <a:t>3</a:t>
+              <a:t>8</a:t>
             </a:fld>
             <a:endParaRPr lang="it-IT"/>
           </a:p>
@@ -9965,7 +13842,7 @@
 </p:sld>
 </file>
 
-<file path=ppt/slides/slide4.xml><?xml version="1.0" encoding="utf-8"?>
+<file path=ppt/slides/slide9.xml><?xml version="1.0" encoding="utf-8"?>
 <p:sld xmlns:a="http://schemas.openxmlformats.org/drawingml/2006/main" xmlns:r="http://schemas.openxmlformats.org/officeDocument/2006/relationships" xmlns:p="http://schemas.openxmlformats.org/presentationml/2006/main">
   <p:cSld>
     <p:spTree>
@@ -10057,3495 +13934,6 @@
     <p:extLst>
       <p:ext uri="{BB962C8B-B14F-4D97-AF65-F5344CB8AC3E}">
         <p14:creationId xmlns:p14="http://schemas.microsoft.com/office/powerpoint/2010/main" val="2704361617"/>
-      </p:ext>
-    </p:extLst>
-  </p:cSld>
-  <p:clrMapOvr>
-    <a:masterClrMapping/>
-  </p:clrMapOvr>
-</p:sld>
-</file>
-
-<file path=ppt/slides/slide5.xml><?xml version="1.0" encoding="utf-8"?>
-<p:sld xmlns:a="http://schemas.openxmlformats.org/drawingml/2006/main" xmlns:r="http://schemas.openxmlformats.org/officeDocument/2006/relationships" xmlns:p="http://schemas.openxmlformats.org/presentationml/2006/main">
-  <p:cSld>
-    <p:spTree>
-      <p:nvGrpSpPr>
-        <p:cNvPr id="1" name=""/>
-        <p:cNvGrpSpPr/>
-        <p:nvPr/>
-      </p:nvGrpSpPr>
-      <p:grpSpPr>
-        <a:xfrm>
-          <a:off x="0" y="0"/>
-          <a:ext cx="0" cy="0"/>
-          <a:chOff x="0" y="0"/>
-          <a:chExt cx="0" cy="0"/>
-        </a:xfrm>
-      </p:grpSpPr>
-      <p:sp>
-        <p:nvSpPr>
-          <p:cNvPr id="2" name="Titolo 1"/>
-          <p:cNvSpPr>
-            <a:spLocks noGrp="1"/>
-          </p:cNvSpPr>
-          <p:nvPr>
-            <p:ph type="title"/>
-          </p:nvPr>
-        </p:nvSpPr>
-        <p:spPr/>
-        <p:txBody>
-          <a:bodyPr/>
-          <a:lstStyle/>
-          <a:p>
-            <a:r>
-              <a:rPr lang="it-IT" dirty="0" smtClean="0"/>
-              <a:t>ADMINISTRATION</a:t>
-            </a:r>
-            <a:endParaRPr lang="en-GB" dirty="0"/>
-          </a:p>
-        </p:txBody>
-      </p:sp>
-      <p:sp>
-        <p:nvSpPr>
-          <p:cNvPr id="3" name="Segnaposto testo 2"/>
-          <p:cNvSpPr>
-            <a:spLocks noGrp="1"/>
-          </p:cNvSpPr>
-          <p:nvPr>
-            <p:ph type="body" idx="1"/>
-          </p:nvPr>
-        </p:nvSpPr>
-        <p:spPr/>
-        <p:txBody>
-          <a:bodyPr/>
-          <a:lstStyle/>
-          <a:p>
-            <a:endParaRPr lang="en-GB"/>
-          </a:p>
-        </p:txBody>
-      </p:sp>
-    </p:spTree>
-    <p:extLst>
-      <p:ext uri="{BB962C8B-B14F-4D97-AF65-F5344CB8AC3E}">
-        <p14:creationId xmlns:p14="http://schemas.microsoft.com/office/powerpoint/2010/main" val="3868038661"/>
-      </p:ext>
-    </p:extLst>
-  </p:cSld>
-  <p:clrMapOvr>
-    <a:masterClrMapping/>
-  </p:clrMapOvr>
-</p:sld>
-</file>
-
-<file path=ppt/slides/slide6.xml><?xml version="1.0" encoding="utf-8"?>
-<p:sld xmlns:a="http://schemas.openxmlformats.org/drawingml/2006/main" xmlns:r="http://schemas.openxmlformats.org/officeDocument/2006/relationships" xmlns:p="http://schemas.openxmlformats.org/presentationml/2006/main">
-  <p:cSld>
-    <p:spTree>
-      <p:nvGrpSpPr>
-        <p:cNvPr id="1" name=""/>
-        <p:cNvGrpSpPr/>
-        <p:nvPr/>
-      </p:nvGrpSpPr>
-      <p:grpSpPr>
-        <a:xfrm>
-          <a:off x="0" y="0"/>
-          <a:ext cx="0" cy="0"/>
-          <a:chOff x="0" y="0"/>
-          <a:chExt cx="0" cy="0"/>
-        </a:xfrm>
-      </p:grpSpPr>
-      <p:pic>
-        <p:nvPicPr>
-          <p:cNvPr id="2050" name="Picture 2" descr="Image showing the administration interactions"/>
-          <p:cNvPicPr>
-            <a:picLocks noChangeAspect="1" noChangeArrowheads="1"/>
-          </p:cNvPicPr>
-          <p:nvPr/>
-        </p:nvPicPr>
-        <p:blipFill>
-          <a:blip r:embed="rId2">
-            <a:extLst>
-              <a:ext uri="{28A0092B-C50C-407E-A947-70E740481C1C}">
-                <a14:useLocalDpi xmlns:a14="http://schemas.microsoft.com/office/drawing/2010/main" val="0"/>
-              </a:ext>
-            </a:extLst>
-          </a:blip>
-          <a:srcRect/>
-          <a:stretch>
-            <a:fillRect/>
-          </a:stretch>
-        </p:blipFill>
-        <p:spPr bwMode="auto">
-          <a:xfrm>
-            <a:off x="611560" y="260648"/>
-            <a:ext cx="5715000" cy="3324226"/>
-          </a:xfrm>
-          <a:prstGeom prst="rect">
-            <a:avLst/>
-          </a:prstGeom>
-          <a:noFill/>
-          <a:extLst>
-            <a:ext uri="{909E8E84-426E-40DD-AFC4-6F175D3DCCD1}">
-              <a14:hiddenFill xmlns:a14="http://schemas.microsoft.com/office/drawing/2010/main">
-                <a:solidFill>
-                  <a:srgbClr val="FFFFFF"/>
-                </a:solidFill>
-              </a14:hiddenFill>
-            </a:ext>
-          </a:extLst>
-        </p:spPr>
-      </p:pic>
-      <p:pic>
-        <p:nvPicPr>
-          <p:cNvPr id="3" name="Picture 2" descr="Image showing the provider directory resources"/>
-          <p:cNvPicPr>
-            <a:picLocks noChangeAspect="1" noChangeArrowheads="1"/>
-          </p:cNvPicPr>
-          <p:nvPr/>
-        </p:nvPicPr>
-        <p:blipFill>
-          <a:blip r:embed="rId3">
-            <a:extLst>
-              <a:ext uri="{28A0092B-C50C-407E-A947-70E740481C1C}">
-                <a14:useLocalDpi xmlns:a14="http://schemas.microsoft.com/office/drawing/2010/main" val="0"/>
-              </a:ext>
-            </a:extLst>
-          </a:blip>
-          <a:srcRect/>
-          <a:stretch>
-            <a:fillRect/>
-          </a:stretch>
-        </p:blipFill>
-        <p:spPr bwMode="auto">
-          <a:xfrm>
-            <a:off x="3883397" y="3789040"/>
-            <a:ext cx="4886325" cy="2771776"/>
-          </a:xfrm>
-          <a:prstGeom prst="rect">
-            <a:avLst/>
-          </a:prstGeom>
-          <a:noFill/>
-          <a:extLst>
-            <a:ext uri="{909E8E84-426E-40DD-AFC4-6F175D3DCCD1}">
-              <a14:hiddenFill xmlns:a14="http://schemas.microsoft.com/office/drawing/2010/main">
-                <a:solidFill>
-                  <a:srgbClr val="FFFFFF"/>
-                </a:solidFill>
-              </a14:hiddenFill>
-            </a:ext>
-          </a:extLst>
-        </p:spPr>
-      </p:pic>
-    </p:spTree>
-    <p:extLst>
-      <p:ext uri="{BB962C8B-B14F-4D97-AF65-F5344CB8AC3E}">
-        <p14:creationId xmlns:p14="http://schemas.microsoft.com/office/powerpoint/2010/main" val="960784725"/>
-      </p:ext>
-    </p:extLst>
-  </p:cSld>
-  <p:clrMapOvr>
-    <a:masterClrMapping/>
-  </p:clrMapOvr>
-</p:sld>
-</file>
-
-<file path=ppt/slides/slide7.xml><?xml version="1.0" encoding="utf-8"?>
-<p:sld xmlns:a="http://schemas.openxmlformats.org/drawingml/2006/main" xmlns:r="http://schemas.openxmlformats.org/officeDocument/2006/relationships" xmlns:p="http://schemas.openxmlformats.org/presentationml/2006/main">
-  <p:cSld>
-    <p:spTree>
-      <p:nvGrpSpPr>
-        <p:cNvPr id="1" name=""/>
-        <p:cNvGrpSpPr/>
-        <p:nvPr/>
-      </p:nvGrpSpPr>
-      <p:grpSpPr>
-        <a:xfrm>
-          <a:off x="0" y="0"/>
-          <a:ext cx="0" cy="0"/>
-          <a:chOff x="0" y="0"/>
-          <a:chExt cx="0" cy="0"/>
-        </a:xfrm>
-      </p:grpSpPr>
-      <p:pic>
-        <p:nvPicPr>
-          <p:cNvPr id="3" name="Picture 2" descr="Image showing the provider directory resources"/>
-          <p:cNvPicPr>
-            <a:picLocks noChangeAspect="1" noChangeArrowheads="1"/>
-          </p:cNvPicPr>
-          <p:nvPr/>
-        </p:nvPicPr>
-        <p:blipFill>
-          <a:blip r:embed="rId2">
-            <a:extLst>
-              <a:ext uri="{28A0092B-C50C-407E-A947-70E740481C1C}">
-                <a14:useLocalDpi xmlns:a14="http://schemas.microsoft.com/office/drawing/2010/main" val="0"/>
-              </a:ext>
-            </a:extLst>
-          </a:blip>
-          <a:srcRect/>
-          <a:stretch>
-            <a:fillRect/>
-          </a:stretch>
-        </p:blipFill>
-        <p:spPr bwMode="auto">
-          <a:xfrm>
-            <a:off x="733331" y="3933056"/>
-            <a:ext cx="4886325" cy="2771776"/>
-          </a:xfrm>
-          <a:prstGeom prst="rect">
-            <a:avLst/>
-          </a:prstGeom>
-          <a:noFill/>
-          <a:extLst>
-            <a:ext uri="{909E8E84-426E-40DD-AFC4-6F175D3DCCD1}">
-              <a14:hiddenFill xmlns:a14="http://schemas.microsoft.com/office/drawing/2010/main">
-                <a:solidFill>
-                  <a:srgbClr val="FFFFFF"/>
-                </a:solidFill>
-              </a14:hiddenFill>
-            </a:ext>
-          </a:extLst>
-        </p:spPr>
-      </p:pic>
-      <p:sp>
-        <p:nvSpPr>
-          <p:cNvPr id="2" name="Rettangolo arrotondato 1"/>
-          <p:cNvSpPr/>
-          <p:nvPr/>
-        </p:nvSpPr>
-        <p:spPr>
-          <a:xfrm>
-            <a:off x="506209" y="2204019"/>
-            <a:ext cx="1224136" cy="576064"/>
-          </a:xfrm>
-          <a:prstGeom prst="roundRect">
-            <a:avLst/>
-          </a:prstGeom>
-          <a:solidFill>
-            <a:schemeClr val="accent5">
-              <a:lumMod val="20000"/>
-              <a:lumOff val="80000"/>
-            </a:schemeClr>
-          </a:solidFill>
-          <a:effectLst>
-            <a:outerShdw blurRad="50800" dist="38100" dir="2700000" algn="tl" rotWithShape="0">
-              <a:prstClr val="black">
-                <a:alpha val="40000"/>
-              </a:prstClr>
-            </a:outerShdw>
-          </a:effectLst>
-        </p:spPr>
-        <p:style>
-          <a:lnRef idx="2">
-            <a:schemeClr val="accent1">
-              <a:shade val="50000"/>
-            </a:schemeClr>
-          </a:lnRef>
-          <a:fillRef idx="1">
-            <a:schemeClr val="accent1"/>
-          </a:fillRef>
-          <a:effectRef idx="0">
-            <a:schemeClr val="accent1"/>
-          </a:effectRef>
-          <a:fontRef idx="minor">
-            <a:schemeClr val="lt1"/>
-          </a:fontRef>
-        </p:style>
-        <p:txBody>
-          <a:bodyPr rtlCol="0" anchor="ctr"/>
-          <a:lstStyle/>
-          <a:p>
-            <a:pPr algn="ctr"/>
-            <a:r>
-              <a:rPr lang="it-IT" sz="1400" b="1" dirty="0" err="1" smtClean="0">
-                <a:solidFill>
-                  <a:schemeClr val="tx1"/>
-                </a:solidFill>
-              </a:rPr>
-              <a:t>Patient</a:t>
-            </a:r>
-            <a:endParaRPr lang="en-GB" sz="1400" b="1" dirty="0">
-              <a:solidFill>
-                <a:schemeClr val="tx1"/>
-              </a:solidFill>
-            </a:endParaRPr>
-          </a:p>
-        </p:txBody>
-      </p:sp>
-      <p:sp>
-        <p:nvSpPr>
-          <p:cNvPr id="5" name="Rettangolo arrotondato 4"/>
-          <p:cNvSpPr/>
-          <p:nvPr/>
-        </p:nvSpPr>
-        <p:spPr>
-          <a:xfrm>
-            <a:off x="1952358" y="3100332"/>
-            <a:ext cx="1224136" cy="576064"/>
-          </a:xfrm>
-          <a:prstGeom prst="roundRect">
-            <a:avLst/>
-          </a:prstGeom>
-          <a:solidFill>
-            <a:schemeClr val="accent5">
-              <a:lumMod val="20000"/>
-              <a:lumOff val="80000"/>
-            </a:schemeClr>
-          </a:solidFill>
-          <a:effectLst>
-            <a:outerShdw blurRad="50800" dist="38100" dir="2700000" algn="tl" rotWithShape="0">
-              <a:prstClr val="black">
-                <a:alpha val="40000"/>
-              </a:prstClr>
-            </a:outerShdw>
-          </a:effectLst>
-        </p:spPr>
-        <p:style>
-          <a:lnRef idx="2">
-            <a:schemeClr val="accent1">
-              <a:shade val="50000"/>
-            </a:schemeClr>
-          </a:lnRef>
-          <a:fillRef idx="1">
-            <a:schemeClr val="accent1"/>
-          </a:fillRef>
-          <a:effectRef idx="0">
-            <a:schemeClr val="accent1"/>
-          </a:effectRef>
-          <a:fontRef idx="minor">
-            <a:schemeClr val="lt1"/>
-          </a:fontRef>
-        </p:style>
-        <p:txBody>
-          <a:bodyPr rtlCol="0" anchor="ctr"/>
-          <a:lstStyle/>
-          <a:p>
-            <a:pPr algn="ctr"/>
-            <a:r>
-              <a:rPr lang="it-IT" sz="1400" b="1" dirty="0">
-                <a:solidFill>
-                  <a:schemeClr val="tx1"/>
-                </a:solidFill>
-              </a:rPr>
-              <a:t>Organization</a:t>
-            </a:r>
-            <a:endParaRPr lang="en-GB" sz="1400" b="1" dirty="0">
-              <a:solidFill>
-                <a:schemeClr val="tx1"/>
-              </a:solidFill>
-            </a:endParaRPr>
-          </a:p>
-        </p:txBody>
-      </p:sp>
-      <p:cxnSp>
-        <p:nvCxnSpPr>
-          <p:cNvPr id="6" name="Connettore 4 5"/>
-          <p:cNvCxnSpPr>
-            <a:stCxn id="2" idx="2"/>
-            <a:endCxn id="5" idx="1"/>
-          </p:cNvCxnSpPr>
-          <p:nvPr/>
-        </p:nvCxnSpPr>
-        <p:spPr>
-          <a:xfrm rot="16200000" flipH="1">
-            <a:off x="1231177" y="2667182"/>
-            <a:ext cx="608281" cy="834081"/>
-          </a:xfrm>
-          <a:prstGeom prst="bentConnector2">
-            <a:avLst/>
-          </a:prstGeom>
-          <a:ln>
-            <a:tailEnd type="arrow"/>
-          </a:ln>
-        </p:spPr>
-        <p:style>
-          <a:lnRef idx="1">
-            <a:schemeClr val="accent1"/>
-          </a:lnRef>
-          <a:fillRef idx="0">
-            <a:schemeClr val="accent1"/>
-          </a:fillRef>
-          <a:effectRef idx="0">
-            <a:schemeClr val="accent1"/>
-          </a:effectRef>
-          <a:fontRef idx="minor">
-            <a:schemeClr val="tx1"/>
-          </a:fontRef>
-        </p:style>
-      </p:cxnSp>
-      <p:sp>
-        <p:nvSpPr>
-          <p:cNvPr id="7" name="Rettangolo arrotondato 6"/>
-          <p:cNvSpPr/>
-          <p:nvPr/>
-        </p:nvSpPr>
-        <p:spPr>
-          <a:xfrm>
-            <a:off x="3848977" y="3108058"/>
-            <a:ext cx="1224136" cy="576064"/>
-          </a:xfrm>
-          <a:prstGeom prst="roundRect">
-            <a:avLst/>
-          </a:prstGeom>
-          <a:solidFill>
-            <a:schemeClr val="accent5">
-              <a:lumMod val="20000"/>
-              <a:lumOff val="80000"/>
-            </a:schemeClr>
-          </a:solidFill>
-          <a:effectLst>
-            <a:outerShdw blurRad="50800" dist="38100" dir="2700000" algn="tl" rotWithShape="0">
-              <a:prstClr val="black">
-                <a:alpha val="40000"/>
-              </a:prstClr>
-            </a:outerShdw>
-          </a:effectLst>
-        </p:spPr>
-        <p:style>
-          <a:lnRef idx="2">
-            <a:schemeClr val="accent1">
-              <a:shade val="50000"/>
-            </a:schemeClr>
-          </a:lnRef>
-          <a:fillRef idx="1">
-            <a:schemeClr val="accent1"/>
-          </a:fillRef>
-          <a:effectRef idx="0">
-            <a:schemeClr val="accent1"/>
-          </a:effectRef>
-          <a:fontRef idx="minor">
-            <a:schemeClr val="lt1"/>
-          </a:fontRef>
-        </p:style>
-        <p:txBody>
-          <a:bodyPr rtlCol="0" anchor="ctr"/>
-          <a:lstStyle/>
-          <a:p>
-            <a:pPr algn="ctr"/>
-            <a:r>
-              <a:rPr lang="it-IT" sz="1400" b="1" dirty="0" err="1">
-                <a:solidFill>
-                  <a:schemeClr val="tx1"/>
-                </a:solidFill>
-              </a:rPr>
-              <a:t>Endpoint</a:t>
-            </a:r>
-            <a:endParaRPr lang="en-GB" sz="1400" b="1" dirty="0">
-              <a:solidFill>
-                <a:schemeClr val="tx1"/>
-              </a:solidFill>
-            </a:endParaRPr>
-          </a:p>
-        </p:txBody>
-      </p:sp>
-      <p:cxnSp>
-        <p:nvCxnSpPr>
-          <p:cNvPr id="8" name="Connettore 4 7"/>
-          <p:cNvCxnSpPr>
-            <a:stCxn id="5" idx="3"/>
-            <a:endCxn id="7" idx="1"/>
-          </p:cNvCxnSpPr>
-          <p:nvPr/>
-        </p:nvCxnSpPr>
-        <p:spPr>
-          <a:xfrm>
-            <a:off x="3176494" y="3388364"/>
-            <a:ext cx="672483" cy="7726"/>
-          </a:xfrm>
-          <a:prstGeom prst="bentConnector3">
-            <a:avLst/>
-          </a:prstGeom>
-          <a:ln>
-            <a:tailEnd type="arrow"/>
-          </a:ln>
-        </p:spPr>
-        <p:style>
-          <a:lnRef idx="1">
-            <a:schemeClr val="accent1"/>
-          </a:lnRef>
-          <a:fillRef idx="0">
-            <a:schemeClr val="accent1"/>
-          </a:fillRef>
-          <a:effectRef idx="0">
-            <a:schemeClr val="accent1"/>
-          </a:effectRef>
-          <a:fontRef idx="minor">
-            <a:schemeClr val="tx1"/>
-          </a:fontRef>
-        </p:style>
-      </p:cxnSp>
-      <p:cxnSp>
-        <p:nvCxnSpPr>
-          <p:cNvPr id="12" name="Connettore 4 11"/>
-          <p:cNvCxnSpPr>
-            <a:stCxn id="7" idx="3"/>
-            <a:endCxn id="23" idx="1"/>
-          </p:cNvCxnSpPr>
-          <p:nvPr/>
-        </p:nvCxnSpPr>
-        <p:spPr>
-          <a:xfrm>
-            <a:off x="5073113" y="3396090"/>
-            <a:ext cx="1862509" cy="12700"/>
-          </a:xfrm>
-          <a:prstGeom prst="bentConnector3">
-            <a:avLst>
-              <a:gd name="adj1" fmla="val 50000"/>
-            </a:avLst>
-          </a:prstGeom>
-          <a:ln>
-            <a:tailEnd type="arrow"/>
-          </a:ln>
-        </p:spPr>
-        <p:style>
-          <a:lnRef idx="1">
-            <a:schemeClr val="accent1"/>
-          </a:lnRef>
-          <a:fillRef idx="0">
-            <a:schemeClr val="accent1"/>
-          </a:fillRef>
-          <a:effectRef idx="0">
-            <a:schemeClr val="accent1"/>
-          </a:effectRef>
-          <a:fontRef idx="minor">
-            <a:schemeClr val="tx1"/>
-          </a:fontRef>
-        </p:style>
-      </p:cxnSp>
-      <p:sp>
-        <p:nvSpPr>
-          <p:cNvPr id="15" name="CasellaDiTesto 14"/>
-          <p:cNvSpPr txBox="1"/>
-          <p:nvPr/>
-        </p:nvSpPr>
-        <p:spPr>
-          <a:xfrm>
-            <a:off x="728585" y="2501358"/>
-            <a:ext cx="779381" cy="276999"/>
-          </a:xfrm>
-          <a:prstGeom prst="rect">
-            <a:avLst/>
-          </a:prstGeom>
-          <a:noFill/>
-        </p:spPr>
-        <p:txBody>
-          <a:bodyPr wrap="none" rtlCol="0">
-            <a:spAutoFit/>
-          </a:bodyPr>
-          <a:lstStyle>
-            <a:defPPr>
-              <a:defRPr lang="en-US"/>
-            </a:defPPr>
-            <a:lvl1pPr>
-              <a:defRPr sz="1200">
-                <a:solidFill>
-                  <a:srgbClr val="C00000"/>
-                </a:solidFill>
-                <a:latin typeface="Arial" panose="020B0604020202020204" pitchFamily="34" charset="0"/>
-                <a:cs typeface="Arial" panose="020B0604020202020204" pitchFamily="34" charset="0"/>
-              </a:defRPr>
-            </a:lvl1pPr>
-          </a:lstStyle>
-          <a:p>
-            <a:r>
-              <a:rPr lang="en-GB" dirty="0"/>
-              <a:t>1471023</a:t>
-            </a:r>
-          </a:p>
-        </p:txBody>
-      </p:sp>
-      <p:sp>
-        <p:nvSpPr>
-          <p:cNvPr id="16" name="CasellaDiTesto 15"/>
-          <p:cNvSpPr txBox="1"/>
-          <p:nvPr/>
-        </p:nvSpPr>
-        <p:spPr>
-          <a:xfrm>
-            <a:off x="4071355" y="3466404"/>
-            <a:ext cx="779381" cy="276999"/>
-          </a:xfrm>
-          <a:prstGeom prst="rect">
-            <a:avLst/>
-          </a:prstGeom>
-          <a:noFill/>
-        </p:spPr>
-        <p:txBody>
-          <a:bodyPr wrap="none" rtlCol="0">
-            <a:spAutoFit/>
-          </a:bodyPr>
-          <a:lstStyle>
-            <a:defPPr>
-              <a:defRPr lang="en-US"/>
-            </a:defPPr>
-            <a:lvl1pPr>
-              <a:defRPr sz="1200">
-                <a:solidFill>
-                  <a:srgbClr val="C00000"/>
-                </a:solidFill>
-                <a:latin typeface="Arial" panose="020B0604020202020204" pitchFamily="34" charset="0"/>
-                <a:cs typeface="Arial" panose="020B0604020202020204" pitchFamily="34" charset="0"/>
-              </a:defRPr>
-            </a:lvl1pPr>
-          </a:lstStyle>
-          <a:p>
-            <a:r>
-              <a:rPr lang="en-GB" dirty="0"/>
-              <a:t>1470818</a:t>
-            </a:r>
-          </a:p>
-        </p:txBody>
-      </p:sp>
-      <p:sp>
-        <p:nvSpPr>
-          <p:cNvPr id="21" name="CasellaDiTesto 20"/>
-          <p:cNvSpPr txBox="1"/>
-          <p:nvPr/>
-        </p:nvSpPr>
-        <p:spPr>
-          <a:xfrm>
-            <a:off x="2174735" y="3396090"/>
-            <a:ext cx="779381" cy="276999"/>
-          </a:xfrm>
-          <a:prstGeom prst="rect">
-            <a:avLst/>
-          </a:prstGeom>
-          <a:noFill/>
-        </p:spPr>
-        <p:txBody>
-          <a:bodyPr wrap="none" rtlCol="0">
-            <a:spAutoFit/>
-          </a:bodyPr>
-          <a:lstStyle>
-            <a:defPPr>
-              <a:defRPr lang="en-US"/>
-            </a:defPPr>
-            <a:lvl1pPr>
-              <a:defRPr sz="1200">
-                <a:solidFill>
-                  <a:srgbClr val="C00000"/>
-                </a:solidFill>
-                <a:latin typeface="Arial" panose="020B0604020202020204" pitchFamily="34" charset="0"/>
-                <a:cs typeface="Arial" panose="020B0604020202020204" pitchFamily="34" charset="0"/>
-              </a:defRPr>
-            </a:lvl1pPr>
-          </a:lstStyle>
-          <a:p>
-            <a:r>
-              <a:rPr lang="en-GB" dirty="0"/>
-              <a:t>1471022</a:t>
-            </a:r>
-          </a:p>
-        </p:txBody>
-      </p:sp>
-      <p:sp>
-        <p:nvSpPr>
-          <p:cNvPr id="23" name="Rettangolo arrotondato 22"/>
-          <p:cNvSpPr/>
-          <p:nvPr/>
-        </p:nvSpPr>
-        <p:spPr>
-          <a:xfrm>
-            <a:off x="6935622" y="3108058"/>
-            <a:ext cx="1656184" cy="576064"/>
-          </a:xfrm>
-          <a:prstGeom prst="roundRect">
-            <a:avLst/>
-          </a:prstGeom>
-          <a:solidFill>
-            <a:schemeClr val="accent5">
-              <a:lumMod val="20000"/>
-              <a:lumOff val="80000"/>
-            </a:schemeClr>
-          </a:solidFill>
-          <a:effectLst>
-            <a:outerShdw blurRad="50800" dist="38100" dir="2700000" algn="tl" rotWithShape="0">
-              <a:prstClr val="black">
-                <a:alpha val="40000"/>
-              </a:prstClr>
-            </a:outerShdw>
-          </a:effectLst>
-        </p:spPr>
-        <p:style>
-          <a:lnRef idx="2">
-            <a:schemeClr val="accent1">
-              <a:shade val="50000"/>
-            </a:schemeClr>
-          </a:lnRef>
-          <a:fillRef idx="1">
-            <a:schemeClr val="accent1"/>
-          </a:fillRef>
-          <a:effectRef idx="0">
-            <a:schemeClr val="accent1"/>
-          </a:effectRef>
-          <a:fontRef idx="minor">
-            <a:schemeClr val="lt1"/>
-          </a:fontRef>
-        </p:style>
-        <p:txBody>
-          <a:bodyPr rtlCol="0" anchor="ctr"/>
-          <a:lstStyle/>
-          <a:p>
-            <a:pPr algn="ctr"/>
-            <a:r>
-              <a:rPr lang="it-IT" sz="1400" b="1" dirty="0" smtClean="0">
-                <a:solidFill>
-                  <a:schemeClr val="tx1"/>
-                </a:solidFill>
-              </a:rPr>
-              <a:t>Organization</a:t>
-            </a:r>
-          </a:p>
-          <a:p>
-            <a:pPr algn="ctr"/>
-            <a:r>
-              <a:rPr lang="it-IT" sz="1400" b="1" dirty="0" smtClean="0">
-                <a:solidFill>
-                  <a:schemeClr val="tx1"/>
-                </a:solidFill>
-              </a:rPr>
-              <a:t>(hl7) </a:t>
-            </a:r>
-            <a:r>
-              <a:rPr lang="en-GB" sz="1400" dirty="0">
-                <a:solidFill>
-                  <a:srgbClr val="C00000"/>
-                </a:solidFill>
-                <a:latin typeface="Arial" panose="020B0604020202020204" pitchFamily="34" charset="0"/>
-                <a:cs typeface="Arial" panose="020B0604020202020204" pitchFamily="34" charset="0"/>
-              </a:rPr>
-              <a:t>1470790</a:t>
-            </a:r>
-            <a:endParaRPr lang="en-GB" sz="1400" b="1" dirty="0">
-              <a:solidFill>
-                <a:schemeClr val="tx1"/>
-              </a:solidFill>
-            </a:endParaRPr>
-          </a:p>
-        </p:txBody>
-      </p:sp>
-      <p:sp>
-        <p:nvSpPr>
-          <p:cNvPr id="35" name="CasellaDiTesto 34"/>
-          <p:cNvSpPr txBox="1"/>
-          <p:nvPr/>
-        </p:nvSpPr>
-        <p:spPr>
-          <a:xfrm>
-            <a:off x="6302465" y="2511952"/>
-            <a:ext cx="1003801" cy="369332"/>
-          </a:xfrm>
-          <a:prstGeom prst="rect">
-            <a:avLst/>
-          </a:prstGeom>
-          <a:noFill/>
-        </p:spPr>
-        <p:txBody>
-          <a:bodyPr wrap="none" rtlCol="0">
-            <a:spAutoFit/>
-          </a:bodyPr>
-          <a:lstStyle/>
-          <a:p>
-            <a:r>
-              <a:rPr lang="en-GB" dirty="0"/>
-              <a:t>1471024</a:t>
-            </a:r>
-          </a:p>
-        </p:txBody>
-      </p:sp>
-      <p:sp>
-        <p:nvSpPr>
-          <p:cNvPr id="36" name="CasellaDiTesto 35"/>
-          <p:cNvSpPr txBox="1"/>
-          <p:nvPr/>
-        </p:nvSpPr>
-        <p:spPr>
-          <a:xfrm>
-            <a:off x="3945100" y="2639857"/>
-            <a:ext cx="1003801" cy="369332"/>
-          </a:xfrm>
-          <a:prstGeom prst="rect">
-            <a:avLst/>
-          </a:prstGeom>
-          <a:noFill/>
-        </p:spPr>
-        <p:txBody>
-          <a:bodyPr wrap="none" rtlCol="0">
-            <a:spAutoFit/>
-          </a:bodyPr>
-          <a:lstStyle/>
-          <a:p>
-            <a:r>
-              <a:rPr lang="en-GB" dirty="0"/>
-              <a:t>1471025</a:t>
-            </a:r>
-          </a:p>
-        </p:txBody>
-      </p:sp>
-      <p:sp>
-        <p:nvSpPr>
-          <p:cNvPr id="38" name="CasellaDiTesto 37"/>
-          <p:cNvSpPr txBox="1"/>
-          <p:nvPr/>
-        </p:nvSpPr>
-        <p:spPr>
-          <a:xfrm>
-            <a:off x="2062525" y="2595415"/>
-            <a:ext cx="1003801" cy="369332"/>
-          </a:xfrm>
-          <a:prstGeom prst="rect">
-            <a:avLst/>
-          </a:prstGeom>
-          <a:noFill/>
-        </p:spPr>
-        <p:txBody>
-          <a:bodyPr wrap="none" rtlCol="0">
-            <a:spAutoFit/>
-          </a:bodyPr>
-          <a:lstStyle/>
-          <a:p>
-            <a:r>
-              <a:rPr lang="en-GB" dirty="0"/>
-              <a:t>1471026</a:t>
-            </a:r>
-          </a:p>
-        </p:txBody>
-      </p:sp>
-      <p:sp>
-        <p:nvSpPr>
-          <p:cNvPr id="39" name="CasellaDiTesto 38"/>
-          <p:cNvSpPr txBox="1"/>
-          <p:nvPr/>
-        </p:nvSpPr>
-        <p:spPr>
-          <a:xfrm>
-            <a:off x="506209" y="1748448"/>
-            <a:ext cx="1003801" cy="369332"/>
-          </a:xfrm>
-          <a:prstGeom prst="rect">
-            <a:avLst/>
-          </a:prstGeom>
-          <a:noFill/>
-        </p:spPr>
-        <p:txBody>
-          <a:bodyPr wrap="none" rtlCol="0">
-            <a:spAutoFit/>
-          </a:bodyPr>
-          <a:lstStyle/>
-          <a:p>
-            <a:r>
-              <a:rPr lang="en-GB" dirty="0"/>
-              <a:t>1471027</a:t>
-            </a:r>
-          </a:p>
-        </p:txBody>
-      </p:sp>
-      <p:sp>
-        <p:nvSpPr>
-          <p:cNvPr id="17" name="Rettangolo arrotondato 16"/>
-          <p:cNvSpPr/>
-          <p:nvPr/>
-        </p:nvSpPr>
-        <p:spPr>
-          <a:xfrm>
-            <a:off x="1764444" y="754853"/>
-            <a:ext cx="1224136" cy="576064"/>
-          </a:xfrm>
-          <a:prstGeom prst="roundRect">
-            <a:avLst/>
-          </a:prstGeom>
-          <a:solidFill>
-            <a:schemeClr val="accent5">
-              <a:lumMod val="20000"/>
-              <a:lumOff val="80000"/>
-            </a:schemeClr>
-          </a:solidFill>
-          <a:effectLst>
-            <a:outerShdw blurRad="50800" dist="38100" dir="2700000" algn="tl" rotWithShape="0">
-              <a:prstClr val="black">
-                <a:alpha val="40000"/>
-              </a:prstClr>
-            </a:outerShdw>
-          </a:effectLst>
-        </p:spPr>
-        <p:style>
-          <a:lnRef idx="2">
-            <a:schemeClr val="accent1">
-              <a:shade val="50000"/>
-            </a:schemeClr>
-          </a:lnRef>
-          <a:fillRef idx="1">
-            <a:schemeClr val="accent1"/>
-          </a:fillRef>
-          <a:effectRef idx="0">
-            <a:schemeClr val="accent1"/>
-          </a:effectRef>
-          <a:fontRef idx="minor">
-            <a:schemeClr val="lt1"/>
-          </a:fontRef>
-        </p:style>
-        <p:txBody>
-          <a:bodyPr rtlCol="0" anchor="ctr"/>
-          <a:lstStyle/>
-          <a:p>
-            <a:pPr algn="ctr"/>
-            <a:r>
-              <a:rPr lang="it-IT" sz="1400" b="1" dirty="0" err="1" smtClean="0">
-                <a:solidFill>
-                  <a:schemeClr val="tx1"/>
-                </a:solidFill>
-              </a:rPr>
-              <a:t>Observation</a:t>
-            </a:r>
-            <a:endParaRPr lang="en-GB" sz="1400" b="1" dirty="0">
-              <a:solidFill>
-                <a:schemeClr val="tx1"/>
-              </a:solidFill>
-            </a:endParaRPr>
-          </a:p>
-        </p:txBody>
-      </p:sp>
-      <p:sp>
-        <p:nvSpPr>
-          <p:cNvPr id="18" name="Rettangolo arrotondato 17"/>
-          <p:cNvSpPr/>
-          <p:nvPr/>
-        </p:nvSpPr>
-        <p:spPr>
-          <a:xfrm>
-            <a:off x="4071355" y="742153"/>
-            <a:ext cx="1224136" cy="576064"/>
-          </a:xfrm>
-          <a:prstGeom prst="roundRect">
-            <a:avLst/>
-          </a:prstGeom>
-          <a:solidFill>
-            <a:schemeClr val="accent5">
-              <a:lumMod val="20000"/>
-              <a:lumOff val="80000"/>
-            </a:schemeClr>
-          </a:solidFill>
-          <a:effectLst>
-            <a:outerShdw blurRad="50800" dist="38100" dir="2700000" algn="tl" rotWithShape="0">
-              <a:prstClr val="black">
-                <a:alpha val="40000"/>
-              </a:prstClr>
-            </a:outerShdw>
-          </a:effectLst>
-        </p:spPr>
-        <p:style>
-          <a:lnRef idx="2">
-            <a:schemeClr val="accent1">
-              <a:shade val="50000"/>
-            </a:schemeClr>
-          </a:lnRef>
-          <a:fillRef idx="1">
-            <a:schemeClr val="accent1"/>
-          </a:fillRef>
-          <a:effectRef idx="0">
-            <a:schemeClr val="accent1"/>
-          </a:effectRef>
-          <a:fontRef idx="minor">
-            <a:schemeClr val="lt1"/>
-          </a:fontRef>
-        </p:style>
-        <p:txBody>
-          <a:bodyPr rtlCol="0" anchor="ctr"/>
-          <a:lstStyle/>
-          <a:p>
-            <a:pPr algn="ctr"/>
-            <a:r>
-              <a:rPr lang="it-IT" sz="1400" b="1" dirty="0" err="1" smtClean="0">
-                <a:solidFill>
-                  <a:schemeClr val="tx1"/>
-                </a:solidFill>
-              </a:rPr>
-              <a:t>Encounter</a:t>
-            </a:r>
-            <a:endParaRPr lang="en-GB" sz="1400" b="1" dirty="0">
-              <a:solidFill>
-                <a:schemeClr val="tx1"/>
-              </a:solidFill>
-            </a:endParaRPr>
-          </a:p>
-        </p:txBody>
-      </p:sp>
-      <p:cxnSp>
-        <p:nvCxnSpPr>
-          <p:cNvPr id="9" name="Connettore 4 8"/>
-          <p:cNvCxnSpPr>
-            <a:stCxn id="17" idx="1"/>
-            <a:endCxn id="2" idx="0"/>
-          </p:cNvCxnSpPr>
-          <p:nvPr/>
-        </p:nvCxnSpPr>
-        <p:spPr>
-          <a:xfrm rot="10800000" flipV="1">
-            <a:off x="1118278" y="1042885"/>
-            <a:ext cx="646167" cy="1161134"/>
-          </a:xfrm>
-          <a:prstGeom prst="bentConnector2">
-            <a:avLst/>
-          </a:prstGeom>
-          <a:ln>
-            <a:tailEnd type="arrow"/>
-          </a:ln>
-        </p:spPr>
-        <p:style>
-          <a:lnRef idx="1">
-            <a:schemeClr val="accent1"/>
-          </a:lnRef>
-          <a:fillRef idx="0">
-            <a:schemeClr val="accent1"/>
-          </a:fillRef>
-          <a:effectRef idx="0">
-            <a:schemeClr val="accent1"/>
-          </a:effectRef>
-          <a:fontRef idx="minor">
-            <a:schemeClr val="tx1"/>
-          </a:fontRef>
-        </p:style>
-      </p:cxnSp>
-      <p:cxnSp>
-        <p:nvCxnSpPr>
-          <p:cNvPr id="11" name="Connettore 4 10"/>
-          <p:cNvCxnSpPr>
-            <a:stCxn id="17" idx="3"/>
-            <a:endCxn id="18" idx="1"/>
-          </p:cNvCxnSpPr>
-          <p:nvPr/>
-        </p:nvCxnSpPr>
-        <p:spPr>
-          <a:xfrm flipV="1">
-            <a:off x="2988580" y="1030185"/>
-            <a:ext cx="1082775" cy="12700"/>
-          </a:xfrm>
-          <a:prstGeom prst="bentConnector3">
-            <a:avLst/>
-          </a:prstGeom>
-          <a:ln>
-            <a:tailEnd type="arrow"/>
-          </a:ln>
-        </p:spPr>
-        <p:style>
-          <a:lnRef idx="1">
-            <a:schemeClr val="accent1"/>
-          </a:lnRef>
-          <a:fillRef idx="0">
-            <a:schemeClr val="accent1"/>
-          </a:fillRef>
-          <a:effectRef idx="0">
-            <a:schemeClr val="accent1"/>
-          </a:effectRef>
-          <a:fontRef idx="minor">
-            <a:schemeClr val="tx1"/>
-          </a:fontRef>
-        </p:style>
-      </p:cxnSp>
-      <p:cxnSp>
-        <p:nvCxnSpPr>
-          <p:cNvPr id="19" name="Connettore 4 18"/>
-          <p:cNvCxnSpPr>
-            <a:stCxn id="18" idx="2"/>
-            <a:endCxn id="2" idx="0"/>
-          </p:cNvCxnSpPr>
-          <p:nvPr/>
-        </p:nvCxnSpPr>
-        <p:spPr>
-          <a:xfrm rot="5400000">
-            <a:off x="2457949" y="-21455"/>
-            <a:ext cx="885802" cy="3565146"/>
-          </a:xfrm>
-          <a:prstGeom prst="bentConnector3">
-            <a:avLst>
-              <a:gd name="adj1" fmla="val 50000"/>
-            </a:avLst>
-          </a:prstGeom>
-          <a:ln>
-            <a:tailEnd type="arrow"/>
-          </a:ln>
-        </p:spPr>
-        <p:style>
-          <a:lnRef idx="1">
-            <a:schemeClr val="accent1"/>
-          </a:lnRef>
-          <a:fillRef idx="0">
-            <a:schemeClr val="accent1"/>
-          </a:fillRef>
-          <a:effectRef idx="0">
-            <a:schemeClr val="accent1"/>
-          </a:effectRef>
-          <a:fontRef idx="minor">
-            <a:schemeClr val="tx1"/>
-          </a:fontRef>
-        </p:style>
-      </p:cxnSp>
-      <p:sp>
-        <p:nvSpPr>
-          <p:cNvPr id="28" name="Rettangolo arrotondato 27"/>
-          <p:cNvSpPr/>
-          <p:nvPr/>
-        </p:nvSpPr>
-        <p:spPr>
-          <a:xfrm>
-            <a:off x="6383429" y="735249"/>
-            <a:ext cx="1224136" cy="576064"/>
-          </a:xfrm>
-          <a:prstGeom prst="roundRect">
-            <a:avLst/>
-          </a:prstGeom>
-          <a:solidFill>
-            <a:schemeClr val="accent5">
-              <a:lumMod val="20000"/>
-              <a:lumOff val="80000"/>
-            </a:schemeClr>
-          </a:solidFill>
-          <a:effectLst>
-            <a:outerShdw blurRad="50800" dist="38100" dir="2700000" algn="tl" rotWithShape="0">
-              <a:prstClr val="black">
-                <a:alpha val="40000"/>
-              </a:prstClr>
-            </a:outerShdw>
-          </a:effectLst>
-        </p:spPr>
-        <p:style>
-          <a:lnRef idx="2">
-            <a:schemeClr val="accent1">
-              <a:shade val="50000"/>
-            </a:schemeClr>
-          </a:lnRef>
-          <a:fillRef idx="1">
-            <a:schemeClr val="accent1"/>
-          </a:fillRef>
-          <a:effectRef idx="0">
-            <a:schemeClr val="accent1"/>
-          </a:effectRef>
-          <a:fontRef idx="minor">
-            <a:schemeClr val="lt1"/>
-          </a:fontRef>
-        </p:style>
-        <p:txBody>
-          <a:bodyPr rtlCol="0" anchor="ctr"/>
-          <a:lstStyle/>
-          <a:p>
-            <a:pPr algn="ctr"/>
-            <a:r>
-              <a:rPr lang="it-IT" sz="1400" b="1" dirty="0" err="1" smtClean="0">
-                <a:solidFill>
-                  <a:schemeClr val="tx1"/>
-                </a:solidFill>
-              </a:rPr>
-              <a:t>CarePlan</a:t>
-            </a:r>
-            <a:endParaRPr lang="en-GB" sz="1400" b="1" dirty="0">
-              <a:solidFill>
-                <a:schemeClr val="tx1"/>
-              </a:solidFill>
-            </a:endParaRPr>
-          </a:p>
-        </p:txBody>
-      </p:sp>
-      <p:cxnSp>
-        <p:nvCxnSpPr>
-          <p:cNvPr id="25" name="Connettore 4 24"/>
-          <p:cNvCxnSpPr>
-            <a:stCxn id="28" idx="1"/>
-            <a:endCxn id="18" idx="3"/>
-          </p:cNvCxnSpPr>
-          <p:nvPr/>
-        </p:nvCxnSpPr>
-        <p:spPr>
-          <a:xfrm rot="10800000" flipV="1">
-            <a:off x="5295491" y="1023281"/>
-            <a:ext cx="1087938" cy="6904"/>
-          </a:xfrm>
-          <a:prstGeom prst="bentConnector3">
-            <a:avLst/>
-          </a:prstGeom>
-          <a:ln>
-            <a:tailEnd type="arrow"/>
-          </a:ln>
-        </p:spPr>
-        <p:style>
-          <a:lnRef idx="1">
-            <a:schemeClr val="accent1"/>
-          </a:lnRef>
-          <a:fillRef idx="0">
-            <a:schemeClr val="accent1"/>
-          </a:fillRef>
-          <a:effectRef idx="0">
-            <a:schemeClr val="accent1"/>
-          </a:effectRef>
-          <a:fontRef idx="minor">
-            <a:schemeClr val="tx1"/>
-          </a:fontRef>
-        </p:style>
-      </p:cxnSp>
-      <p:sp>
-        <p:nvSpPr>
-          <p:cNvPr id="34" name="Rettangolo arrotondato 33"/>
-          <p:cNvSpPr/>
-          <p:nvPr/>
-        </p:nvSpPr>
-        <p:spPr>
-          <a:xfrm>
-            <a:off x="4846993" y="1748448"/>
-            <a:ext cx="1224136" cy="576064"/>
-          </a:xfrm>
-          <a:prstGeom prst="roundRect">
-            <a:avLst/>
-          </a:prstGeom>
-          <a:solidFill>
-            <a:schemeClr val="accent5">
-              <a:lumMod val="20000"/>
-              <a:lumOff val="80000"/>
-            </a:schemeClr>
-          </a:solidFill>
-          <a:effectLst>
-            <a:outerShdw blurRad="50800" dist="38100" dir="2700000" algn="tl" rotWithShape="0">
-              <a:prstClr val="black">
-                <a:alpha val="40000"/>
-              </a:prstClr>
-            </a:outerShdw>
-          </a:effectLst>
-        </p:spPr>
-        <p:style>
-          <a:lnRef idx="2">
-            <a:schemeClr val="accent1">
-              <a:shade val="50000"/>
-            </a:schemeClr>
-          </a:lnRef>
-          <a:fillRef idx="1">
-            <a:schemeClr val="accent1"/>
-          </a:fillRef>
-          <a:effectRef idx="0">
-            <a:schemeClr val="accent1"/>
-          </a:effectRef>
-          <a:fontRef idx="minor">
-            <a:schemeClr val="lt1"/>
-          </a:fontRef>
-        </p:style>
-        <p:txBody>
-          <a:bodyPr rtlCol="0" anchor="ctr"/>
-          <a:lstStyle/>
-          <a:p>
-            <a:pPr algn="ctr"/>
-            <a:r>
-              <a:rPr lang="en-GB" sz="1400" b="1" dirty="0">
-                <a:solidFill>
-                  <a:schemeClr val="tx1"/>
-                </a:solidFill>
-              </a:rPr>
-              <a:t>Practitioner</a:t>
-            </a:r>
-          </a:p>
-        </p:txBody>
-      </p:sp>
-      <p:cxnSp>
-        <p:nvCxnSpPr>
-          <p:cNvPr id="31" name="Connettore 4 30"/>
-          <p:cNvCxnSpPr>
-            <a:stCxn id="28" idx="2"/>
-            <a:endCxn id="34" idx="0"/>
-          </p:cNvCxnSpPr>
-          <p:nvPr/>
-        </p:nvCxnSpPr>
-        <p:spPr>
-          <a:xfrm rot="5400000">
-            <a:off x="6008712" y="761662"/>
-            <a:ext cx="437135" cy="1536436"/>
-          </a:xfrm>
-          <a:prstGeom prst="bentConnector3">
-            <a:avLst/>
-          </a:prstGeom>
-          <a:ln>
-            <a:tailEnd type="arrow"/>
-          </a:ln>
-        </p:spPr>
-        <p:style>
-          <a:lnRef idx="1">
-            <a:schemeClr val="accent1"/>
-          </a:lnRef>
-          <a:fillRef idx="0">
-            <a:schemeClr val="accent1"/>
-          </a:fillRef>
-          <a:effectRef idx="0">
-            <a:schemeClr val="accent1"/>
-          </a:effectRef>
-          <a:fontRef idx="minor">
-            <a:schemeClr val="tx1"/>
-          </a:fontRef>
-        </p:style>
-      </p:cxnSp>
-      <p:sp>
-        <p:nvSpPr>
-          <p:cNvPr id="37" name="Rettangolo arrotondato 36"/>
-          <p:cNvSpPr/>
-          <p:nvPr/>
-        </p:nvSpPr>
-        <p:spPr>
-          <a:xfrm>
-            <a:off x="6476960" y="1748448"/>
-            <a:ext cx="1224136" cy="576064"/>
-          </a:xfrm>
-          <a:prstGeom prst="roundRect">
-            <a:avLst/>
-          </a:prstGeom>
-          <a:solidFill>
-            <a:schemeClr val="accent5">
-              <a:lumMod val="20000"/>
-              <a:lumOff val="80000"/>
-            </a:schemeClr>
-          </a:solidFill>
-          <a:effectLst>
-            <a:outerShdw blurRad="50800" dist="38100" dir="2700000" algn="tl" rotWithShape="0">
-              <a:prstClr val="black">
-                <a:alpha val="40000"/>
-              </a:prstClr>
-            </a:outerShdw>
-          </a:effectLst>
-        </p:spPr>
-        <p:style>
-          <a:lnRef idx="2">
-            <a:schemeClr val="accent1">
-              <a:shade val="50000"/>
-            </a:schemeClr>
-          </a:lnRef>
-          <a:fillRef idx="1">
-            <a:schemeClr val="accent1"/>
-          </a:fillRef>
-          <a:effectRef idx="0">
-            <a:schemeClr val="accent1"/>
-          </a:effectRef>
-          <a:fontRef idx="minor">
-            <a:schemeClr val="lt1"/>
-          </a:fontRef>
-        </p:style>
-        <p:txBody>
-          <a:bodyPr rtlCol="0" anchor="ctr"/>
-          <a:lstStyle/>
-          <a:p>
-            <a:pPr algn="ctr"/>
-            <a:r>
-              <a:rPr lang="en-GB" sz="1400" b="1" dirty="0" err="1" smtClean="0">
-                <a:solidFill>
-                  <a:schemeClr val="tx1"/>
-                </a:solidFill>
-              </a:rPr>
-              <a:t>CareTeam</a:t>
-            </a:r>
-            <a:endParaRPr lang="en-GB" sz="1400" b="1" dirty="0">
-              <a:solidFill>
-                <a:schemeClr val="tx1"/>
-              </a:solidFill>
-            </a:endParaRPr>
-          </a:p>
-        </p:txBody>
-      </p:sp>
-      <p:cxnSp>
-        <p:nvCxnSpPr>
-          <p:cNvPr id="33" name="Connettore 4 32"/>
-          <p:cNvCxnSpPr>
-            <a:stCxn id="28" idx="2"/>
-            <a:endCxn id="37" idx="0"/>
-          </p:cNvCxnSpPr>
-          <p:nvPr/>
-        </p:nvCxnSpPr>
-        <p:spPr>
-          <a:xfrm rot="16200000" flipH="1">
-            <a:off x="6823695" y="1483114"/>
-            <a:ext cx="437135" cy="93531"/>
-          </a:xfrm>
-          <a:prstGeom prst="bentConnector3">
-            <a:avLst/>
-          </a:prstGeom>
-          <a:ln>
-            <a:tailEnd type="arrow"/>
-          </a:ln>
-        </p:spPr>
-        <p:style>
-          <a:lnRef idx="1">
-            <a:schemeClr val="accent1"/>
-          </a:lnRef>
-          <a:fillRef idx="0">
-            <a:schemeClr val="accent1"/>
-          </a:fillRef>
-          <a:effectRef idx="0">
-            <a:schemeClr val="accent1"/>
-          </a:effectRef>
-          <a:fontRef idx="minor">
-            <a:schemeClr val="tx1"/>
-          </a:fontRef>
-        </p:style>
-      </p:cxnSp>
-      <p:sp>
-        <p:nvSpPr>
-          <p:cNvPr id="42" name="Rettangolo arrotondato 41"/>
-          <p:cNvSpPr/>
-          <p:nvPr/>
-        </p:nvSpPr>
-        <p:spPr>
-          <a:xfrm>
-            <a:off x="7919864" y="1748447"/>
-            <a:ext cx="1224136" cy="576064"/>
-          </a:xfrm>
-          <a:prstGeom prst="roundRect">
-            <a:avLst/>
-          </a:prstGeom>
-          <a:solidFill>
-            <a:schemeClr val="accent5">
-              <a:lumMod val="20000"/>
-              <a:lumOff val="80000"/>
-            </a:schemeClr>
-          </a:solidFill>
-          <a:effectLst>
-            <a:outerShdw blurRad="50800" dist="38100" dir="2700000" algn="tl" rotWithShape="0">
-              <a:prstClr val="black">
-                <a:alpha val="40000"/>
-              </a:prstClr>
-            </a:outerShdw>
-          </a:effectLst>
-        </p:spPr>
-        <p:style>
-          <a:lnRef idx="2">
-            <a:schemeClr val="accent1">
-              <a:shade val="50000"/>
-            </a:schemeClr>
-          </a:lnRef>
-          <a:fillRef idx="1">
-            <a:schemeClr val="accent1"/>
-          </a:fillRef>
-          <a:effectRef idx="0">
-            <a:schemeClr val="accent1"/>
-          </a:effectRef>
-          <a:fontRef idx="minor">
-            <a:schemeClr val="lt1"/>
-          </a:fontRef>
-        </p:style>
-        <p:txBody>
-          <a:bodyPr rtlCol="0" anchor="ctr"/>
-          <a:lstStyle/>
-          <a:p>
-            <a:pPr algn="ctr"/>
-            <a:r>
-              <a:rPr lang="en-GB" sz="1400" b="1" dirty="0" smtClean="0">
-                <a:solidFill>
-                  <a:schemeClr val="tx1"/>
-                </a:solidFill>
-              </a:rPr>
-              <a:t>Goal</a:t>
-            </a:r>
-            <a:endParaRPr lang="en-GB" sz="1400" b="1" dirty="0">
-              <a:solidFill>
-                <a:schemeClr val="tx1"/>
-              </a:solidFill>
-            </a:endParaRPr>
-          </a:p>
-        </p:txBody>
-      </p:sp>
-      <p:cxnSp>
-        <p:nvCxnSpPr>
-          <p:cNvPr id="44" name="Connettore 4 43"/>
-          <p:cNvCxnSpPr>
-            <a:stCxn id="28" idx="2"/>
-            <a:endCxn id="42" idx="0"/>
-          </p:cNvCxnSpPr>
-          <p:nvPr/>
-        </p:nvCxnSpPr>
-        <p:spPr>
-          <a:xfrm rot="16200000" flipH="1">
-            <a:off x="7545147" y="761662"/>
-            <a:ext cx="437134" cy="1536435"/>
-          </a:xfrm>
-          <a:prstGeom prst="bentConnector3">
-            <a:avLst/>
-          </a:prstGeom>
-          <a:ln>
-            <a:tailEnd type="arrow"/>
-          </a:ln>
-        </p:spPr>
-        <p:style>
-          <a:lnRef idx="1">
-            <a:schemeClr val="accent1"/>
-          </a:lnRef>
-          <a:fillRef idx="0">
-            <a:schemeClr val="accent1"/>
-          </a:fillRef>
-          <a:effectRef idx="0">
-            <a:schemeClr val="accent1"/>
-          </a:effectRef>
-          <a:fontRef idx="minor">
-            <a:schemeClr val="tx1"/>
-          </a:fontRef>
-        </p:style>
-      </p:cxnSp>
-      <p:cxnSp>
-        <p:nvCxnSpPr>
-          <p:cNvPr id="46" name="Connettore 4 45"/>
-          <p:cNvCxnSpPr>
-            <a:stCxn id="28" idx="0"/>
-            <a:endCxn id="17" idx="0"/>
-          </p:cNvCxnSpPr>
-          <p:nvPr/>
-        </p:nvCxnSpPr>
-        <p:spPr>
-          <a:xfrm rot="16200000" flipH="1" flipV="1">
-            <a:off x="4676203" y="-1564442"/>
-            <a:ext cx="19604" cy="4618985"/>
-          </a:xfrm>
-          <a:prstGeom prst="bentConnector3">
-            <a:avLst>
-              <a:gd name="adj1" fmla="val -1166089"/>
-            </a:avLst>
-          </a:prstGeom>
-          <a:ln>
-            <a:tailEnd type="arrow"/>
-          </a:ln>
-        </p:spPr>
-        <p:style>
-          <a:lnRef idx="1">
-            <a:schemeClr val="accent1"/>
-          </a:lnRef>
-          <a:fillRef idx="0">
-            <a:schemeClr val="accent1"/>
-          </a:fillRef>
-          <a:effectRef idx="0">
-            <a:schemeClr val="accent1"/>
-          </a:effectRef>
-          <a:fontRef idx="minor">
-            <a:schemeClr val="tx1"/>
-          </a:fontRef>
-        </p:style>
-      </p:cxnSp>
-      <p:cxnSp>
-        <p:nvCxnSpPr>
-          <p:cNvPr id="48" name="Connettore 4 47"/>
-          <p:cNvCxnSpPr>
-            <a:stCxn id="28" idx="0"/>
-            <a:endCxn id="2" idx="0"/>
-          </p:cNvCxnSpPr>
-          <p:nvPr/>
-        </p:nvCxnSpPr>
-        <p:spPr>
-          <a:xfrm rot="16200000" flipH="1" flipV="1">
-            <a:off x="3322502" y="-1468976"/>
-            <a:ext cx="1468770" cy="5877220"/>
-          </a:xfrm>
-          <a:prstGeom prst="bentConnector3">
-            <a:avLst>
-              <a:gd name="adj1" fmla="val -34340"/>
-            </a:avLst>
-          </a:prstGeom>
-          <a:ln>
-            <a:tailEnd type="arrow"/>
-          </a:ln>
-        </p:spPr>
-        <p:style>
-          <a:lnRef idx="1">
-            <a:schemeClr val="accent1"/>
-          </a:lnRef>
-          <a:fillRef idx="0">
-            <a:schemeClr val="accent1"/>
-          </a:fillRef>
-          <a:effectRef idx="0">
-            <a:schemeClr val="accent1"/>
-          </a:effectRef>
-          <a:fontRef idx="minor">
-            <a:schemeClr val="tx1"/>
-          </a:fontRef>
-        </p:style>
-      </p:cxnSp>
-      <p:sp>
-        <p:nvSpPr>
-          <p:cNvPr id="50" name="CasellaDiTesto 49"/>
-          <p:cNvSpPr txBox="1"/>
-          <p:nvPr/>
-        </p:nvSpPr>
-        <p:spPr>
-          <a:xfrm>
-            <a:off x="3558150" y="0"/>
-            <a:ext cx="1244251" cy="261610"/>
-          </a:xfrm>
-          <a:prstGeom prst="rect">
-            <a:avLst/>
-          </a:prstGeom>
-          <a:noFill/>
-        </p:spPr>
-        <p:txBody>
-          <a:bodyPr wrap="none" rtlCol="0">
-            <a:spAutoFit/>
-          </a:bodyPr>
-          <a:lstStyle/>
-          <a:p>
-            <a:r>
-              <a:rPr lang="it-IT" sz="1100" dirty="0" err="1" smtClean="0">
-                <a:latin typeface="+mj-lt"/>
-              </a:rPr>
-              <a:t>activity</a:t>
-            </a:r>
-            <a:r>
-              <a:rPr lang="it-IT" sz="1100" dirty="0" smtClean="0">
-                <a:latin typeface="+mj-lt"/>
-              </a:rPr>
-              <a:t>/performer</a:t>
-            </a:r>
-            <a:endParaRPr lang="en-GB" sz="1100" dirty="0">
-              <a:latin typeface="+mj-lt"/>
-            </a:endParaRPr>
-          </a:p>
-        </p:txBody>
-      </p:sp>
-      <p:sp>
-        <p:nvSpPr>
-          <p:cNvPr id="51" name="CasellaDiTesto 50"/>
-          <p:cNvSpPr txBox="1"/>
-          <p:nvPr/>
-        </p:nvSpPr>
-        <p:spPr>
-          <a:xfrm>
-            <a:off x="5459061" y="1311313"/>
-            <a:ext cx="569387" cy="261610"/>
-          </a:xfrm>
-          <a:prstGeom prst="rect">
-            <a:avLst/>
-          </a:prstGeom>
-          <a:noFill/>
-        </p:spPr>
-        <p:txBody>
-          <a:bodyPr wrap="none" rtlCol="0">
-            <a:spAutoFit/>
-          </a:bodyPr>
-          <a:lstStyle/>
-          <a:p>
-            <a:r>
-              <a:rPr lang="it-IT" sz="1100" dirty="0" err="1" smtClean="0">
-                <a:latin typeface="+mj-lt"/>
-              </a:rPr>
-              <a:t>author</a:t>
-            </a:r>
-            <a:endParaRPr lang="en-GB" sz="1100" dirty="0">
-              <a:latin typeface="+mj-lt"/>
-            </a:endParaRPr>
-          </a:p>
-        </p:txBody>
-      </p:sp>
-      <p:sp>
-        <p:nvSpPr>
-          <p:cNvPr id="52" name="CasellaDiTesto 51"/>
-          <p:cNvSpPr txBox="1"/>
-          <p:nvPr/>
-        </p:nvSpPr>
-        <p:spPr>
-          <a:xfrm>
-            <a:off x="4155714" y="274247"/>
-            <a:ext cx="1279517" cy="261610"/>
-          </a:xfrm>
-          <a:prstGeom prst="rect">
-            <a:avLst/>
-          </a:prstGeom>
-          <a:noFill/>
-        </p:spPr>
-        <p:txBody>
-          <a:bodyPr wrap="none" rtlCol="0">
-            <a:spAutoFit/>
-          </a:bodyPr>
-          <a:lstStyle/>
-          <a:p>
-            <a:r>
-              <a:rPr lang="en-GB" sz="1100" dirty="0" err="1"/>
-              <a:t>outcomeReference</a:t>
-            </a:r>
-            <a:endParaRPr lang="en-GB" sz="1100" dirty="0">
-              <a:latin typeface="+mj-lt"/>
-            </a:endParaRPr>
-          </a:p>
-        </p:txBody>
-      </p:sp>
-      <p:sp>
-        <p:nvSpPr>
-          <p:cNvPr id="61" name="CasellaDiTesto 60"/>
-          <p:cNvSpPr txBox="1"/>
-          <p:nvPr/>
-        </p:nvSpPr>
-        <p:spPr>
-          <a:xfrm>
-            <a:off x="2690261" y="1512145"/>
-            <a:ext cx="596638" cy="261610"/>
-          </a:xfrm>
-          <a:prstGeom prst="rect">
-            <a:avLst/>
-          </a:prstGeom>
-          <a:noFill/>
-        </p:spPr>
-        <p:txBody>
-          <a:bodyPr wrap="none" rtlCol="0">
-            <a:spAutoFit/>
-          </a:bodyPr>
-          <a:lstStyle/>
-          <a:p>
-            <a:r>
-              <a:rPr lang="it-IT" sz="1100" dirty="0" err="1" smtClean="0">
-                <a:latin typeface="+mj-lt"/>
-              </a:rPr>
-              <a:t>subject</a:t>
-            </a:r>
-            <a:endParaRPr lang="en-GB" sz="1100" dirty="0">
-              <a:latin typeface="+mj-lt"/>
-            </a:endParaRPr>
-          </a:p>
-        </p:txBody>
-      </p:sp>
-      <p:sp>
-        <p:nvSpPr>
-          <p:cNvPr id="62" name="CasellaDiTesto 61"/>
-          <p:cNvSpPr txBox="1"/>
-          <p:nvPr/>
-        </p:nvSpPr>
-        <p:spPr>
-          <a:xfrm>
-            <a:off x="359828" y="3393283"/>
-            <a:ext cx="1473480" cy="261610"/>
-          </a:xfrm>
-          <a:prstGeom prst="rect">
-            <a:avLst/>
-          </a:prstGeom>
-          <a:noFill/>
-        </p:spPr>
-        <p:txBody>
-          <a:bodyPr wrap="none" rtlCol="0">
-            <a:spAutoFit/>
-          </a:bodyPr>
-          <a:lstStyle/>
-          <a:p>
-            <a:r>
-              <a:rPr lang="en-GB" sz="1100" dirty="0" err="1"/>
-              <a:t>managingOrganization</a:t>
-            </a:r>
-            <a:endParaRPr lang="en-GB" sz="1100" dirty="0">
-              <a:latin typeface="+mj-lt"/>
-            </a:endParaRPr>
-          </a:p>
-        </p:txBody>
-      </p:sp>
-      <p:sp>
-        <p:nvSpPr>
-          <p:cNvPr id="63" name="CasellaDiTesto 62"/>
-          <p:cNvSpPr txBox="1"/>
-          <p:nvPr/>
-        </p:nvSpPr>
-        <p:spPr>
-          <a:xfrm>
-            <a:off x="5224077" y="3345832"/>
-            <a:ext cx="1473480" cy="261610"/>
-          </a:xfrm>
-          <a:prstGeom prst="rect">
-            <a:avLst/>
-          </a:prstGeom>
-          <a:noFill/>
-        </p:spPr>
-        <p:txBody>
-          <a:bodyPr wrap="none" rtlCol="0">
-            <a:spAutoFit/>
-          </a:bodyPr>
-          <a:lstStyle/>
-          <a:p>
-            <a:r>
-              <a:rPr lang="en-GB" sz="1100" dirty="0" err="1"/>
-              <a:t>managingOrganization</a:t>
-            </a:r>
-            <a:endParaRPr lang="en-GB" sz="1100" dirty="0">
-              <a:latin typeface="+mj-lt"/>
-            </a:endParaRPr>
-          </a:p>
-        </p:txBody>
-      </p:sp>
-    </p:spTree>
-    <p:extLst>
-      <p:ext uri="{BB962C8B-B14F-4D97-AF65-F5344CB8AC3E}">
-        <p14:creationId xmlns:p14="http://schemas.microsoft.com/office/powerpoint/2010/main" val="3002933979"/>
-      </p:ext>
-    </p:extLst>
-  </p:cSld>
-  <p:clrMapOvr>
-    <a:masterClrMapping/>
-  </p:clrMapOvr>
-</p:sld>
-</file>
-
-<file path=ppt/slides/slide8.xml><?xml version="1.0" encoding="utf-8"?>
-<p:sld xmlns:a="http://schemas.openxmlformats.org/drawingml/2006/main" xmlns:r="http://schemas.openxmlformats.org/officeDocument/2006/relationships" xmlns:p="http://schemas.openxmlformats.org/presentationml/2006/main">
-  <p:cSld>
-    <p:spTree>
-      <p:nvGrpSpPr>
-        <p:cNvPr id="1" name=""/>
-        <p:cNvGrpSpPr/>
-        <p:nvPr/>
-      </p:nvGrpSpPr>
-      <p:grpSpPr>
-        <a:xfrm>
-          <a:off x="0" y="0"/>
-          <a:ext cx="0" cy="0"/>
-          <a:chOff x="0" y="0"/>
-          <a:chExt cx="0" cy="0"/>
-        </a:xfrm>
-      </p:grpSpPr>
-      <p:sp>
-        <p:nvSpPr>
-          <p:cNvPr id="2" name="Rettangolo arrotondato 1"/>
-          <p:cNvSpPr/>
-          <p:nvPr/>
-        </p:nvSpPr>
-        <p:spPr>
-          <a:xfrm>
-            <a:off x="568690" y="4317804"/>
-            <a:ext cx="1224136" cy="576064"/>
-          </a:xfrm>
-          <a:prstGeom prst="roundRect">
-            <a:avLst/>
-          </a:prstGeom>
-          <a:solidFill>
-            <a:schemeClr val="accent5">
-              <a:lumMod val="20000"/>
-              <a:lumOff val="80000"/>
-            </a:schemeClr>
-          </a:solidFill>
-          <a:effectLst>
-            <a:outerShdw blurRad="50800" dist="38100" dir="2700000" algn="tl" rotWithShape="0">
-              <a:prstClr val="black">
-                <a:alpha val="40000"/>
-              </a:prstClr>
-            </a:outerShdw>
-          </a:effectLst>
-        </p:spPr>
-        <p:style>
-          <a:lnRef idx="2">
-            <a:schemeClr val="accent1">
-              <a:shade val="50000"/>
-            </a:schemeClr>
-          </a:lnRef>
-          <a:fillRef idx="1">
-            <a:schemeClr val="accent1"/>
-          </a:fillRef>
-          <a:effectRef idx="0">
-            <a:schemeClr val="accent1"/>
-          </a:effectRef>
-          <a:fontRef idx="minor">
-            <a:schemeClr val="lt1"/>
-          </a:fontRef>
-        </p:style>
-        <p:txBody>
-          <a:bodyPr rtlCol="0" anchor="ctr"/>
-          <a:lstStyle/>
-          <a:p>
-            <a:pPr algn="ctr"/>
-            <a:r>
-              <a:rPr lang="it-IT" sz="1400" b="1" dirty="0" err="1" smtClean="0">
-                <a:solidFill>
-                  <a:schemeClr val="tx1"/>
-                </a:solidFill>
-              </a:rPr>
-              <a:t>Patient</a:t>
-            </a:r>
-            <a:endParaRPr lang="en-GB" sz="1400" b="1" dirty="0">
-              <a:solidFill>
-                <a:schemeClr val="tx1"/>
-              </a:solidFill>
-            </a:endParaRPr>
-          </a:p>
-        </p:txBody>
-      </p:sp>
-      <p:sp>
-        <p:nvSpPr>
-          <p:cNvPr id="5" name="Rettangolo arrotondato 4"/>
-          <p:cNvSpPr/>
-          <p:nvPr/>
-        </p:nvSpPr>
-        <p:spPr>
-          <a:xfrm>
-            <a:off x="3359808" y="4314957"/>
-            <a:ext cx="1224136" cy="576064"/>
-          </a:xfrm>
-          <a:prstGeom prst="roundRect">
-            <a:avLst/>
-          </a:prstGeom>
-          <a:solidFill>
-            <a:schemeClr val="accent5">
-              <a:lumMod val="20000"/>
-              <a:lumOff val="80000"/>
-            </a:schemeClr>
-          </a:solidFill>
-          <a:effectLst>
-            <a:outerShdw blurRad="50800" dist="38100" dir="2700000" algn="tl" rotWithShape="0">
-              <a:prstClr val="black">
-                <a:alpha val="40000"/>
-              </a:prstClr>
-            </a:outerShdw>
-          </a:effectLst>
-        </p:spPr>
-        <p:style>
-          <a:lnRef idx="2">
-            <a:schemeClr val="accent1">
-              <a:shade val="50000"/>
-            </a:schemeClr>
-          </a:lnRef>
-          <a:fillRef idx="1">
-            <a:schemeClr val="accent1"/>
-          </a:fillRef>
-          <a:effectRef idx="0">
-            <a:schemeClr val="accent1"/>
-          </a:effectRef>
-          <a:fontRef idx="minor">
-            <a:schemeClr val="lt1"/>
-          </a:fontRef>
-        </p:style>
-        <p:txBody>
-          <a:bodyPr rtlCol="0" anchor="ctr"/>
-          <a:lstStyle/>
-          <a:p>
-            <a:pPr algn="ctr"/>
-            <a:r>
-              <a:rPr lang="it-IT" sz="1400" b="1" dirty="0">
-                <a:solidFill>
-                  <a:schemeClr val="tx1"/>
-                </a:solidFill>
-              </a:rPr>
-              <a:t>Organization</a:t>
-            </a:r>
-            <a:endParaRPr lang="en-GB" sz="1400" b="1" dirty="0">
-              <a:solidFill>
-                <a:schemeClr val="tx1"/>
-              </a:solidFill>
-            </a:endParaRPr>
-          </a:p>
-        </p:txBody>
-      </p:sp>
-      <p:cxnSp>
-        <p:nvCxnSpPr>
-          <p:cNvPr id="6" name="Connettore 4 5"/>
-          <p:cNvCxnSpPr>
-            <a:stCxn id="2" idx="3"/>
-            <a:endCxn id="5" idx="1"/>
-          </p:cNvCxnSpPr>
-          <p:nvPr/>
-        </p:nvCxnSpPr>
-        <p:spPr>
-          <a:xfrm flipV="1">
-            <a:off x="1792826" y="4602989"/>
-            <a:ext cx="1566982" cy="2847"/>
-          </a:xfrm>
-          <a:prstGeom prst="bentConnector3">
-            <a:avLst>
-              <a:gd name="adj1" fmla="val 50000"/>
-            </a:avLst>
-          </a:prstGeom>
-          <a:ln>
-            <a:tailEnd type="arrow"/>
-          </a:ln>
-        </p:spPr>
-        <p:style>
-          <a:lnRef idx="1">
-            <a:schemeClr val="accent1"/>
-          </a:lnRef>
-          <a:fillRef idx="0">
-            <a:schemeClr val="accent1"/>
-          </a:fillRef>
-          <a:effectRef idx="0">
-            <a:schemeClr val="accent1"/>
-          </a:effectRef>
-          <a:fontRef idx="minor">
-            <a:schemeClr val="tx1"/>
-          </a:fontRef>
-        </p:style>
-      </p:cxnSp>
-      <p:sp>
-        <p:nvSpPr>
-          <p:cNvPr id="7" name="Rettangolo arrotondato 6"/>
-          <p:cNvSpPr/>
-          <p:nvPr/>
-        </p:nvSpPr>
-        <p:spPr>
-          <a:xfrm>
-            <a:off x="5295770" y="4307347"/>
-            <a:ext cx="1224136" cy="576064"/>
-          </a:xfrm>
-          <a:prstGeom prst="roundRect">
-            <a:avLst/>
-          </a:prstGeom>
-          <a:solidFill>
-            <a:schemeClr val="accent5">
-              <a:lumMod val="20000"/>
-              <a:lumOff val="80000"/>
-            </a:schemeClr>
-          </a:solidFill>
-          <a:effectLst>
-            <a:outerShdw blurRad="50800" dist="38100" dir="2700000" algn="tl" rotWithShape="0">
-              <a:prstClr val="black">
-                <a:alpha val="40000"/>
-              </a:prstClr>
-            </a:outerShdw>
-          </a:effectLst>
-        </p:spPr>
-        <p:style>
-          <a:lnRef idx="2">
-            <a:schemeClr val="accent1">
-              <a:shade val="50000"/>
-            </a:schemeClr>
-          </a:lnRef>
-          <a:fillRef idx="1">
-            <a:schemeClr val="accent1"/>
-          </a:fillRef>
-          <a:effectRef idx="0">
-            <a:schemeClr val="accent1"/>
-          </a:effectRef>
-          <a:fontRef idx="minor">
-            <a:schemeClr val="lt1"/>
-          </a:fontRef>
-        </p:style>
-        <p:txBody>
-          <a:bodyPr rtlCol="0" anchor="ctr"/>
-          <a:lstStyle/>
-          <a:p>
-            <a:pPr algn="ctr"/>
-            <a:r>
-              <a:rPr lang="it-IT" sz="1400" b="1" dirty="0" err="1">
-                <a:solidFill>
-                  <a:schemeClr val="tx1"/>
-                </a:solidFill>
-              </a:rPr>
-              <a:t>Endpoint</a:t>
-            </a:r>
-            <a:endParaRPr lang="en-GB" sz="1400" b="1" dirty="0">
-              <a:solidFill>
-                <a:schemeClr val="tx1"/>
-              </a:solidFill>
-            </a:endParaRPr>
-          </a:p>
-        </p:txBody>
-      </p:sp>
-      <p:cxnSp>
-        <p:nvCxnSpPr>
-          <p:cNvPr id="8" name="Connettore 4 7"/>
-          <p:cNvCxnSpPr>
-            <a:stCxn id="5" idx="3"/>
-            <a:endCxn id="7" idx="1"/>
-          </p:cNvCxnSpPr>
-          <p:nvPr/>
-        </p:nvCxnSpPr>
-        <p:spPr>
-          <a:xfrm flipV="1">
-            <a:off x="4583944" y="4595379"/>
-            <a:ext cx="711826" cy="7610"/>
-          </a:xfrm>
-          <a:prstGeom prst="bentConnector3">
-            <a:avLst/>
-          </a:prstGeom>
-          <a:ln>
-            <a:tailEnd type="arrow"/>
-          </a:ln>
-        </p:spPr>
-        <p:style>
-          <a:lnRef idx="1">
-            <a:schemeClr val="accent1"/>
-          </a:lnRef>
-          <a:fillRef idx="0">
-            <a:schemeClr val="accent1"/>
-          </a:fillRef>
-          <a:effectRef idx="0">
-            <a:schemeClr val="accent1"/>
-          </a:effectRef>
-          <a:fontRef idx="minor">
-            <a:schemeClr val="tx1"/>
-          </a:fontRef>
-        </p:style>
-      </p:cxnSp>
-      <p:cxnSp>
-        <p:nvCxnSpPr>
-          <p:cNvPr id="12" name="Connettore 4 11"/>
-          <p:cNvCxnSpPr>
-            <a:stCxn id="7" idx="3"/>
-            <a:endCxn id="23" idx="1"/>
-          </p:cNvCxnSpPr>
-          <p:nvPr/>
-        </p:nvCxnSpPr>
-        <p:spPr>
-          <a:xfrm>
-            <a:off x="6519906" y="4595379"/>
-            <a:ext cx="781424" cy="708466"/>
-          </a:xfrm>
-          <a:prstGeom prst="bentConnector3">
-            <a:avLst>
-              <a:gd name="adj1" fmla="val 50000"/>
-            </a:avLst>
-          </a:prstGeom>
-          <a:ln>
-            <a:tailEnd type="arrow"/>
-          </a:ln>
-        </p:spPr>
-        <p:style>
-          <a:lnRef idx="1">
-            <a:schemeClr val="accent1"/>
-          </a:lnRef>
-          <a:fillRef idx="0">
-            <a:schemeClr val="accent1"/>
-          </a:fillRef>
-          <a:effectRef idx="0">
-            <a:schemeClr val="accent1"/>
-          </a:effectRef>
-          <a:fontRef idx="minor">
-            <a:schemeClr val="tx1"/>
-          </a:fontRef>
-        </p:style>
-      </p:cxnSp>
-      <p:sp>
-        <p:nvSpPr>
-          <p:cNvPr id="15" name="CasellaDiTesto 14"/>
-          <p:cNvSpPr txBox="1"/>
-          <p:nvPr/>
-        </p:nvSpPr>
-        <p:spPr>
-          <a:xfrm>
-            <a:off x="781635" y="4672613"/>
-            <a:ext cx="779381" cy="276999"/>
-          </a:xfrm>
-          <a:prstGeom prst="rect">
-            <a:avLst/>
-          </a:prstGeom>
-          <a:noFill/>
-        </p:spPr>
-        <p:txBody>
-          <a:bodyPr wrap="none" rtlCol="0">
-            <a:spAutoFit/>
-          </a:bodyPr>
-          <a:lstStyle>
-            <a:defPPr>
-              <a:defRPr lang="en-US"/>
-            </a:defPPr>
-            <a:lvl1pPr>
-              <a:defRPr sz="1200">
-                <a:solidFill>
-                  <a:srgbClr val="C00000"/>
-                </a:solidFill>
-                <a:latin typeface="Arial" panose="020B0604020202020204" pitchFamily="34" charset="0"/>
-                <a:cs typeface="Arial" panose="020B0604020202020204" pitchFamily="34" charset="0"/>
-              </a:defRPr>
-            </a:lvl1pPr>
-          </a:lstStyle>
-          <a:p>
-            <a:r>
-              <a:rPr lang="en-GB" dirty="0"/>
-              <a:t>1471023</a:t>
-            </a:r>
-          </a:p>
-        </p:txBody>
-      </p:sp>
-      <p:sp>
-        <p:nvSpPr>
-          <p:cNvPr id="16" name="CasellaDiTesto 15"/>
-          <p:cNvSpPr txBox="1"/>
-          <p:nvPr/>
-        </p:nvSpPr>
-        <p:spPr>
-          <a:xfrm>
-            <a:off x="5518148" y="4665693"/>
-            <a:ext cx="779381" cy="276999"/>
-          </a:xfrm>
-          <a:prstGeom prst="rect">
-            <a:avLst/>
-          </a:prstGeom>
-          <a:noFill/>
-        </p:spPr>
-        <p:txBody>
-          <a:bodyPr wrap="none" rtlCol="0">
-            <a:spAutoFit/>
-          </a:bodyPr>
-          <a:lstStyle>
-            <a:defPPr>
-              <a:defRPr lang="en-US"/>
-            </a:defPPr>
-            <a:lvl1pPr>
-              <a:defRPr sz="1200">
-                <a:solidFill>
-                  <a:srgbClr val="C00000"/>
-                </a:solidFill>
-                <a:latin typeface="Arial" panose="020B0604020202020204" pitchFamily="34" charset="0"/>
-                <a:cs typeface="Arial" panose="020B0604020202020204" pitchFamily="34" charset="0"/>
-              </a:defRPr>
-            </a:lvl1pPr>
-          </a:lstStyle>
-          <a:p>
-            <a:r>
-              <a:rPr lang="en-GB" dirty="0"/>
-              <a:t>1470818</a:t>
-            </a:r>
-          </a:p>
-        </p:txBody>
-      </p:sp>
-      <p:sp>
-        <p:nvSpPr>
-          <p:cNvPr id="21" name="CasellaDiTesto 20"/>
-          <p:cNvSpPr txBox="1"/>
-          <p:nvPr/>
-        </p:nvSpPr>
-        <p:spPr>
-          <a:xfrm>
-            <a:off x="3582185" y="4610715"/>
-            <a:ext cx="779381" cy="276999"/>
-          </a:xfrm>
-          <a:prstGeom prst="rect">
-            <a:avLst/>
-          </a:prstGeom>
-          <a:noFill/>
-        </p:spPr>
-        <p:txBody>
-          <a:bodyPr wrap="none" rtlCol="0">
-            <a:spAutoFit/>
-          </a:bodyPr>
-          <a:lstStyle>
-            <a:defPPr>
-              <a:defRPr lang="en-US"/>
-            </a:defPPr>
-            <a:lvl1pPr>
-              <a:defRPr sz="1200">
-                <a:solidFill>
-                  <a:srgbClr val="C00000"/>
-                </a:solidFill>
-                <a:latin typeface="Arial" panose="020B0604020202020204" pitchFamily="34" charset="0"/>
-                <a:cs typeface="Arial" panose="020B0604020202020204" pitchFamily="34" charset="0"/>
-              </a:defRPr>
-            </a:lvl1pPr>
-          </a:lstStyle>
-          <a:p>
-            <a:r>
-              <a:rPr lang="en-GB" dirty="0"/>
-              <a:t>1471022</a:t>
-            </a:r>
-          </a:p>
-        </p:txBody>
-      </p:sp>
-      <p:sp>
-        <p:nvSpPr>
-          <p:cNvPr id="23" name="Rettangolo arrotondato 22"/>
-          <p:cNvSpPr/>
-          <p:nvPr/>
-        </p:nvSpPr>
-        <p:spPr>
-          <a:xfrm>
-            <a:off x="7301330" y="5015813"/>
-            <a:ext cx="1656184" cy="576064"/>
-          </a:xfrm>
-          <a:prstGeom prst="roundRect">
-            <a:avLst/>
-          </a:prstGeom>
-          <a:solidFill>
-            <a:schemeClr val="accent5">
-              <a:lumMod val="20000"/>
-              <a:lumOff val="80000"/>
-            </a:schemeClr>
-          </a:solidFill>
-          <a:effectLst>
-            <a:outerShdw blurRad="50800" dist="38100" dir="2700000" algn="tl" rotWithShape="0">
-              <a:prstClr val="black">
-                <a:alpha val="40000"/>
-              </a:prstClr>
-            </a:outerShdw>
-          </a:effectLst>
-        </p:spPr>
-        <p:style>
-          <a:lnRef idx="2">
-            <a:schemeClr val="accent1">
-              <a:shade val="50000"/>
-            </a:schemeClr>
-          </a:lnRef>
-          <a:fillRef idx="1">
-            <a:schemeClr val="accent1"/>
-          </a:fillRef>
-          <a:effectRef idx="0">
-            <a:schemeClr val="accent1"/>
-          </a:effectRef>
-          <a:fontRef idx="minor">
-            <a:schemeClr val="lt1"/>
-          </a:fontRef>
-        </p:style>
-        <p:txBody>
-          <a:bodyPr rtlCol="0" anchor="ctr"/>
-          <a:lstStyle/>
-          <a:p>
-            <a:pPr algn="ctr"/>
-            <a:r>
-              <a:rPr lang="it-IT" sz="1400" b="1" dirty="0" smtClean="0">
-                <a:solidFill>
-                  <a:schemeClr val="tx1"/>
-                </a:solidFill>
-              </a:rPr>
-              <a:t>Organization</a:t>
-            </a:r>
-          </a:p>
-          <a:p>
-            <a:pPr algn="ctr"/>
-            <a:r>
-              <a:rPr lang="it-IT" sz="1400" b="1" dirty="0" smtClean="0">
-                <a:solidFill>
-                  <a:schemeClr val="tx1"/>
-                </a:solidFill>
-              </a:rPr>
-              <a:t>(hl7) </a:t>
-            </a:r>
-            <a:r>
-              <a:rPr lang="en-GB" sz="1400" dirty="0">
-                <a:solidFill>
-                  <a:srgbClr val="C00000"/>
-                </a:solidFill>
-                <a:latin typeface="Arial" panose="020B0604020202020204" pitchFamily="34" charset="0"/>
-                <a:cs typeface="Arial" panose="020B0604020202020204" pitchFamily="34" charset="0"/>
-              </a:rPr>
-              <a:t>1470790</a:t>
-            </a:r>
-            <a:endParaRPr lang="en-GB" sz="1400" b="1" dirty="0">
-              <a:solidFill>
-                <a:schemeClr val="tx1"/>
-              </a:solidFill>
-            </a:endParaRPr>
-          </a:p>
-        </p:txBody>
-      </p:sp>
-      <p:sp>
-        <p:nvSpPr>
-          <p:cNvPr id="17" name="Rettangolo arrotondato 16"/>
-          <p:cNvSpPr/>
-          <p:nvPr/>
-        </p:nvSpPr>
-        <p:spPr>
-          <a:xfrm>
-            <a:off x="1705487" y="2961673"/>
-            <a:ext cx="1224136" cy="576064"/>
-          </a:xfrm>
-          <a:prstGeom prst="roundRect">
-            <a:avLst/>
-          </a:prstGeom>
-          <a:solidFill>
-            <a:schemeClr val="accent5">
-              <a:lumMod val="20000"/>
-              <a:lumOff val="80000"/>
-            </a:schemeClr>
-          </a:solidFill>
-          <a:effectLst>
-            <a:outerShdw blurRad="50800" dist="38100" dir="2700000" algn="tl" rotWithShape="0">
-              <a:prstClr val="black">
-                <a:alpha val="40000"/>
-              </a:prstClr>
-            </a:outerShdw>
-          </a:effectLst>
-        </p:spPr>
-        <p:style>
-          <a:lnRef idx="2">
-            <a:schemeClr val="accent1">
-              <a:shade val="50000"/>
-            </a:schemeClr>
-          </a:lnRef>
-          <a:fillRef idx="1">
-            <a:schemeClr val="accent1"/>
-          </a:fillRef>
-          <a:effectRef idx="0">
-            <a:schemeClr val="accent1"/>
-          </a:effectRef>
-          <a:fontRef idx="minor">
-            <a:schemeClr val="lt1"/>
-          </a:fontRef>
-        </p:style>
-        <p:txBody>
-          <a:bodyPr rtlCol="0" anchor="ctr"/>
-          <a:lstStyle/>
-          <a:p>
-            <a:pPr algn="ctr"/>
-            <a:r>
-              <a:rPr lang="it-IT" sz="1400" b="1" dirty="0" err="1" smtClean="0">
-                <a:solidFill>
-                  <a:schemeClr val="tx1"/>
-                </a:solidFill>
-              </a:rPr>
-              <a:t>Observation</a:t>
-            </a:r>
-            <a:endParaRPr lang="en-GB" sz="1400" b="1" dirty="0">
-              <a:solidFill>
-                <a:schemeClr val="tx1"/>
-              </a:solidFill>
-            </a:endParaRPr>
-          </a:p>
-        </p:txBody>
-      </p:sp>
-      <p:sp>
-        <p:nvSpPr>
-          <p:cNvPr id="18" name="Rettangolo arrotondato 17"/>
-          <p:cNvSpPr/>
-          <p:nvPr/>
-        </p:nvSpPr>
-        <p:spPr>
-          <a:xfrm>
-            <a:off x="3414863" y="2961672"/>
-            <a:ext cx="1224136" cy="576064"/>
-          </a:xfrm>
-          <a:prstGeom prst="roundRect">
-            <a:avLst/>
-          </a:prstGeom>
-          <a:solidFill>
-            <a:schemeClr val="accent5">
-              <a:lumMod val="20000"/>
-              <a:lumOff val="80000"/>
-            </a:schemeClr>
-          </a:solidFill>
-          <a:effectLst>
-            <a:outerShdw blurRad="50800" dist="38100" dir="2700000" algn="tl" rotWithShape="0">
-              <a:prstClr val="black">
-                <a:alpha val="40000"/>
-              </a:prstClr>
-            </a:outerShdw>
-          </a:effectLst>
-        </p:spPr>
-        <p:style>
-          <a:lnRef idx="2">
-            <a:schemeClr val="accent1">
-              <a:shade val="50000"/>
-            </a:schemeClr>
-          </a:lnRef>
-          <a:fillRef idx="1">
-            <a:schemeClr val="accent1"/>
-          </a:fillRef>
-          <a:effectRef idx="0">
-            <a:schemeClr val="accent1"/>
-          </a:effectRef>
-          <a:fontRef idx="minor">
-            <a:schemeClr val="lt1"/>
-          </a:fontRef>
-        </p:style>
-        <p:txBody>
-          <a:bodyPr rtlCol="0" anchor="ctr"/>
-          <a:lstStyle/>
-          <a:p>
-            <a:pPr algn="ctr"/>
-            <a:r>
-              <a:rPr lang="it-IT" sz="1400" b="1" dirty="0" err="1" smtClean="0">
-                <a:solidFill>
-                  <a:schemeClr val="tx1"/>
-                </a:solidFill>
-              </a:rPr>
-              <a:t>Encounter</a:t>
-            </a:r>
-            <a:endParaRPr lang="en-GB" sz="1400" b="1" dirty="0">
-              <a:solidFill>
-                <a:schemeClr val="tx1"/>
-              </a:solidFill>
-            </a:endParaRPr>
-          </a:p>
-        </p:txBody>
-      </p:sp>
-      <p:cxnSp>
-        <p:nvCxnSpPr>
-          <p:cNvPr id="9" name="Connettore 4 8"/>
-          <p:cNvCxnSpPr>
-            <a:stCxn id="17" idx="1"/>
-            <a:endCxn id="2" idx="0"/>
-          </p:cNvCxnSpPr>
-          <p:nvPr/>
-        </p:nvCxnSpPr>
-        <p:spPr>
-          <a:xfrm rot="10800000" flipV="1">
-            <a:off x="1180759" y="3249704"/>
-            <a:ext cx="524729" cy="1068099"/>
-          </a:xfrm>
-          <a:prstGeom prst="bentConnector2">
-            <a:avLst/>
-          </a:prstGeom>
-          <a:ln>
-            <a:tailEnd type="arrow"/>
-          </a:ln>
-        </p:spPr>
-        <p:style>
-          <a:lnRef idx="1">
-            <a:schemeClr val="accent1"/>
-          </a:lnRef>
-          <a:fillRef idx="0">
-            <a:schemeClr val="accent1"/>
-          </a:fillRef>
-          <a:effectRef idx="0">
-            <a:schemeClr val="accent1"/>
-          </a:effectRef>
-          <a:fontRef idx="minor">
-            <a:schemeClr val="tx1"/>
-          </a:fontRef>
-        </p:style>
-      </p:cxnSp>
-      <p:cxnSp>
-        <p:nvCxnSpPr>
-          <p:cNvPr id="11" name="Connettore 4 10"/>
-          <p:cNvCxnSpPr>
-            <a:stCxn id="17" idx="3"/>
-            <a:endCxn id="18" idx="1"/>
-          </p:cNvCxnSpPr>
-          <p:nvPr/>
-        </p:nvCxnSpPr>
-        <p:spPr>
-          <a:xfrm flipV="1">
-            <a:off x="2929623" y="3249704"/>
-            <a:ext cx="485240" cy="1"/>
-          </a:xfrm>
-          <a:prstGeom prst="bentConnector3">
-            <a:avLst/>
-          </a:prstGeom>
-          <a:ln>
-            <a:tailEnd type="arrow"/>
-          </a:ln>
-        </p:spPr>
-        <p:style>
-          <a:lnRef idx="1">
-            <a:schemeClr val="accent1"/>
-          </a:lnRef>
-          <a:fillRef idx="0">
-            <a:schemeClr val="accent1"/>
-          </a:fillRef>
-          <a:effectRef idx="0">
-            <a:schemeClr val="accent1"/>
-          </a:effectRef>
-          <a:fontRef idx="minor">
-            <a:schemeClr val="tx1"/>
-          </a:fontRef>
-        </p:style>
-      </p:cxnSp>
-      <p:cxnSp>
-        <p:nvCxnSpPr>
-          <p:cNvPr id="19" name="Connettore 4 18"/>
-          <p:cNvCxnSpPr>
-            <a:stCxn id="18" idx="2"/>
-            <a:endCxn id="2" idx="0"/>
-          </p:cNvCxnSpPr>
-          <p:nvPr/>
-        </p:nvCxnSpPr>
-        <p:spPr>
-          <a:xfrm rot="5400000">
-            <a:off x="2213811" y="2504684"/>
-            <a:ext cx="780068" cy="2846173"/>
-          </a:xfrm>
-          <a:prstGeom prst="bentConnector3">
-            <a:avLst>
-              <a:gd name="adj1" fmla="val 50000"/>
-            </a:avLst>
-          </a:prstGeom>
-          <a:ln>
-            <a:tailEnd type="arrow"/>
-          </a:ln>
-        </p:spPr>
-        <p:style>
-          <a:lnRef idx="1">
-            <a:schemeClr val="accent1"/>
-          </a:lnRef>
-          <a:fillRef idx="0">
-            <a:schemeClr val="accent1"/>
-          </a:fillRef>
-          <a:effectRef idx="0">
-            <a:schemeClr val="accent1"/>
-          </a:effectRef>
-          <a:fontRef idx="minor">
-            <a:schemeClr val="tx1"/>
-          </a:fontRef>
-        </p:style>
-      </p:cxnSp>
-      <p:sp>
-        <p:nvSpPr>
-          <p:cNvPr id="28" name="Rettangolo arrotondato 27"/>
-          <p:cNvSpPr/>
-          <p:nvPr/>
-        </p:nvSpPr>
-        <p:spPr>
-          <a:xfrm>
-            <a:off x="6378493" y="2077973"/>
-            <a:ext cx="1224136" cy="576064"/>
-          </a:xfrm>
-          <a:prstGeom prst="roundRect">
-            <a:avLst/>
-          </a:prstGeom>
-          <a:solidFill>
-            <a:schemeClr val="accent5">
-              <a:lumMod val="20000"/>
-              <a:lumOff val="80000"/>
-            </a:schemeClr>
-          </a:solidFill>
-          <a:effectLst>
-            <a:outerShdw blurRad="50800" dist="38100" dir="2700000" algn="tl" rotWithShape="0">
-              <a:prstClr val="black">
-                <a:alpha val="40000"/>
-              </a:prstClr>
-            </a:outerShdw>
-          </a:effectLst>
-        </p:spPr>
-        <p:style>
-          <a:lnRef idx="2">
-            <a:schemeClr val="accent1">
-              <a:shade val="50000"/>
-            </a:schemeClr>
-          </a:lnRef>
-          <a:fillRef idx="1">
-            <a:schemeClr val="accent1"/>
-          </a:fillRef>
-          <a:effectRef idx="0">
-            <a:schemeClr val="accent1"/>
-          </a:effectRef>
-          <a:fontRef idx="minor">
-            <a:schemeClr val="lt1"/>
-          </a:fontRef>
-        </p:style>
-        <p:txBody>
-          <a:bodyPr rtlCol="0" anchor="ctr"/>
-          <a:lstStyle/>
-          <a:p>
-            <a:pPr algn="ctr"/>
-            <a:r>
-              <a:rPr lang="it-IT" sz="1400" b="1" dirty="0" err="1" smtClean="0">
-                <a:solidFill>
-                  <a:schemeClr val="tx1"/>
-                </a:solidFill>
-              </a:rPr>
-              <a:t>CarePlan</a:t>
-            </a:r>
-            <a:endParaRPr lang="en-GB" sz="1400" b="1" dirty="0">
-              <a:solidFill>
-                <a:schemeClr val="tx1"/>
-              </a:solidFill>
-            </a:endParaRPr>
-          </a:p>
-        </p:txBody>
-      </p:sp>
-      <p:cxnSp>
-        <p:nvCxnSpPr>
-          <p:cNvPr id="25" name="Connettore 4 24"/>
-          <p:cNvCxnSpPr>
-            <a:stCxn id="28" idx="1"/>
-            <a:endCxn id="18" idx="0"/>
-          </p:cNvCxnSpPr>
-          <p:nvPr/>
-        </p:nvCxnSpPr>
-        <p:spPr>
-          <a:xfrm rot="10800000" flipV="1">
-            <a:off x="4026931" y="2366004"/>
-            <a:ext cx="2351562" cy="595667"/>
-          </a:xfrm>
-          <a:prstGeom prst="bentConnector2">
-            <a:avLst/>
-          </a:prstGeom>
-          <a:ln>
-            <a:tailEnd type="arrow"/>
-          </a:ln>
-        </p:spPr>
-        <p:style>
-          <a:lnRef idx="1">
-            <a:schemeClr val="accent1"/>
-          </a:lnRef>
-          <a:fillRef idx="0">
-            <a:schemeClr val="accent1"/>
-          </a:fillRef>
-          <a:effectRef idx="0">
-            <a:schemeClr val="accent1"/>
-          </a:effectRef>
-          <a:fontRef idx="minor">
-            <a:schemeClr val="tx1"/>
-          </a:fontRef>
-        </p:style>
-      </p:cxnSp>
-      <p:sp>
-        <p:nvSpPr>
-          <p:cNvPr id="34" name="Rettangolo arrotondato 33"/>
-          <p:cNvSpPr/>
-          <p:nvPr/>
-        </p:nvSpPr>
-        <p:spPr>
-          <a:xfrm>
-            <a:off x="5126750" y="3086293"/>
-            <a:ext cx="1224136" cy="576064"/>
-          </a:xfrm>
-          <a:prstGeom prst="roundRect">
-            <a:avLst/>
-          </a:prstGeom>
-          <a:solidFill>
-            <a:schemeClr val="accent5">
-              <a:lumMod val="20000"/>
-              <a:lumOff val="80000"/>
-            </a:schemeClr>
-          </a:solidFill>
-          <a:effectLst>
-            <a:outerShdw blurRad="50800" dist="38100" dir="2700000" algn="tl" rotWithShape="0">
-              <a:prstClr val="black">
-                <a:alpha val="40000"/>
-              </a:prstClr>
-            </a:outerShdw>
-          </a:effectLst>
-        </p:spPr>
-        <p:style>
-          <a:lnRef idx="2">
-            <a:schemeClr val="accent1">
-              <a:shade val="50000"/>
-            </a:schemeClr>
-          </a:lnRef>
-          <a:fillRef idx="1">
-            <a:schemeClr val="accent1"/>
-          </a:fillRef>
-          <a:effectRef idx="0">
-            <a:schemeClr val="accent1"/>
-          </a:effectRef>
-          <a:fontRef idx="minor">
-            <a:schemeClr val="lt1"/>
-          </a:fontRef>
-        </p:style>
-        <p:txBody>
-          <a:bodyPr rtlCol="0" anchor="ctr"/>
-          <a:lstStyle/>
-          <a:p>
-            <a:pPr algn="ctr"/>
-            <a:r>
-              <a:rPr lang="en-GB" sz="1400" b="1" dirty="0">
-                <a:solidFill>
-                  <a:schemeClr val="tx1"/>
-                </a:solidFill>
-              </a:rPr>
-              <a:t>Practitioner</a:t>
-            </a:r>
-          </a:p>
-        </p:txBody>
-      </p:sp>
-      <p:cxnSp>
-        <p:nvCxnSpPr>
-          <p:cNvPr id="31" name="Connettore 4 30"/>
-          <p:cNvCxnSpPr>
-            <a:stCxn id="28" idx="2"/>
-            <a:endCxn id="34" idx="0"/>
-          </p:cNvCxnSpPr>
-          <p:nvPr/>
-        </p:nvCxnSpPr>
-        <p:spPr>
-          <a:xfrm rot="5400000">
-            <a:off x="6148562" y="2244294"/>
-            <a:ext cx="432256" cy="1251743"/>
-          </a:xfrm>
-          <a:prstGeom prst="bentConnector3">
-            <a:avLst/>
-          </a:prstGeom>
-          <a:ln>
-            <a:tailEnd type="arrow"/>
-          </a:ln>
-        </p:spPr>
-        <p:style>
-          <a:lnRef idx="1">
-            <a:schemeClr val="accent1"/>
-          </a:lnRef>
-          <a:fillRef idx="0">
-            <a:schemeClr val="accent1"/>
-          </a:fillRef>
-          <a:effectRef idx="0">
-            <a:schemeClr val="accent1"/>
-          </a:effectRef>
-          <a:fontRef idx="minor">
-            <a:schemeClr val="tx1"/>
-          </a:fontRef>
-        </p:style>
-      </p:cxnSp>
-      <p:sp>
-        <p:nvSpPr>
-          <p:cNvPr id="37" name="Rettangolo arrotondato 36"/>
-          <p:cNvSpPr/>
-          <p:nvPr/>
-        </p:nvSpPr>
-        <p:spPr>
-          <a:xfrm>
-            <a:off x="6472024" y="3086293"/>
-            <a:ext cx="1224136" cy="576064"/>
-          </a:xfrm>
-          <a:prstGeom prst="roundRect">
-            <a:avLst/>
-          </a:prstGeom>
-          <a:solidFill>
-            <a:schemeClr val="accent5">
-              <a:lumMod val="20000"/>
-              <a:lumOff val="80000"/>
-            </a:schemeClr>
-          </a:solidFill>
-          <a:effectLst>
-            <a:outerShdw blurRad="50800" dist="38100" dir="2700000" algn="tl" rotWithShape="0">
-              <a:prstClr val="black">
-                <a:alpha val="40000"/>
-              </a:prstClr>
-            </a:outerShdw>
-          </a:effectLst>
-        </p:spPr>
-        <p:style>
-          <a:lnRef idx="2">
-            <a:schemeClr val="accent1">
-              <a:shade val="50000"/>
-            </a:schemeClr>
-          </a:lnRef>
-          <a:fillRef idx="1">
-            <a:schemeClr val="accent1"/>
-          </a:fillRef>
-          <a:effectRef idx="0">
-            <a:schemeClr val="accent1"/>
-          </a:effectRef>
-          <a:fontRef idx="minor">
-            <a:schemeClr val="lt1"/>
-          </a:fontRef>
-        </p:style>
-        <p:txBody>
-          <a:bodyPr rtlCol="0" anchor="ctr"/>
-          <a:lstStyle/>
-          <a:p>
-            <a:pPr algn="ctr"/>
-            <a:r>
-              <a:rPr lang="en-GB" sz="1400" b="1" dirty="0" err="1" smtClean="0">
-                <a:solidFill>
-                  <a:schemeClr val="tx1"/>
-                </a:solidFill>
-              </a:rPr>
-              <a:t>CareTeam</a:t>
-            </a:r>
-            <a:endParaRPr lang="en-GB" sz="1400" b="1" dirty="0">
-              <a:solidFill>
-                <a:schemeClr val="tx1"/>
-              </a:solidFill>
-            </a:endParaRPr>
-          </a:p>
-        </p:txBody>
-      </p:sp>
-      <p:cxnSp>
-        <p:nvCxnSpPr>
-          <p:cNvPr id="33" name="Connettore 4 32"/>
-          <p:cNvCxnSpPr>
-            <a:stCxn id="28" idx="2"/>
-            <a:endCxn id="37" idx="0"/>
-          </p:cNvCxnSpPr>
-          <p:nvPr/>
-        </p:nvCxnSpPr>
-        <p:spPr>
-          <a:xfrm rot="16200000" flipH="1">
-            <a:off x="6821198" y="2823399"/>
-            <a:ext cx="432256" cy="93531"/>
-          </a:xfrm>
-          <a:prstGeom prst="bentConnector3">
-            <a:avLst/>
-          </a:prstGeom>
-          <a:ln>
-            <a:tailEnd type="arrow"/>
-          </a:ln>
-        </p:spPr>
-        <p:style>
-          <a:lnRef idx="1">
-            <a:schemeClr val="accent1"/>
-          </a:lnRef>
-          <a:fillRef idx="0">
-            <a:schemeClr val="accent1"/>
-          </a:fillRef>
-          <a:effectRef idx="0">
-            <a:schemeClr val="accent1"/>
-          </a:effectRef>
-          <a:fontRef idx="minor">
-            <a:schemeClr val="tx1"/>
-          </a:fontRef>
-        </p:style>
-      </p:cxnSp>
-      <p:sp>
-        <p:nvSpPr>
-          <p:cNvPr id="42" name="Rettangolo arrotondato 41"/>
-          <p:cNvSpPr/>
-          <p:nvPr/>
-        </p:nvSpPr>
-        <p:spPr>
-          <a:xfrm>
-            <a:off x="7808455" y="3086291"/>
-            <a:ext cx="1224136" cy="576064"/>
-          </a:xfrm>
-          <a:prstGeom prst="roundRect">
-            <a:avLst/>
-          </a:prstGeom>
-          <a:solidFill>
-            <a:schemeClr val="accent5">
-              <a:lumMod val="20000"/>
-              <a:lumOff val="80000"/>
-            </a:schemeClr>
-          </a:solidFill>
-          <a:effectLst>
-            <a:outerShdw blurRad="50800" dist="38100" dir="2700000" algn="tl" rotWithShape="0">
-              <a:prstClr val="black">
-                <a:alpha val="40000"/>
-              </a:prstClr>
-            </a:outerShdw>
-          </a:effectLst>
-        </p:spPr>
-        <p:style>
-          <a:lnRef idx="2">
-            <a:schemeClr val="accent1">
-              <a:shade val="50000"/>
-            </a:schemeClr>
-          </a:lnRef>
-          <a:fillRef idx="1">
-            <a:schemeClr val="accent1"/>
-          </a:fillRef>
-          <a:effectRef idx="0">
-            <a:schemeClr val="accent1"/>
-          </a:effectRef>
-          <a:fontRef idx="minor">
-            <a:schemeClr val="lt1"/>
-          </a:fontRef>
-        </p:style>
-        <p:txBody>
-          <a:bodyPr rtlCol="0" anchor="ctr"/>
-          <a:lstStyle/>
-          <a:p>
-            <a:pPr algn="ctr"/>
-            <a:r>
-              <a:rPr lang="en-GB" sz="1400" b="1" dirty="0" smtClean="0">
-                <a:solidFill>
-                  <a:schemeClr val="tx1"/>
-                </a:solidFill>
-              </a:rPr>
-              <a:t>Goal</a:t>
-            </a:r>
-            <a:endParaRPr lang="en-GB" sz="1400" b="1" dirty="0">
-              <a:solidFill>
-                <a:schemeClr val="tx1"/>
-              </a:solidFill>
-            </a:endParaRPr>
-          </a:p>
-        </p:txBody>
-      </p:sp>
-      <p:cxnSp>
-        <p:nvCxnSpPr>
-          <p:cNvPr id="44" name="Connettore 4 43"/>
-          <p:cNvCxnSpPr>
-            <a:stCxn id="28" idx="2"/>
-            <a:endCxn id="42" idx="0"/>
-          </p:cNvCxnSpPr>
-          <p:nvPr/>
-        </p:nvCxnSpPr>
-        <p:spPr>
-          <a:xfrm rot="16200000" flipH="1">
-            <a:off x="7489415" y="2155183"/>
-            <a:ext cx="432254" cy="1429962"/>
-          </a:xfrm>
-          <a:prstGeom prst="bentConnector3">
-            <a:avLst/>
-          </a:prstGeom>
-          <a:ln>
-            <a:tailEnd type="arrow"/>
-          </a:ln>
-        </p:spPr>
-        <p:style>
-          <a:lnRef idx="1">
-            <a:schemeClr val="accent1"/>
-          </a:lnRef>
-          <a:fillRef idx="0">
-            <a:schemeClr val="accent1"/>
-          </a:fillRef>
-          <a:effectRef idx="0">
-            <a:schemeClr val="accent1"/>
-          </a:effectRef>
-          <a:fontRef idx="minor">
-            <a:schemeClr val="tx1"/>
-          </a:fontRef>
-        </p:style>
-      </p:cxnSp>
-      <p:cxnSp>
-        <p:nvCxnSpPr>
-          <p:cNvPr id="46" name="Connettore 4 45"/>
-          <p:cNvCxnSpPr>
-            <a:stCxn id="28" idx="0"/>
-            <a:endCxn id="17" idx="0"/>
-          </p:cNvCxnSpPr>
-          <p:nvPr/>
-        </p:nvCxnSpPr>
-        <p:spPr>
-          <a:xfrm rot="16200000" flipH="1" flipV="1">
-            <a:off x="4212208" y="183320"/>
-            <a:ext cx="883700" cy="4673006"/>
-          </a:xfrm>
-          <a:prstGeom prst="bentConnector3">
-            <a:avLst>
-              <a:gd name="adj1" fmla="val -25869"/>
-            </a:avLst>
-          </a:prstGeom>
-          <a:ln>
-            <a:tailEnd type="arrow"/>
-          </a:ln>
-        </p:spPr>
-        <p:style>
-          <a:lnRef idx="1">
-            <a:schemeClr val="accent1"/>
-          </a:lnRef>
-          <a:fillRef idx="0">
-            <a:schemeClr val="accent1"/>
-          </a:fillRef>
-          <a:effectRef idx="0">
-            <a:schemeClr val="accent1"/>
-          </a:effectRef>
-          <a:fontRef idx="minor">
-            <a:schemeClr val="tx1"/>
-          </a:fontRef>
-        </p:style>
-      </p:cxnSp>
-      <p:cxnSp>
-        <p:nvCxnSpPr>
-          <p:cNvPr id="48" name="Connettore 4 47"/>
-          <p:cNvCxnSpPr>
-            <a:stCxn id="28" idx="0"/>
-            <a:endCxn id="2" idx="0"/>
-          </p:cNvCxnSpPr>
-          <p:nvPr/>
-        </p:nvCxnSpPr>
-        <p:spPr>
-          <a:xfrm rot="16200000" flipH="1" flipV="1">
-            <a:off x="2965744" y="292986"/>
-            <a:ext cx="2239831" cy="5809803"/>
-          </a:xfrm>
-          <a:prstGeom prst="bentConnector3">
-            <a:avLst>
-              <a:gd name="adj1" fmla="val -22518"/>
-            </a:avLst>
-          </a:prstGeom>
-          <a:ln>
-            <a:tailEnd type="arrow"/>
-          </a:ln>
-        </p:spPr>
-        <p:style>
-          <a:lnRef idx="1">
-            <a:schemeClr val="accent1"/>
-          </a:lnRef>
-          <a:fillRef idx="0">
-            <a:schemeClr val="accent1"/>
-          </a:fillRef>
-          <a:effectRef idx="0">
-            <a:schemeClr val="accent1"/>
-          </a:effectRef>
-          <a:fontRef idx="minor">
-            <a:schemeClr val="tx1"/>
-          </a:fontRef>
-        </p:style>
-      </p:cxnSp>
-      <p:sp>
-        <p:nvSpPr>
-          <p:cNvPr id="50" name="CasellaDiTesto 49"/>
-          <p:cNvSpPr txBox="1"/>
-          <p:nvPr/>
-        </p:nvSpPr>
-        <p:spPr>
-          <a:xfrm>
-            <a:off x="3553214" y="1342724"/>
-            <a:ext cx="1244251" cy="261610"/>
-          </a:xfrm>
-          <a:prstGeom prst="rect">
-            <a:avLst/>
-          </a:prstGeom>
-          <a:noFill/>
-        </p:spPr>
-        <p:txBody>
-          <a:bodyPr wrap="none" rtlCol="0">
-            <a:spAutoFit/>
-          </a:bodyPr>
-          <a:lstStyle/>
-          <a:p>
-            <a:r>
-              <a:rPr lang="it-IT" sz="1100" dirty="0" err="1" smtClean="0">
-                <a:latin typeface="+mj-lt"/>
-              </a:rPr>
-              <a:t>activity</a:t>
-            </a:r>
-            <a:r>
-              <a:rPr lang="it-IT" sz="1100" dirty="0" smtClean="0">
-                <a:latin typeface="+mj-lt"/>
-              </a:rPr>
-              <a:t>/performer</a:t>
-            </a:r>
-            <a:endParaRPr lang="en-GB" sz="1100" dirty="0">
-              <a:latin typeface="+mj-lt"/>
-            </a:endParaRPr>
-          </a:p>
-        </p:txBody>
-      </p:sp>
-      <p:sp>
-        <p:nvSpPr>
-          <p:cNvPr id="51" name="CasellaDiTesto 50"/>
-          <p:cNvSpPr txBox="1"/>
-          <p:nvPr/>
-        </p:nvSpPr>
-        <p:spPr>
-          <a:xfrm>
-            <a:off x="5623144" y="2654036"/>
-            <a:ext cx="569387" cy="261610"/>
-          </a:xfrm>
-          <a:prstGeom prst="rect">
-            <a:avLst/>
-          </a:prstGeom>
-          <a:noFill/>
-        </p:spPr>
-        <p:txBody>
-          <a:bodyPr wrap="none" rtlCol="0">
-            <a:spAutoFit/>
-          </a:bodyPr>
-          <a:lstStyle/>
-          <a:p>
-            <a:r>
-              <a:rPr lang="it-IT" sz="1100" dirty="0" err="1" smtClean="0">
-                <a:latin typeface="+mj-lt"/>
-              </a:rPr>
-              <a:t>author</a:t>
-            </a:r>
-            <a:endParaRPr lang="en-GB" sz="1100" dirty="0">
-              <a:latin typeface="+mj-lt"/>
-            </a:endParaRPr>
-          </a:p>
-        </p:txBody>
-      </p:sp>
-      <p:sp>
-        <p:nvSpPr>
-          <p:cNvPr id="52" name="CasellaDiTesto 51"/>
-          <p:cNvSpPr txBox="1"/>
-          <p:nvPr/>
-        </p:nvSpPr>
-        <p:spPr>
-          <a:xfrm>
-            <a:off x="4150778" y="1616971"/>
-            <a:ext cx="1279517" cy="261610"/>
-          </a:xfrm>
-          <a:prstGeom prst="rect">
-            <a:avLst/>
-          </a:prstGeom>
-          <a:noFill/>
-        </p:spPr>
-        <p:txBody>
-          <a:bodyPr wrap="none" rtlCol="0">
-            <a:spAutoFit/>
-          </a:bodyPr>
-          <a:lstStyle/>
-          <a:p>
-            <a:r>
-              <a:rPr lang="en-GB" sz="1100" dirty="0" err="1"/>
-              <a:t>outcomeReference</a:t>
-            </a:r>
-            <a:endParaRPr lang="en-GB" sz="1100" dirty="0">
-              <a:latin typeface="+mj-lt"/>
-            </a:endParaRPr>
-          </a:p>
-        </p:txBody>
-      </p:sp>
-      <p:sp>
-        <p:nvSpPr>
-          <p:cNvPr id="61" name="CasellaDiTesto 60"/>
-          <p:cNvSpPr txBox="1"/>
-          <p:nvPr/>
-        </p:nvSpPr>
-        <p:spPr>
-          <a:xfrm>
-            <a:off x="1144804" y="2961673"/>
-            <a:ext cx="596638" cy="261610"/>
-          </a:xfrm>
-          <a:prstGeom prst="rect">
-            <a:avLst/>
-          </a:prstGeom>
-          <a:noFill/>
-        </p:spPr>
-        <p:txBody>
-          <a:bodyPr wrap="none" rtlCol="0">
-            <a:spAutoFit/>
-          </a:bodyPr>
-          <a:lstStyle/>
-          <a:p>
-            <a:r>
-              <a:rPr lang="it-IT" sz="1100" dirty="0" err="1" smtClean="0">
-                <a:latin typeface="+mj-lt"/>
-              </a:rPr>
-              <a:t>subject</a:t>
-            </a:r>
-            <a:endParaRPr lang="en-GB" sz="1100" dirty="0">
-              <a:latin typeface="+mj-lt"/>
-            </a:endParaRPr>
-          </a:p>
-        </p:txBody>
-      </p:sp>
-      <p:sp>
-        <p:nvSpPr>
-          <p:cNvPr id="62" name="CasellaDiTesto 61"/>
-          <p:cNvSpPr txBox="1"/>
-          <p:nvPr/>
-        </p:nvSpPr>
-        <p:spPr>
-          <a:xfrm>
-            <a:off x="1791693" y="4665693"/>
-            <a:ext cx="1473480" cy="261610"/>
-          </a:xfrm>
-          <a:prstGeom prst="rect">
-            <a:avLst/>
-          </a:prstGeom>
-          <a:noFill/>
-        </p:spPr>
-        <p:txBody>
-          <a:bodyPr wrap="none" rtlCol="0">
-            <a:spAutoFit/>
-          </a:bodyPr>
-          <a:lstStyle/>
-          <a:p>
-            <a:r>
-              <a:rPr lang="en-GB" sz="1100" dirty="0" err="1"/>
-              <a:t>managingOrganization</a:t>
-            </a:r>
-            <a:endParaRPr lang="en-GB" sz="1100" dirty="0">
-              <a:latin typeface="+mj-lt"/>
-            </a:endParaRPr>
-          </a:p>
-        </p:txBody>
-      </p:sp>
-      <p:sp>
-        <p:nvSpPr>
-          <p:cNvPr id="63" name="CasellaDiTesto 62"/>
-          <p:cNvSpPr txBox="1"/>
-          <p:nvPr/>
-        </p:nvSpPr>
-        <p:spPr>
-          <a:xfrm>
-            <a:off x="6655942" y="4670460"/>
-            <a:ext cx="1473480" cy="261610"/>
-          </a:xfrm>
-          <a:prstGeom prst="rect">
-            <a:avLst/>
-          </a:prstGeom>
-          <a:noFill/>
-        </p:spPr>
-        <p:txBody>
-          <a:bodyPr wrap="none" rtlCol="0">
-            <a:spAutoFit/>
-          </a:bodyPr>
-          <a:lstStyle/>
-          <a:p>
-            <a:r>
-              <a:rPr lang="en-GB" sz="1100" dirty="0" err="1"/>
-              <a:t>managingOrganization</a:t>
-            </a:r>
-            <a:endParaRPr lang="en-GB" sz="1100" dirty="0">
-              <a:latin typeface="+mj-lt"/>
-            </a:endParaRPr>
-          </a:p>
-        </p:txBody>
-      </p:sp>
-      <p:sp>
-        <p:nvSpPr>
-          <p:cNvPr id="95" name="CasellaDiTesto 94"/>
-          <p:cNvSpPr txBox="1"/>
-          <p:nvPr/>
-        </p:nvSpPr>
-        <p:spPr>
-          <a:xfrm>
-            <a:off x="2317555" y="3666160"/>
-            <a:ext cx="596638" cy="261610"/>
-          </a:xfrm>
-          <a:prstGeom prst="rect">
-            <a:avLst/>
-          </a:prstGeom>
-          <a:noFill/>
-        </p:spPr>
-        <p:txBody>
-          <a:bodyPr wrap="none" rtlCol="0">
-            <a:spAutoFit/>
-          </a:bodyPr>
-          <a:lstStyle/>
-          <a:p>
-            <a:r>
-              <a:rPr lang="it-IT" sz="1100" dirty="0" err="1" smtClean="0">
-                <a:latin typeface="+mj-lt"/>
-              </a:rPr>
-              <a:t>subject</a:t>
-            </a:r>
-            <a:endParaRPr lang="en-GB" sz="1100" dirty="0">
-              <a:latin typeface="+mj-lt"/>
-            </a:endParaRPr>
-          </a:p>
-        </p:txBody>
-      </p:sp>
-      <p:sp>
-        <p:nvSpPr>
-          <p:cNvPr id="96" name="Rettangolo 95"/>
-          <p:cNvSpPr/>
-          <p:nvPr/>
-        </p:nvSpPr>
-        <p:spPr>
-          <a:xfrm>
-            <a:off x="3695968" y="3280588"/>
-            <a:ext cx="779381" cy="276999"/>
-          </a:xfrm>
-          <a:prstGeom prst="rect">
-            <a:avLst/>
-          </a:prstGeom>
-        </p:spPr>
-        <p:txBody>
-          <a:bodyPr wrap="none">
-            <a:spAutoFit/>
-          </a:bodyPr>
-          <a:lstStyle/>
-          <a:p>
-            <a:r>
-              <a:rPr lang="en-GB" sz="1200" dirty="0">
-                <a:solidFill>
-                  <a:srgbClr val="C00000"/>
-                </a:solidFill>
-                <a:latin typeface="Arial" panose="020B0604020202020204" pitchFamily="34" charset="0"/>
-                <a:cs typeface="Arial" panose="020B0604020202020204" pitchFamily="34" charset="0"/>
-              </a:rPr>
-              <a:t>1471284</a:t>
-            </a:r>
-          </a:p>
-        </p:txBody>
-      </p:sp>
-      <p:sp>
-        <p:nvSpPr>
-          <p:cNvPr id="97" name="CasellaDiTesto 96"/>
-          <p:cNvSpPr txBox="1"/>
-          <p:nvPr/>
-        </p:nvSpPr>
-        <p:spPr>
-          <a:xfrm>
-            <a:off x="1950706" y="3280588"/>
-            <a:ext cx="779381" cy="276999"/>
-          </a:xfrm>
-          <a:prstGeom prst="rect">
-            <a:avLst/>
-          </a:prstGeom>
-          <a:noFill/>
-        </p:spPr>
-        <p:txBody>
-          <a:bodyPr wrap="none" rtlCol="0">
-            <a:spAutoFit/>
-          </a:bodyPr>
-          <a:lstStyle/>
-          <a:p>
-            <a:r>
-              <a:rPr lang="en-GB" sz="1200" dirty="0">
-                <a:solidFill>
-                  <a:srgbClr val="C00000"/>
-                </a:solidFill>
-                <a:latin typeface="Arial" panose="020B0604020202020204" pitchFamily="34" charset="0"/>
-                <a:cs typeface="Arial" panose="020B0604020202020204" pitchFamily="34" charset="0"/>
-              </a:rPr>
-              <a:t>1471328</a:t>
-            </a:r>
-          </a:p>
-        </p:txBody>
-      </p:sp>
-      <p:sp>
-        <p:nvSpPr>
-          <p:cNvPr id="98" name="? 97">
-            <a:hlinkClick r:id="" action="ppaction://noaction" highlightClick="1"/>
-          </p:cNvPr>
-          <p:cNvSpPr/>
-          <p:nvPr/>
-        </p:nvSpPr>
-        <p:spPr>
-          <a:xfrm>
-            <a:off x="3553214" y="2641472"/>
-            <a:ext cx="268656" cy="274174"/>
-          </a:xfrm>
-          <a:prstGeom prst="actionButtonHelp">
-            <a:avLst/>
-          </a:prstGeom>
-        </p:spPr>
-        <p:style>
-          <a:lnRef idx="1">
-            <a:schemeClr val="accent6"/>
-          </a:lnRef>
-          <a:fillRef idx="2">
-            <a:schemeClr val="accent6"/>
-          </a:fillRef>
-          <a:effectRef idx="1">
-            <a:schemeClr val="accent6"/>
-          </a:effectRef>
-          <a:fontRef idx="minor">
-            <a:schemeClr val="dk1"/>
-          </a:fontRef>
-        </p:style>
-        <p:txBody>
-          <a:bodyPr rtlCol="0" anchor="ctr"/>
-          <a:lstStyle/>
-          <a:p>
-            <a:pPr algn="ctr"/>
-            <a:endParaRPr lang="en-GB"/>
-          </a:p>
-        </p:txBody>
-      </p:sp>
-    </p:spTree>
-    <p:extLst>
-      <p:ext uri="{BB962C8B-B14F-4D97-AF65-F5344CB8AC3E}">
-        <p14:creationId xmlns:p14="http://schemas.microsoft.com/office/powerpoint/2010/main" val="839436079"/>
-      </p:ext>
-    </p:extLst>
-  </p:cSld>
-  <p:clrMapOvr>
-    <a:masterClrMapping/>
-  </p:clrMapOvr>
-</p:sld>
-</file>
-
-<file path=ppt/slides/slide9.xml><?xml version="1.0" encoding="utf-8"?>
-<p:sld xmlns:a="http://schemas.openxmlformats.org/drawingml/2006/main" xmlns:r="http://schemas.openxmlformats.org/officeDocument/2006/relationships" xmlns:p="http://schemas.openxmlformats.org/presentationml/2006/main">
-  <p:cSld>
-    <p:spTree>
-      <p:nvGrpSpPr>
-        <p:cNvPr id="1" name=""/>
-        <p:cNvGrpSpPr/>
-        <p:nvPr/>
-      </p:nvGrpSpPr>
-      <p:grpSpPr>
-        <a:xfrm>
-          <a:off x="0" y="0"/>
-          <a:ext cx="0" cy="0"/>
-          <a:chOff x="0" y="0"/>
-          <a:chExt cx="0" cy="0"/>
-        </a:xfrm>
-      </p:grpSpPr>
-      <p:pic>
-        <p:nvPicPr>
-          <p:cNvPr id="4098" name="Picture 2" descr="Image showing the scheduling interactions"/>
-          <p:cNvPicPr>
-            <a:picLocks noChangeAspect="1" noChangeArrowheads="1"/>
-          </p:cNvPicPr>
-          <p:nvPr/>
-        </p:nvPicPr>
-        <p:blipFill>
-          <a:blip r:embed="rId2">
-            <a:extLst>
-              <a:ext uri="{28A0092B-C50C-407E-A947-70E740481C1C}">
-                <a14:useLocalDpi xmlns:a14="http://schemas.microsoft.com/office/drawing/2010/main" val="0"/>
-              </a:ext>
-            </a:extLst>
-          </a:blip>
-          <a:srcRect/>
-          <a:stretch>
-            <a:fillRect/>
-          </a:stretch>
-        </p:blipFill>
-        <p:spPr bwMode="auto">
-          <a:xfrm>
-            <a:off x="611560" y="908720"/>
-            <a:ext cx="7105650" cy="4038601"/>
-          </a:xfrm>
-          <a:prstGeom prst="rect">
-            <a:avLst/>
-          </a:prstGeom>
-          <a:noFill/>
-          <a:extLst>
-            <a:ext uri="{909E8E84-426E-40DD-AFC4-6F175D3DCCD1}">
-              <a14:hiddenFill xmlns:a14="http://schemas.microsoft.com/office/drawing/2010/main">
-                <a:solidFill>
-                  <a:srgbClr val="FFFFFF"/>
-                </a:solidFill>
-              </a14:hiddenFill>
-            </a:ext>
-          </a:extLst>
-        </p:spPr>
-      </p:pic>
-    </p:spTree>
-    <p:extLst>
-      <p:ext uri="{BB962C8B-B14F-4D97-AF65-F5344CB8AC3E}">
-        <p14:creationId xmlns:p14="http://schemas.microsoft.com/office/powerpoint/2010/main" val="3916634767"/>
       </p:ext>
     </p:extLst>
   </p:cSld>
